--- a/2.7 and 2.8 Documentation Template 1.pptx
+++ b/2.7 and 2.8 Documentation Template 1.pptx
@@ -158,7 +158,7 @@
   <pc:docChgLst>
     <pc:chgData name="Elme Pieterse" userId="cf235864-f06d-4d9c-a838-9d693a8e3248" providerId="ADAL" clId="{44400E0D-F01E-4C52-8DFE-33262DF1F20E}"/>
     <pc:docChg chg="undo redo custSel addSld delSld modSld sldOrd">
-      <pc:chgData name="Elme Pieterse" userId="cf235864-f06d-4d9c-a838-9d693a8e3248" providerId="ADAL" clId="{44400E0D-F01E-4C52-8DFE-33262DF1F20E}" dt="2024-04-10T08:17:50.630" v="3848" actId="20577"/>
+      <pc:chgData name="Elme Pieterse" userId="cf235864-f06d-4d9c-a838-9d693a8e3248" providerId="ADAL" clId="{44400E0D-F01E-4C52-8DFE-33262DF1F20E}" dt="2024-04-10T23:35:16.227" v="4085" actId="1037"/>
       <pc:docMkLst>
         <pc:docMk/>
       </pc:docMkLst>
@@ -2012,13 +2012,13 @@
         </pc:sldMkLst>
       </pc:sldChg>
       <pc:sldChg chg="addSp delSp modSp add mod ord">
-        <pc:chgData name="Elme Pieterse" userId="cf235864-f06d-4d9c-a838-9d693a8e3248" providerId="ADAL" clId="{44400E0D-F01E-4C52-8DFE-33262DF1F20E}" dt="2024-04-10T08:17:39.878" v="3830" actId="1036"/>
+        <pc:chgData name="Elme Pieterse" userId="cf235864-f06d-4d9c-a838-9d693a8e3248" providerId="ADAL" clId="{44400E0D-F01E-4C52-8DFE-33262DF1F20E}" dt="2024-04-10T23:35:16.227" v="4085" actId="1037"/>
         <pc:sldMkLst>
           <pc:docMk/>
           <pc:sldMk cId="10480317" sldId="289"/>
         </pc:sldMkLst>
         <pc:spChg chg="mod">
-          <ac:chgData name="Elme Pieterse" userId="cf235864-f06d-4d9c-a838-9d693a8e3248" providerId="ADAL" clId="{44400E0D-F01E-4C52-8DFE-33262DF1F20E}" dt="2024-04-10T07:18:09.233" v="3797" actId="20577"/>
+          <ac:chgData name="Elme Pieterse" userId="cf235864-f06d-4d9c-a838-9d693a8e3248" providerId="ADAL" clId="{44400E0D-F01E-4C52-8DFE-33262DF1F20E}" dt="2024-04-10T23:34:52.490" v="3987" actId="403"/>
           <ac:spMkLst>
             <pc:docMk/>
             <pc:sldMk cId="10480317" sldId="289"/>
@@ -2082,7 +2082,7 @@
           </ac:graphicFrameMkLst>
         </pc:graphicFrameChg>
         <pc:graphicFrameChg chg="add mod modGraphic">
-          <ac:chgData name="Elme Pieterse" userId="cf235864-f06d-4d9c-a838-9d693a8e3248" providerId="ADAL" clId="{44400E0D-F01E-4C52-8DFE-33262DF1F20E}" dt="2024-04-10T08:17:39.878" v="3830" actId="1036"/>
+          <ac:chgData name="Elme Pieterse" userId="cf235864-f06d-4d9c-a838-9d693a8e3248" providerId="ADAL" clId="{44400E0D-F01E-4C52-8DFE-33262DF1F20E}" dt="2024-04-10T23:25:48.565" v="3943" actId="14734"/>
           <ac:graphicFrameMkLst>
             <pc:docMk/>
             <pc:sldMk cId="10480317" sldId="289"/>
@@ -2090,7 +2090,7 @@
           </ac:graphicFrameMkLst>
         </pc:graphicFrameChg>
         <pc:graphicFrameChg chg="add mod modGraphic">
-          <ac:chgData name="Elme Pieterse" userId="cf235864-f06d-4d9c-a838-9d693a8e3248" providerId="ADAL" clId="{44400E0D-F01E-4C52-8DFE-33262DF1F20E}" dt="2024-04-10T08:17:39.878" v="3830" actId="1036"/>
+          <ac:chgData name="Elme Pieterse" userId="cf235864-f06d-4d9c-a838-9d693a8e3248" providerId="ADAL" clId="{44400E0D-F01E-4C52-8DFE-33262DF1F20E}" dt="2024-04-10T23:25:42.334" v="3941" actId="14734"/>
           <ac:graphicFrameMkLst>
             <pc:docMk/>
             <pc:sldMk cId="10480317" sldId="289"/>
@@ -2098,7 +2098,7 @@
           </ac:graphicFrameMkLst>
         </pc:graphicFrameChg>
         <pc:graphicFrameChg chg="add del mod modGraphic">
-          <ac:chgData name="Elme Pieterse" userId="cf235864-f06d-4d9c-a838-9d693a8e3248" providerId="ADAL" clId="{44400E0D-F01E-4C52-8DFE-33262DF1F20E}" dt="2024-04-10T08:17:39.878" v="3830" actId="1036"/>
+          <ac:chgData name="Elme Pieterse" userId="cf235864-f06d-4d9c-a838-9d693a8e3248" providerId="ADAL" clId="{44400E0D-F01E-4C52-8DFE-33262DF1F20E}" dt="2024-04-10T23:26:08.984" v="3947" actId="14100"/>
           <ac:graphicFrameMkLst>
             <pc:docMk/>
             <pc:sldMk cId="10480317" sldId="289"/>
@@ -2111,6 +2111,62 @@
             <pc:docMk/>
             <pc:sldMk cId="10480317" sldId="289"/>
             <ac:picMk id="6" creationId="{9DAE2B4B-0530-C3FC-88AC-C1D33E6078B9}"/>
+          </ac:picMkLst>
+        </pc:picChg>
+        <pc:picChg chg="add mod">
+          <ac:chgData name="Elme Pieterse" userId="cf235864-f06d-4d9c-a838-9d693a8e3248" providerId="ADAL" clId="{44400E0D-F01E-4C52-8DFE-33262DF1F20E}" dt="2024-04-10T23:35:03.815" v="4036" actId="1035"/>
+          <ac:picMkLst>
+            <pc:docMk/>
+            <pc:sldMk cId="10480317" sldId="289"/>
+            <ac:picMk id="6" creationId="{E4F125B8-D212-51CD-5B45-81833F8D3496}"/>
+          </ac:picMkLst>
+        </pc:picChg>
+        <pc:picChg chg="add mod">
+          <ac:chgData name="Elme Pieterse" userId="cf235864-f06d-4d9c-a838-9d693a8e3248" providerId="ADAL" clId="{44400E0D-F01E-4C52-8DFE-33262DF1F20E}" dt="2024-04-10T23:35:16.227" v="4085" actId="1037"/>
+          <ac:picMkLst>
+            <pc:docMk/>
+            <pc:sldMk cId="10480317" sldId="289"/>
+            <ac:picMk id="9" creationId="{75C8000B-8D19-1CD7-5BA8-E56F5109BBD6}"/>
+          </ac:picMkLst>
+        </pc:picChg>
+        <pc:picChg chg="add mod">
+          <ac:chgData name="Elme Pieterse" userId="cf235864-f06d-4d9c-a838-9d693a8e3248" providerId="ADAL" clId="{44400E0D-F01E-4C52-8DFE-33262DF1F20E}" dt="2024-04-10T23:35:16.227" v="4085" actId="1037"/>
+          <ac:picMkLst>
+            <pc:docMk/>
+            <pc:sldMk cId="10480317" sldId="289"/>
+            <ac:picMk id="11" creationId="{3E8CBDD8-C1A8-F620-0FDE-C4EBBBDE19DC}"/>
+          </ac:picMkLst>
+        </pc:picChg>
+        <pc:picChg chg="add mod">
+          <ac:chgData name="Elme Pieterse" userId="cf235864-f06d-4d9c-a838-9d693a8e3248" providerId="ADAL" clId="{44400E0D-F01E-4C52-8DFE-33262DF1F20E}" dt="2024-04-10T23:35:03.815" v="4036" actId="1035"/>
+          <ac:picMkLst>
+            <pc:docMk/>
+            <pc:sldMk cId="10480317" sldId="289"/>
+            <ac:picMk id="13" creationId="{D4376804-A6C0-86B2-1BE1-CB89CD98E265}"/>
+          </ac:picMkLst>
+        </pc:picChg>
+        <pc:picChg chg="add mod">
+          <ac:chgData name="Elme Pieterse" userId="cf235864-f06d-4d9c-a838-9d693a8e3248" providerId="ADAL" clId="{44400E0D-F01E-4C52-8DFE-33262DF1F20E}" dt="2024-04-10T23:35:03.815" v="4036" actId="1035"/>
+          <ac:picMkLst>
+            <pc:docMk/>
+            <pc:sldMk cId="10480317" sldId="289"/>
+            <ac:picMk id="15" creationId="{A90652A6-240A-B890-A5A4-897498CAF314}"/>
+          </ac:picMkLst>
+        </pc:picChg>
+        <pc:picChg chg="add mod">
+          <ac:chgData name="Elme Pieterse" userId="cf235864-f06d-4d9c-a838-9d693a8e3248" providerId="ADAL" clId="{44400E0D-F01E-4C52-8DFE-33262DF1F20E}" dt="2024-04-10T23:35:03.815" v="4036" actId="1035"/>
+          <ac:picMkLst>
+            <pc:docMk/>
+            <pc:sldMk cId="10480317" sldId="289"/>
+            <ac:picMk id="17" creationId="{C425D4AE-A809-6881-6A38-91D6825586D5}"/>
+          </ac:picMkLst>
+        </pc:picChg>
+        <pc:picChg chg="add mod">
+          <ac:chgData name="Elme Pieterse" userId="cf235864-f06d-4d9c-a838-9d693a8e3248" providerId="ADAL" clId="{44400E0D-F01E-4C52-8DFE-33262DF1F20E}" dt="2024-04-10T23:35:03.815" v="4036" actId="1035"/>
+          <ac:picMkLst>
+            <pc:docMk/>
+            <pc:sldMk cId="10480317" sldId="289"/>
+            <ac:picMk id="19" creationId="{D25CDD86-0A95-20C6-742A-F35AE270BC37}"/>
           </ac:picMkLst>
         </pc:picChg>
         <pc:cxnChg chg="del">
@@ -2605,7 +2661,7 @@
           <a:p>
             <a:fld id="{F37D28C0-BEB6-42B0-A203-EEE1023219C4}" type="datetimeFigureOut">
               <a:rPr lang="en-NZ" smtClean="0"/>
-              <a:t>10/04/2024</a:t>
+              <a:t>11/04/2024</a:t>
             </a:fld>
             <a:endParaRPr lang="en-NZ"/>
           </a:p>
@@ -6148,7 +6204,7 @@
           <a:p>
             <a:fld id="{9C4A4F43-1C06-40E6-8F87-8B286982E50E}" type="datetimeFigureOut">
               <a:rPr lang="en-NZ" smtClean="0"/>
-              <a:t>10/04/2024</a:t>
+              <a:t>11/04/2024</a:t>
             </a:fld>
             <a:endParaRPr lang="en-NZ" dirty="0"/>
           </a:p>
@@ -6348,7 +6404,7 @@
           <a:p>
             <a:fld id="{9C4A4F43-1C06-40E6-8F87-8B286982E50E}" type="datetimeFigureOut">
               <a:rPr lang="en-NZ" smtClean="0"/>
-              <a:t>10/04/2024</a:t>
+              <a:t>11/04/2024</a:t>
             </a:fld>
             <a:endParaRPr lang="en-NZ" dirty="0"/>
           </a:p>
@@ -6558,7 +6614,7 @@
           <a:p>
             <a:fld id="{9C4A4F43-1C06-40E6-8F87-8B286982E50E}" type="datetimeFigureOut">
               <a:rPr lang="en-NZ" smtClean="0"/>
-              <a:t>10/04/2024</a:t>
+              <a:t>11/04/2024</a:t>
             </a:fld>
             <a:endParaRPr lang="en-NZ" dirty="0"/>
           </a:p>
@@ -7117,7 +7173,7 @@
           <a:p>
             <a:fld id="{9C4A4F43-1C06-40E6-8F87-8B286982E50E}" type="datetimeFigureOut">
               <a:rPr lang="en-NZ" smtClean="0"/>
-              <a:t>10/04/2024</a:t>
+              <a:t>11/04/2024</a:t>
             </a:fld>
             <a:endParaRPr lang="en-NZ" dirty="0"/>
           </a:p>
@@ -7393,7 +7449,7 @@
           <a:p>
             <a:fld id="{9C4A4F43-1C06-40E6-8F87-8B286982E50E}" type="datetimeFigureOut">
               <a:rPr lang="en-NZ" smtClean="0"/>
-              <a:t>10/04/2024</a:t>
+              <a:t>11/04/2024</a:t>
             </a:fld>
             <a:endParaRPr lang="en-NZ" dirty="0"/>
           </a:p>
@@ -7661,7 +7717,7 @@
           <a:p>
             <a:fld id="{9C4A4F43-1C06-40E6-8F87-8B286982E50E}" type="datetimeFigureOut">
               <a:rPr lang="en-NZ" smtClean="0"/>
-              <a:t>10/04/2024</a:t>
+              <a:t>11/04/2024</a:t>
             </a:fld>
             <a:endParaRPr lang="en-NZ" dirty="0"/>
           </a:p>
@@ -8076,7 +8132,7 @@
           <a:p>
             <a:fld id="{9C4A4F43-1C06-40E6-8F87-8B286982E50E}" type="datetimeFigureOut">
               <a:rPr lang="en-NZ" smtClean="0"/>
-              <a:t>10/04/2024</a:t>
+              <a:t>11/04/2024</a:t>
             </a:fld>
             <a:endParaRPr lang="en-NZ" dirty="0"/>
           </a:p>
@@ -8218,7 +8274,7 @@
           <a:p>
             <a:fld id="{9C4A4F43-1C06-40E6-8F87-8B286982E50E}" type="datetimeFigureOut">
               <a:rPr lang="en-NZ" smtClean="0"/>
-              <a:t>10/04/2024</a:t>
+              <a:t>11/04/2024</a:t>
             </a:fld>
             <a:endParaRPr lang="en-NZ" dirty="0"/>
           </a:p>
@@ -8331,7 +8387,7 @@
           <a:p>
             <a:fld id="{9C4A4F43-1C06-40E6-8F87-8B286982E50E}" type="datetimeFigureOut">
               <a:rPr lang="en-NZ" smtClean="0"/>
-              <a:t>10/04/2024</a:t>
+              <a:t>11/04/2024</a:t>
             </a:fld>
             <a:endParaRPr lang="en-NZ" dirty="0"/>
           </a:p>
@@ -8644,7 +8700,7 @@
           <a:p>
             <a:fld id="{9C4A4F43-1C06-40E6-8F87-8B286982E50E}" type="datetimeFigureOut">
               <a:rPr lang="en-NZ" smtClean="0"/>
-              <a:t>10/04/2024</a:t>
+              <a:t>11/04/2024</a:t>
             </a:fld>
             <a:endParaRPr lang="en-NZ" dirty="0"/>
           </a:p>
@@ -8933,7 +8989,7 @@
           <a:p>
             <a:fld id="{9C4A4F43-1C06-40E6-8F87-8B286982E50E}" type="datetimeFigureOut">
               <a:rPr lang="en-NZ" smtClean="0"/>
-              <a:t>10/04/2024</a:t>
+              <a:t>11/04/2024</a:t>
             </a:fld>
             <a:endParaRPr lang="en-NZ" dirty="0"/>
           </a:p>
@@ -9176,7 +9232,7 @@
           <a:p>
             <a:fld id="{9C4A4F43-1C06-40E6-8F87-8B286982E50E}" type="datetimeFigureOut">
               <a:rPr lang="en-NZ" smtClean="0"/>
-              <a:t>10/04/2024</a:t>
+              <a:t>11/04/2024</a:t>
             </a:fld>
             <a:endParaRPr lang="en-NZ" dirty="0"/>
           </a:p>
@@ -14516,13 +14572,13 @@
         </p:nvSpPr>
         <p:spPr>
           <a:xfrm>
-            <a:off x="1371597" y="348865"/>
-            <a:ext cx="10044023" cy="877729"/>
+            <a:off x="241298" y="333373"/>
+            <a:ext cx="4038766" cy="877729"/>
           </a:xfrm>
         </p:spPr>
         <p:txBody>
           <a:bodyPr vert="horz" lIns="91440" tIns="45720" rIns="91440" bIns="45720" rtlCol="0" anchor="ctr">
-            <a:normAutofit/>
+            <a:noAutofit/>
           </a:bodyPr>
           <a:lstStyle/>
           <a:p>
@@ -14553,14 +14609,14 @@
           <p:nvPr>
             <p:extLst>
               <p:ext uri="{D42A27DB-BD31-4B8C-83A1-F6EECF244321}">
-                <p14:modId xmlns:p14="http://schemas.microsoft.com/office/powerpoint/2010/main" val="944487902"/>
+                <p14:modId xmlns:p14="http://schemas.microsoft.com/office/powerpoint/2010/main" val="687170815"/>
               </p:ext>
             </p:extLst>
           </p:nvPr>
         </p:nvGraphicFramePr>
         <p:xfrm>
-          <a:off x="202387" y="1716038"/>
-          <a:ext cx="5174815" cy="1388586"/>
+          <a:off x="115888" y="1678967"/>
+          <a:ext cx="4023624" cy="1297146"/>
         </p:xfrm>
         <a:graphic>
           <a:graphicData uri="http://schemas.openxmlformats.org/drawingml/2006/table">
@@ -14569,14 +14625,14 @@
                 <a:noFill/>
               </a:tblPr>
               <a:tblGrid>
-                <a:gridCol w="2845613">
+                <a:gridCol w="2417247">
                   <a:extLst>
                     <a:ext uri="{9D8B030D-6E8A-4147-A177-3AD203B41FA5}">
                       <a16:colId xmlns:a16="http://schemas.microsoft.com/office/drawing/2014/main" val="20000"/>
                     </a:ext>
                   </a:extLst>
                 </a:gridCol>
-                <a:gridCol w="2329202">
+                <a:gridCol w="1606377">
                   <a:extLst>
                     <a:ext uri="{9D8B030D-6E8A-4147-A177-3AD203B41FA5}">
                       <a16:colId xmlns:a16="http://schemas.microsoft.com/office/drawing/2014/main" val="20001"/>
@@ -14600,10 +14656,10 @@
                         <a:buNone/>
                       </a:pPr>
                       <a:r>
-                        <a:rPr lang="en" sz="1200" b="1" dirty="0"/>
+                        <a:rPr lang="en" sz="1000" b="1" dirty="0"/>
                         <a:t>Test Cases – input (Combo Name)</a:t>
                       </a:r>
-                      <a:endParaRPr sz="1200" b="1" dirty="0"/>
+                      <a:endParaRPr sz="1000" b="1" dirty="0"/>
                     </a:p>
                   </a:txBody>
                   <a:tcPr marL="139991" marR="139991" marT="139991" marB="139991">
@@ -14627,10 +14683,10 @@
                         <a:buNone/>
                       </a:pPr>
                       <a:r>
-                        <a:rPr lang="en" sz="1200" b="1" dirty="0"/>
+                        <a:rPr lang="en" sz="1000" b="1" dirty="0"/>
                         <a:t>Expected output</a:t>
                       </a:r>
-                      <a:endParaRPr sz="1200" b="1" dirty="0"/>
+                      <a:endParaRPr sz="1000" b="1" dirty="0"/>
                     </a:p>
                   </a:txBody>
                   <a:tcPr marL="139991" marR="139991" marT="139991" marB="139991">
@@ -14661,7 +14717,7 @@
                         <a:buNone/>
                       </a:pPr>
                       <a:r>
-                        <a:rPr lang="en-NZ" sz="1200" dirty="0"/>
+                        <a:rPr lang="en-NZ" sz="1000" dirty="0"/>
                         <a:t>‘Supreme’ in Combo Name</a:t>
                       </a:r>
                     </a:p>
@@ -14683,7 +14739,7 @@
                         <a:buNone/>
                       </a:pPr>
                       <a:r>
-                        <a:rPr lang="en-NZ" sz="1200" dirty="0"/>
+                        <a:rPr lang="en-NZ" sz="1000" dirty="0"/>
                         <a:t>Program Continues</a:t>
                       </a:r>
                     </a:p>
@@ -14712,7 +14768,7 @@
                         <a:buNone/>
                       </a:pPr>
                       <a:r>
-                        <a:rPr lang="en-NZ" sz="1200" dirty="0"/>
+                        <a:rPr lang="en-NZ" sz="1000" dirty="0"/>
                         <a:t>‘123’ in Combo Name</a:t>
                       </a:r>
                     </a:p>
@@ -14734,7 +14790,7 @@
                         <a:buNone/>
                       </a:pPr>
                       <a:r>
-                        <a:rPr lang="en-NZ" sz="1200" dirty="0"/>
+                        <a:rPr lang="en-NZ" sz="1000" dirty="0"/>
                         <a:t>Program Continues</a:t>
                       </a:r>
                     </a:p>
@@ -14764,14 +14820,14 @@
           <p:nvPr>
             <p:extLst>
               <p:ext uri="{D42A27DB-BD31-4B8C-83A1-F6EECF244321}">
-                <p14:modId xmlns:p14="http://schemas.microsoft.com/office/powerpoint/2010/main" val="4247573327"/>
+                <p14:modId xmlns:p14="http://schemas.microsoft.com/office/powerpoint/2010/main" val="1509708601"/>
               </p:ext>
             </p:extLst>
           </p:nvPr>
         </p:nvGraphicFramePr>
         <p:xfrm>
-          <a:off x="202387" y="3104624"/>
-          <a:ext cx="5174815" cy="1388586"/>
+          <a:off x="115888" y="2968697"/>
+          <a:ext cx="4023625" cy="1297146"/>
         </p:xfrm>
         <a:graphic>
           <a:graphicData uri="http://schemas.openxmlformats.org/drawingml/2006/table">
@@ -14780,14 +14836,14 @@
                 <a:noFill/>
               </a:tblPr>
               <a:tblGrid>
-                <a:gridCol w="2845613">
+                <a:gridCol w="2417247">
                   <a:extLst>
                     <a:ext uri="{9D8B030D-6E8A-4147-A177-3AD203B41FA5}">
                       <a16:colId xmlns:a16="http://schemas.microsoft.com/office/drawing/2014/main" val="20000"/>
                     </a:ext>
                   </a:extLst>
                 </a:gridCol>
-                <a:gridCol w="2329202">
+                <a:gridCol w="1606378">
                   <a:extLst>
                     <a:ext uri="{9D8B030D-6E8A-4147-A177-3AD203B41FA5}">
                       <a16:colId xmlns:a16="http://schemas.microsoft.com/office/drawing/2014/main" val="20001"/>
@@ -14811,10 +14867,10 @@
                         <a:buNone/>
                       </a:pPr>
                       <a:r>
-                        <a:rPr lang="en" sz="1200" b="1" dirty="0"/>
+                        <a:rPr lang="en" sz="1000" b="1" dirty="0"/>
                         <a:t>Test Cases – input (For any 3 Items)</a:t>
                       </a:r>
-                      <a:endParaRPr sz="1200" b="1" dirty="0"/>
+                      <a:endParaRPr sz="1000" b="1" dirty="0"/>
                     </a:p>
                   </a:txBody>
                   <a:tcPr marL="139991" marR="139991" marT="139991" marB="139991">
@@ -14838,10 +14894,10 @@
                         <a:buNone/>
                       </a:pPr>
                       <a:r>
-                        <a:rPr lang="en" sz="1200" b="1" dirty="0"/>
+                        <a:rPr lang="en" sz="1000" b="1" dirty="0"/>
                         <a:t>Expected output</a:t>
                       </a:r>
-                      <a:endParaRPr sz="1200" b="1" dirty="0"/>
+                      <a:endParaRPr sz="1000" b="1" dirty="0"/>
                     </a:p>
                   </a:txBody>
                   <a:tcPr marL="139991" marR="139991" marT="139991" marB="139991">
@@ -14872,7 +14928,7 @@
                         <a:buNone/>
                       </a:pPr>
                       <a:r>
-                        <a:rPr lang="en-NZ" sz="1200" dirty="0"/>
+                        <a:rPr lang="en-NZ" sz="1000" dirty="0"/>
                         <a:t>‘Pork Burger’</a:t>
                       </a:r>
                     </a:p>
@@ -14894,7 +14950,7 @@
                         <a:buNone/>
                       </a:pPr>
                       <a:r>
-                        <a:rPr lang="en-NZ" sz="1200" dirty="0"/>
+                        <a:rPr lang="en-NZ" sz="1000" dirty="0"/>
                         <a:t>Program Continues</a:t>
                       </a:r>
                     </a:p>
@@ -14923,7 +14979,7 @@
                         <a:buNone/>
                       </a:pPr>
                       <a:r>
-                        <a:rPr lang="en-NZ" sz="1200" dirty="0"/>
+                        <a:rPr lang="en-NZ" sz="1000" dirty="0"/>
                         <a:t>‘123’</a:t>
                       </a:r>
                     </a:p>
@@ -14945,7 +15001,7 @@
                         <a:buNone/>
                       </a:pPr>
                       <a:r>
-                        <a:rPr lang="en-NZ" sz="1200" dirty="0"/>
+                        <a:rPr lang="en-NZ" sz="1000" dirty="0"/>
                         <a:t>Program Continues</a:t>
                       </a:r>
                     </a:p>
@@ -14975,14 +15031,14 @@
           <p:nvPr>
             <p:extLst>
               <p:ext uri="{D42A27DB-BD31-4B8C-83A1-F6EECF244321}">
-                <p14:modId xmlns:p14="http://schemas.microsoft.com/office/powerpoint/2010/main" val="972505143"/>
+                <p14:modId xmlns:p14="http://schemas.microsoft.com/office/powerpoint/2010/main" val="2792436559"/>
               </p:ext>
             </p:extLst>
           </p:nvPr>
         </p:nvGraphicFramePr>
         <p:xfrm>
-          <a:off x="202386" y="4493210"/>
-          <a:ext cx="5174815" cy="2034328"/>
+          <a:off x="115887" y="4258430"/>
+          <a:ext cx="4023624" cy="2034328"/>
         </p:xfrm>
         <a:graphic>
           <a:graphicData uri="http://schemas.openxmlformats.org/drawingml/2006/table">
@@ -14991,14 +15047,14 @@
                 <a:noFill/>
               </a:tblPr>
               <a:tblGrid>
-                <a:gridCol w="2845614">
+                <a:gridCol w="2400288">
                   <a:extLst>
                     <a:ext uri="{9D8B030D-6E8A-4147-A177-3AD203B41FA5}">
                       <a16:colId xmlns:a16="http://schemas.microsoft.com/office/drawing/2014/main" val="20000"/>
                     </a:ext>
                   </a:extLst>
                 </a:gridCol>
-                <a:gridCol w="2329201">
+                <a:gridCol w="1623336">
                   <a:extLst>
                     <a:ext uri="{9D8B030D-6E8A-4147-A177-3AD203B41FA5}">
                       <a16:colId xmlns:a16="http://schemas.microsoft.com/office/drawing/2014/main" val="20001"/>
@@ -15022,10 +15078,10 @@
                         <a:buNone/>
                       </a:pPr>
                       <a:r>
-                        <a:rPr lang="en" sz="1200" b="1" dirty="0"/>
+                        <a:rPr lang="en" sz="1000" b="1" dirty="0"/>
                         <a:t>Test Cases – input (For any 3 items price)</a:t>
                       </a:r>
-                      <a:endParaRPr sz="1200" b="1" dirty="0"/>
+                      <a:endParaRPr sz="1000" b="1" dirty="0"/>
                     </a:p>
                   </a:txBody>
                   <a:tcPr marL="139991" marR="139991" marT="139991" marB="139991">
@@ -15049,10 +15105,10 @@
                         <a:buNone/>
                       </a:pPr>
                       <a:r>
-                        <a:rPr lang="en" sz="1200" b="1" dirty="0"/>
+                        <a:rPr lang="en" sz="1000" b="1" dirty="0"/>
                         <a:t>Expected output</a:t>
                       </a:r>
-                      <a:endParaRPr sz="1200" b="1" dirty="0"/>
+                      <a:endParaRPr sz="1000" b="1" dirty="0"/>
                     </a:p>
                   </a:txBody>
                   <a:tcPr marL="139991" marR="139991" marT="139991" marB="139991">
@@ -15067,7 +15123,7 @@
                   </a:ext>
                 </a:extLst>
               </a:tr>
-              <a:tr h="315939">
+              <a:tr h="427891">
                 <a:tc>
                   <a:txBody>
                     <a:bodyPr/>
@@ -15083,7 +15139,7 @@
                         <a:buNone/>
                       </a:pPr>
                       <a:r>
-                        <a:rPr lang="en-NZ" sz="1200" dirty="0"/>
+                        <a:rPr lang="en-NZ" sz="1000" dirty="0"/>
                         <a:t>‘2.45’ in price 1</a:t>
                       </a:r>
                     </a:p>
@@ -15105,7 +15161,7 @@
                         <a:buNone/>
                       </a:pPr>
                       <a:r>
-                        <a:rPr lang="en-NZ" sz="1200" dirty="0"/>
+                        <a:rPr lang="en-NZ" sz="1000" dirty="0"/>
                         <a:t>Program Continues</a:t>
                       </a:r>
                     </a:p>
@@ -15134,10 +15190,9 @@
                         <a:buNone/>
                       </a:pPr>
                       <a:r>
-                        <a:rPr lang="en-NZ" sz="1200"/>
+                        <a:rPr lang="en-NZ" sz="1000" dirty="0"/>
                         <a:t>‘1’ in price 1</a:t>
                       </a:r>
-                      <a:endParaRPr lang="en-NZ" sz="1200" dirty="0"/>
                     </a:p>
                   </a:txBody>
                   <a:tcPr marL="139991" marR="139991" marT="139991" marB="139991"/>
@@ -15157,7 +15212,7 @@
                         <a:buNone/>
                       </a:pPr>
                       <a:r>
-                        <a:rPr lang="en-NZ" sz="1200" dirty="0"/>
+                        <a:rPr lang="en-NZ" sz="1000" dirty="0"/>
                         <a:t>Program Continues</a:t>
                       </a:r>
                     </a:p>
@@ -15186,7 +15241,7 @@
                         <a:buNone/>
                       </a:pPr>
                       <a:r>
-                        <a:rPr lang="en-NZ" sz="1200" dirty="0"/>
+                        <a:rPr lang="en-NZ" sz="1000" dirty="0"/>
                         <a:t>‘five’</a:t>
                       </a:r>
                     </a:p>
@@ -15208,7 +15263,7 @@
                         <a:buNone/>
                       </a:pPr>
                       <a:r>
-                        <a:rPr lang="en-NZ" sz="1200" dirty="0"/>
+                        <a:rPr lang="en-NZ" sz="1000" dirty="0"/>
                         <a:t>It must be an integer. </a:t>
                       </a:r>
                     </a:p>
@@ -15223,7 +15278,7 @@
                         <a:buNone/>
                       </a:pPr>
                       <a:r>
-                        <a:rPr lang="en-NZ" sz="1200" dirty="0"/>
+                        <a:rPr lang="en-NZ" sz="1000" dirty="0"/>
                         <a:t>Please enter a price</a:t>
                       </a:r>
                     </a:p>
@@ -15240,6 +15295,216 @@
           </a:graphicData>
         </a:graphic>
       </p:graphicFrame>
+      <p:pic>
+        <p:nvPicPr>
+          <p:cNvPr id="6" name="Picture 5">
+            <a:extLst>
+              <a:ext uri="{FF2B5EF4-FFF2-40B4-BE49-F238E27FC236}">
+                <a16:creationId xmlns:a16="http://schemas.microsoft.com/office/drawing/2014/main" id="{E4F125B8-D212-51CD-5B45-81833F8D3496}"/>
+              </a:ext>
+            </a:extLst>
+          </p:cNvPr>
+          <p:cNvPicPr>
+            <a:picLocks noChangeAspect="1"/>
+          </p:cNvPicPr>
+          <p:nvPr/>
+        </p:nvPicPr>
+        <p:blipFill>
+          <a:blip r:embed="rId3"/>
+          <a:stretch>
+            <a:fillRect/>
+          </a:stretch>
+        </p:blipFill>
+        <p:spPr>
+          <a:xfrm>
+            <a:off x="4280063" y="180367"/>
+            <a:ext cx="2244305" cy="969132"/>
+          </a:xfrm>
+          <a:prstGeom prst="rect">
+            <a:avLst/>
+          </a:prstGeom>
+        </p:spPr>
+      </p:pic>
+      <p:pic>
+        <p:nvPicPr>
+          <p:cNvPr id="9" name="Picture 8">
+            <a:extLst>
+              <a:ext uri="{FF2B5EF4-FFF2-40B4-BE49-F238E27FC236}">
+                <a16:creationId xmlns:a16="http://schemas.microsoft.com/office/drawing/2014/main" id="{75C8000B-8D19-1CD7-5BA8-E56F5109BBD6}"/>
+              </a:ext>
+            </a:extLst>
+          </p:cNvPr>
+          <p:cNvPicPr>
+            <a:picLocks noChangeAspect="1"/>
+          </p:cNvPicPr>
+          <p:nvPr/>
+        </p:nvPicPr>
+        <p:blipFill>
+          <a:blip r:embed="rId4"/>
+          <a:stretch>
+            <a:fillRect/>
+          </a:stretch>
+        </p:blipFill>
+        <p:spPr>
+          <a:xfrm>
+            <a:off x="9806406" y="167667"/>
+            <a:ext cx="2244306" cy="919423"/>
+          </a:xfrm>
+          <a:prstGeom prst="rect">
+            <a:avLst/>
+          </a:prstGeom>
+        </p:spPr>
+      </p:pic>
+      <p:pic>
+        <p:nvPicPr>
+          <p:cNvPr id="11" name="Picture 10">
+            <a:extLst>
+              <a:ext uri="{FF2B5EF4-FFF2-40B4-BE49-F238E27FC236}">
+                <a16:creationId xmlns:a16="http://schemas.microsoft.com/office/drawing/2014/main" id="{3E8CBDD8-C1A8-F620-0FDE-C4EBBBDE19DC}"/>
+              </a:ext>
+            </a:extLst>
+          </p:cNvPr>
+          <p:cNvPicPr>
+            <a:picLocks noChangeAspect="1"/>
+          </p:cNvPicPr>
+          <p:nvPr/>
+        </p:nvPicPr>
+        <p:blipFill>
+          <a:blip r:embed="rId5"/>
+          <a:stretch>
+            <a:fillRect/>
+          </a:stretch>
+        </p:blipFill>
+        <p:spPr>
+          <a:xfrm>
+            <a:off x="9806406" y="1087090"/>
+            <a:ext cx="2244305" cy="931813"/>
+          </a:xfrm>
+          <a:prstGeom prst="rect">
+            <a:avLst/>
+          </a:prstGeom>
+        </p:spPr>
+      </p:pic>
+      <p:pic>
+        <p:nvPicPr>
+          <p:cNvPr id="13" name="Picture 12">
+            <a:extLst>
+              <a:ext uri="{FF2B5EF4-FFF2-40B4-BE49-F238E27FC236}">
+                <a16:creationId xmlns:a16="http://schemas.microsoft.com/office/drawing/2014/main" id="{D4376804-A6C0-86B2-1BE1-CB89CD98E265}"/>
+              </a:ext>
+            </a:extLst>
+          </p:cNvPr>
+          <p:cNvPicPr>
+            <a:picLocks noChangeAspect="1"/>
+          </p:cNvPicPr>
+          <p:nvPr/>
+        </p:nvPicPr>
+        <p:blipFill>
+          <a:blip r:embed="rId6"/>
+          <a:stretch>
+            <a:fillRect/>
+          </a:stretch>
+        </p:blipFill>
+        <p:spPr>
+          <a:xfrm>
+            <a:off x="4286670" y="1149499"/>
+            <a:ext cx="2244304" cy="931813"/>
+          </a:xfrm>
+          <a:prstGeom prst="rect">
+            <a:avLst/>
+          </a:prstGeom>
+        </p:spPr>
+      </p:pic>
+      <p:pic>
+        <p:nvPicPr>
+          <p:cNvPr id="15" name="Picture 14">
+            <a:extLst>
+              <a:ext uri="{FF2B5EF4-FFF2-40B4-BE49-F238E27FC236}">
+                <a16:creationId xmlns:a16="http://schemas.microsoft.com/office/drawing/2014/main" id="{A90652A6-240A-B890-A5A4-897498CAF314}"/>
+              </a:ext>
+            </a:extLst>
+          </p:cNvPr>
+          <p:cNvPicPr>
+            <a:picLocks noChangeAspect="1"/>
+          </p:cNvPicPr>
+          <p:nvPr/>
+        </p:nvPicPr>
+        <p:blipFill>
+          <a:blip r:embed="rId7"/>
+          <a:stretch>
+            <a:fillRect/>
+          </a:stretch>
+        </p:blipFill>
+        <p:spPr>
+          <a:xfrm>
+            <a:off x="4280063" y="2078098"/>
+            <a:ext cx="2244305" cy="938944"/>
+          </a:xfrm>
+          <a:prstGeom prst="rect">
+            <a:avLst/>
+          </a:prstGeom>
+        </p:spPr>
+      </p:pic>
+      <p:pic>
+        <p:nvPicPr>
+          <p:cNvPr id="17" name="Picture 16">
+            <a:extLst>
+              <a:ext uri="{FF2B5EF4-FFF2-40B4-BE49-F238E27FC236}">
+                <a16:creationId xmlns:a16="http://schemas.microsoft.com/office/drawing/2014/main" id="{C425D4AE-A809-6881-6A38-91D6825586D5}"/>
+              </a:ext>
+            </a:extLst>
+          </p:cNvPr>
+          <p:cNvPicPr>
+            <a:picLocks noChangeAspect="1"/>
+          </p:cNvPicPr>
+          <p:nvPr/>
+        </p:nvPicPr>
+        <p:blipFill>
+          <a:blip r:embed="rId8"/>
+          <a:stretch>
+            <a:fillRect/>
+          </a:stretch>
+        </p:blipFill>
+        <p:spPr>
+          <a:xfrm>
+            <a:off x="4286670" y="3017042"/>
+            <a:ext cx="2244304" cy="917337"/>
+          </a:xfrm>
+          <a:prstGeom prst="rect">
+            <a:avLst/>
+          </a:prstGeom>
+        </p:spPr>
+      </p:pic>
+      <p:pic>
+        <p:nvPicPr>
+          <p:cNvPr id="19" name="Picture 18">
+            <a:extLst>
+              <a:ext uri="{FF2B5EF4-FFF2-40B4-BE49-F238E27FC236}">
+                <a16:creationId xmlns:a16="http://schemas.microsoft.com/office/drawing/2014/main" id="{D25CDD86-0A95-20C6-742A-F35AE270BC37}"/>
+              </a:ext>
+            </a:extLst>
+          </p:cNvPr>
+          <p:cNvPicPr>
+            <a:picLocks noChangeAspect="1"/>
+          </p:cNvPicPr>
+          <p:nvPr/>
+        </p:nvPicPr>
+        <p:blipFill>
+          <a:blip r:embed="rId9"/>
+          <a:stretch>
+            <a:fillRect/>
+          </a:stretch>
+        </p:blipFill>
+        <p:spPr>
+          <a:xfrm>
+            <a:off x="4280063" y="3943774"/>
+            <a:ext cx="2244304" cy="934177"/>
+          </a:xfrm>
+          <a:prstGeom prst="rect">
+            <a:avLst/>
+          </a:prstGeom>
+        </p:spPr>
+      </p:pic>
     </p:spTree>
     <p:extLst>
       <p:ext uri="{BB962C8B-B14F-4D97-AF65-F5344CB8AC3E}">
@@ -31134,15 +31399,6 @@
 </file>
 
 <file path=customXml/item2.xml><?xml version="1.0" encoding="utf-8"?>
-<?mso-contentType ?>
-<FormTemplates xmlns="http://schemas.microsoft.com/sharepoint/v3/contenttype/forms">
-  <Display>DocumentLibraryForm</Display>
-  <Edit>DocumentLibraryForm</Edit>
-  <New>DocumentLibraryForm</New>
-</FormTemplates>
-</file>
-
-<file path=customXml/item3.xml><?xml version="1.0" encoding="utf-8"?>
 <ct:contentTypeSchema xmlns:ct="http://schemas.microsoft.com/office/2006/metadata/contentType" xmlns:ma="http://schemas.microsoft.com/office/2006/metadata/properties/metaAttributes" ct:_="" ma:_="" ma:contentTypeName="Document" ma:contentTypeID="0x010100CF1FA5F42E32064EBC712696EE2EC419" ma:contentTypeVersion="1" ma:contentTypeDescription="Create a new document." ma:contentTypeScope="" ma:versionID="8da24ec2fec523de482f60ce898ffe29">
   <xsd:schema xmlns:xsd="http://www.w3.org/2001/XMLSchema" xmlns:xs="http://www.w3.org/2001/XMLSchema" xmlns:p="http://schemas.microsoft.com/office/2006/metadata/properties" xmlns:ns2="e38b8155-5114-47b0-a9fa-eb229fbfe015" targetNamespace="http://schemas.microsoft.com/office/2006/metadata/properties" ma:root="true" ma:fieldsID="1e3f358edf1a5d679493ec63a22a5273" ns2:_="">
     <xsd:import namespace="e38b8155-5114-47b0-a9fa-eb229fbfe015"/>
@@ -31268,6 +31524,15 @@
 </ct:contentTypeSchema>
 </file>
 
+<file path=customXml/item3.xml><?xml version="1.0" encoding="utf-8"?>
+<?mso-contentType ?>
+<FormTemplates xmlns="http://schemas.microsoft.com/sharepoint/v3/contenttype/forms">
+  <Display>DocumentLibraryForm</Display>
+  <Edit>DocumentLibraryForm</Edit>
+  <New>DocumentLibraryForm</New>
+</FormTemplates>
+</file>
+
 <file path=customXml/itemProps1.xml><?xml version="1.0" encoding="utf-8"?>
 <ds:datastoreItem xmlns:ds="http://schemas.openxmlformats.org/officeDocument/2006/customXml" ds:itemID="{4FFAE7E7-FE1A-4850-8CF7-E7567E9AC997}">
   <ds:schemaRefs>
@@ -31285,14 +31550,6 @@
 </file>
 
 <file path=customXml/itemProps2.xml><?xml version="1.0" encoding="utf-8"?>
-<ds:datastoreItem xmlns:ds="http://schemas.openxmlformats.org/officeDocument/2006/customXml" ds:itemID="{850509B3-B737-4CBB-82EF-E3EDD3E90B92}">
-  <ds:schemaRefs>
-    <ds:schemaRef ds:uri="http://schemas.microsoft.com/sharepoint/v3/contenttype/forms"/>
-  </ds:schemaRefs>
-</ds:datastoreItem>
-</file>
-
-<file path=customXml/itemProps3.xml><?xml version="1.0" encoding="utf-8"?>
 <ds:datastoreItem xmlns:ds="http://schemas.openxmlformats.org/officeDocument/2006/customXml" ds:itemID="{3E4F6013-939F-44FC-9DE4-A98A0DBD5543}">
   <ds:schemaRefs>
     <ds:schemaRef ds:uri="http://schemas.microsoft.com/office/2006/metadata/contentType"/>
@@ -31308,4 +31565,12 @@
     <ds:schemaRef ds:uri="http://schemas.microsoft.com/internal/obd"/>
   </ds:schemaRefs>
 </ds:datastoreItem>
+</file>
+
+<file path=customXml/itemProps3.xml><?xml version="1.0" encoding="utf-8"?>
+<ds:datastoreItem xmlns:ds="http://schemas.openxmlformats.org/officeDocument/2006/customXml" ds:itemID="{850509B3-B737-4CBB-82EF-E3EDD3E90B92}">
+  <ds:schemaRefs>
+    <ds:schemaRef ds:uri="http://schemas.microsoft.com/sharepoint/v3/contenttype/forms"/>
+  </ds:schemaRefs>
+</ds:datastoreItem>
 </file>
--- a/2.7 and 2.8 Documentation Template 1.pptx
+++ b/2.7 and 2.8 Documentation Template 1.pptx
@@ -148,7 +148,7 @@
 <file path=ppt/revisionInfo.xml><?xml version="1.0" encoding="utf-8"?>
 <p1510:revInfo xmlns:a="http://schemas.openxmlformats.org/drawingml/2006/main" xmlns:r="http://schemas.openxmlformats.org/officeDocument/2006/relationships" xmlns:p1510="http://schemas.microsoft.com/office/powerpoint/2015/10/main">
   <p1510:revLst>
-    <p1510:client id="{44400E0D-F01E-4C52-8DFE-33262DF1F20E}" v="66" dt="2024-04-10T07:14:33.936"/>
+    <p1510:client id="{44400E0D-F01E-4C52-8DFE-33262DF1F20E}" v="127" dt="2024-04-11T03:11:19.680"/>
   </p1510:revLst>
 </p1510:revInfo>
 </file>
@@ -158,7 +158,7 @@
   <pc:docChgLst>
     <pc:chgData name="Elme Pieterse" userId="cf235864-f06d-4d9c-a838-9d693a8e3248" providerId="ADAL" clId="{44400E0D-F01E-4C52-8DFE-33262DF1F20E}"/>
     <pc:docChg chg="undo redo custSel addSld delSld modSld sldOrd">
-      <pc:chgData name="Elme Pieterse" userId="cf235864-f06d-4d9c-a838-9d693a8e3248" providerId="ADAL" clId="{44400E0D-F01E-4C52-8DFE-33262DF1F20E}" dt="2024-04-10T23:35:16.227" v="4085" actId="1037"/>
+      <pc:chgData name="Elme Pieterse" userId="cf235864-f06d-4d9c-a838-9d693a8e3248" providerId="ADAL" clId="{44400E0D-F01E-4C52-8DFE-33262DF1F20E}" dt="2024-04-11T03:11:37.755" v="4911" actId="14100"/>
       <pc:docMkLst>
         <pc:docMk/>
       </pc:docMkLst>
@@ -2012,13 +2012,13 @@
         </pc:sldMkLst>
       </pc:sldChg>
       <pc:sldChg chg="addSp delSp modSp add mod ord">
-        <pc:chgData name="Elme Pieterse" userId="cf235864-f06d-4d9c-a838-9d693a8e3248" providerId="ADAL" clId="{44400E0D-F01E-4C52-8DFE-33262DF1F20E}" dt="2024-04-10T23:35:16.227" v="4085" actId="1037"/>
+        <pc:chgData name="Elme Pieterse" userId="cf235864-f06d-4d9c-a838-9d693a8e3248" providerId="ADAL" clId="{44400E0D-F01E-4C52-8DFE-33262DF1F20E}" dt="2024-04-11T03:11:37.755" v="4911" actId="14100"/>
         <pc:sldMkLst>
           <pc:docMk/>
           <pc:sldMk cId="10480317" sldId="289"/>
         </pc:sldMkLst>
         <pc:spChg chg="mod">
-          <ac:chgData name="Elme Pieterse" userId="cf235864-f06d-4d9c-a838-9d693a8e3248" providerId="ADAL" clId="{44400E0D-F01E-4C52-8DFE-33262DF1F20E}" dt="2024-04-10T23:34:52.490" v="3987" actId="403"/>
+          <ac:chgData name="Elme Pieterse" userId="cf235864-f06d-4d9c-a838-9d693a8e3248" providerId="ADAL" clId="{44400E0D-F01E-4C52-8DFE-33262DF1F20E}" dt="2024-04-11T02:40:28.759" v="4342" actId="404"/>
           <ac:spMkLst>
             <pc:docMk/>
             <pc:sldMk cId="10480317" sldId="289"/>
@@ -2073,6 +2073,262 @@
             <ac:spMk id="20" creationId="{7DD1BD55-5969-48D4-8ADB-11A127F3A100}"/>
           </ac:spMkLst>
         </pc:spChg>
+        <pc:spChg chg="add mod">
+          <ac:chgData name="Elme Pieterse" userId="cf235864-f06d-4d9c-a838-9d693a8e3248" providerId="ADAL" clId="{44400E0D-F01E-4C52-8DFE-33262DF1F20E}" dt="2024-04-11T02:58:27.719" v="4724" actId="207"/>
+          <ac:spMkLst>
+            <pc:docMk/>
+            <pc:sldMk cId="10480317" sldId="289"/>
+            <ac:spMk id="31" creationId="{FA36EF31-7EC0-D082-8F71-C4E62F104C0A}"/>
+          </ac:spMkLst>
+        </pc:spChg>
+        <pc:spChg chg="add mod">
+          <ac:chgData name="Elme Pieterse" userId="cf235864-f06d-4d9c-a838-9d693a8e3248" providerId="ADAL" clId="{44400E0D-F01E-4C52-8DFE-33262DF1F20E}" dt="2024-04-11T02:54:38.044" v="4674" actId="1037"/>
+          <ac:spMkLst>
+            <pc:docMk/>
+            <pc:sldMk cId="10480317" sldId="289"/>
+            <ac:spMk id="48" creationId="{30A0622F-6332-0722-19D2-788604031C57}"/>
+          </ac:spMkLst>
+        </pc:spChg>
+        <pc:spChg chg="add mod">
+          <ac:chgData name="Elme Pieterse" userId="cf235864-f06d-4d9c-a838-9d693a8e3248" providerId="ADAL" clId="{44400E0D-F01E-4C52-8DFE-33262DF1F20E}" dt="2024-04-11T02:54:52.208" v="4679" actId="1035"/>
+          <ac:spMkLst>
+            <pc:docMk/>
+            <pc:sldMk cId="10480317" sldId="289"/>
+            <ac:spMk id="49" creationId="{DAC7EDEF-CD37-23A1-3F78-A49C751F9116}"/>
+          </ac:spMkLst>
+        </pc:spChg>
+        <pc:spChg chg="add mod">
+          <ac:chgData name="Elme Pieterse" userId="cf235864-f06d-4d9c-a838-9d693a8e3248" providerId="ADAL" clId="{44400E0D-F01E-4C52-8DFE-33262DF1F20E}" dt="2024-04-11T02:55:15.897" v="4683" actId="14100"/>
+          <ac:spMkLst>
+            <pc:docMk/>
+            <pc:sldMk cId="10480317" sldId="289"/>
+            <ac:spMk id="50" creationId="{3613E752-6A70-A5D9-0A5B-C55C8CCC8C24}"/>
+          </ac:spMkLst>
+        </pc:spChg>
+        <pc:spChg chg="add mod">
+          <ac:chgData name="Elme Pieterse" userId="cf235864-f06d-4d9c-a838-9d693a8e3248" providerId="ADAL" clId="{44400E0D-F01E-4C52-8DFE-33262DF1F20E}" dt="2024-04-11T02:55:24.386" v="4686" actId="14100"/>
+          <ac:spMkLst>
+            <pc:docMk/>
+            <pc:sldMk cId="10480317" sldId="289"/>
+            <ac:spMk id="51" creationId="{6E87E76B-CEA8-DED9-D89E-7A2B24EAE5C0}"/>
+          </ac:spMkLst>
+        </pc:spChg>
+        <pc:spChg chg="add mod">
+          <ac:chgData name="Elme Pieterse" userId="cf235864-f06d-4d9c-a838-9d693a8e3248" providerId="ADAL" clId="{44400E0D-F01E-4C52-8DFE-33262DF1F20E}" dt="2024-04-11T02:57:30.715" v="4709" actId="14100"/>
+          <ac:spMkLst>
+            <pc:docMk/>
+            <pc:sldMk cId="10480317" sldId="289"/>
+            <ac:spMk id="60" creationId="{1E93DB7F-ED08-A3A7-9267-6B1E2DE864D2}"/>
+          </ac:spMkLst>
+        </pc:spChg>
+        <pc:spChg chg="add mod">
+          <ac:chgData name="Elme Pieterse" userId="cf235864-f06d-4d9c-a838-9d693a8e3248" providerId="ADAL" clId="{44400E0D-F01E-4C52-8DFE-33262DF1F20E}" dt="2024-04-11T02:57:37.426" v="4712" actId="14100"/>
+          <ac:spMkLst>
+            <pc:docMk/>
+            <pc:sldMk cId="10480317" sldId="289"/>
+            <ac:spMk id="61" creationId="{57BCB2CF-E6B5-C3DA-A971-BE46163A7C70}"/>
+          </ac:spMkLst>
+        </pc:spChg>
+        <pc:spChg chg="add mod">
+          <ac:chgData name="Elme Pieterse" userId="cf235864-f06d-4d9c-a838-9d693a8e3248" providerId="ADAL" clId="{44400E0D-F01E-4C52-8DFE-33262DF1F20E}" dt="2024-04-11T02:57:48.190" v="4715" actId="14100"/>
+          <ac:spMkLst>
+            <pc:docMk/>
+            <pc:sldMk cId="10480317" sldId="289"/>
+            <ac:spMk id="62" creationId="{6A6474FB-091A-EF60-C943-F6C3E373493A}"/>
+          </ac:spMkLst>
+        </pc:spChg>
+        <pc:spChg chg="add mod">
+          <ac:chgData name="Elme Pieterse" userId="cf235864-f06d-4d9c-a838-9d693a8e3248" providerId="ADAL" clId="{44400E0D-F01E-4C52-8DFE-33262DF1F20E}" dt="2024-04-11T02:58:07.137" v="4722" actId="1037"/>
+          <ac:spMkLst>
+            <pc:docMk/>
+            <pc:sldMk cId="10480317" sldId="289"/>
+            <ac:spMk id="63" creationId="{F31BA1FA-E97B-0E24-F86D-D5D075F3C88F}"/>
+          </ac:spMkLst>
+        </pc:spChg>
+        <pc:spChg chg="add del">
+          <ac:chgData name="Elme Pieterse" userId="cf235864-f06d-4d9c-a838-9d693a8e3248" providerId="ADAL" clId="{44400E0D-F01E-4C52-8DFE-33262DF1F20E}" dt="2024-04-11T02:59:15.279" v="4739" actId="478"/>
+          <ac:spMkLst>
+            <pc:docMk/>
+            <pc:sldMk cId="10480317" sldId="289"/>
+            <ac:spMk id="68" creationId="{60371C1E-B9B2-E8B1-EEF9-0EB67037F038}"/>
+          </ac:spMkLst>
+        </pc:spChg>
+        <pc:spChg chg="add mod">
+          <ac:chgData name="Elme Pieterse" userId="cf235864-f06d-4d9c-a838-9d693a8e3248" providerId="ADAL" clId="{44400E0D-F01E-4C52-8DFE-33262DF1F20E}" dt="2024-04-11T03:01:46.544" v="4761" actId="1038"/>
+          <ac:spMkLst>
+            <pc:docMk/>
+            <pc:sldMk cId="10480317" sldId="289"/>
+            <ac:spMk id="74" creationId="{0B7D5927-CB8C-51F4-3891-DD63E80BA60F}"/>
+          </ac:spMkLst>
+        </pc:spChg>
+        <pc:spChg chg="add mod">
+          <ac:chgData name="Elme Pieterse" userId="cf235864-f06d-4d9c-a838-9d693a8e3248" providerId="ADAL" clId="{44400E0D-F01E-4C52-8DFE-33262DF1F20E}" dt="2024-04-11T03:02:01.317" v="4765" actId="1037"/>
+          <ac:spMkLst>
+            <pc:docMk/>
+            <pc:sldMk cId="10480317" sldId="289"/>
+            <ac:spMk id="75" creationId="{68D97001-50CA-C4A4-46C0-2CA77D1D7DD0}"/>
+          </ac:spMkLst>
+        </pc:spChg>
+        <pc:spChg chg="add mod">
+          <ac:chgData name="Elme Pieterse" userId="cf235864-f06d-4d9c-a838-9d693a8e3248" providerId="ADAL" clId="{44400E0D-F01E-4C52-8DFE-33262DF1F20E}" dt="2024-04-11T03:02:11.531" v="4769" actId="1037"/>
+          <ac:spMkLst>
+            <pc:docMk/>
+            <pc:sldMk cId="10480317" sldId="289"/>
+            <ac:spMk id="76" creationId="{C43FD62E-1B76-C48C-3F5A-FFFF58513651}"/>
+          </ac:spMkLst>
+        </pc:spChg>
+        <pc:spChg chg="add mod">
+          <ac:chgData name="Elme Pieterse" userId="cf235864-f06d-4d9c-a838-9d693a8e3248" providerId="ADAL" clId="{44400E0D-F01E-4C52-8DFE-33262DF1F20E}" dt="2024-04-11T03:02:25.320" v="4775" actId="1037"/>
+          <ac:spMkLst>
+            <pc:docMk/>
+            <pc:sldMk cId="10480317" sldId="289"/>
+            <ac:spMk id="77" creationId="{A507CED8-D995-8E8B-0082-ECC27061C41D}"/>
+          </ac:spMkLst>
+        </pc:spChg>
+        <pc:spChg chg="add mod">
+          <ac:chgData name="Elme Pieterse" userId="cf235864-f06d-4d9c-a838-9d693a8e3248" providerId="ADAL" clId="{44400E0D-F01E-4C52-8DFE-33262DF1F20E}" dt="2024-04-11T03:03:55.440" v="4788" actId="14100"/>
+          <ac:spMkLst>
+            <pc:docMk/>
+            <pc:sldMk cId="10480317" sldId="289"/>
+            <ac:spMk id="85" creationId="{7356EF56-3512-8E05-8C16-F97B16BEBC7B}"/>
+          </ac:spMkLst>
+        </pc:spChg>
+        <pc:spChg chg="add mod">
+          <ac:chgData name="Elme Pieterse" userId="cf235864-f06d-4d9c-a838-9d693a8e3248" providerId="ADAL" clId="{44400E0D-F01E-4C52-8DFE-33262DF1F20E}" dt="2024-04-11T03:04:04.114" v="4791" actId="14100"/>
+          <ac:spMkLst>
+            <pc:docMk/>
+            <pc:sldMk cId="10480317" sldId="289"/>
+            <ac:spMk id="86" creationId="{F4C92C81-BA10-D2EC-CE21-BEC8BBD8A35C}"/>
+          </ac:spMkLst>
+        </pc:spChg>
+        <pc:spChg chg="add mod">
+          <ac:chgData name="Elme Pieterse" userId="cf235864-f06d-4d9c-a838-9d693a8e3248" providerId="ADAL" clId="{44400E0D-F01E-4C52-8DFE-33262DF1F20E}" dt="2024-04-11T03:04:21.224" v="4796" actId="1038"/>
+          <ac:spMkLst>
+            <pc:docMk/>
+            <pc:sldMk cId="10480317" sldId="289"/>
+            <ac:spMk id="87" creationId="{3D2BB5DB-0B7C-FA4E-70DB-B26EDBA49E83}"/>
+          </ac:spMkLst>
+        </pc:spChg>
+        <pc:spChg chg="add del mod">
+          <ac:chgData name="Elme Pieterse" userId="cf235864-f06d-4d9c-a838-9d693a8e3248" providerId="ADAL" clId="{44400E0D-F01E-4C52-8DFE-33262DF1F20E}" dt="2024-04-11T03:04:23.696" v="4798" actId="478"/>
+          <ac:spMkLst>
+            <pc:docMk/>
+            <pc:sldMk cId="10480317" sldId="289"/>
+            <ac:spMk id="88" creationId="{E1978990-DF6F-EC94-6CD3-C5E8692A4C4D}"/>
+          </ac:spMkLst>
+        </pc:spChg>
+        <pc:spChg chg="add mod">
+          <ac:chgData name="Elme Pieterse" userId="cf235864-f06d-4d9c-a838-9d693a8e3248" providerId="ADAL" clId="{44400E0D-F01E-4C52-8DFE-33262DF1F20E}" dt="2024-04-11T03:04:43.414" v="4803" actId="14100"/>
+          <ac:spMkLst>
+            <pc:docMk/>
+            <pc:sldMk cId="10480317" sldId="289"/>
+            <ac:spMk id="89" creationId="{5EB2D431-C155-4446-12DF-B7ABD9C9AFCA}"/>
+          </ac:spMkLst>
+        </pc:spChg>
+        <pc:spChg chg="add mod">
+          <ac:chgData name="Elme Pieterse" userId="cf235864-f06d-4d9c-a838-9d693a8e3248" providerId="ADAL" clId="{44400E0D-F01E-4C52-8DFE-33262DF1F20E}" dt="2024-04-11T03:05:56.326" v="4825" actId="14100"/>
+          <ac:spMkLst>
+            <pc:docMk/>
+            <pc:sldMk cId="10480317" sldId="289"/>
+            <ac:spMk id="97" creationId="{4C2C6557-0981-6A08-E648-CECE75562F8E}"/>
+          </ac:spMkLst>
+        </pc:spChg>
+        <pc:spChg chg="add mod">
+          <ac:chgData name="Elme Pieterse" userId="cf235864-f06d-4d9c-a838-9d693a8e3248" providerId="ADAL" clId="{44400E0D-F01E-4C52-8DFE-33262DF1F20E}" dt="2024-04-11T03:06:06.405" v="4828" actId="14100"/>
+          <ac:spMkLst>
+            <pc:docMk/>
+            <pc:sldMk cId="10480317" sldId="289"/>
+            <ac:spMk id="98" creationId="{F263AE9C-466C-8518-2B86-A69DE58A9691}"/>
+          </ac:spMkLst>
+        </pc:spChg>
+        <pc:spChg chg="add mod">
+          <ac:chgData name="Elme Pieterse" userId="cf235864-f06d-4d9c-a838-9d693a8e3248" providerId="ADAL" clId="{44400E0D-F01E-4C52-8DFE-33262DF1F20E}" dt="2024-04-11T03:06:17.501" v="4835" actId="1037"/>
+          <ac:spMkLst>
+            <pc:docMk/>
+            <pc:sldMk cId="10480317" sldId="289"/>
+            <ac:spMk id="99" creationId="{2B48B852-849A-C8D7-B1CD-01FF4A9AE298}"/>
+          </ac:spMkLst>
+        </pc:spChg>
+        <pc:spChg chg="add mod">
+          <ac:chgData name="Elme Pieterse" userId="cf235864-f06d-4d9c-a838-9d693a8e3248" providerId="ADAL" clId="{44400E0D-F01E-4C52-8DFE-33262DF1F20E}" dt="2024-04-11T03:06:30.849" v="4838" actId="14100"/>
+          <ac:spMkLst>
+            <pc:docMk/>
+            <pc:sldMk cId="10480317" sldId="289"/>
+            <ac:spMk id="100" creationId="{A5A5FD21-A5D0-1CD6-6341-480A06225920}"/>
+          </ac:spMkLst>
+        </pc:spChg>
+        <pc:spChg chg="add mod">
+          <ac:chgData name="Elme Pieterse" userId="cf235864-f06d-4d9c-a838-9d693a8e3248" providerId="ADAL" clId="{44400E0D-F01E-4C52-8DFE-33262DF1F20E}" dt="2024-04-11T03:08:00.086" v="4854" actId="14100"/>
+          <ac:spMkLst>
+            <pc:docMk/>
+            <pc:sldMk cId="10480317" sldId="289"/>
+            <ac:spMk id="110" creationId="{CFC043BE-353A-1432-155B-912DE0C90C63}"/>
+          </ac:spMkLst>
+        </pc:spChg>
+        <pc:spChg chg="add mod">
+          <ac:chgData name="Elme Pieterse" userId="cf235864-f06d-4d9c-a838-9d693a8e3248" providerId="ADAL" clId="{44400E0D-F01E-4C52-8DFE-33262DF1F20E}" dt="2024-04-11T03:08:07.309" v="4857" actId="14100"/>
+          <ac:spMkLst>
+            <pc:docMk/>
+            <pc:sldMk cId="10480317" sldId="289"/>
+            <ac:spMk id="111" creationId="{6FBC93B7-F2AF-CD01-297F-E576F78BF485}"/>
+          </ac:spMkLst>
+        </pc:spChg>
+        <pc:spChg chg="add mod">
+          <ac:chgData name="Elme Pieterse" userId="cf235864-f06d-4d9c-a838-9d693a8e3248" providerId="ADAL" clId="{44400E0D-F01E-4C52-8DFE-33262DF1F20E}" dt="2024-04-11T03:08:15.252" v="4861" actId="1038"/>
+          <ac:spMkLst>
+            <pc:docMk/>
+            <pc:sldMk cId="10480317" sldId="289"/>
+            <ac:spMk id="112" creationId="{D3D9992B-9D89-C3BA-6961-E3BCEA997EA8}"/>
+          </ac:spMkLst>
+        </pc:spChg>
+        <pc:spChg chg="add mod">
+          <ac:chgData name="Elme Pieterse" userId="cf235864-f06d-4d9c-a838-9d693a8e3248" providerId="ADAL" clId="{44400E0D-F01E-4C52-8DFE-33262DF1F20E}" dt="2024-04-11T03:08:27.264" v="4864" actId="14100"/>
+          <ac:spMkLst>
+            <pc:docMk/>
+            <pc:sldMk cId="10480317" sldId="289"/>
+            <ac:spMk id="113" creationId="{21995EA2-23ED-C759-1330-94A8CEAF742D}"/>
+          </ac:spMkLst>
+        </pc:spChg>
+        <pc:spChg chg="add mod">
+          <ac:chgData name="Elme Pieterse" userId="cf235864-f06d-4d9c-a838-9d693a8e3248" providerId="ADAL" clId="{44400E0D-F01E-4C52-8DFE-33262DF1F20E}" dt="2024-04-11T03:09:40.709" v="4878" actId="208"/>
+          <ac:spMkLst>
+            <pc:docMk/>
+            <pc:sldMk cId="10480317" sldId="289"/>
+            <ac:spMk id="121" creationId="{52B08703-5679-D183-9EB4-A0E7C042D597}"/>
+          </ac:spMkLst>
+        </pc:spChg>
+        <pc:spChg chg="add mod">
+          <ac:chgData name="Elme Pieterse" userId="cf235864-f06d-4d9c-a838-9d693a8e3248" providerId="ADAL" clId="{44400E0D-F01E-4C52-8DFE-33262DF1F20E}" dt="2024-04-11T03:09:56.331" v="4881" actId="14100"/>
+          <ac:spMkLst>
+            <pc:docMk/>
+            <pc:sldMk cId="10480317" sldId="289"/>
+            <ac:spMk id="122" creationId="{946CC39C-CE14-0F21-ED3A-AD0DBEF038B9}"/>
+          </ac:spMkLst>
+        </pc:spChg>
+        <pc:spChg chg="add mod">
+          <ac:chgData name="Elme Pieterse" userId="cf235864-f06d-4d9c-a838-9d693a8e3248" providerId="ADAL" clId="{44400E0D-F01E-4C52-8DFE-33262DF1F20E}" dt="2024-04-11T03:10:06.330" v="4884" actId="14100"/>
+          <ac:spMkLst>
+            <pc:docMk/>
+            <pc:sldMk cId="10480317" sldId="289"/>
+            <ac:spMk id="123" creationId="{7B5947DE-D63B-1B08-B90A-77CAECADB77E}"/>
+          </ac:spMkLst>
+        </pc:spChg>
+        <pc:spChg chg="add mod">
+          <ac:chgData name="Elme Pieterse" userId="cf235864-f06d-4d9c-a838-9d693a8e3248" providerId="ADAL" clId="{44400E0D-F01E-4C52-8DFE-33262DF1F20E}" dt="2024-04-11T03:10:15.696" v="4887" actId="14100"/>
+          <ac:spMkLst>
+            <pc:docMk/>
+            <pc:sldMk cId="10480317" sldId="289"/>
+            <ac:spMk id="124" creationId="{407364DB-8A77-C8DB-022A-4D47D5FC8ACA}"/>
+          </ac:spMkLst>
+        </pc:spChg>
+        <pc:spChg chg="add mod">
+          <ac:chgData name="Elme Pieterse" userId="cf235864-f06d-4d9c-a838-9d693a8e3248" providerId="ADAL" clId="{44400E0D-F01E-4C52-8DFE-33262DF1F20E}" dt="2024-04-11T03:11:30.864" v="4910" actId="1076"/>
+          <ac:spMkLst>
+            <pc:docMk/>
+            <pc:sldMk cId="10480317" sldId="289"/>
+            <ac:spMk id="135" creationId="{170407D6-8EB4-E125-0AF4-9F0966C983EA}"/>
+          </ac:spMkLst>
+        </pc:spChg>
         <pc:graphicFrameChg chg="del">
           <ac:chgData name="Elme Pieterse" userId="cf235864-f06d-4d9c-a838-9d693a8e3248" providerId="ADAL" clId="{44400E0D-F01E-4C52-8DFE-33262DF1F20E}" dt="2024-04-10T07:13:57.854" v="3745" actId="478"/>
           <ac:graphicFrameMkLst>
@@ -2082,7 +2338,7 @@
           </ac:graphicFrameMkLst>
         </pc:graphicFrameChg>
         <pc:graphicFrameChg chg="add mod modGraphic">
-          <ac:chgData name="Elme Pieterse" userId="cf235864-f06d-4d9c-a838-9d693a8e3248" providerId="ADAL" clId="{44400E0D-F01E-4C52-8DFE-33262DF1F20E}" dt="2024-04-10T23:25:48.565" v="3943" actId="14734"/>
+          <ac:chgData name="Elme Pieterse" userId="cf235864-f06d-4d9c-a838-9d693a8e3248" providerId="ADAL" clId="{44400E0D-F01E-4C52-8DFE-33262DF1F20E}" dt="2024-04-11T02:40:15.280" v="4327" actId="1036"/>
           <ac:graphicFrameMkLst>
             <pc:docMk/>
             <pc:sldMk cId="10480317" sldId="289"/>
@@ -2090,7 +2346,7 @@
           </ac:graphicFrameMkLst>
         </pc:graphicFrameChg>
         <pc:graphicFrameChg chg="add mod modGraphic">
-          <ac:chgData name="Elme Pieterse" userId="cf235864-f06d-4d9c-a838-9d693a8e3248" providerId="ADAL" clId="{44400E0D-F01E-4C52-8DFE-33262DF1F20E}" dt="2024-04-10T23:25:42.334" v="3941" actId="14734"/>
+          <ac:chgData name="Elme Pieterse" userId="cf235864-f06d-4d9c-a838-9d693a8e3248" providerId="ADAL" clId="{44400E0D-F01E-4C52-8DFE-33262DF1F20E}" dt="2024-04-11T02:40:15.280" v="4327" actId="1036"/>
           <ac:graphicFrameMkLst>
             <pc:docMk/>
             <pc:sldMk cId="10480317" sldId="289"/>
@@ -2098,7 +2354,7 @@
           </ac:graphicFrameMkLst>
         </pc:graphicFrameChg>
         <pc:graphicFrameChg chg="add del mod modGraphic">
-          <ac:chgData name="Elme Pieterse" userId="cf235864-f06d-4d9c-a838-9d693a8e3248" providerId="ADAL" clId="{44400E0D-F01E-4C52-8DFE-33262DF1F20E}" dt="2024-04-10T23:26:08.984" v="3947" actId="14100"/>
+          <ac:chgData name="Elme Pieterse" userId="cf235864-f06d-4d9c-a838-9d693a8e3248" providerId="ADAL" clId="{44400E0D-F01E-4C52-8DFE-33262DF1F20E}" dt="2024-04-11T02:40:15.280" v="4327" actId="1036"/>
           <ac:graphicFrameMkLst>
             <pc:docMk/>
             <pc:sldMk cId="10480317" sldId="289"/>
@@ -2114,7 +2370,7 @@
           </ac:picMkLst>
         </pc:picChg>
         <pc:picChg chg="add mod">
-          <ac:chgData name="Elme Pieterse" userId="cf235864-f06d-4d9c-a838-9d693a8e3248" providerId="ADAL" clId="{44400E0D-F01E-4C52-8DFE-33262DF1F20E}" dt="2024-04-10T23:35:03.815" v="4036" actId="1035"/>
+          <ac:chgData name="Elme Pieterse" userId="cf235864-f06d-4d9c-a838-9d693a8e3248" providerId="ADAL" clId="{44400E0D-F01E-4C52-8DFE-33262DF1F20E}" dt="2024-04-11T02:44:46.007" v="4452" actId="1037"/>
           <ac:picMkLst>
             <pc:docMk/>
             <pc:sldMk cId="10480317" sldId="289"/>
@@ -2122,15 +2378,23 @@
           </ac:picMkLst>
         </pc:picChg>
         <pc:picChg chg="add mod">
-          <ac:chgData name="Elme Pieterse" userId="cf235864-f06d-4d9c-a838-9d693a8e3248" providerId="ADAL" clId="{44400E0D-F01E-4C52-8DFE-33262DF1F20E}" dt="2024-04-10T23:35:16.227" v="4085" actId="1037"/>
+          <ac:chgData name="Elme Pieterse" userId="cf235864-f06d-4d9c-a838-9d693a8e3248" providerId="ADAL" clId="{44400E0D-F01E-4C52-8DFE-33262DF1F20E}" dt="2024-04-11T02:44:46.007" v="4452" actId="1037"/>
+          <ac:picMkLst>
+            <pc:docMk/>
+            <pc:sldMk cId="10480317" sldId="289"/>
+            <ac:picMk id="8" creationId="{A1AD5771-1F20-B8B0-6164-F8130DE448E7}"/>
+          </ac:picMkLst>
+        </pc:picChg>
+        <pc:picChg chg="add del mod">
+          <ac:chgData name="Elme Pieterse" userId="cf235864-f06d-4d9c-a838-9d693a8e3248" providerId="ADAL" clId="{44400E0D-F01E-4C52-8DFE-33262DF1F20E}" dt="2024-04-11T02:44:29.970" v="4443" actId="478"/>
           <ac:picMkLst>
             <pc:docMk/>
             <pc:sldMk cId="10480317" sldId="289"/>
             <ac:picMk id="9" creationId="{75C8000B-8D19-1CD7-5BA8-E56F5109BBD6}"/>
           </ac:picMkLst>
         </pc:picChg>
-        <pc:picChg chg="add mod">
-          <ac:chgData name="Elme Pieterse" userId="cf235864-f06d-4d9c-a838-9d693a8e3248" providerId="ADAL" clId="{44400E0D-F01E-4C52-8DFE-33262DF1F20E}" dt="2024-04-10T23:35:16.227" v="4085" actId="1037"/>
+        <pc:picChg chg="add del mod">
+          <ac:chgData name="Elme Pieterse" userId="cf235864-f06d-4d9c-a838-9d693a8e3248" providerId="ADAL" clId="{44400E0D-F01E-4C52-8DFE-33262DF1F20E}" dt="2024-04-11T02:41:25.787" v="4396" actId="478"/>
           <ac:picMkLst>
             <pc:docMk/>
             <pc:sldMk cId="10480317" sldId="289"/>
@@ -2138,7 +2402,15 @@
           </ac:picMkLst>
         </pc:picChg>
         <pc:picChg chg="add mod">
-          <ac:chgData name="Elme Pieterse" userId="cf235864-f06d-4d9c-a838-9d693a8e3248" providerId="ADAL" clId="{44400E0D-F01E-4C52-8DFE-33262DF1F20E}" dt="2024-04-10T23:35:03.815" v="4036" actId="1035"/>
+          <ac:chgData name="Elme Pieterse" userId="cf235864-f06d-4d9c-a838-9d693a8e3248" providerId="ADAL" clId="{44400E0D-F01E-4C52-8DFE-33262DF1F20E}" dt="2024-04-11T02:44:46.007" v="4452" actId="1037"/>
+          <ac:picMkLst>
+            <pc:docMk/>
+            <pc:sldMk cId="10480317" sldId="289"/>
+            <ac:picMk id="12" creationId="{E0DD98AE-AADB-B0AA-D853-3512A2A1B25C}"/>
+          </ac:picMkLst>
+        </pc:picChg>
+        <pc:picChg chg="add mod">
+          <ac:chgData name="Elme Pieterse" userId="cf235864-f06d-4d9c-a838-9d693a8e3248" providerId="ADAL" clId="{44400E0D-F01E-4C52-8DFE-33262DF1F20E}" dt="2024-04-11T02:44:46.007" v="4452" actId="1037"/>
           <ac:picMkLst>
             <pc:docMk/>
             <pc:sldMk cId="10480317" sldId="289"/>
@@ -2146,7 +2418,7 @@
           </ac:picMkLst>
         </pc:picChg>
         <pc:picChg chg="add mod">
-          <ac:chgData name="Elme Pieterse" userId="cf235864-f06d-4d9c-a838-9d693a8e3248" providerId="ADAL" clId="{44400E0D-F01E-4C52-8DFE-33262DF1F20E}" dt="2024-04-10T23:35:03.815" v="4036" actId="1035"/>
+          <ac:chgData name="Elme Pieterse" userId="cf235864-f06d-4d9c-a838-9d693a8e3248" providerId="ADAL" clId="{44400E0D-F01E-4C52-8DFE-33262DF1F20E}" dt="2024-04-11T02:44:46.007" v="4452" actId="1037"/>
           <ac:picMkLst>
             <pc:docMk/>
             <pc:sldMk cId="10480317" sldId="289"/>
@@ -2154,7 +2426,15 @@
           </ac:picMkLst>
         </pc:picChg>
         <pc:picChg chg="add mod">
-          <ac:chgData name="Elme Pieterse" userId="cf235864-f06d-4d9c-a838-9d693a8e3248" providerId="ADAL" clId="{44400E0D-F01E-4C52-8DFE-33262DF1F20E}" dt="2024-04-10T23:35:03.815" v="4036" actId="1035"/>
+          <ac:chgData name="Elme Pieterse" userId="cf235864-f06d-4d9c-a838-9d693a8e3248" providerId="ADAL" clId="{44400E0D-F01E-4C52-8DFE-33262DF1F20E}" dt="2024-04-11T02:44:46.007" v="4452" actId="1037"/>
+          <ac:picMkLst>
+            <pc:docMk/>
+            <pc:sldMk cId="10480317" sldId="289"/>
+            <ac:picMk id="16" creationId="{8D433024-DAA2-716D-14CB-194B17CAB058}"/>
+          </ac:picMkLst>
+        </pc:picChg>
+        <pc:picChg chg="add mod">
+          <ac:chgData name="Elme Pieterse" userId="cf235864-f06d-4d9c-a838-9d693a8e3248" providerId="ADAL" clId="{44400E0D-F01E-4C52-8DFE-33262DF1F20E}" dt="2024-04-11T02:44:46.007" v="4452" actId="1037"/>
           <ac:picMkLst>
             <pc:docMk/>
             <pc:sldMk cId="10480317" sldId="289"/>
@@ -2162,11 +2442,51 @@
           </ac:picMkLst>
         </pc:picChg>
         <pc:picChg chg="add mod">
-          <ac:chgData name="Elme Pieterse" userId="cf235864-f06d-4d9c-a838-9d693a8e3248" providerId="ADAL" clId="{44400E0D-F01E-4C52-8DFE-33262DF1F20E}" dt="2024-04-10T23:35:03.815" v="4036" actId="1035"/>
+          <ac:chgData name="Elme Pieterse" userId="cf235864-f06d-4d9c-a838-9d693a8e3248" providerId="ADAL" clId="{44400E0D-F01E-4C52-8DFE-33262DF1F20E}" dt="2024-04-11T02:44:46.007" v="4452" actId="1037"/>
           <ac:picMkLst>
             <pc:docMk/>
             <pc:sldMk cId="10480317" sldId="289"/>
             <ac:picMk id="19" creationId="{D25CDD86-0A95-20C6-742A-F35AE270BC37}"/>
+          </ac:picMkLst>
+        </pc:picChg>
+        <pc:picChg chg="add mod">
+          <ac:chgData name="Elme Pieterse" userId="cf235864-f06d-4d9c-a838-9d693a8e3248" providerId="ADAL" clId="{44400E0D-F01E-4C52-8DFE-33262DF1F20E}" dt="2024-04-11T02:44:46.007" v="4452" actId="1037"/>
+          <ac:picMkLst>
+            <pc:docMk/>
+            <pc:sldMk cId="10480317" sldId="289"/>
+            <ac:picMk id="20" creationId="{1B7F15C8-6458-C450-6F5C-767CCD677992}"/>
+          </ac:picMkLst>
+        </pc:picChg>
+        <pc:picChg chg="add mod">
+          <ac:chgData name="Elme Pieterse" userId="cf235864-f06d-4d9c-a838-9d693a8e3248" providerId="ADAL" clId="{44400E0D-F01E-4C52-8DFE-33262DF1F20E}" dt="2024-04-11T02:47:06.586" v="4460" actId="1076"/>
+          <ac:picMkLst>
+            <pc:docMk/>
+            <pc:sldMk cId="10480317" sldId="289"/>
+            <ac:picMk id="22" creationId="{850EF479-2594-368D-A665-02791D04E40A}"/>
+          </ac:picMkLst>
+        </pc:picChg>
+        <pc:picChg chg="add mod">
+          <ac:chgData name="Elme Pieterse" userId="cf235864-f06d-4d9c-a838-9d693a8e3248" providerId="ADAL" clId="{44400E0D-F01E-4C52-8DFE-33262DF1F20E}" dt="2024-04-11T02:44:46.007" v="4452" actId="1037"/>
+          <ac:picMkLst>
+            <pc:docMk/>
+            <pc:sldMk cId="10480317" sldId="289"/>
+            <ac:picMk id="24" creationId="{77C55174-639B-BC20-5254-0D8B82BF8A07}"/>
+          </ac:picMkLst>
+        </pc:picChg>
+        <pc:picChg chg="add del mod">
+          <ac:chgData name="Elme Pieterse" userId="cf235864-f06d-4d9c-a838-9d693a8e3248" providerId="ADAL" clId="{44400E0D-F01E-4C52-8DFE-33262DF1F20E}" dt="2024-04-11T02:51:07.268" v="4640" actId="478"/>
+          <ac:picMkLst>
+            <pc:docMk/>
+            <pc:sldMk cId="10480317" sldId="289"/>
+            <ac:picMk id="26" creationId="{98B158D9-8879-4638-8E1B-F49347C5A63D}"/>
+          </ac:picMkLst>
+        </pc:picChg>
+        <pc:picChg chg="add mod">
+          <ac:chgData name="Elme Pieterse" userId="cf235864-f06d-4d9c-a838-9d693a8e3248" providerId="ADAL" clId="{44400E0D-F01E-4C52-8DFE-33262DF1F20E}" dt="2024-04-11T02:51:15.499" v="4644" actId="14100"/>
+          <ac:picMkLst>
+            <pc:docMk/>
+            <pc:sldMk cId="10480317" sldId="289"/>
+            <ac:picMk id="33" creationId="{5C2972F1-0315-0B97-504C-59FB57EF9A11}"/>
           </ac:picMkLst>
         </pc:picChg>
         <pc:cxnChg chg="del">
@@ -2185,12 +2505,268 @@
             <ac:cxnSpMk id="25" creationId="{DBE9BF88-9DBD-12FE-3A3D-D4D8F74237C3}"/>
           </ac:cxnSpMkLst>
         </pc:cxnChg>
+        <pc:cxnChg chg="add mod">
+          <ac:chgData name="Elme Pieterse" userId="cf235864-f06d-4d9c-a838-9d693a8e3248" providerId="ADAL" clId="{44400E0D-F01E-4C52-8DFE-33262DF1F20E}" dt="2024-04-11T02:51:41.977" v="4649" actId="1076"/>
+          <ac:cxnSpMkLst>
+            <pc:docMk/>
+            <pc:sldMk cId="10480317" sldId="289"/>
+            <ac:cxnSpMk id="35" creationId="{666F297F-D916-B2EA-82AF-ADE464DF5FDF}"/>
+          </ac:cxnSpMkLst>
+        </pc:cxnChg>
+        <pc:cxnChg chg="add mod">
+          <ac:chgData name="Elme Pieterse" userId="cf235864-f06d-4d9c-a838-9d693a8e3248" providerId="ADAL" clId="{44400E0D-F01E-4C52-8DFE-33262DF1F20E}" dt="2024-04-11T02:51:47.063" v="4651" actId="1076"/>
+          <ac:cxnSpMkLst>
+            <pc:docMk/>
+            <pc:sldMk cId="10480317" sldId="289"/>
+            <ac:cxnSpMk id="37" creationId="{3190800C-1404-CD38-8A69-07D25EFC58D2}"/>
+          </ac:cxnSpMkLst>
+        </pc:cxnChg>
+        <pc:cxnChg chg="add mod">
+          <ac:chgData name="Elme Pieterse" userId="cf235864-f06d-4d9c-a838-9d693a8e3248" providerId="ADAL" clId="{44400E0D-F01E-4C52-8DFE-33262DF1F20E}" dt="2024-04-11T02:51:51.445" v="4653" actId="1076"/>
+          <ac:cxnSpMkLst>
+            <pc:docMk/>
+            <pc:sldMk cId="10480317" sldId="289"/>
+            <ac:cxnSpMk id="38" creationId="{98E24C97-ED3F-7A6A-1D40-B34E135A524D}"/>
+          </ac:cxnSpMkLst>
+        </pc:cxnChg>
         <pc:cxnChg chg="del">
           <ac:chgData name="Elme Pieterse" userId="cf235864-f06d-4d9c-a838-9d693a8e3248" providerId="ADAL" clId="{44400E0D-F01E-4C52-8DFE-33262DF1F20E}" dt="2024-04-10T07:13:57.854" v="3745" actId="478"/>
           <ac:cxnSpMkLst>
             <pc:docMk/>
             <pc:sldMk cId="10480317" sldId="289"/>
             <ac:cxnSpMk id="39" creationId="{4AE6FE5F-36B6-6168-30DD-E6822701701B}"/>
+          </ac:cxnSpMkLst>
+        </pc:cxnChg>
+        <pc:cxnChg chg="add mod">
+          <ac:chgData name="Elme Pieterse" userId="cf235864-f06d-4d9c-a838-9d693a8e3248" providerId="ADAL" clId="{44400E0D-F01E-4C52-8DFE-33262DF1F20E}" dt="2024-04-11T02:51:55.610" v="4655" actId="1076"/>
+          <ac:cxnSpMkLst>
+            <pc:docMk/>
+            <pc:sldMk cId="10480317" sldId="289"/>
+            <ac:cxnSpMk id="39" creationId="{A5051846-65BB-7084-F899-0D14A643F79F}"/>
+          </ac:cxnSpMkLst>
+        </pc:cxnChg>
+        <pc:cxnChg chg="add mod">
+          <ac:chgData name="Elme Pieterse" userId="cf235864-f06d-4d9c-a838-9d693a8e3248" providerId="ADAL" clId="{44400E0D-F01E-4C52-8DFE-33262DF1F20E}" dt="2024-04-11T02:51:59.647" v="4657" actId="1076"/>
+          <ac:cxnSpMkLst>
+            <pc:docMk/>
+            <pc:sldMk cId="10480317" sldId="289"/>
+            <ac:cxnSpMk id="40" creationId="{90FC4E69-01A6-DA88-6CD0-7E2DD8712C1A}"/>
+          </ac:cxnSpMkLst>
+        </pc:cxnChg>
+        <pc:cxnChg chg="add mod">
+          <ac:chgData name="Elme Pieterse" userId="cf235864-f06d-4d9c-a838-9d693a8e3248" providerId="ADAL" clId="{44400E0D-F01E-4C52-8DFE-33262DF1F20E}" dt="2024-04-11T02:52:03.668" v="4659" actId="1076"/>
+          <ac:cxnSpMkLst>
+            <pc:docMk/>
+            <pc:sldMk cId="10480317" sldId="289"/>
+            <ac:cxnSpMk id="41" creationId="{32F8C335-5E36-BCB3-3415-0540ABB0D8BB}"/>
+          </ac:cxnSpMkLst>
+        </pc:cxnChg>
+        <pc:cxnChg chg="add mod">
+          <ac:chgData name="Elme Pieterse" userId="cf235864-f06d-4d9c-a838-9d693a8e3248" providerId="ADAL" clId="{44400E0D-F01E-4C52-8DFE-33262DF1F20E}" dt="2024-04-11T02:52:14.966" v="4663" actId="1076"/>
+          <ac:cxnSpMkLst>
+            <pc:docMk/>
+            <pc:sldMk cId="10480317" sldId="289"/>
+            <ac:cxnSpMk id="42" creationId="{D866235F-F150-D505-5C0C-E793126DBF94}"/>
+          </ac:cxnSpMkLst>
+        </pc:cxnChg>
+        <pc:cxnChg chg="add mod">
+          <ac:chgData name="Elme Pieterse" userId="cf235864-f06d-4d9c-a838-9d693a8e3248" providerId="ADAL" clId="{44400E0D-F01E-4C52-8DFE-33262DF1F20E}" dt="2024-04-11T02:52:22.874" v="4666" actId="14100"/>
+          <ac:cxnSpMkLst>
+            <pc:docMk/>
+            <pc:sldMk cId="10480317" sldId="289"/>
+            <ac:cxnSpMk id="44" creationId="{299139D0-DAB0-B4B3-DD8B-27F638ACE534}"/>
+          </ac:cxnSpMkLst>
+        </pc:cxnChg>
+        <pc:cxnChg chg="add mod ord">
+          <ac:chgData name="Elme Pieterse" userId="cf235864-f06d-4d9c-a838-9d693a8e3248" providerId="ADAL" clId="{44400E0D-F01E-4C52-8DFE-33262DF1F20E}" dt="2024-04-11T03:01:12.105" v="4754" actId="166"/>
+          <ac:cxnSpMkLst>
+            <pc:docMk/>
+            <pc:sldMk cId="10480317" sldId="289"/>
+            <ac:cxnSpMk id="46" creationId="{59E8EDC6-5525-BD12-FFFE-DAE357F39570}"/>
+          </ac:cxnSpMkLst>
+        </pc:cxnChg>
+        <pc:cxnChg chg="add mod">
+          <ac:chgData name="Elme Pieterse" userId="cf235864-f06d-4d9c-a838-9d693a8e3248" providerId="ADAL" clId="{44400E0D-F01E-4C52-8DFE-33262DF1F20E}" dt="2024-04-11T02:55:58.155" v="4694" actId="14100"/>
+          <ac:cxnSpMkLst>
+            <pc:docMk/>
+            <pc:sldMk cId="10480317" sldId="289"/>
+            <ac:cxnSpMk id="52" creationId="{B4704BE4-9EFA-D2FE-910C-43B1311DF7B1}"/>
+          </ac:cxnSpMkLst>
+        </pc:cxnChg>
+        <pc:cxnChg chg="add mod ord">
+          <ac:chgData name="Elme Pieterse" userId="cf235864-f06d-4d9c-a838-9d693a8e3248" providerId="ADAL" clId="{44400E0D-F01E-4C52-8DFE-33262DF1F20E}" dt="2024-04-11T03:01:19.636" v="4755" actId="166"/>
+          <ac:cxnSpMkLst>
+            <pc:docMk/>
+            <pc:sldMk cId="10480317" sldId="289"/>
+            <ac:cxnSpMk id="55" creationId="{70075BB1-C3E3-72A8-199C-AC44D40BA62E}"/>
+          </ac:cxnSpMkLst>
+        </pc:cxnChg>
+        <pc:cxnChg chg="add mod">
+          <ac:chgData name="Elme Pieterse" userId="cf235864-f06d-4d9c-a838-9d693a8e3248" providerId="ADAL" clId="{44400E0D-F01E-4C52-8DFE-33262DF1F20E}" dt="2024-04-11T02:56:22.481" v="4706" actId="14100"/>
+          <ac:cxnSpMkLst>
+            <pc:docMk/>
+            <pc:sldMk cId="10480317" sldId="289"/>
+            <ac:cxnSpMk id="58" creationId="{818789B5-F65B-A558-96DB-D628DAADD8E9}"/>
+          </ac:cxnSpMkLst>
+        </pc:cxnChg>
+        <pc:cxnChg chg="add mod">
+          <ac:chgData name="Elme Pieterse" userId="cf235864-f06d-4d9c-a838-9d693a8e3248" providerId="ADAL" clId="{44400E0D-F01E-4C52-8DFE-33262DF1F20E}" dt="2024-04-11T02:58:45.902" v="4733" actId="14100"/>
+          <ac:cxnSpMkLst>
+            <pc:docMk/>
+            <pc:sldMk cId="10480317" sldId="289"/>
+            <ac:cxnSpMk id="64" creationId="{286E51A3-427A-EE57-9507-F6DA7C6121F0}"/>
+          </ac:cxnSpMkLst>
+        </pc:cxnChg>
+        <pc:cxnChg chg="add del mod">
+          <ac:chgData name="Elme Pieterse" userId="cf235864-f06d-4d9c-a838-9d693a8e3248" providerId="ADAL" clId="{44400E0D-F01E-4C52-8DFE-33262DF1F20E}" dt="2024-04-11T02:58:59.878" v="4737" actId="478"/>
+          <ac:cxnSpMkLst>
+            <pc:docMk/>
+            <pc:sldMk cId="10480317" sldId="289"/>
+            <ac:cxnSpMk id="66" creationId="{6A4302FF-228E-3064-280B-F784394F93CE}"/>
+          </ac:cxnSpMkLst>
+        </pc:cxnChg>
+        <pc:cxnChg chg="add mod">
+          <ac:chgData name="Elme Pieterse" userId="cf235864-f06d-4d9c-a838-9d693a8e3248" providerId="ADAL" clId="{44400E0D-F01E-4C52-8DFE-33262DF1F20E}" dt="2024-04-11T03:00:04.145" v="4743" actId="1582"/>
+          <ac:cxnSpMkLst>
+            <pc:docMk/>
+            <pc:sldMk cId="10480317" sldId="289"/>
+            <ac:cxnSpMk id="70" creationId="{86A7EE23-59F3-C01D-FB59-31AC458CA4F7}"/>
+          </ac:cxnSpMkLst>
+        </pc:cxnChg>
+        <pc:cxnChg chg="add mod">
+          <ac:chgData name="Elme Pieterse" userId="cf235864-f06d-4d9c-a838-9d693a8e3248" providerId="ADAL" clId="{44400E0D-F01E-4C52-8DFE-33262DF1F20E}" dt="2024-04-11T03:00:56.092" v="4753" actId="1036"/>
+          <ac:cxnSpMkLst>
+            <pc:docMk/>
+            <pc:sldMk cId="10480317" sldId="289"/>
+            <ac:cxnSpMk id="72" creationId="{8E5DF3CE-2958-6287-B5D2-15B6265FEE29}"/>
+          </ac:cxnSpMkLst>
+        </pc:cxnChg>
+        <pc:cxnChg chg="add mod">
+          <ac:chgData name="Elme Pieterse" userId="cf235864-f06d-4d9c-a838-9d693a8e3248" providerId="ADAL" clId="{44400E0D-F01E-4C52-8DFE-33262DF1F20E}" dt="2024-04-11T03:02:48.491" v="4778" actId="14100"/>
+          <ac:cxnSpMkLst>
+            <pc:docMk/>
+            <pc:sldMk cId="10480317" sldId="289"/>
+            <ac:cxnSpMk id="78" creationId="{CF0BD509-AFA2-70ED-DEFD-BD629008EE40}"/>
+          </ac:cxnSpMkLst>
+        </pc:cxnChg>
+        <pc:cxnChg chg="add mod">
+          <ac:chgData name="Elme Pieterse" userId="cf235864-f06d-4d9c-a838-9d693a8e3248" providerId="ADAL" clId="{44400E0D-F01E-4C52-8DFE-33262DF1F20E}" dt="2024-04-11T03:02:58.023" v="4781" actId="14100"/>
+          <ac:cxnSpMkLst>
+            <pc:docMk/>
+            <pc:sldMk cId="10480317" sldId="289"/>
+            <ac:cxnSpMk id="80" creationId="{E3BEA16E-BD23-0958-E31D-942E09855D46}"/>
+          </ac:cxnSpMkLst>
+        </pc:cxnChg>
+        <pc:cxnChg chg="add mod">
+          <ac:chgData name="Elme Pieterse" userId="cf235864-f06d-4d9c-a838-9d693a8e3248" providerId="ADAL" clId="{44400E0D-F01E-4C52-8DFE-33262DF1F20E}" dt="2024-04-11T03:03:18.352" v="4785" actId="14100"/>
+          <ac:cxnSpMkLst>
+            <pc:docMk/>
+            <pc:sldMk cId="10480317" sldId="289"/>
+            <ac:cxnSpMk id="82" creationId="{B4CCC340-D70A-95D0-7508-5BF7138D79A6}"/>
+          </ac:cxnSpMkLst>
+        </pc:cxnChg>
+        <pc:cxnChg chg="add mod">
+          <ac:chgData name="Elme Pieterse" userId="cf235864-f06d-4d9c-a838-9d693a8e3248" providerId="ADAL" clId="{44400E0D-F01E-4C52-8DFE-33262DF1F20E}" dt="2024-04-11T03:05:04.885" v="4816" actId="14100"/>
+          <ac:cxnSpMkLst>
+            <pc:docMk/>
+            <pc:sldMk cId="10480317" sldId="289"/>
+            <ac:cxnSpMk id="90" creationId="{975E49F9-D900-A6A4-E3E4-560149622AA8}"/>
+          </ac:cxnSpMkLst>
+        </pc:cxnChg>
+        <pc:cxnChg chg="add mod">
+          <ac:chgData name="Elme Pieterse" userId="cf235864-f06d-4d9c-a838-9d693a8e3248" providerId="ADAL" clId="{44400E0D-F01E-4C52-8DFE-33262DF1F20E}" dt="2024-04-11T03:05:12.197" v="4819" actId="14100"/>
+          <ac:cxnSpMkLst>
+            <pc:docMk/>
+            <pc:sldMk cId="10480317" sldId="289"/>
+            <ac:cxnSpMk id="93" creationId="{FE568574-557B-4244-2FC3-F67448509246}"/>
+          </ac:cxnSpMkLst>
+        </pc:cxnChg>
+        <pc:cxnChg chg="add mod">
+          <ac:chgData name="Elme Pieterse" userId="cf235864-f06d-4d9c-a838-9d693a8e3248" providerId="ADAL" clId="{44400E0D-F01E-4C52-8DFE-33262DF1F20E}" dt="2024-04-11T03:07:28.375" v="4851" actId="14100"/>
+          <ac:cxnSpMkLst>
+            <pc:docMk/>
+            <pc:sldMk cId="10480317" sldId="289"/>
+            <ac:cxnSpMk id="95" creationId="{0C03BC31-4343-1E4E-93CE-5E4478A95BE7}"/>
+          </ac:cxnSpMkLst>
+        </pc:cxnChg>
+        <pc:cxnChg chg="add mod">
+          <ac:chgData name="Elme Pieterse" userId="cf235864-f06d-4d9c-a838-9d693a8e3248" providerId="ADAL" clId="{44400E0D-F01E-4C52-8DFE-33262DF1F20E}" dt="2024-04-11T03:06:53.226" v="4843" actId="14100"/>
+          <ac:cxnSpMkLst>
+            <pc:docMk/>
+            <pc:sldMk cId="10480317" sldId="289"/>
+            <ac:cxnSpMk id="101" creationId="{47C6C947-93D3-8ECE-FEDE-EF8AE4B33DC9}"/>
+          </ac:cxnSpMkLst>
+        </pc:cxnChg>
+        <pc:cxnChg chg="add mod">
+          <ac:chgData name="Elme Pieterse" userId="cf235864-f06d-4d9c-a838-9d693a8e3248" providerId="ADAL" clId="{44400E0D-F01E-4C52-8DFE-33262DF1F20E}" dt="2024-04-11T03:07:01.662" v="4846" actId="14100"/>
+          <ac:cxnSpMkLst>
+            <pc:docMk/>
+            <pc:sldMk cId="10480317" sldId="289"/>
+            <ac:cxnSpMk id="105" creationId="{D6BC4798-0AA8-A2AB-0175-E6072A60D74B}"/>
+          </ac:cxnSpMkLst>
+        </pc:cxnChg>
+        <pc:cxnChg chg="add mod">
+          <ac:chgData name="Elme Pieterse" userId="cf235864-f06d-4d9c-a838-9d693a8e3248" providerId="ADAL" clId="{44400E0D-F01E-4C52-8DFE-33262DF1F20E}" dt="2024-04-11T03:07:14.495" v="4849" actId="14100"/>
+          <ac:cxnSpMkLst>
+            <pc:docMk/>
+            <pc:sldMk cId="10480317" sldId="289"/>
+            <ac:cxnSpMk id="107" creationId="{8DCF02F1-7AD1-D376-D85F-6EF5DE30066C}"/>
+          </ac:cxnSpMkLst>
+        </pc:cxnChg>
+        <pc:cxnChg chg="add mod">
+          <ac:chgData name="Elme Pieterse" userId="cf235864-f06d-4d9c-a838-9d693a8e3248" providerId="ADAL" clId="{44400E0D-F01E-4C52-8DFE-33262DF1F20E}" dt="2024-04-11T03:08:53.204" v="4867" actId="14100"/>
+          <ac:cxnSpMkLst>
+            <pc:docMk/>
+            <pc:sldMk cId="10480317" sldId="289"/>
+            <ac:cxnSpMk id="114" creationId="{7B9FB656-E5AC-D515-8A29-D60AA2106392}"/>
+          </ac:cxnSpMkLst>
+        </pc:cxnChg>
+        <pc:cxnChg chg="add mod">
+          <ac:chgData name="Elme Pieterse" userId="cf235864-f06d-4d9c-a838-9d693a8e3248" providerId="ADAL" clId="{44400E0D-F01E-4C52-8DFE-33262DF1F20E}" dt="2024-04-11T03:08:59.345" v="4870" actId="14100"/>
+          <ac:cxnSpMkLst>
+            <pc:docMk/>
+            <pc:sldMk cId="10480317" sldId="289"/>
+            <ac:cxnSpMk id="116" creationId="{82AE6B0E-2C71-B822-803B-CF549799F006}"/>
+          </ac:cxnSpMkLst>
+        </pc:cxnChg>
+        <pc:cxnChg chg="add mod">
+          <ac:chgData name="Elme Pieterse" userId="cf235864-f06d-4d9c-a838-9d693a8e3248" providerId="ADAL" clId="{44400E0D-F01E-4C52-8DFE-33262DF1F20E}" dt="2024-04-11T03:09:13.945" v="4874" actId="14100"/>
+          <ac:cxnSpMkLst>
+            <pc:docMk/>
+            <pc:sldMk cId="10480317" sldId="289"/>
+            <ac:cxnSpMk id="118" creationId="{B262B9DD-3BA4-E6DB-C999-06F3E0B094C7}"/>
+          </ac:cxnSpMkLst>
+        </pc:cxnChg>
+        <pc:cxnChg chg="add mod">
+          <ac:chgData name="Elme Pieterse" userId="cf235864-f06d-4d9c-a838-9d693a8e3248" providerId="ADAL" clId="{44400E0D-F01E-4C52-8DFE-33262DF1F20E}" dt="2024-04-11T03:10:35.912" v="4894" actId="208"/>
+          <ac:cxnSpMkLst>
+            <pc:docMk/>
+            <pc:sldMk cId="10480317" sldId="289"/>
+            <ac:cxnSpMk id="125" creationId="{9E4B5B7F-D5DA-DFFA-293E-2D5113A467F7}"/>
+          </ac:cxnSpMkLst>
+        </pc:cxnChg>
+        <pc:cxnChg chg="add mod">
+          <ac:chgData name="Elme Pieterse" userId="cf235864-f06d-4d9c-a838-9d693a8e3248" providerId="ADAL" clId="{44400E0D-F01E-4C52-8DFE-33262DF1F20E}" dt="2024-04-11T03:10:43.628" v="4897" actId="14100"/>
+          <ac:cxnSpMkLst>
+            <pc:docMk/>
+            <pc:sldMk cId="10480317" sldId="289"/>
+            <ac:cxnSpMk id="127" creationId="{CB10A1EA-018D-329D-65EE-FA0C66D81554}"/>
+          </ac:cxnSpMkLst>
+        </pc:cxnChg>
+        <pc:cxnChg chg="add mod">
+          <ac:chgData name="Elme Pieterse" userId="cf235864-f06d-4d9c-a838-9d693a8e3248" providerId="ADAL" clId="{44400E0D-F01E-4C52-8DFE-33262DF1F20E}" dt="2024-04-11T03:10:55.956" v="4901" actId="14100"/>
+          <ac:cxnSpMkLst>
+            <pc:docMk/>
+            <pc:sldMk cId="10480317" sldId="289"/>
+            <ac:cxnSpMk id="129" creationId="{AF109FB3-06EF-A519-3657-79982FA13E4A}"/>
+          </ac:cxnSpMkLst>
+        </pc:cxnChg>
+        <pc:cxnChg chg="add mod">
+          <ac:chgData name="Elme Pieterse" userId="cf235864-f06d-4d9c-a838-9d693a8e3248" providerId="ADAL" clId="{44400E0D-F01E-4C52-8DFE-33262DF1F20E}" dt="2024-04-11T03:11:37.755" v="4911" actId="14100"/>
+          <ac:cxnSpMkLst>
+            <pc:docMk/>
+            <pc:sldMk cId="10480317" sldId="289"/>
+            <ac:cxnSpMk id="132" creationId="{E0E81C2B-E09C-5421-5D08-8C1B6C9C420D}"/>
           </ac:cxnSpMkLst>
         </pc:cxnChg>
       </pc:sldChg>
@@ -14573,7 +15149,7 @@
         <p:spPr>
           <a:xfrm>
             <a:off x="241298" y="333373"/>
-            <a:ext cx="4038766" cy="877729"/>
+            <a:ext cx="3106783" cy="773925"/>
           </a:xfrm>
         </p:spPr>
         <p:txBody>
@@ -14583,7 +15159,7 @@
           <a:lstStyle/>
           <a:p>
             <a:r>
-              <a:rPr lang="en-US" sz="4000" kern="1200" dirty="0">
+              <a:rPr lang="en-US" sz="3200" kern="1200" dirty="0">
                 <a:solidFill>
                   <a:srgbClr val="FFFFFF"/>
                 </a:solidFill>
@@ -14609,14 +15185,14 @@
           <p:nvPr>
             <p:extLst>
               <p:ext uri="{D42A27DB-BD31-4B8C-83A1-F6EECF244321}">
-                <p14:modId xmlns:p14="http://schemas.microsoft.com/office/powerpoint/2010/main" val="687170815"/>
+                <p14:modId xmlns:p14="http://schemas.microsoft.com/office/powerpoint/2010/main" val="579306371"/>
               </p:ext>
             </p:extLst>
           </p:nvPr>
         </p:nvGraphicFramePr>
         <p:xfrm>
-          <a:off x="115888" y="1678967"/>
-          <a:ext cx="4023624" cy="1297146"/>
+          <a:off x="115888" y="1651261"/>
+          <a:ext cx="3112221" cy="1449546"/>
         </p:xfrm>
         <a:graphic>
           <a:graphicData uri="http://schemas.openxmlformats.org/drawingml/2006/table">
@@ -14625,14 +15201,14 @@
                 <a:noFill/>
               </a:tblPr>
               <a:tblGrid>
-                <a:gridCol w="2417247">
+                <a:gridCol w="1782185">
                   <a:extLst>
                     <a:ext uri="{9D8B030D-6E8A-4147-A177-3AD203B41FA5}">
                       <a16:colId xmlns:a16="http://schemas.microsoft.com/office/drawing/2014/main" val="20000"/>
                     </a:ext>
                   </a:extLst>
                 </a:gridCol>
-                <a:gridCol w="1606377">
+                <a:gridCol w="1330036">
                   <a:extLst>
                     <a:ext uri="{9D8B030D-6E8A-4147-A177-3AD203B41FA5}">
                       <a16:colId xmlns:a16="http://schemas.microsoft.com/office/drawing/2014/main" val="20001"/>
@@ -14820,14 +15396,14 @@
           <p:nvPr>
             <p:extLst>
               <p:ext uri="{D42A27DB-BD31-4B8C-83A1-F6EECF244321}">
-                <p14:modId xmlns:p14="http://schemas.microsoft.com/office/powerpoint/2010/main" val="1509708601"/>
+                <p14:modId xmlns:p14="http://schemas.microsoft.com/office/powerpoint/2010/main" val="3751746022"/>
               </p:ext>
             </p:extLst>
           </p:nvPr>
         </p:nvGraphicFramePr>
         <p:xfrm>
-          <a:off x="115888" y="2968697"/>
-          <a:ext cx="4023625" cy="1297146"/>
+          <a:off x="115888" y="3107245"/>
+          <a:ext cx="3112221" cy="1449546"/>
         </p:xfrm>
         <a:graphic>
           <a:graphicData uri="http://schemas.openxmlformats.org/drawingml/2006/table">
@@ -14836,14 +15412,14 @@
                 <a:noFill/>
               </a:tblPr>
               <a:tblGrid>
-                <a:gridCol w="2417247">
+                <a:gridCol w="1782185">
                   <a:extLst>
                     <a:ext uri="{9D8B030D-6E8A-4147-A177-3AD203B41FA5}">
                       <a16:colId xmlns:a16="http://schemas.microsoft.com/office/drawing/2014/main" val="20000"/>
                     </a:ext>
                   </a:extLst>
                 </a:gridCol>
-                <a:gridCol w="1606378">
+                <a:gridCol w="1330036">
                   <a:extLst>
                     <a:ext uri="{9D8B030D-6E8A-4147-A177-3AD203B41FA5}">
                       <a16:colId xmlns:a16="http://schemas.microsoft.com/office/drawing/2014/main" val="20001"/>
@@ -15031,14 +15607,14 @@
           <p:nvPr>
             <p:extLst>
               <p:ext uri="{D42A27DB-BD31-4B8C-83A1-F6EECF244321}">
-                <p14:modId xmlns:p14="http://schemas.microsoft.com/office/powerpoint/2010/main" val="2792436559"/>
+                <p14:modId xmlns:p14="http://schemas.microsoft.com/office/powerpoint/2010/main" val="923667204"/>
               </p:ext>
             </p:extLst>
           </p:nvPr>
         </p:nvGraphicFramePr>
         <p:xfrm>
-          <a:off x="115887" y="4258430"/>
-          <a:ext cx="4023624" cy="2034328"/>
+          <a:off x="115888" y="4560263"/>
+          <a:ext cx="3112222" cy="2186728"/>
         </p:xfrm>
         <a:graphic>
           <a:graphicData uri="http://schemas.openxmlformats.org/drawingml/2006/table">
@@ -15047,14 +15623,14 @@
                 <a:noFill/>
               </a:tblPr>
               <a:tblGrid>
-                <a:gridCol w="2400288">
+                <a:gridCol w="1782185">
                   <a:extLst>
                     <a:ext uri="{9D8B030D-6E8A-4147-A177-3AD203B41FA5}">
                       <a16:colId xmlns:a16="http://schemas.microsoft.com/office/drawing/2014/main" val="20000"/>
                     </a:ext>
                   </a:extLst>
                 </a:gridCol>
-                <a:gridCol w="1623336">
+                <a:gridCol w="1330037">
                   <a:extLst>
                     <a:ext uri="{9D8B030D-6E8A-4147-A177-3AD203B41FA5}">
                       <a16:colId xmlns:a16="http://schemas.microsoft.com/office/drawing/2014/main" val="20001"/>
@@ -15317,7 +15893,7 @@
         </p:blipFill>
         <p:spPr>
           <a:xfrm>
-            <a:off x="4280063" y="180367"/>
+            <a:off x="3303026" y="138166"/>
             <a:ext cx="2244305" cy="969132"/>
           </a:xfrm>
           <a:prstGeom prst="rect">
@@ -15327,10 +15903,10 @@
       </p:pic>
       <p:pic>
         <p:nvPicPr>
-          <p:cNvPr id="9" name="Picture 8">
+          <p:cNvPr id="13" name="Picture 12">
             <a:extLst>
               <a:ext uri="{FF2B5EF4-FFF2-40B4-BE49-F238E27FC236}">
-                <a16:creationId xmlns:a16="http://schemas.microsoft.com/office/drawing/2014/main" id="{75C8000B-8D19-1CD7-5BA8-E56F5109BBD6}"/>
+                <a16:creationId xmlns:a16="http://schemas.microsoft.com/office/drawing/2014/main" id="{D4376804-A6C0-86B2-1BE1-CB89CD98E265}"/>
               </a:ext>
             </a:extLst>
           </p:cNvPr>
@@ -15347,8 +15923,8 @@
         </p:blipFill>
         <p:spPr>
           <a:xfrm>
-            <a:off x="9806406" y="167667"/>
-            <a:ext cx="2244306" cy="919423"/>
+            <a:off x="3297440" y="1107298"/>
+            <a:ext cx="2244305" cy="931813"/>
           </a:xfrm>
           <a:prstGeom prst="rect">
             <a:avLst/>
@@ -15357,10 +15933,10 @@
       </p:pic>
       <p:pic>
         <p:nvPicPr>
-          <p:cNvPr id="11" name="Picture 10">
+          <p:cNvPr id="15" name="Picture 14">
             <a:extLst>
               <a:ext uri="{FF2B5EF4-FFF2-40B4-BE49-F238E27FC236}">
-                <a16:creationId xmlns:a16="http://schemas.microsoft.com/office/drawing/2014/main" id="{3E8CBDD8-C1A8-F620-0FDE-C4EBBBDE19DC}"/>
+                <a16:creationId xmlns:a16="http://schemas.microsoft.com/office/drawing/2014/main" id="{A90652A6-240A-B890-A5A4-897498CAF314}"/>
               </a:ext>
             </a:extLst>
           </p:cNvPr>
@@ -15377,8 +15953,8 @@
         </p:blipFill>
         <p:spPr>
           <a:xfrm>
-            <a:off x="9806406" y="1087090"/>
-            <a:ext cx="2244305" cy="931813"/>
+            <a:off x="3297440" y="2035897"/>
+            <a:ext cx="2233985" cy="938944"/>
           </a:xfrm>
           <a:prstGeom prst="rect">
             <a:avLst/>
@@ -15387,10 +15963,10 @@
       </p:pic>
       <p:pic>
         <p:nvPicPr>
-          <p:cNvPr id="13" name="Picture 12">
+          <p:cNvPr id="17" name="Picture 16">
             <a:extLst>
               <a:ext uri="{FF2B5EF4-FFF2-40B4-BE49-F238E27FC236}">
-                <a16:creationId xmlns:a16="http://schemas.microsoft.com/office/drawing/2014/main" id="{D4376804-A6C0-86B2-1BE1-CB89CD98E265}"/>
+                <a16:creationId xmlns:a16="http://schemas.microsoft.com/office/drawing/2014/main" id="{C425D4AE-A809-6881-6A38-91D6825586D5}"/>
               </a:ext>
             </a:extLst>
           </p:cNvPr>
@@ -15407,8 +15983,8 @@
         </p:blipFill>
         <p:spPr>
           <a:xfrm>
-            <a:off x="4286670" y="1149499"/>
-            <a:ext cx="2244304" cy="931813"/>
+            <a:off x="3297441" y="2974841"/>
+            <a:ext cx="2244304" cy="917337"/>
           </a:xfrm>
           <a:prstGeom prst="rect">
             <a:avLst/>
@@ -15417,10 +15993,10 @@
       </p:pic>
       <p:pic>
         <p:nvPicPr>
-          <p:cNvPr id="15" name="Picture 14">
+          <p:cNvPr id="19" name="Picture 18">
             <a:extLst>
               <a:ext uri="{FF2B5EF4-FFF2-40B4-BE49-F238E27FC236}">
-                <a16:creationId xmlns:a16="http://schemas.microsoft.com/office/drawing/2014/main" id="{A90652A6-240A-B890-A5A4-897498CAF314}"/>
+                <a16:creationId xmlns:a16="http://schemas.microsoft.com/office/drawing/2014/main" id="{D25CDD86-0A95-20C6-742A-F35AE270BC37}"/>
               </a:ext>
             </a:extLst>
           </p:cNvPr>
@@ -15437,8 +16013,8 @@
         </p:blipFill>
         <p:spPr>
           <a:xfrm>
-            <a:off x="4280063" y="2078098"/>
-            <a:ext cx="2244305" cy="938944"/>
+            <a:off x="3287121" y="3889998"/>
+            <a:ext cx="2244304" cy="934177"/>
           </a:xfrm>
           <a:prstGeom prst="rect">
             <a:avLst/>
@@ -15447,10 +16023,10 @@
       </p:pic>
       <p:pic>
         <p:nvPicPr>
-          <p:cNvPr id="17" name="Picture 16">
+          <p:cNvPr id="8" name="Picture 7">
             <a:extLst>
               <a:ext uri="{FF2B5EF4-FFF2-40B4-BE49-F238E27FC236}">
-                <a16:creationId xmlns:a16="http://schemas.microsoft.com/office/drawing/2014/main" id="{C425D4AE-A809-6881-6A38-91D6825586D5}"/>
+                <a16:creationId xmlns:a16="http://schemas.microsoft.com/office/drawing/2014/main" id="{A1AD5771-1F20-B8B0-6164-F8130DE448E7}"/>
               </a:ext>
             </a:extLst>
           </p:cNvPr>
@@ -15467,8 +16043,8 @@
         </p:blipFill>
         <p:spPr>
           <a:xfrm>
-            <a:off x="4286670" y="3017042"/>
-            <a:ext cx="2244304" cy="917337"/>
+            <a:off x="3297440" y="4807336"/>
+            <a:ext cx="2251375" cy="958278"/>
           </a:xfrm>
           <a:prstGeom prst="rect">
             <a:avLst/>
@@ -15477,10 +16053,10 @@
       </p:pic>
       <p:pic>
         <p:nvPicPr>
-          <p:cNvPr id="19" name="Picture 18">
+          <p:cNvPr id="12" name="Picture 11">
             <a:extLst>
               <a:ext uri="{FF2B5EF4-FFF2-40B4-BE49-F238E27FC236}">
-                <a16:creationId xmlns:a16="http://schemas.microsoft.com/office/drawing/2014/main" id="{D25CDD86-0A95-20C6-742A-F35AE270BC37}"/>
+                <a16:creationId xmlns:a16="http://schemas.microsoft.com/office/drawing/2014/main" id="{E0DD98AE-AADB-B0AA-D853-3512A2A1B25C}"/>
               </a:ext>
             </a:extLst>
           </p:cNvPr>
@@ -15497,14 +16073,3106 @@
         </p:blipFill>
         <p:spPr>
           <a:xfrm>
-            <a:off x="4280063" y="3943774"/>
-            <a:ext cx="2244304" cy="934177"/>
+            <a:off x="3297439" y="5739333"/>
+            <a:ext cx="2249891" cy="934646"/>
           </a:xfrm>
           <a:prstGeom prst="rect">
             <a:avLst/>
           </a:prstGeom>
         </p:spPr>
       </p:pic>
+      <p:pic>
+        <p:nvPicPr>
+          <p:cNvPr id="16" name="Picture 15">
+            <a:extLst>
+              <a:ext uri="{FF2B5EF4-FFF2-40B4-BE49-F238E27FC236}">
+                <a16:creationId xmlns:a16="http://schemas.microsoft.com/office/drawing/2014/main" id="{8D433024-DAA2-716D-14CB-194B17CAB058}"/>
+              </a:ext>
+            </a:extLst>
+          </p:cNvPr>
+          <p:cNvPicPr>
+            <a:picLocks noChangeAspect="1"/>
+          </p:cNvPicPr>
+          <p:nvPr/>
+        </p:nvPicPr>
+        <p:blipFill>
+          <a:blip r:embed="rId10"/>
+          <a:stretch>
+            <a:fillRect/>
+          </a:stretch>
+        </p:blipFill>
+        <p:spPr>
+          <a:xfrm>
+            <a:off x="5536147" y="142112"/>
+            <a:ext cx="2874419" cy="965186"/>
+          </a:xfrm>
+          <a:prstGeom prst="rect">
+            <a:avLst/>
+          </a:prstGeom>
+        </p:spPr>
+      </p:pic>
+      <p:pic>
+        <p:nvPicPr>
+          <p:cNvPr id="20" name="Picture 19">
+            <a:extLst>
+              <a:ext uri="{FF2B5EF4-FFF2-40B4-BE49-F238E27FC236}">
+                <a16:creationId xmlns:a16="http://schemas.microsoft.com/office/drawing/2014/main" id="{1B7F15C8-6458-C450-6F5C-767CCD677992}"/>
+              </a:ext>
+            </a:extLst>
+          </p:cNvPr>
+          <p:cNvPicPr>
+            <a:picLocks noChangeAspect="1"/>
+          </p:cNvPicPr>
+          <p:nvPr/>
+        </p:nvPicPr>
+        <p:blipFill>
+          <a:blip r:embed="rId11"/>
+          <a:stretch>
+            <a:fillRect/>
+          </a:stretch>
+        </p:blipFill>
+        <p:spPr>
+          <a:xfrm>
+            <a:off x="8396253" y="148174"/>
+            <a:ext cx="2245269" cy="968771"/>
+          </a:xfrm>
+          <a:prstGeom prst="rect">
+            <a:avLst/>
+          </a:prstGeom>
+        </p:spPr>
+      </p:pic>
+      <p:pic>
+        <p:nvPicPr>
+          <p:cNvPr id="22" name="Picture 21">
+            <a:extLst>
+              <a:ext uri="{FF2B5EF4-FFF2-40B4-BE49-F238E27FC236}">
+                <a16:creationId xmlns:a16="http://schemas.microsoft.com/office/drawing/2014/main" id="{850EF479-2594-368D-A665-02791D04E40A}"/>
+              </a:ext>
+            </a:extLst>
+          </p:cNvPr>
+          <p:cNvPicPr>
+            <a:picLocks noChangeAspect="1"/>
+          </p:cNvPicPr>
+          <p:nvPr/>
+        </p:nvPicPr>
+        <p:blipFill>
+          <a:blip r:embed="rId12"/>
+          <a:stretch>
+            <a:fillRect/>
+          </a:stretch>
+        </p:blipFill>
+        <p:spPr>
+          <a:xfrm>
+            <a:off x="5998311" y="1265119"/>
+            <a:ext cx="2731301" cy="5462601"/>
+          </a:xfrm>
+          <a:prstGeom prst="rect">
+            <a:avLst/>
+          </a:prstGeom>
+        </p:spPr>
+      </p:pic>
+      <p:pic>
+        <p:nvPicPr>
+          <p:cNvPr id="24" name="Picture 23">
+            <a:extLst>
+              <a:ext uri="{FF2B5EF4-FFF2-40B4-BE49-F238E27FC236}">
+                <a16:creationId xmlns:a16="http://schemas.microsoft.com/office/drawing/2014/main" id="{77C55174-639B-BC20-5254-0D8B82BF8A07}"/>
+              </a:ext>
+            </a:extLst>
+          </p:cNvPr>
+          <p:cNvPicPr>
+            <a:picLocks noChangeAspect="1"/>
+          </p:cNvPicPr>
+          <p:nvPr/>
+        </p:nvPicPr>
+        <p:blipFill>
+          <a:blip r:embed="rId13"/>
+          <a:stretch>
+            <a:fillRect/>
+          </a:stretch>
+        </p:blipFill>
+        <p:spPr>
+          <a:xfrm>
+            <a:off x="10641522" y="150358"/>
+            <a:ext cx="1466622" cy="939102"/>
+          </a:xfrm>
+          <a:prstGeom prst="rect">
+            <a:avLst/>
+          </a:prstGeom>
+        </p:spPr>
+      </p:pic>
+      <p:sp>
+        <p:nvSpPr>
+          <p:cNvPr id="31" name="TextBox 30">
+            <a:extLst>
+              <a:ext uri="{FF2B5EF4-FFF2-40B4-BE49-F238E27FC236}">
+                <a16:creationId xmlns:a16="http://schemas.microsoft.com/office/drawing/2014/main" id="{FA36EF31-7EC0-D082-8F71-C4E62F104C0A}"/>
+              </a:ext>
+            </a:extLst>
+          </p:cNvPr>
+          <p:cNvSpPr txBox="1"/>
+          <p:nvPr/>
+        </p:nvSpPr>
+        <p:spPr>
+          <a:xfrm>
+            <a:off x="8839182" y="1116945"/>
+            <a:ext cx="3236929" cy="600164"/>
+          </a:xfrm>
+          <a:prstGeom prst="rect">
+            <a:avLst/>
+          </a:prstGeom>
+          <a:solidFill>
+            <a:schemeClr val="accent2"/>
+          </a:solidFill>
+        </p:spPr>
+        <p:txBody>
+          <a:bodyPr wrap="square" rtlCol="0">
+            <a:spAutoFit/>
+          </a:bodyPr>
+          <a:lstStyle/>
+          <a:p>
+            <a:r>
+              <a:rPr lang="en-NZ" sz="1100" dirty="0"/>
+              <a:t>The code below is almost a replica of the previous code, except the combo's name is entered as 123 instead of Supreme for testing purposes</a:t>
+            </a:r>
+          </a:p>
+        </p:txBody>
+      </p:sp>
+      <p:pic>
+        <p:nvPicPr>
+          <p:cNvPr id="33" name="Picture 32">
+            <a:extLst>
+              <a:ext uri="{FF2B5EF4-FFF2-40B4-BE49-F238E27FC236}">
+                <a16:creationId xmlns:a16="http://schemas.microsoft.com/office/drawing/2014/main" id="{5C2972F1-0315-0B97-504C-59FB57EF9A11}"/>
+              </a:ext>
+            </a:extLst>
+          </p:cNvPr>
+          <p:cNvPicPr>
+            <a:picLocks noChangeAspect="1"/>
+          </p:cNvPicPr>
+          <p:nvPr/>
+        </p:nvPicPr>
+        <p:blipFill>
+          <a:blip r:embed="rId14"/>
+          <a:stretch>
+            <a:fillRect/>
+          </a:stretch>
+        </p:blipFill>
+        <p:spPr>
+          <a:xfrm>
+            <a:off x="9147775" y="1717108"/>
+            <a:ext cx="2496228" cy="5010611"/>
+          </a:xfrm>
+          <a:prstGeom prst="rect">
+            <a:avLst/>
+          </a:prstGeom>
+        </p:spPr>
+      </p:pic>
+      <p:cxnSp>
+        <p:nvCxnSpPr>
+          <p:cNvPr id="35" name="Straight Arrow Connector 34">
+            <a:extLst>
+              <a:ext uri="{FF2B5EF4-FFF2-40B4-BE49-F238E27FC236}">
+                <a16:creationId xmlns:a16="http://schemas.microsoft.com/office/drawing/2014/main" id="{666F297F-D916-B2EA-82AF-ADE464DF5FDF}"/>
+              </a:ext>
+            </a:extLst>
+          </p:cNvPr>
+          <p:cNvCxnSpPr>
+            <a:cxnSpLocks/>
+          </p:cNvCxnSpPr>
+          <p:nvPr/>
+        </p:nvCxnSpPr>
+        <p:spPr>
+          <a:xfrm>
+            <a:off x="4450080" y="963168"/>
+            <a:ext cx="0" cy="301951"/>
+          </a:xfrm>
+          <a:prstGeom prst="straightConnector1">
+            <a:avLst/>
+          </a:prstGeom>
+          <a:ln w="28575">
+            <a:tailEnd type="triangle"/>
+          </a:ln>
+        </p:spPr>
+        <p:style>
+          <a:lnRef idx="1">
+            <a:schemeClr val="dk1"/>
+          </a:lnRef>
+          <a:fillRef idx="0">
+            <a:schemeClr val="dk1"/>
+          </a:fillRef>
+          <a:effectRef idx="0">
+            <a:schemeClr val="dk1"/>
+          </a:effectRef>
+          <a:fontRef idx="minor">
+            <a:schemeClr val="tx1"/>
+          </a:fontRef>
+        </p:style>
+      </p:cxnSp>
+      <p:cxnSp>
+        <p:nvCxnSpPr>
+          <p:cNvPr id="37" name="Straight Arrow Connector 36">
+            <a:extLst>
+              <a:ext uri="{FF2B5EF4-FFF2-40B4-BE49-F238E27FC236}">
+                <a16:creationId xmlns:a16="http://schemas.microsoft.com/office/drawing/2014/main" id="{3190800C-1404-CD38-8A69-07D25EFC58D2}"/>
+              </a:ext>
+            </a:extLst>
+          </p:cNvPr>
+          <p:cNvCxnSpPr>
+            <a:cxnSpLocks/>
+          </p:cNvCxnSpPr>
+          <p:nvPr/>
+        </p:nvCxnSpPr>
+        <p:spPr>
+          <a:xfrm>
+            <a:off x="4419600" y="1883497"/>
+            <a:ext cx="0" cy="301951"/>
+          </a:xfrm>
+          <a:prstGeom prst="straightConnector1">
+            <a:avLst/>
+          </a:prstGeom>
+          <a:ln w="28575">
+            <a:tailEnd type="triangle"/>
+          </a:ln>
+        </p:spPr>
+        <p:style>
+          <a:lnRef idx="1">
+            <a:schemeClr val="dk1"/>
+          </a:lnRef>
+          <a:fillRef idx="0">
+            <a:schemeClr val="dk1"/>
+          </a:fillRef>
+          <a:effectRef idx="0">
+            <a:schemeClr val="dk1"/>
+          </a:effectRef>
+          <a:fontRef idx="minor">
+            <a:schemeClr val="tx1"/>
+          </a:fontRef>
+        </p:style>
+      </p:cxnSp>
+      <p:cxnSp>
+        <p:nvCxnSpPr>
+          <p:cNvPr id="38" name="Straight Arrow Connector 37">
+            <a:extLst>
+              <a:ext uri="{FF2B5EF4-FFF2-40B4-BE49-F238E27FC236}">
+                <a16:creationId xmlns:a16="http://schemas.microsoft.com/office/drawing/2014/main" id="{98E24C97-ED3F-7A6A-1D40-B34E135A524D}"/>
+              </a:ext>
+            </a:extLst>
+          </p:cNvPr>
+          <p:cNvCxnSpPr>
+            <a:cxnSpLocks/>
+          </p:cNvCxnSpPr>
+          <p:nvPr/>
+        </p:nvCxnSpPr>
+        <p:spPr>
+          <a:xfrm>
+            <a:off x="4419600" y="2805294"/>
+            <a:ext cx="0" cy="301951"/>
+          </a:xfrm>
+          <a:prstGeom prst="straightConnector1">
+            <a:avLst/>
+          </a:prstGeom>
+          <a:ln w="28575">
+            <a:tailEnd type="triangle"/>
+          </a:ln>
+        </p:spPr>
+        <p:style>
+          <a:lnRef idx="1">
+            <a:schemeClr val="dk1"/>
+          </a:lnRef>
+          <a:fillRef idx="0">
+            <a:schemeClr val="dk1"/>
+          </a:fillRef>
+          <a:effectRef idx="0">
+            <a:schemeClr val="dk1"/>
+          </a:effectRef>
+          <a:fontRef idx="minor">
+            <a:schemeClr val="tx1"/>
+          </a:fontRef>
+        </p:style>
+      </p:cxnSp>
+      <p:cxnSp>
+        <p:nvCxnSpPr>
+          <p:cNvPr id="39" name="Straight Arrow Connector 38">
+            <a:extLst>
+              <a:ext uri="{FF2B5EF4-FFF2-40B4-BE49-F238E27FC236}">
+                <a16:creationId xmlns:a16="http://schemas.microsoft.com/office/drawing/2014/main" id="{A5051846-65BB-7084-F899-0D14A643F79F}"/>
+              </a:ext>
+            </a:extLst>
+          </p:cNvPr>
+          <p:cNvCxnSpPr>
+            <a:cxnSpLocks/>
+          </p:cNvCxnSpPr>
+          <p:nvPr/>
+        </p:nvCxnSpPr>
+        <p:spPr>
+          <a:xfrm>
+            <a:off x="4419600" y="3743527"/>
+            <a:ext cx="0" cy="301951"/>
+          </a:xfrm>
+          <a:prstGeom prst="straightConnector1">
+            <a:avLst/>
+          </a:prstGeom>
+          <a:ln w="28575">
+            <a:tailEnd type="triangle"/>
+          </a:ln>
+        </p:spPr>
+        <p:style>
+          <a:lnRef idx="1">
+            <a:schemeClr val="dk1"/>
+          </a:lnRef>
+          <a:fillRef idx="0">
+            <a:schemeClr val="dk1"/>
+          </a:fillRef>
+          <a:effectRef idx="0">
+            <a:schemeClr val="dk1"/>
+          </a:effectRef>
+          <a:fontRef idx="minor">
+            <a:schemeClr val="tx1"/>
+          </a:fontRef>
+        </p:style>
+      </p:cxnSp>
+      <p:cxnSp>
+        <p:nvCxnSpPr>
+          <p:cNvPr id="40" name="Straight Arrow Connector 39">
+            <a:extLst>
+              <a:ext uri="{FF2B5EF4-FFF2-40B4-BE49-F238E27FC236}">
+                <a16:creationId xmlns:a16="http://schemas.microsoft.com/office/drawing/2014/main" id="{90FC4E69-01A6-DA88-6CD0-7E2DD8712C1A}"/>
+              </a:ext>
+            </a:extLst>
+          </p:cNvPr>
+          <p:cNvCxnSpPr>
+            <a:cxnSpLocks/>
+          </p:cNvCxnSpPr>
+          <p:nvPr/>
+        </p:nvCxnSpPr>
+        <p:spPr>
+          <a:xfrm>
+            <a:off x="4419600" y="4656360"/>
+            <a:ext cx="0" cy="301951"/>
+          </a:xfrm>
+          <a:prstGeom prst="straightConnector1">
+            <a:avLst/>
+          </a:prstGeom>
+          <a:ln w="28575">
+            <a:tailEnd type="triangle"/>
+          </a:ln>
+        </p:spPr>
+        <p:style>
+          <a:lnRef idx="1">
+            <a:schemeClr val="dk1"/>
+          </a:lnRef>
+          <a:fillRef idx="0">
+            <a:schemeClr val="dk1"/>
+          </a:fillRef>
+          <a:effectRef idx="0">
+            <a:schemeClr val="dk1"/>
+          </a:effectRef>
+          <a:fontRef idx="minor">
+            <a:schemeClr val="tx1"/>
+          </a:fontRef>
+        </p:style>
+      </p:cxnSp>
+      <p:cxnSp>
+        <p:nvCxnSpPr>
+          <p:cNvPr id="41" name="Straight Arrow Connector 40">
+            <a:extLst>
+              <a:ext uri="{FF2B5EF4-FFF2-40B4-BE49-F238E27FC236}">
+                <a16:creationId xmlns:a16="http://schemas.microsoft.com/office/drawing/2014/main" id="{32F8C335-5E36-BCB3-3415-0540ABB0D8BB}"/>
+              </a:ext>
+            </a:extLst>
+          </p:cNvPr>
+          <p:cNvCxnSpPr>
+            <a:cxnSpLocks/>
+          </p:cNvCxnSpPr>
+          <p:nvPr/>
+        </p:nvCxnSpPr>
+        <p:spPr>
+          <a:xfrm>
+            <a:off x="4407408" y="5588357"/>
+            <a:ext cx="0" cy="301951"/>
+          </a:xfrm>
+          <a:prstGeom prst="straightConnector1">
+            <a:avLst/>
+          </a:prstGeom>
+          <a:ln w="28575">
+            <a:tailEnd type="triangle"/>
+          </a:ln>
+        </p:spPr>
+        <p:style>
+          <a:lnRef idx="1">
+            <a:schemeClr val="dk1"/>
+          </a:lnRef>
+          <a:fillRef idx="0">
+            <a:schemeClr val="dk1"/>
+          </a:fillRef>
+          <a:effectRef idx="0">
+            <a:schemeClr val="dk1"/>
+          </a:effectRef>
+          <a:fontRef idx="minor">
+            <a:schemeClr val="tx1"/>
+          </a:fontRef>
+        </p:style>
+      </p:cxnSp>
+      <p:cxnSp>
+        <p:nvCxnSpPr>
+          <p:cNvPr id="42" name="Straight Arrow Connector 41">
+            <a:extLst>
+              <a:ext uri="{FF2B5EF4-FFF2-40B4-BE49-F238E27FC236}">
+                <a16:creationId xmlns:a16="http://schemas.microsoft.com/office/drawing/2014/main" id="{D866235F-F150-D505-5C0C-E793126DBF94}"/>
+              </a:ext>
+            </a:extLst>
+          </p:cNvPr>
+          <p:cNvCxnSpPr>
+            <a:cxnSpLocks/>
+          </p:cNvCxnSpPr>
+          <p:nvPr/>
+        </p:nvCxnSpPr>
+        <p:spPr>
+          <a:xfrm>
+            <a:off x="8201181" y="486005"/>
+            <a:ext cx="353568" cy="0"/>
+          </a:xfrm>
+          <a:prstGeom prst="straightConnector1">
+            <a:avLst/>
+          </a:prstGeom>
+          <a:ln w="28575">
+            <a:tailEnd type="triangle"/>
+          </a:ln>
+        </p:spPr>
+        <p:style>
+          <a:lnRef idx="1">
+            <a:schemeClr val="dk1"/>
+          </a:lnRef>
+          <a:fillRef idx="0">
+            <a:schemeClr val="dk1"/>
+          </a:fillRef>
+          <a:effectRef idx="0">
+            <a:schemeClr val="dk1"/>
+          </a:effectRef>
+          <a:fontRef idx="minor">
+            <a:schemeClr val="tx1"/>
+          </a:fontRef>
+        </p:style>
+      </p:cxnSp>
+      <p:cxnSp>
+        <p:nvCxnSpPr>
+          <p:cNvPr id="44" name="Straight Arrow Connector 43">
+            <a:extLst>
+              <a:ext uri="{FF2B5EF4-FFF2-40B4-BE49-F238E27FC236}">
+                <a16:creationId xmlns:a16="http://schemas.microsoft.com/office/drawing/2014/main" id="{299139D0-DAB0-B4B3-DD8B-27F638ACE534}"/>
+              </a:ext>
+            </a:extLst>
+          </p:cNvPr>
+          <p:cNvCxnSpPr>
+            <a:cxnSpLocks/>
+          </p:cNvCxnSpPr>
+          <p:nvPr/>
+        </p:nvCxnSpPr>
+        <p:spPr>
+          <a:xfrm flipV="1">
+            <a:off x="5519233" y="963168"/>
+            <a:ext cx="259775" cy="5216501"/>
+          </a:xfrm>
+          <a:prstGeom prst="straightConnector1">
+            <a:avLst/>
+          </a:prstGeom>
+          <a:ln w="28575">
+            <a:tailEnd type="triangle"/>
+          </a:ln>
+        </p:spPr>
+        <p:style>
+          <a:lnRef idx="1">
+            <a:schemeClr val="dk1"/>
+          </a:lnRef>
+          <a:fillRef idx="0">
+            <a:schemeClr val="dk1"/>
+          </a:fillRef>
+          <a:effectRef idx="0">
+            <a:schemeClr val="dk1"/>
+          </a:effectRef>
+          <a:fontRef idx="minor">
+            <a:schemeClr val="tx1"/>
+          </a:fontRef>
+        </p:style>
+      </p:cxnSp>
+      <p:sp>
+        <p:nvSpPr>
+          <p:cNvPr id="48" name="Rectangle: Rounded Corners 47">
+            <a:extLst>
+              <a:ext uri="{FF2B5EF4-FFF2-40B4-BE49-F238E27FC236}">
+                <a16:creationId xmlns:a16="http://schemas.microsoft.com/office/drawing/2014/main" id="{30A0622F-6332-0722-19D2-788604031C57}"/>
+              </a:ext>
+            </a:extLst>
+          </p:cNvPr>
+          <p:cNvSpPr/>
+          <p:nvPr/>
+        </p:nvSpPr>
+        <p:spPr>
+          <a:xfrm>
+            <a:off x="216914" y="2328400"/>
+            <a:ext cx="1465582" cy="238354"/>
+          </a:xfrm>
+          <a:prstGeom prst="roundRect">
+            <a:avLst/>
+          </a:prstGeom>
+          <a:noFill/>
+          <a:ln w="38100" cap="flat" cmpd="sng" algn="ctr">
+            <a:solidFill>
+              <a:schemeClr val="accent3"/>
+            </a:solidFill>
+            <a:prstDash val="solid"/>
+            <a:round/>
+            <a:headEnd type="none" w="med" len="med"/>
+            <a:tailEnd type="none" w="med" len="med"/>
+          </a:ln>
+        </p:spPr>
+        <p:style>
+          <a:lnRef idx="0">
+            <a:scrgbClr r="0" g="0" b="0"/>
+          </a:lnRef>
+          <a:fillRef idx="0">
+            <a:scrgbClr r="0" g="0" b="0"/>
+          </a:fillRef>
+          <a:effectRef idx="0">
+            <a:scrgbClr r="0" g="0" b="0"/>
+          </a:effectRef>
+          <a:fontRef idx="minor">
+            <a:schemeClr val="dk1"/>
+          </a:fontRef>
+        </p:style>
+        <p:txBody>
+          <a:bodyPr rtlCol="0" anchor="ctr"/>
+          <a:lstStyle/>
+          <a:p>
+            <a:pPr algn="ctr"/>
+            <a:endParaRPr lang="en-NZ"/>
+          </a:p>
+        </p:txBody>
+      </p:sp>
+      <p:sp>
+        <p:nvSpPr>
+          <p:cNvPr id="49" name="Rectangle: Rounded Corners 48">
+            <a:extLst>
+              <a:ext uri="{FF2B5EF4-FFF2-40B4-BE49-F238E27FC236}">
+                <a16:creationId xmlns:a16="http://schemas.microsoft.com/office/drawing/2014/main" id="{DAC7EDEF-CD37-23A1-3F78-A49C751F9116}"/>
+              </a:ext>
+            </a:extLst>
+          </p:cNvPr>
+          <p:cNvSpPr/>
+          <p:nvPr/>
+        </p:nvSpPr>
+        <p:spPr>
+          <a:xfrm>
+            <a:off x="3335889" y="151505"/>
+            <a:ext cx="2200734" cy="933953"/>
+          </a:xfrm>
+          <a:prstGeom prst="roundRect">
+            <a:avLst/>
+          </a:prstGeom>
+          <a:noFill/>
+          <a:ln w="38100" cap="flat" cmpd="sng" algn="ctr">
+            <a:solidFill>
+              <a:schemeClr val="accent3"/>
+            </a:solidFill>
+            <a:prstDash val="solid"/>
+            <a:round/>
+            <a:headEnd type="none" w="med" len="med"/>
+            <a:tailEnd type="none" w="med" len="med"/>
+          </a:ln>
+        </p:spPr>
+        <p:style>
+          <a:lnRef idx="0">
+            <a:scrgbClr r="0" g="0" b="0"/>
+          </a:lnRef>
+          <a:fillRef idx="0">
+            <a:scrgbClr r="0" g="0" b="0"/>
+          </a:fillRef>
+          <a:effectRef idx="0">
+            <a:scrgbClr r="0" g="0" b="0"/>
+          </a:effectRef>
+          <a:fontRef idx="minor">
+            <a:schemeClr val="dk1"/>
+          </a:fontRef>
+        </p:style>
+        <p:txBody>
+          <a:bodyPr rtlCol="0" anchor="ctr"/>
+          <a:lstStyle/>
+          <a:p>
+            <a:pPr algn="ctr"/>
+            <a:endParaRPr lang="en-NZ"/>
+          </a:p>
+        </p:txBody>
+      </p:sp>
+      <p:sp>
+        <p:nvSpPr>
+          <p:cNvPr id="50" name="Rectangle: Rounded Corners 49">
+            <a:extLst>
+              <a:ext uri="{FF2B5EF4-FFF2-40B4-BE49-F238E27FC236}">
+                <a16:creationId xmlns:a16="http://schemas.microsoft.com/office/drawing/2014/main" id="{3613E752-6A70-A5D9-0A5B-C55C8CCC8C24}"/>
+              </a:ext>
+            </a:extLst>
+          </p:cNvPr>
+          <p:cNvSpPr/>
+          <p:nvPr/>
+        </p:nvSpPr>
+        <p:spPr>
+          <a:xfrm>
+            <a:off x="2004460" y="2349880"/>
+            <a:ext cx="1073677" cy="216874"/>
+          </a:xfrm>
+          <a:prstGeom prst="roundRect">
+            <a:avLst/>
+          </a:prstGeom>
+          <a:noFill/>
+          <a:ln w="38100" cap="flat" cmpd="sng" algn="ctr">
+            <a:solidFill>
+              <a:schemeClr val="accent3"/>
+            </a:solidFill>
+            <a:prstDash val="solid"/>
+            <a:round/>
+            <a:headEnd type="none" w="med" len="med"/>
+            <a:tailEnd type="none" w="med" len="med"/>
+          </a:ln>
+        </p:spPr>
+        <p:style>
+          <a:lnRef idx="0">
+            <a:scrgbClr r="0" g="0" b="0"/>
+          </a:lnRef>
+          <a:fillRef idx="0">
+            <a:scrgbClr r="0" g="0" b="0"/>
+          </a:fillRef>
+          <a:effectRef idx="0">
+            <a:scrgbClr r="0" g="0" b="0"/>
+          </a:effectRef>
+          <a:fontRef idx="minor">
+            <a:schemeClr val="dk1"/>
+          </a:fontRef>
+        </p:style>
+        <p:txBody>
+          <a:bodyPr rtlCol="0" anchor="ctr"/>
+          <a:lstStyle/>
+          <a:p>
+            <a:pPr algn="ctr"/>
+            <a:endParaRPr lang="en-NZ"/>
+          </a:p>
+        </p:txBody>
+      </p:sp>
+      <p:sp>
+        <p:nvSpPr>
+          <p:cNvPr id="51" name="Rectangle: Rounded Corners 50">
+            <a:extLst>
+              <a:ext uri="{FF2B5EF4-FFF2-40B4-BE49-F238E27FC236}">
+                <a16:creationId xmlns:a16="http://schemas.microsoft.com/office/drawing/2014/main" id="{6E87E76B-CEA8-DED9-D89E-7A2B24EAE5C0}"/>
+              </a:ext>
+            </a:extLst>
+          </p:cNvPr>
+          <p:cNvSpPr/>
+          <p:nvPr/>
+        </p:nvSpPr>
+        <p:spPr>
+          <a:xfrm>
+            <a:off x="5998310" y="5178038"/>
+            <a:ext cx="1646074" cy="223018"/>
+          </a:xfrm>
+          <a:prstGeom prst="roundRect">
+            <a:avLst/>
+          </a:prstGeom>
+          <a:noFill/>
+          <a:ln w="38100" cap="flat" cmpd="sng" algn="ctr">
+            <a:solidFill>
+              <a:schemeClr val="accent3"/>
+            </a:solidFill>
+            <a:prstDash val="solid"/>
+            <a:round/>
+            <a:headEnd type="none" w="med" len="med"/>
+            <a:tailEnd type="none" w="med" len="med"/>
+          </a:ln>
+        </p:spPr>
+        <p:style>
+          <a:lnRef idx="0">
+            <a:scrgbClr r="0" g="0" b="0"/>
+          </a:lnRef>
+          <a:fillRef idx="0">
+            <a:scrgbClr r="0" g="0" b="0"/>
+          </a:fillRef>
+          <a:effectRef idx="0">
+            <a:scrgbClr r="0" g="0" b="0"/>
+          </a:effectRef>
+          <a:fontRef idx="minor">
+            <a:schemeClr val="dk1"/>
+          </a:fontRef>
+        </p:style>
+        <p:txBody>
+          <a:bodyPr rtlCol="0" anchor="ctr"/>
+          <a:lstStyle/>
+          <a:p>
+            <a:pPr algn="ctr"/>
+            <a:endParaRPr lang="en-NZ"/>
+          </a:p>
+        </p:txBody>
+      </p:sp>
+      <p:cxnSp>
+        <p:nvCxnSpPr>
+          <p:cNvPr id="52" name="Straight Arrow Connector 51">
+            <a:extLst>
+              <a:ext uri="{FF2B5EF4-FFF2-40B4-BE49-F238E27FC236}">
+                <a16:creationId xmlns:a16="http://schemas.microsoft.com/office/drawing/2014/main" id="{B4704BE4-9EFA-D2FE-910C-43B1311DF7B1}"/>
+              </a:ext>
+            </a:extLst>
+          </p:cNvPr>
+          <p:cNvCxnSpPr>
+            <a:cxnSpLocks/>
+          </p:cNvCxnSpPr>
+          <p:nvPr/>
+        </p:nvCxnSpPr>
+        <p:spPr>
+          <a:xfrm>
+            <a:off x="1719072" y="2449068"/>
+            <a:ext cx="285388" cy="0"/>
+          </a:xfrm>
+          <a:prstGeom prst="straightConnector1">
+            <a:avLst/>
+          </a:prstGeom>
+          <a:ln w="38100">
+            <a:solidFill>
+              <a:schemeClr val="accent3"/>
+            </a:solidFill>
+            <a:tailEnd type="triangle"/>
+          </a:ln>
+        </p:spPr>
+        <p:style>
+          <a:lnRef idx="1">
+            <a:schemeClr val="accent1"/>
+          </a:lnRef>
+          <a:fillRef idx="0">
+            <a:schemeClr val="accent1"/>
+          </a:fillRef>
+          <a:effectRef idx="0">
+            <a:schemeClr val="accent1"/>
+          </a:effectRef>
+          <a:fontRef idx="minor">
+            <a:schemeClr val="tx1"/>
+          </a:fontRef>
+        </p:style>
+      </p:cxnSp>
+      <p:cxnSp>
+        <p:nvCxnSpPr>
+          <p:cNvPr id="58" name="Straight Arrow Connector 57">
+            <a:extLst>
+              <a:ext uri="{FF2B5EF4-FFF2-40B4-BE49-F238E27FC236}">
+                <a16:creationId xmlns:a16="http://schemas.microsoft.com/office/drawing/2014/main" id="{818789B5-F65B-A558-96DB-D628DAADD8E9}"/>
+              </a:ext>
+            </a:extLst>
+          </p:cNvPr>
+          <p:cNvCxnSpPr>
+            <a:cxnSpLocks/>
+          </p:cNvCxnSpPr>
+          <p:nvPr/>
+        </p:nvCxnSpPr>
+        <p:spPr>
+          <a:xfrm>
+            <a:off x="5548815" y="1116945"/>
+            <a:ext cx="449495" cy="4061093"/>
+          </a:xfrm>
+          <a:prstGeom prst="straightConnector1">
+            <a:avLst/>
+          </a:prstGeom>
+          <a:ln w="38100">
+            <a:solidFill>
+              <a:schemeClr val="accent3"/>
+            </a:solidFill>
+            <a:tailEnd type="triangle"/>
+          </a:ln>
+        </p:spPr>
+        <p:style>
+          <a:lnRef idx="1">
+            <a:schemeClr val="accent1"/>
+          </a:lnRef>
+          <a:fillRef idx="0">
+            <a:schemeClr val="accent1"/>
+          </a:fillRef>
+          <a:effectRef idx="0">
+            <a:schemeClr val="accent1"/>
+          </a:effectRef>
+          <a:fontRef idx="minor">
+            <a:schemeClr val="tx1"/>
+          </a:fontRef>
+        </p:style>
+      </p:cxnSp>
+      <p:sp>
+        <p:nvSpPr>
+          <p:cNvPr id="60" name="Rectangle: Rounded Corners 59">
+            <a:extLst>
+              <a:ext uri="{FF2B5EF4-FFF2-40B4-BE49-F238E27FC236}">
+                <a16:creationId xmlns:a16="http://schemas.microsoft.com/office/drawing/2014/main" id="{1E93DB7F-ED08-A3A7-9267-6B1E2DE864D2}"/>
+              </a:ext>
+            </a:extLst>
+          </p:cNvPr>
+          <p:cNvSpPr/>
+          <p:nvPr/>
+        </p:nvSpPr>
+        <p:spPr>
+          <a:xfrm>
+            <a:off x="216915" y="2760158"/>
+            <a:ext cx="1209550" cy="214683"/>
+          </a:xfrm>
+          <a:prstGeom prst="roundRect">
+            <a:avLst/>
+          </a:prstGeom>
+          <a:noFill/>
+          <a:ln w="38100" cap="flat" cmpd="sng" algn="ctr">
+            <a:solidFill>
+              <a:schemeClr val="accent2"/>
+            </a:solidFill>
+            <a:prstDash val="solid"/>
+            <a:round/>
+            <a:headEnd type="none" w="med" len="med"/>
+            <a:tailEnd type="none" w="med" len="med"/>
+          </a:ln>
+        </p:spPr>
+        <p:style>
+          <a:lnRef idx="0">
+            <a:scrgbClr r="0" g="0" b="0"/>
+          </a:lnRef>
+          <a:fillRef idx="0">
+            <a:scrgbClr r="0" g="0" b="0"/>
+          </a:fillRef>
+          <a:effectRef idx="0">
+            <a:scrgbClr r="0" g="0" b="0"/>
+          </a:effectRef>
+          <a:fontRef idx="minor">
+            <a:schemeClr val="dk1"/>
+          </a:fontRef>
+        </p:style>
+        <p:txBody>
+          <a:bodyPr rtlCol="0" anchor="ctr"/>
+          <a:lstStyle/>
+          <a:p>
+            <a:pPr algn="ctr"/>
+            <a:endParaRPr lang="en-NZ"/>
+          </a:p>
+        </p:txBody>
+      </p:sp>
+      <p:sp>
+        <p:nvSpPr>
+          <p:cNvPr id="61" name="Rectangle: Rounded Corners 60">
+            <a:extLst>
+              <a:ext uri="{FF2B5EF4-FFF2-40B4-BE49-F238E27FC236}">
+                <a16:creationId xmlns:a16="http://schemas.microsoft.com/office/drawing/2014/main" id="{57BCB2CF-E6B5-C3DA-A971-BE46163A7C70}"/>
+              </a:ext>
+            </a:extLst>
+          </p:cNvPr>
+          <p:cNvSpPr/>
+          <p:nvPr/>
+        </p:nvSpPr>
+        <p:spPr>
+          <a:xfrm>
+            <a:off x="1978320" y="2780520"/>
+            <a:ext cx="1099817" cy="214682"/>
+          </a:xfrm>
+          <a:prstGeom prst="roundRect">
+            <a:avLst/>
+          </a:prstGeom>
+          <a:noFill/>
+          <a:ln w="38100" cap="flat" cmpd="sng" algn="ctr">
+            <a:solidFill>
+              <a:schemeClr val="accent2"/>
+            </a:solidFill>
+            <a:prstDash val="solid"/>
+            <a:round/>
+            <a:headEnd type="none" w="med" len="med"/>
+            <a:tailEnd type="none" w="med" len="med"/>
+          </a:ln>
+        </p:spPr>
+        <p:style>
+          <a:lnRef idx="0">
+            <a:scrgbClr r="0" g="0" b="0"/>
+          </a:lnRef>
+          <a:fillRef idx="0">
+            <a:scrgbClr r="0" g="0" b="0"/>
+          </a:fillRef>
+          <a:effectRef idx="0">
+            <a:scrgbClr r="0" g="0" b="0"/>
+          </a:effectRef>
+          <a:fontRef idx="minor">
+            <a:schemeClr val="dk1"/>
+          </a:fontRef>
+        </p:style>
+        <p:txBody>
+          <a:bodyPr rtlCol="0" anchor="ctr"/>
+          <a:lstStyle/>
+          <a:p>
+            <a:pPr algn="ctr"/>
+            <a:endParaRPr lang="en-NZ"/>
+          </a:p>
+        </p:txBody>
+      </p:sp>
+      <p:sp>
+        <p:nvSpPr>
+          <p:cNvPr id="62" name="Rectangle: Rounded Corners 61">
+            <a:extLst>
+              <a:ext uri="{FF2B5EF4-FFF2-40B4-BE49-F238E27FC236}">
+                <a16:creationId xmlns:a16="http://schemas.microsoft.com/office/drawing/2014/main" id="{6A6474FB-091A-EF60-C943-F6C3E373493A}"/>
+              </a:ext>
+            </a:extLst>
+          </p:cNvPr>
+          <p:cNvSpPr/>
+          <p:nvPr/>
+        </p:nvSpPr>
+        <p:spPr>
+          <a:xfrm>
+            <a:off x="10614366" y="118690"/>
+            <a:ext cx="1493778" cy="988607"/>
+          </a:xfrm>
+          <a:prstGeom prst="roundRect">
+            <a:avLst/>
+          </a:prstGeom>
+          <a:noFill/>
+          <a:ln w="38100" cap="flat" cmpd="sng" algn="ctr">
+            <a:solidFill>
+              <a:schemeClr val="accent2"/>
+            </a:solidFill>
+            <a:prstDash val="solid"/>
+            <a:round/>
+            <a:headEnd type="none" w="med" len="med"/>
+            <a:tailEnd type="none" w="med" len="med"/>
+          </a:ln>
+        </p:spPr>
+        <p:style>
+          <a:lnRef idx="0">
+            <a:scrgbClr r="0" g="0" b="0"/>
+          </a:lnRef>
+          <a:fillRef idx="0">
+            <a:scrgbClr r="0" g="0" b="0"/>
+          </a:fillRef>
+          <a:effectRef idx="0">
+            <a:scrgbClr r="0" g="0" b="0"/>
+          </a:effectRef>
+          <a:fontRef idx="minor">
+            <a:schemeClr val="dk1"/>
+          </a:fontRef>
+        </p:style>
+        <p:txBody>
+          <a:bodyPr rtlCol="0" anchor="ctr"/>
+          <a:lstStyle/>
+          <a:p>
+            <a:pPr algn="ctr"/>
+            <a:endParaRPr lang="en-NZ"/>
+          </a:p>
+        </p:txBody>
+      </p:sp>
+      <p:sp>
+        <p:nvSpPr>
+          <p:cNvPr id="63" name="Rectangle: Rounded Corners 62">
+            <a:extLst>
+              <a:ext uri="{FF2B5EF4-FFF2-40B4-BE49-F238E27FC236}">
+                <a16:creationId xmlns:a16="http://schemas.microsoft.com/office/drawing/2014/main" id="{F31BA1FA-E97B-0E24-F86D-D5D075F3C88F}"/>
+              </a:ext>
+            </a:extLst>
+          </p:cNvPr>
+          <p:cNvSpPr/>
+          <p:nvPr/>
+        </p:nvSpPr>
+        <p:spPr>
+          <a:xfrm>
+            <a:off x="9159966" y="5305907"/>
+            <a:ext cx="1178850" cy="204877"/>
+          </a:xfrm>
+          <a:prstGeom prst="roundRect">
+            <a:avLst/>
+          </a:prstGeom>
+          <a:noFill/>
+          <a:ln w="38100" cap="flat" cmpd="sng" algn="ctr">
+            <a:solidFill>
+              <a:schemeClr val="accent2"/>
+            </a:solidFill>
+            <a:prstDash val="solid"/>
+            <a:round/>
+            <a:headEnd type="none" w="med" len="med"/>
+            <a:tailEnd type="none" w="med" len="med"/>
+          </a:ln>
+        </p:spPr>
+        <p:style>
+          <a:lnRef idx="0">
+            <a:scrgbClr r="0" g="0" b="0"/>
+          </a:lnRef>
+          <a:fillRef idx="0">
+            <a:scrgbClr r="0" g="0" b="0"/>
+          </a:fillRef>
+          <a:effectRef idx="0">
+            <a:scrgbClr r="0" g="0" b="0"/>
+          </a:effectRef>
+          <a:fontRef idx="minor">
+            <a:schemeClr val="dk1"/>
+          </a:fontRef>
+        </p:style>
+        <p:txBody>
+          <a:bodyPr rtlCol="0" anchor="ctr"/>
+          <a:lstStyle/>
+          <a:p>
+            <a:pPr algn="ctr"/>
+            <a:endParaRPr lang="en-NZ"/>
+          </a:p>
+        </p:txBody>
+      </p:sp>
+      <p:cxnSp>
+        <p:nvCxnSpPr>
+          <p:cNvPr id="64" name="Straight Arrow Connector 63">
+            <a:extLst>
+              <a:ext uri="{FF2B5EF4-FFF2-40B4-BE49-F238E27FC236}">
+                <a16:creationId xmlns:a16="http://schemas.microsoft.com/office/drawing/2014/main" id="{286E51A3-427A-EE57-9507-F6DA7C6121F0}"/>
+              </a:ext>
+            </a:extLst>
+          </p:cNvPr>
+          <p:cNvCxnSpPr>
+            <a:cxnSpLocks/>
+          </p:cNvCxnSpPr>
+          <p:nvPr/>
+        </p:nvCxnSpPr>
+        <p:spPr>
+          <a:xfrm>
+            <a:off x="1461317" y="2878446"/>
+            <a:ext cx="428443" cy="0"/>
+          </a:xfrm>
+          <a:prstGeom prst="straightConnector1">
+            <a:avLst/>
+          </a:prstGeom>
+          <a:ln w="38100">
+            <a:solidFill>
+              <a:schemeClr val="accent2"/>
+            </a:solidFill>
+            <a:tailEnd type="triangle"/>
+          </a:ln>
+        </p:spPr>
+        <p:style>
+          <a:lnRef idx="1">
+            <a:schemeClr val="accent1"/>
+          </a:lnRef>
+          <a:fillRef idx="0">
+            <a:schemeClr val="accent1"/>
+          </a:fillRef>
+          <a:effectRef idx="0">
+            <a:schemeClr val="accent1"/>
+          </a:effectRef>
+          <a:fontRef idx="minor">
+            <a:schemeClr val="tx1"/>
+          </a:fontRef>
+        </p:style>
+      </p:cxnSp>
+      <p:cxnSp>
+        <p:nvCxnSpPr>
+          <p:cNvPr id="70" name="Connector: Elbow 69">
+            <a:extLst>
+              <a:ext uri="{FF2B5EF4-FFF2-40B4-BE49-F238E27FC236}">
+                <a16:creationId xmlns:a16="http://schemas.microsoft.com/office/drawing/2014/main" id="{86A7EE23-59F3-C01D-FB59-31AC458CA4F7}"/>
+              </a:ext>
+            </a:extLst>
+          </p:cNvPr>
+          <p:cNvCxnSpPr/>
+          <p:nvPr/>
+        </p:nvCxnSpPr>
+        <p:spPr>
+          <a:xfrm flipV="1">
+            <a:off x="3139097" y="118690"/>
+            <a:ext cx="7475269" cy="2759756"/>
+          </a:xfrm>
+          <a:prstGeom prst="bentConnector3">
+            <a:avLst>
+              <a:gd name="adj1" fmla="val 744"/>
+            </a:avLst>
+          </a:prstGeom>
+          <a:ln w="38100">
+            <a:solidFill>
+              <a:schemeClr val="accent2"/>
+            </a:solidFill>
+            <a:tailEnd type="triangle"/>
+          </a:ln>
+        </p:spPr>
+        <p:style>
+          <a:lnRef idx="1">
+            <a:schemeClr val="accent1"/>
+          </a:lnRef>
+          <a:fillRef idx="0">
+            <a:schemeClr val="accent1"/>
+          </a:fillRef>
+          <a:effectRef idx="0">
+            <a:schemeClr val="accent1"/>
+          </a:effectRef>
+          <a:fontRef idx="minor">
+            <a:schemeClr val="tx1"/>
+          </a:fontRef>
+        </p:style>
+      </p:cxnSp>
+      <p:cxnSp>
+        <p:nvCxnSpPr>
+          <p:cNvPr id="72" name="Straight Arrow Connector 71">
+            <a:extLst>
+              <a:ext uri="{FF2B5EF4-FFF2-40B4-BE49-F238E27FC236}">
+                <a16:creationId xmlns:a16="http://schemas.microsoft.com/office/drawing/2014/main" id="{8E5DF3CE-2958-6287-B5D2-15B6265FEE29}"/>
+              </a:ext>
+            </a:extLst>
+          </p:cNvPr>
+          <p:cNvCxnSpPr>
+            <a:cxnSpLocks/>
+          </p:cNvCxnSpPr>
+          <p:nvPr/>
+        </p:nvCxnSpPr>
+        <p:spPr>
+          <a:xfrm flipH="1">
+            <a:off x="10424160" y="1748722"/>
+            <a:ext cx="1071173" cy="3605953"/>
+          </a:xfrm>
+          <a:prstGeom prst="straightConnector1">
+            <a:avLst/>
+          </a:prstGeom>
+          <a:ln w="38100">
+            <a:solidFill>
+              <a:schemeClr val="accent2"/>
+            </a:solidFill>
+            <a:tailEnd type="triangle"/>
+          </a:ln>
+        </p:spPr>
+        <p:style>
+          <a:lnRef idx="1">
+            <a:schemeClr val="accent1"/>
+          </a:lnRef>
+          <a:fillRef idx="0">
+            <a:schemeClr val="accent1"/>
+          </a:fillRef>
+          <a:effectRef idx="0">
+            <a:schemeClr val="accent1"/>
+          </a:effectRef>
+          <a:fontRef idx="minor">
+            <a:schemeClr val="tx1"/>
+          </a:fontRef>
+        </p:style>
+      </p:cxnSp>
+      <p:cxnSp>
+        <p:nvCxnSpPr>
+          <p:cNvPr id="46" name="Straight Arrow Connector 45">
+            <a:extLst>
+              <a:ext uri="{FF2B5EF4-FFF2-40B4-BE49-F238E27FC236}">
+                <a16:creationId xmlns:a16="http://schemas.microsoft.com/office/drawing/2014/main" id="{59E8EDC6-5525-BD12-FFFE-DAE357F39570}"/>
+              </a:ext>
+            </a:extLst>
+          </p:cNvPr>
+          <p:cNvCxnSpPr>
+            <a:cxnSpLocks/>
+          </p:cNvCxnSpPr>
+          <p:nvPr/>
+        </p:nvCxnSpPr>
+        <p:spPr>
+          <a:xfrm flipH="1">
+            <a:off x="11838432" y="947127"/>
+            <a:ext cx="121920" cy="317992"/>
+          </a:xfrm>
+          <a:prstGeom prst="straightConnector1">
+            <a:avLst/>
+          </a:prstGeom>
+          <a:ln w="28575">
+            <a:tailEnd type="triangle"/>
+          </a:ln>
+        </p:spPr>
+        <p:style>
+          <a:lnRef idx="1">
+            <a:schemeClr val="dk1"/>
+          </a:lnRef>
+          <a:fillRef idx="0">
+            <a:schemeClr val="dk1"/>
+          </a:fillRef>
+          <a:effectRef idx="0">
+            <a:schemeClr val="dk1"/>
+          </a:effectRef>
+          <a:fontRef idx="minor">
+            <a:schemeClr val="tx1"/>
+          </a:fontRef>
+        </p:style>
+      </p:cxnSp>
+      <p:cxnSp>
+        <p:nvCxnSpPr>
+          <p:cNvPr id="55" name="Straight Arrow Connector 54">
+            <a:extLst>
+              <a:ext uri="{FF2B5EF4-FFF2-40B4-BE49-F238E27FC236}">
+                <a16:creationId xmlns:a16="http://schemas.microsoft.com/office/drawing/2014/main" id="{70075BB1-C3E3-72A8-199C-AC44D40BA62E}"/>
+              </a:ext>
+            </a:extLst>
+          </p:cNvPr>
+          <p:cNvCxnSpPr>
+            <a:cxnSpLocks/>
+          </p:cNvCxnSpPr>
+          <p:nvPr/>
+        </p:nvCxnSpPr>
+        <p:spPr>
+          <a:xfrm flipV="1">
+            <a:off x="3139097" y="1107298"/>
+            <a:ext cx="148024" cy="1340246"/>
+          </a:xfrm>
+          <a:prstGeom prst="straightConnector1">
+            <a:avLst/>
+          </a:prstGeom>
+          <a:ln w="38100">
+            <a:solidFill>
+              <a:schemeClr val="accent3"/>
+            </a:solidFill>
+            <a:tailEnd type="triangle"/>
+          </a:ln>
+        </p:spPr>
+        <p:style>
+          <a:lnRef idx="1">
+            <a:schemeClr val="accent1"/>
+          </a:lnRef>
+          <a:fillRef idx="0">
+            <a:schemeClr val="accent1"/>
+          </a:fillRef>
+          <a:effectRef idx="0">
+            <a:schemeClr val="accent1"/>
+          </a:effectRef>
+          <a:fontRef idx="minor">
+            <a:schemeClr val="tx1"/>
+          </a:fontRef>
+        </p:style>
+      </p:cxnSp>
+      <p:sp>
+        <p:nvSpPr>
+          <p:cNvPr id="74" name="Rectangle: Rounded Corners 73">
+            <a:extLst>
+              <a:ext uri="{FF2B5EF4-FFF2-40B4-BE49-F238E27FC236}">
+                <a16:creationId xmlns:a16="http://schemas.microsoft.com/office/drawing/2014/main" id="{0B7D5927-CB8C-51F4-3891-DD63E80BA60F}"/>
+              </a:ext>
+            </a:extLst>
+          </p:cNvPr>
+          <p:cNvSpPr/>
+          <p:nvPr/>
+        </p:nvSpPr>
+        <p:spPr>
+          <a:xfrm>
+            <a:off x="224427" y="3775207"/>
+            <a:ext cx="757170" cy="263196"/>
+          </a:xfrm>
+          <a:prstGeom prst="roundRect">
+            <a:avLst/>
+          </a:prstGeom>
+          <a:noFill/>
+          <a:ln w="38100" cap="flat" cmpd="sng" algn="ctr">
+            <a:solidFill>
+              <a:schemeClr val="accent4"/>
+            </a:solidFill>
+            <a:prstDash val="solid"/>
+            <a:round/>
+            <a:headEnd type="none" w="med" len="med"/>
+            <a:tailEnd type="none" w="med" len="med"/>
+          </a:ln>
+        </p:spPr>
+        <p:style>
+          <a:lnRef idx="0">
+            <a:scrgbClr r="0" g="0" b="0"/>
+          </a:lnRef>
+          <a:fillRef idx="0">
+            <a:scrgbClr r="0" g="0" b="0"/>
+          </a:fillRef>
+          <a:effectRef idx="0">
+            <a:scrgbClr r="0" g="0" b="0"/>
+          </a:effectRef>
+          <a:fontRef idx="minor">
+            <a:schemeClr val="dk1"/>
+          </a:fontRef>
+        </p:style>
+        <p:txBody>
+          <a:bodyPr rtlCol="0" anchor="ctr"/>
+          <a:lstStyle/>
+          <a:p>
+            <a:pPr algn="ctr"/>
+            <a:endParaRPr lang="en-NZ"/>
+          </a:p>
+        </p:txBody>
+      </p:sp>
+      <p:sp>
+        <p:nvSpPr>
+          <p:cNvPr id="75" name="Rectangle: Rounded Corners 74">
+            <a:extLst>
+              <a:ext uri="{FF2B5EF4-FFF2-40B4-BE49-F238E27FC236}">
+                <a16:creationId xmlns:a16="http://schemas.microsoft.com/office/drawing/2014/main" id="{68D97001-50CA-C4A4-46C0-2CA77D1D7DD0}"/>
+              </a:ext>
+            </a:extLst>
+          </p:cNvPr>
+          <p:cNvSpPr/>
+          <p:nvPr/>
+        </p:nvSpPr>
+        <p:spPr>
+          <a:xfrm>
+            <a:off x="1995955" y="3791229"/>
+            <a:ext cx="1069989" cy="234981"/>
+          </a:xfrm>
+          <a:prstGeom prst="roundRect">
+            <a:avLst/>
+          </a:prstGeom>
+          <a:noFill/>
+          <a:ln w="38100" cap="flat" cmpd="sng" algn="ctr">
+            <a:solidFill>
+              <a:schemeClr val="accent4"/>
+            </a:solidFill>
+            <a:prstDash val="solid"/>
+            <a:round/>
+            <a:headEnd type="none" w="med" len="med"/>
+            <a:tailEnd type="none" w="med" len="med"/>
+          </a:ln>
+        </p:spPr>
+        <p:style>
+          <a:lnRef idx="0">
+            <a:scrgbClr r="0" g="0" b="0"/>
+          </a:lnRef>
+          <a:fillRef idx="0">
+            <a:scrgbClr r="0" g="0" b="0"/>
+          </a:fillRef>
+          <a:effectRef idx="0">
+            <a:scrgbClr r="0" g="0" b="0"/>
+          </a:effectRef>
+          <a:fontRef idx="minor">
+            <a:schemeClr val="dk1"/>
+          </a:fontRef>
+        </p:style>
+        <p:txBody>
+          <a:bodyPr rtlCol="0" anchor="ctr"/>
+          <a:lstStyle/>
+          <a:p>
+            <a:pPr algn="ctr"/>
+            <a:endParaRPr lang="en-NZ"/>
+          </a:p>
+        </p:txBody>
+      </p:sp>
+      <p:sp>
+        <p:nvSpPr>
+          <p:cNvPr id="76" name="Rectangle: Rounded Corners 75">
+            <a:extLst>
+              <a:ext uri="{FF2B5EF4-FFF2-40B4-BE49-F238E27FC236}">
+                <a16:creationId xmlns:a16="http://schemas.microsoft.com/office/drawing/2014/main" id="{C43FD62E-1B76-C48C-3F5A-FFFF58513651}"/>
+              </a:ext>
+            </a:extLst>
+          </p:cNvPr>
+          <p:cNvSpPr/>
+          <p:nvPr/>
+        </p:nvSpPr>
+        <p:spPr>
+          <a:xfrm>
+            <a:off x="3319648" y="1152654"/>
+            <a:ext cx="2244305" cy="847961"/>
+          </a:xfrm>
+          <a:prstGeom prst="roundRect">
+            <a:avLst/>
+          </a:prstGeom>
+          <a:noFill/>
+          <a:ln w="38100" cap="flat" cmpd="sng" algn="ctr">
+            <a:solidFill>
+              <a:schemeClr val="accent4"/>
+            </a:solidFill>
+            <a:prstDash val="solid"/>
+            <a:round/>
+            <a:headEnd type="none" w="med" len="med"/>
+            <a:tailEnd type="none" w="med" len="med"/>
+          </a:ln>
+        </p:spPr>
+        <p:style>
+          <a:lnRef idx="0">
+            <a:scrgbClr r="0" g="0" b="0"/>
+          </a:lnRef>
+          <a:fillRef idx="0">
+            <a:scrgbClr r="0" g="0" b="0"/>
+          </a:fillRef>
+          <a:effectRef idx="0">
+            <a:scrgbClr r="0" g="0" b="0"/>
+          </a:effectRef>
+          <a:fontRef idx="minor">
+            <a:schemeClr val="dk1"/>
+          </a:fontRef>
+        </p:style>
+        <p:txBody>
+          <a:bodyPr rtlCol="0" anchor="ctr"/>
+          <a:lstStyle/>
+          <a:p>
+            <a:pPr algn="ctr"/>
+            <a:endParaRPr lang="en-NZ"/>
+          </a:p>
+        </p:txBody>
+      </p:sp>
+      <p:sp>
+        <p:nvSpPr>
+          <p:cNvPr id="77" name="Rectangle: Rounded Corners 76">
+            <a:extLst>
+              <a:ext uri="{FF2B5EF4-FFF2-40B4-BE49-F238E27FC236}">
+                <a16:creationId xmlns:a16="http://schemas.microsoft.com/office/drawing/2014/main" id="{A507CED8-D995-8E8B-0082-ECC27061C41D}"/>
+              </a:ext>
+            </a:extLst>
+          </p:cNvPr>
+          <p:cNvSpPr/>
+          <p:nvPr/>
+        </p:nvSpPr>
+        <p:spPr>
+          <a:xfrm>
+            <a:off x="5989947" y="5634034"/>
+            <a:ext cx="996069" cy="223018"/>
+          </a:xfrm>
+          <a:prstGeom prst="roundRect">
+            <a:avLst/>
+          </a:prstGeom>
+          <a:noFill/>
+          <a:ln w="38100" cap="flat" cmpd="sng" algn="ctr">
+            <a:solidFill>
+              <a:schemeClr val="accent4"/>
+            </a:solidFill>
+            <a:prstDash val="solid"/>
+            <a:round/>
+            <a:headEnd type="none" w="med" len="med"/>
+            <a:tailEnd type="none" w="med" len="med"/>
+          </a:ln>
+        </p:spPr>
+        <p:style>
+          <a:lnRef idx="0">
+            <a:scrgbClr r="0" g="0" b="0"/>
+          </a:lnRef>
+          <a:fillRef idx="0">
+            <a:scrgbClr r="0" g="0" b="0"/>
+          </a:fillRef>
+          <a:effectRef idx="0">
+            <a:scrgbClr r="0" g="0" b="0"/>
+          </a:effectRef>
+          <a:fontRef idx="minor">
+            <a:schemeClr val="dk1"/>
+          </a:fontRef>
+        </p:style>
+        <p:txBody>
+          <a:bodyPr rtlCol="0" anchor="ctr"/>
+          <a:lstStyle/>
+          <a:p>
+            <a:pPr algn="ctr"/>
+            <a:endParaRPr lang="en-NZ"/>
+          </a:p>
+        </p:txBody>
+      </p:sp>
+      <p:cxnSp>
+        <p:nvCxnSpPr>
+          <p:cNvPr id="78" name="Straight Arrow Connector 77">
+            <a:extLst>
+              <a:ext uri="{FF2B5EF4-FFF2-40B4-BE49-F238E27FC236}">
+                <a16:creationId xmlns:a16="http://schemas.microsoft.com/office/drawing/2014/main" id="{CF0BD509-AFA2-70ED-DEFD-BD629008EE40}"/>
+              </a:ext>
+            </a:extLst>
+          </p:cNvPr>
+          <p:cNvCxnSpPr>
+            <a:cxnSpLocks/>
+          </p:cNvCxnSpPr>
+          <p:nvPr/>
+        </p:nvCxnSpPr>
+        <p:spPr>
+          <a:xfrm flipV="1">
+            <a:off x="1067636" y="3889998"/>
+            <a:ext cx="822124" cy="11542"/>
+          </a:xfrm>
+          <a:prstGeom prst="straightConnector1">
+            <a:avLst/>
+          </a:prstGeom>
+          <a:ln w="38100">
+            <a:solidFill>
+              <a:schemeClr val="accent4"/>
+            </a:solidFill>
+            <a:tailEnd type="triangle"/>
+          </a:ln>
+        </p:spPr>
+        <p:style>
+          <a:lnRef idx="1">
+            <a:schemeClr val="accent1"/>
+          </a:lnRef>
+          <a:fillRef idx="0">
+            <a:schemeClr val="accent1"/>
+          </a:fillRef>
+          <a:effectRef idx="0">
+            <a:schemeClr val="accent1"/>
+          </a:effectRef>
+          <a:fontRef idx="minor">
+            <a:schemeClr val="tx1"/>
+          </a:fontRef>
+        </p:style>
+      </p:cxnSp>
+      <p:cxnSp>
+        <p:nvCxnSpPr>
+          <p:cNvPr id="80" name="Straight Arrow Connector 79">
+            <a:extLst>
+              <a:ext uri="{FF2B5EF4-FFF2-40B4-BE49-F238E27FC236}">
+                <a16:creationId xmlns:a16="http://schemas.microsoft.com/office/drawing/2014/main" id="{E3BEA16E-BD23-0958-E31D-942E09855D46}"/>
+              </a:ext>
+            </a:extLst>
+          </p:cNvPr>
+          <p:cNvCxnSpPr>
+            <a:cxnSpLocks/>
+          </p:cNvCxnSpPr>
+          <p:nvPr/>
+        </p:nvCxnSpPr>
+        <p:spPr>
+          <a:xfrm flipV="1">
+            <a:off x="3148771" y="1989851"/>
+            <a:ext cx="185533" cy="1883184"/>
+          </a:xfrm>
+          <a:prstGeom prst="straightConnector1">
+            <a:avLst/>
+          </a:prstGeom>
+          <a:ln w="38100">
+            <a:solidFill>
+              <a:schemeClr val="accent4"/>
+            </a:solidFill>
+            <a:tailEnd type="triangle"/>
+          </a:ln>
+        </p:spPr>
+        <p:style>
+          <a:lnRef idx="1">
+            <a:schemeClr val="accent1"/>
+          </a:lnRef>
+          <a:fillRef idx="0">
+            <a:schemeClr val="accent1"/>
+          </a:fillRef>
+          <a:effectRef idx="0">
+            <a:schemeClr val="accent1"/>
+          </a:effectRef>
+          <a:fontRef idx="minor">
+            <a:schemeClr val="tx1"/>
+          </a:fontRef>
+        </p:style>
+      </p:cxnSp>
+      <p:cxnSp>
+        <p:nvCxnSpPr>
+          <p:cNvPr id="82" name="Straight Arrow Connector 81">
+            <a:extLst>
+              <a:ext uri="{FF2B5EF4-FFF2-40B4-BE49-F238E27FC236}">
+                <a16:creationId xmlns:a16="http://schemas.microsoft.com/office/drawing/2014/main" id="{B4CCC340-D70A-95D0-7508-5BF7138D79A6}"/>
+              </a:ext>
+            </a:extLst>
+          </p:cNvPr>
+          <p:cNvCxnSpPr>
+            <a:cxnSpLocks/>
+          </p:cNvCxnSpPr>
+          <p:nvPr/>
+        </p:nvCxnSpPr>
+        <p:spPr>
+          <a:xfrm>
+            <a:off x="5667709" y="1602542"/>
+            <a:ext cx="281879" cy="3985815"/>
+          </a:xfrm>
+          <a:prstGeom prst="straightConnector1">
+            <a:avLst/>
+          </a:prstGeom>
+          <a:ln w="38100">
+            <a:solidFill>
+              <a:schemeClr val="accent4"/>
+            </a:solidFill>
+            <a:tailEnd type="triangle"/>
+          </a:ln>
+        </p:spPr>
+        <p:style>
+          <a:lnRef idx="1">
+            <a:schemeClr val="accent1"/>
+          </a:lnRef>
+          <a:fillRef idx="0">
+            <a:schemeClr val="accent1"/>
+          </a:fillRef>
+          <a:effectRef idx="0">
+            <a:schemeClr val="accent1"/>
+          </a:effectRef>
+          <a:fontRef idx="minor">
+            <a:schemeClr val="tx1"/>
+          </a:fontRef>
+        </p:style>
+      </p:cxnSp>
+      <p:sp>
+        <p:nvSpPr>
+          <p:cNvPr id="85" name="Rectangle: Rounded Corners 84">
+            <a:extLst>
+              <a:ext uri="{FF2B5EF4-FFF2-40B4-BE49-F238E27FC236}">
+                <a16:creationId xmlns:a16="http://schemas.microsoft.com/office/drawing/2014/main" id="{7356EF56-3512-8E05-8C16-F97B16BEBC7B}"/>
+              </a:ext>
+            </a:extLst>
+          </p:cNvPr>
+          <p:cNvSpPr/>
+          <p:nvPr/>
+        </p:nvSpPr>
+        <p:spPr>
+          <a:xfrm>
+            <a:off x="216914" y="4259969"/>
+            <a:ext cx="331083" cy="189285"/>
+          </a:xfrm>
+          <a:prstGeom prst="roundRect">
+            <a:avLst/>
+          </a:prstGeom>
+          <a:noFill/>
+          <a:ln w="38100" cap="flat" cmpd="sng" algn="ctr">
+            <a:solidFill>
+              <a:schemeClr val="accent6"/>
+            </a:solidFill>
+            <a:prstDash val="solid"/>
+            <a:round/>
+            <a:headEnd type="none" w="med" len="med"/>
+            <a:tailEnd type="none" w="med" len="med"/>
+          </a:ln>
+        </p:spPr>
+        <p:style>
+          <a:lnRef idx="0">
+            <a:scrgbClr r="0" g="0" b="0"/>
+          </a:lnRef>
+          <a:fillRef idx="0">
+            <a:scrgbClr r="0" g="0" b="0"/>
+          </a:fillRef>
+          <a:effectRef idx="0">
+            <a:scrgbClr r="0" g="0" b="0"/>
+          </a:effectRef>
+          <a:fontRef idx="minor">
+            <a:schemeClr val="dk1"/>
+          </a:fontRef>
+        </p:style>
+        <p:txBody>
+          <a:bodyPr rtlCol="0" anchor="ctr"/>
+          <a:lstStyle/>
+          <a:p>
+            <a:pPr algn="ctr"/>
+            <a:endParaRPr lang="en-NZ"/>
+          </a:p>
+        </p:txBody>
+      </p:sp>
+      <p:sp>
+        <p:nvSpPr>
+          <p:cNvPr id="86" name="Rectangle: Rounded Corners 85">
+            <a:extLst>
+              <a:ext uri="{FF2B5EF4-FFF2-40B4-BE49-F238E27FC236}">
+                <a16:creationId xmlns:a16="http://schemas.microsoft.com/office/drawing/2014/main" id="{F4C92C81-BA10-D2EC-CE21-BEC8BBD8A35C}"/>
+              </a:ext>
+            </a:extLst>
+          </p:cNvPr>
+          <p:cNvSpPr/>
+          <p:nvPr/>
+        </p:nvSpPr>
+        <p:spPr>
+          <a:xfrm>
+            <a:off x="2004460" y="4259968"/>
+            <a:ext cx="1069989" cy="189285"/>
+          </a:xfrm>
+          <a:prstGeom prst="roundRect">
+            <a:avLst/>
+          </a:prstGeom>
+          <a:noFill/>
+          <a:ln w="38100" cap="flat" cmpd="sng" algn="ctr">
+            <a:solidFill>
+              <a:schemeClr val="accent6"/>
+            </a:solidFill>
+            <a:prstDash val="solid"/>
+            <a:round/>
+            <a:headEnd type="none" w="med" len="med"/>
+            <a:tailEnd type="none" w="med" len="med"/>
+          </a:ln>
+        </p:spPr>
+        <p:style>
+          <a:lnRef idx="0">
+            <a:scrgbClr r="0" g="0" b="0"/>
+          </a:lnRef>
+          <a:fillRef idx="0">
+            <a:scrgbClr r="0" g="0" b="0"/>
+          </a:fillRef>
+          <a:effectRef idx="0">
+            <a:scrgbClr r="0" g="0" b="0"/>
+          </a:effectRef>
+          <a:fontRef idx="minor">
+            <a:schemeClr val="dk1"/>
+          </a:fontRef>
+        </p:style>
+        <p:txBody>
+          <a:bodyPr rtlCol="0" anchor="ctr"/>
+          <a:lstStyle/>
+          <a:p>
+            <a:pPr algn="ctr"/>
+            <a:endParaRPr lang="en-NZ"/>
+          </a:p>
+        </p:txBody>
+      </p:sp>
+      <p:sp>
+        <p:nvSpPr>
+          <p:cNvPr id="87" name="Rectangle: Rounded Corners 86">
+            <a:extLst>
+              <a:ext uri="{FF2B5EF4-FFF2-40B4-BE49-F238E27FC236}">
+                <a16:creationId xmlns:a16="http://schemas.microsoft.com/office/drawing/2014/main" id="{3D2BB5DB-0B7C-FA4E-70DB-B26EDBA49E83}"/>
+              </a:ext>
+            </a:extLst>
+          </p:cNvPr>
+          <p:cNvSpPr/>
+          <p:nvPr/>
+        </p:nvSpPr>
+        <p:spPr>
+          <a:xfrm>
+            <a:off x="3314548" y="2951283"/>
+            <a:ext cx="2209928" cy="917820"/>
+          </a:xfrm>
+          <a:prstGeom prst="roundRect">
+            <a:avLst/>
+          </a:prstGeom>
+          <a:noFill/>
+          <a:ln w="38100" cap="flat" cmpd="sng" algn="ctr">
+            <a:solidFill>
+              <a:schemeClr val="accent6"/>
+            </a:solidFill>
+            <a:prstDash val="solid"/>
+            <a:round/>
+            <a:headEnd type="none" w="med" len="med"/>
+            <a:tailEnd type="none" w="med" len="med"/>
+          </a:ln>
+        </p:spPr>
+        <p:style>
+          <a:lnRef idx="0">
+            <a:scrgbClr r="0" g="0" b="0"/>
+          </a:lnRef>
+          <a:fillRef idx="0">
+            <a:scrgbClr r="0" g="0" b="0"/>
+          </a:fillRef>
+          <a:effectRef idx="0">
+            <a:scrgbClr r="0" g="0" b="0"/>
+          </a:effectRef>
+          <a:fontRef idx="minor">
+            <a:schemeClr val="dk1"/>
+          </a:fontRef>
+        </p:style>
+        <p:txBody>
+          <a:bodyPr rtlCol="0" anchor="ctr"/>
+          <a:lstStyle/>
+          <a:p>
+            <a:pPr algn="ctr"/>
+            <a:endParaRPr lang="en-NZ"/>
+          </a:p>
+        </p:txBody>
+      </p:sp>
+      <p:sp>
+        <p:nvSpPr>
+          <p:cNvPr id="89" name="Rectangle: Rounded Corners 88">
+            <a:extLst>
+              <a:ext uri="{FF2B5EF4-FFF2-40B4-BE49-F238E27FC236}">
+                <a16:creationId xmlns:a16="http://schemas.microsoft.com/office/drawing/2014/main" id="{5EB2D431-C155-4446-12DF-B7ABD9C9AFCA}"/>
+              </a:ext>
+            </a:extLst>
+          </p:cNvPr>
+          <p:cNvSpPr/>
+          <p:nvPr/>
+        </p:nvSpPr>
+        <p:spPr>
+          <a:xfrm>
+            <a:off x="5998311" y="5875102"/>
+            <a:ext cx="414684" cy="223018"/>
+          </a:xfrm>
+          <a:prstGeom prst="roundRect">
+            <a:avLst/>
+          </a:prstGeom>
+          <a:noFill/>
+          <a:ln w="38100" cap="flat" cmpd="sng" algn="ctr">
+            <a:solidFill>
+              <a:schemeClr val="accent6"/>
+            </a:solidFill>
+            <a:prstDash val="solid"/>
+            <a:round/>
+            <a:headEnd type="none" w="med" len="med"/>
+            <a:tailEnd type="none" w="med" len="med"/>
+          </a:ln>
+        </p:spPr>
+        <p:style>
+          <a:lnRef idx="0">
+            <a:scrgbClr r="0" g="0" b="0"/>
+          </a:lnRef>
+          <a:fillRef idx="0">
+            <a:scrgbClr r="0" g="0" b="0"/>
+          </a:fillRef>
+          <a:effectRef idx="0">
+            <a:scrgbClr r="0" g="0" b="0"/>
+          </a:effectRef>
+          <a:fontRef idx="minor">
+            <a:schemeClr val="dk1"/>
+          </a:fontRef>
+        </p:style>
+        <p:txBody>
+          <a:bodyPr rtlCol="0" anchor="ctr"/>
+          <a:lstStyle/>
+          <a:p>
+            <a:pPr algn="ctr"/>
+            <a:endParaRPr lang="en-NZ"/>
+          </a:p>
+        </p:txBody>
+      </p:sp>
+      <p:cxnSp>
+        <p:nvCxnSpPr>
+          <p:cNvPr id="90" name="Straight Arrow Connector 89">
+            <a:extLst>
+              <a:ext uri="{FF2B5EF4-FFF2-40B4-BE49-F238E27FC236}">
+                <a16:creationId xmlns:a16="http://schemas.microsoft.com/office/drawing/2014/main" id="{975E49F9-D900-A6A4-E3E4-560149622AA8}"/>
+              </a:ext>
+            </a:extLst>
+          </p:cNvPr>
+          <p:cNvCxnSpPr>
+            <a:cxnSpLocks/>
+          </p:cNvCxnSpPr>
+          <p:nvPr/>
+        </p:nvCxnSpPr>
+        <p:spPr>
+          <a:xfrm>
+            <a:off x="610324" y="4348019"/>
+            <a:ext cx="1279436" cy="0"/>
+          </a:xfrm>
+          <a:prstGeom prst="straightConnector1">
+            <a:avLst/>
+          </a:prstGeom>
+          <a:ln w="38100">
+            <a:solidFill>
+              <a:schemeClr val="accent6"/>
+            </a:solidFill>
+            <a:tailEnd type="triangle"/>
+          </a:ln>
+        </p:spPr>
+        <p:style>
+          <a:lnRef idx="1">
+            <a:schemeClr val="accent1"/>
+          </a:lnRef>
+          <a:fillRef idx="0">
+            <a:schemeClr val="accent1"/>
+          </a:fillRef>
+          <a:effectRef idx="0">
+            <a:schemeClr val="accent1"/>
+          </a:effectRef>
+          <a:fontRef idx="minor">
+            <a:schemeClr val="tx1"/>
+          </a:fontRef>
+        </p:style>
+      </p:cxnSp>
+      <p:cxnSp>
+        <p:nvCxnSpPr>
+          <p:cNvPr id="93" name="Straight Arrow Connector 92">
+            <a:extLst>
+              <a:ext uri="{FF2B5EF4-FFF2-40B4-BE49-F238E27FC236}">
+                <a16:creationId xmlns:a16="http://schemas.microsoft.com/office/drawing/2014/main" id="{FE568574-557B-4244-2FC3-F67448509246}"/>
+              </a:ext>
+            </a:extLst>
+          </p:cNvPr>
+          <p:cNvCxnSpPr>
+            <a:cxnSpLocks/>
+            <a:endCxn id="5" idx="3"/>
+          </p:cNvCxnSpPr>
+          <p:nvPr/>
+        </p:nvCxnSpPr>
+        <p:spPr>
+          <a:xfrm flipV="1">
+            <a:off x="3127972" y="3832018"/>
+            <a:ext cx="100137" cy="516001"/>
+          </a:xfrm>
+          <a:prstGeom prst="straightConnector1">
+            <a:avLst/>
+          </a:prstGeom>
+          <a:ln w="38100">
+            <a:solidFill>
+              <a:schemeClr val="accent6"/>
+            </a:solidFill>
+            <a:tailEnd type="triangle"/>
+          </a:ln>
+        </p:spPr>
+        <p:style>
+          <a:lnRef idx="1">
+            <a:schemeClr val="accent1"/>
+          </a:lnRef>
+          <a:fillRef idx="0">
+            <a:schemeClr val="accent1"/>
+          </a:fillRef>
+          <a:effectRef idx="0">
+            <a:schemeClr val="accent1"/>
+          </a:effectRef>
+          <a:fontRef idx="minor">
+            <a:schemeClr val="tx1"/>
+          </a:fontRef>
+        </p:style>
+      </p:cxnSp>
+      <p:cxnSp>
+        <p:nvCxnSpPr>
+          <p:cNvPr id="95" name="Straight Arrow Connector 94">
+            <a:extLst>
+              <a:ext uri="{FF2B5EF4-FFF2-40B4-BE49-F238E27FC236}">
+                <a16:creationId xmlns:a16="http://schemas.microsoft.com/office/drawing/2014/main" id="{0C03BC31-4343-1E4E-93CE-5E4478A95BE7}"/>
+              </a:ext>
+            </a:extLst>
+          </p:cNvPr>
+          <p:cNvCxnSpPr>
+            <a:cxnSpLocks/>
+          </p:cNvCxnSpPr>
+          <p:nvPr/>
+        </p:nvCxnSpPr>
+        <p:spPr>
+          <a:xfrm>
+            <a:off x="5563953" y="3429000"/>
+            <a:ext cx="385635" cy="2428052"/>
+          </a:xfrm>
+          <a:prstGeom prst="straightConnector1">
+            <a:avLst/>
+          </a:prstGeom>
+          <a:ln w="38100">
+            <a:solidFill>
+              <a:schemeClr val="accent6"/>
+            </a:solidFill>
+            <a:tailEnd type="triangle"/>
+          </a:ln>
+        </p:spPr>
+        <p:style>
+          <a:lnRef idx="1">
+            <a:schemeClr val="accent1"/>
+          </a:lnRef>
+          <a:fillRef idx="0">
+            <a:schemeClr val="accent1"/>
+          </a:fillRef>
+          <a:effectRef idx="0">
+            <a:schemeClr val="accent1"/>
+          </a:effectRef>
+          <a:fontRef idx="minor">
+            <a:schemeClr val="tx1"/>
+          </a:fontRef>
+        </p:style>
+      </p:cxnSp>
+      <p:sp>
+        <p:nvSpPr>
+          <p:cNvPr id="97" name="Rectangle: Rounded Corners 96">
+            <a:extLst>
+              <a:ext uri="{FF2B5EF4-FFF2-40B4-BE49-F238E27FC236}">
+                <a16:creationId xmlns:a16="http://schemas.microsoft.com/office/drawing/2014/main" id="{4C2C6557-0981-6A08-E648-CECE75562F8E}"/>
+              </a:ext>
+            </a:extLst>
+          </p:cNvPr>
+          <p:cNvSpPr/>
+          <p:nvPr/>
+        </p:nvSpPr>
+        <p:spPr>
+          <a:xfrm>
+            <a:off x="216914" y="5269321"/>
+            <a:ext cx="990094" cy="241463"/>
+          </a:xfrm>
+          <a:prstGeom prst="roundRect">
+            <a:avLst/>
+          </a:prstGeom>
+          <a:noFill/>
+          <a:ln w="38100" cap="flat" cmpd="sng" algn="ctr">
+            <a:solidFill>
+              <a:schemeClr val="accent5"/>
+            </a:solidFill>
+            <a:prstDash val="solid"/>
+            <a:round/>
+            <a:headEnd type="none" w="med" len="med"/>
+            <a:tailEnd type="none" w="med" len="med"/>
+          </a:ln>
+        </p:spPr>
+        <p:style>
+          <a:lnRef idx="0">
+            <a:scrgbClr r="0" g="0" b="0"/>
+          </a:lnRef>
+          <a:fillRef idx="0">
+            <a:scrgbClr r="0" g="0" b="0"/>
+          </a:fillRef>
+          <a:effectRef idx="0">
+            <a:scrgbClr r="0" g="0" b="0"/>
+          </a:effectRef>
+          <a:fontRef idx="minor">
+            <a:schemeClr val="dk1"/>
+          </a:fontRef>
+        </p:style>
+        <p:txBody>
+          <a:bodyPr rtlCol="0" anchor="ctr"/>
+          <a:lstStyle/>
+          <a:p>
+            <a:pPr algn="ctr"/>
+            <a:endParaRPr lang="en-NZ"/>
+          </a:p>
+        </p:txBody>
+      </p:sp>
+      <p:sp>
+        <p:nvSpPr>
+          <p:cNvPr id="98" name="Rectangle: Rounded Corners 97">
+            <a:extLst>
+              <a:ext uri="{FF2B5EF4-FFF2-40B4-BE49-F238E27FC236}">
+                <a16:creationId xmlns:a16="http://schemas.microsoft.com/office/drawing/2014/main" id="{F263AE9C-466C-8518-2B86-A69DE58A9691}"/>
+              </a:ext>
+            </a:extLst>
+          </p:cNvPr>
+          <p:cNvSpPr/>
+          <p:nvPr/>
+        </p:nvSpPr>
+        <p:spPr>
+          <a:xfrm>
+            <a:off x="1992252" y="5240775"/>
+            <a:ext cx="1073691" cy="241463"/>
+          </a:xfrm>
+          <a:prstGeom prst="roundRect">
+            <a:avLst/>
+          </a:prstGeom>
+          <a:noFill/>
+          <a:ln w="38100" cap="flat" cmpd="sng" algn="ctr">
+            <a:solidFill>
+              <a:schemeClr val="accent5"/>
+            </a:solidFill>
+            <a:prstDash val="solid"/>
+            <a:round/>
+            <a:headEnd type="none" w="med" len="med"/>
+            <a:tailEnd type="none" w="med" len="med"/>
+          </a:ln>
+        </p:spPr>
+        <p:style>
+          <a:lnRef idx="0">
+            <a:scrgbClr r="0" g="0" b="0"/>
+          </a:lnRef>
+          <a:fillRef idx="0">
+            <a:scrgbClr r="0" g="0" b="0"/>
+          </a:fillRef>
+          <a:effectRef idx="0">
+            <a:scrgbClr r="0" g="0" b="0"/>
+          </a:effectRef>
+          <a:fontRef idx="minor">
+            <a:schemeClr val="dk1"/>
+          </a:fontRef>
+        </p:style>
+        <p:txBody>
+          <a:bodyPr rtlCol="0" anchor="ctr"/>
+          <a:lstStyle/>
+          <a:p>
+            <a:pPr algn="ctr"/>
+            <a:endParaRPr lang="en-NZ"/>
+          </a:p>
+        </p:txBody>
+      </p:sp>
+      <p:sp>
+        <p:nvSpPr>
+          <p:cNvPr id="99" name="Rectangle: Rounded Corners 98">
+            <a:extLst>
+              <a:ext uri="{FF2B5EF4-FFF2-40B4-BE49-F238E27FC236}">
+                <a16:creationId xmlns:a16="http://schemas.microsoft.com/office/drawing/2014/main" id="{2B48B852-849A-C8D7-B1CD-01FF4A9AE298}"/>
+              </a:ext>
+            </a:extLst>
+          </p:cNvPr>
+          <p:cNvSpPr/>
+          <p:nvPr/>
+        </p:nvSpPr>
+        <p:spPr>
+          <a:xfrm>
+            <a:off x="3327621" y="2066203"/>
+            <a:ext cx="2179708" cy="864185"/>
+          </a:xfrm>
+          <a:prstGeom prst="roundRect">
+            <a:avLst/>
+          </a:prstGeom>
+          <a:noFill/>
+          <a:ln w="38100" cap="flat" cmpd="sng" algn="ctr">
+            <a:solidFill>
+              <a:schemeClr val="accent5"/>
+            </a:solidFill>
+            <a:prstDash val="solid"/>
+            <a:round/>
+            <a:headEnd type="none" w="med" len="med"/>
+            <a:tailEnd type="none" w="med" len="med"/>
+          </a:ln>
+        </p:spPr>
+        <p:style>
+          <a:lnRef idx="0">
+            <a:scrgbClr r="0" g="0" b="0"/>
+          </a:lnRef>
+          <a:fillRef idx="0">
+            <a:scrgbClr r="0" g="0" b="0"/>
+          </a:fillRef>
+          <a:effectRef idx="0">
+            <a:scrgbClr r="0" g="0" b="0"/>
+          </a:effectRef>
+          <a:fontRef idx="minor">
+            <a:schemeClr val="dk1"/>
+          </a:fontRef>
+        </p:style>
+        <p:txBody>
+          <a:bodyPr rtlCol="0" anchor="ctr"/>
+          <a:lstStyle/>
+          <a:p>
+            <a:pPr algn="ctr"/>
+            <a:endParaRPr lang="en-NZ"/>
+          </a:p>
+        </p:txBody>
+      </p:sp>
+      <p:sp>
+        <p:nvSpPr>
+          <p:cNvPr id="100" name="Rectangle: Rounded Corners 99">
+            <a:extLst>
+              <a:ext uri="{FF2B5EF4-FFF2-40B4-BE49-F238E27FC236}">
+                <a16:creationId xmlns:a16="http://schemas.microsoft.com/office/drawing/2014/main" id="{A5A5FD21-A5D0-1CD6-6341-480A06225920}"/>
+              </a:ext>
+            </a:extLst>
+          </p:cNvPr>
+          <p:cNvSpPr/>
+          <p:nvPr/>
+        </p:nvSpPr>
+        <p:spPr>
+          <a:xfrm>
+            <a:off x="7014216" y="5634035"/>
+            <a:ext cx="422782" cy="223018"/>
+          </a:xfrm>
+          <a:prstGeom prst="roundRect">
+            <a:avLst/>
+          </a:prstGeom>
+          <a:noFill/>
+          <a:ln w="38100" cap="flat" cmpd="sng" algn="ctr">
+            <a:solidFill>
+              <a:schemeClr val="accent5"/>
+            </a:solidFill>
+            <a:prstDash val="solid"/>
+            <a:round/>
+            <a:headEnd type="none" w="med" len="med"/>
+            <a:tailEnd type="none" w="med" len="med"/>
+          </a:ln>
+        </p:spPr>
+        <p:style>
+          <a:lnRef idx="0">
+            <a:scrgbClr r="0" g="0" b="0"/>
+          </a:lnRef>
+          <a:fillRef idx="0">
+            <a:scrgbClr r="0" g="0" b="0"/>
+          </a:fillRef>
+          <a:effectRef idx="0">
+            <a:scrgbClr r="0" g="0" b="0"/>
+          </a:effectRef>
+          <a:fontRef idx="minor">
+            <a:schemeClr val="dk1"/>
+          </a:fontRef>
+        </p:style>
+        <p:txBody>
+          <a:bodyPr rtlCol="0" anchor="ctr"/>
+          <a:lstStyle/>
+          <a:p>
+            <a:pPr algn="ctr"/>
+            <a:endParaRPr lang="en-NZ"/>
+          </a:p>
+        </p:txBody>
+      </p:sp>
+      <p:cxnSp>
+        <p:nvCxnSpPr>
+          <p:cNvPr id="101" name="Straight Arrow Connector 100">
+            <a:extLst>
+              <a:ext uri="{FF2B5EF4-FFF2-40B4-BE49-F238E27FC236}">
+                <a16:creationId xmlns:a16="http://schemas.microsoft.com/office/drawing/2014/main" id="{47C6C947-93D3-8ECE-FEDE-EF8AE4B33DC9}"/>
+              </a:ext>
+            </a:extLst>
+          </p:cNvPr>
+          <p:cNvCxnSpPr>
+            <a:cxnSpLocks/>
+          </p:cNvCxnSpPr>
+          <p:nvPr/>
+        </p:nvCxnSpPr>
+        <p:spPr>
+          <a:xfrm>
+            <a:off x="1260438" y="5393353"/>
+            <a:ext cx="646470" cy="7703"/>
+          </a:xfrm>
+          <a:prstGeom prst="straightConnector1">
+            <a:avLst/>
+          </a:prstGeom>
+          <a:ln w="38100">
+            <a:solidFill>
+              <a:schemeClr val="accent5"/>
+            </a:solidFill>
+            <a:tailEnd type="triangle"/>
+          </a:ln>
+        </p:spPr>
+        <p:style>
+          <a:lnRef idx="1">
+            <a:schemeClr val="accent1"/>
+          </a:lnRef>
+          <a:fillRef idx="0">
+            <a:schemeClr val="accent1"/>
+          </a:fillRef>
+          <a:effectRef idx="0">
+            <a:schemeClr val="accent1"/>
+          </a:effectRef>
+          <a:fontRef idx="minor">
+            <a:schemeClr val="tx1"/>
+          </a:fontRef>
+        </p:style>
+      </p:cxnSp>
+      <p:cxnSp>
+        <p:nvCxnSpPr>
+          <p:cNvPr id="105" name="Straight Arrow Connector 104">
+            <a:extLst>
+              <a:ext uri="{FF2B5EF4-FFF2-40B4-BE49-F238E27FC236}">
+                <a16:creationId xmlns:a16="http://schemas.microsoft.com/office/drawing/2014/main" id="{D6BC4798-0AA8-A2AB-0175-E6072A60D74B}"/>
+              </a:ext>
+            </a:extLst>
+          </p:cNvPr>
+          <p:cNvCxnSpPr>
+            <a:cxnSpLocks/>
+          </p:cNvCxnSpPr>
+          <p:nvPr/>
+        </p:nvCxnSpPr>
+        <p:spPr>
+          <a:xfrm flipV="1">
+            <a:off x="3148770" y="2951244"/>
+            <a:ext cx="148669" cy="2399457"/>
+          </a:xfrm>
+          <a:prstGeom prst="straightConnector1">
+            <a:avLst/>
+          </a:prstGeom>
+          <a:ln w="38100">
+            <a:solidFill>
+              <a:schemeClr val="accent5"/>
+            </a:solidFill>
+            <a:tailEnd type="triangle"/>
+          </a:ln>
+        </p:spPr>
+        <p:style>
+          <a:lnRef idx="1">
+            <a:schemeClr val="accent1"/>
+          </a:lnRef>
+          <a:fillRef idx="0">
+            <a:schemeClr val="accent1"/>
+          </a:fillRef>
+          <a:effectRef idx="0">
+            <a:schemeClr val="accent1"/>
+          </a:effectRef>
+          <a:fontRef idx="minor">
+            <a:schemeClr val="tx1"/>
+          </a:fontRef>
+        </p:style>
+      </p:cxnSp>
+      <p:cxnSp>
+        <p:nvCxnSpPr>
+          <p:cNvPr id="107" name="Straight Arrow Connector 106">
+            <a:extLst>
+              <a:ext uri="{FF2B5EF4-FFF2-40B4-BE49-F238E27FC236}">
+                <a16:creationId xmlns:a16="http://schemas.microsoft.com/office/drawing/2014/main" id="{8DCF02F1-7AD1-D376-D85F-6EF5DE30066C}"/>
+              </a:ext>
+            </a:extLst>
+          </p:cNvPr>
+          <p:cNvCxnSpPr>
+            <a:cxnSpLocks/>
+          </p:cNvCxnSpPr>
+          <p:nvPr/>
+        </p:nvCxnSpPr>
+        <p:spPr>
+          <a:xfrm>
+            <a:off x="5570466" y="2509790"/>
+            <a:ext cx="1484927" cy="3046306"/>
+          </a:xfrm>
+          <a:prstGeom prst="straightConnector1">
+            <a:avLst/>
+          </a:prstGeom>
+          <a:ln w="38100">
+            <a:solidFill>
+              <a:schemeClr val="accent5"/>
+            </a:solidFill>
+            <a:tailEnd type="triangle"/>
+          </a:ln>
+        </p:spPr>
+        <p:style>
+          <a:lnRef idx="1">
+            <a:schemeClr val="accent1"/>
+          </a:lnRef>
+          <a:fillRef idx="0">
+            <a:schemeClr val="accent1"/>
+          </a:fillRef>
+          <a:effectRef idx="0">
+            <a:schemeClr val="accent1"/>
+          </a:effectRef>
+          <a:fontRef idx="minor">
+            <a:schemeClr val="tx1"/>
+          </a:fontRef>
+        </p:style>
+      </p:cxnSp>
+      <p:sp>
+        <p:nvSpPr>
+          <p:cNvPr id="110" name="Rectangle: Rounded Corners 109">
+            <a:extLst>
+              <a:ext uri="{FF2B5EF4-FFF2-40B4-BE49-F238E27FC236}">
+                <a16:creationId xmlns:a16="http://schemas.microsoft.com/office/drawing/2014/main" id="{CFC043BE-353A-1432-155B-912DE0C90C63}"/>
+              </a:ext>
+            </a:extLst>
+          </p:cNvPr>
+          <p:cNvSpPr/>
+          <p:nvPr/>
+        </p:nvSpPr>
+        <p:spPr>
+          <a:xfrm>
+            <a:off x="221505" y="5703550"/>
+            <a:ext cx="723515" cy="186758"/>
+          </a:xfrm>
+          <a:prstGeom prst="roundRect">
+            <a:avLst/>
+          </a:prstGeom>
+          <a:noFill/>
+          <a:ln w="38100" cap="flat" cmpd="sng" algn="ctr">
+            <a:solidFill>
+              <a:schemeClr val="tx2"/>
+            </a:solidFill>
+            <a:prstDash val="solid"/>
+            <a:round/>
+            <a:headEnd type="none" w="med" len="med"/>
+            <a:tailEnd type="none" w="med" len="med"/>
+          </a:ln>
+        </p:spPr>
+        <p:style>
+          <a:lnRef idx="0">
+            <a:scrgbClr r="0" g="0" b="0"/>
+          </a:lnRef>
+          <a:fillRef idx="0">
+            <a:scrgbClr r="0" g="0" b="0"/>
+          </a:fillRef>
+          <a:effectRef idx="0">
+            <a:scrgbClr r="0" g="0" b="0"/>
+          </a:effectRef>
+          <a:fontRef idx="minor">
+            <a:schemeClr val="dk1"/>
+          </a:fontRef>
+        </p:style>
+        <p:txBody>
+          <a:bodyPr rtlCol="0" anchor="ctr"/>
+          <a:lstStyle/>
+          <a:p>
+            <a:pPr algn="ctr"/>
+            <a:endParaRPr lang="en-NZ"/>
+          </a:p>
+        </p:txBody>
+      </p:sp>
+      <p:sp>
+        <p:nvSpPr>
+          <p:cNvPr id="111" name="Rectangle: Rounded Corners 110">
+            <a:extLst>
+              <a:ext uri="{FF2B5EF4-FFF2-40B4-BE49-F238E27FC236}">
+                <a16:creationId xmlns:a16="http://schemas.microsoft.com/office/drawing/2014/main" id="{6FBC93B7-F2AF-CD01-297F-E576F78BF485}"/>
+              </a:ext>
+            </a:extLst>
+          </p:cNvPr>
+          <p:cNvSpPr/>
+          <p:nvPr/>
+        </p:nvSpPr>
+        <p:spPr>
+          <a:xfrm>
+            <a:off x="2004460" y="5703550"/>
+            <a:ext cx="1061301" cy="186758"/>
+          </a:xfrm>
+          <a:prstGeom prst="roundRect">
+            <a:avLst/>
+          </a:prstGeom>
+          <a:noFill/>
+          <a:ln w="38100" cap="flat" cmpd="sng" algn="ctr">
+            <a:solidFill>
+              <a:schemeClr val="tx2"/>
+            </a:solidFill>
+            <a:prstDash val="solid"/>
+            <a:round/>
+            <a:headEnd type="none" w="med" len="med"/>
+            <a:tailEnd type="none" w="med" len="med"/>
+          </a:ln>
+        </p:spPr>
+        <p:style>
+          <a:lnRef idx="0">
+            <a:scrgbClr r="0" g="0" b="0"/>
+          </a:lnRef>
+          <a:fillRef idx="0">
+            <a:scrgbClr r="0" g="0" b="0"/>
+          </a:fillRef>
+          <a:effectRef idx="0">
+            <a:scrgbClr r="0" g="0" b="0"/>
+          </a:effectRef>
+          <a:fontRef idx="minor">
+            <a:schemeClr val="dk1"/>
+          </a:fontRef>
+        </p:style>
+        <p:txBody>
+          <a:bodyPr rtlCol="0" anchor="ctr"/>
+          <a:lstStyle/>
+          <a:p>
+            <a:pPr algn="ctr"/>
+            <a:endParaRPr lang="en-NZ"/>
+          </a:p>
+        </p:txBody>
+      </p:sp>
+      <p:sp>
+        <p:nvSpPr>
+          <p:cNvPr id="112" name="Rectangle: Rounded Corners 111">
+            <a:extLst>
+              <a:ext uri="{FF2B5EF4-FFF2-40B4-BE49-F238E27FC236}">
+                <a16:creationId xmlns:a16="http://schemas.microsoft.com/office/drawing/2014/main" id="{D3D9992B-9D89-C3BA-6961-E3BCEA997EA8}"/>
+              </a:ext>
+            </a:extLst>
+          </p:cNvPr>
+          <p:cNvSpPr/>
+          <p:nvPr/>
+        </p:nvSpPr>
+        <p:spPr>
+          <a:xfrm>
+            <a:off x="3290824" y="3906804"/>
+            <a:ext cx="2218392" cy="877455"/>
+          </a:xfrm>
+          <a:prstGeom prst="roundRect">
+            <a:avLst/>
+          </a:prstGeom>
+          <a:noFill/>
+          <a:ln w="38100" cap="flat" cmpd="sng" algn="ctr">
+            <a:solidFill>
+              <a:schemeClr val="tx2"/>
+            </a:solidFill>
+            <a:prstDash val="solid"/>
+            <a:round/>
+            <a:headEnd type="none" w="med" len="med"/>
+            <a:tailEnd type="none" w="med" len="med"/>
+          </a:ln>
+        </p:spPr>
+        <p:style>
+          <a:lnRef idx="0">
+            <a:scrgbClr r="0" g="0" b="0"/>
+          </a:lnRef>
+          <a:fillRef idx="0">
+            <a:scrgbClr r="0" g="0" b="0"/>
+          </a:fillRef>
+          <a:effectRef idx="0">
+            <a:scrgbClr r="0" g="0" b="0"/>
+          </a:effectRef>
+          <a:fontRef idx="minor">
+            <a:schemeClr val="dk1"/>
+          </a:fontRef>
+        </p:style>
+        <p:txBody>
+          <a:bodyPr rtlCol="0" anchor="ctr"/>
+          <a:lstStyle/>
+          <a:p>
+            <a:pPr algn="ctr"/>
+            <a:endParaRPr lang="en-NZ"/>
+          </a:p>
+        </p:txBody>
+      </p:sp>
+      <p:sp>
+        <p:nvSpPr>
+          <p:cNvPr id="113" name="Rectangle: Rounded Corners 112">
+            <a:extLst>
+              <a:ext uri="{FF2B5EF4-FFF2-40B4-BE49-F238E27FC236}">
+                <a16:creationId xmlns:a16="http://schemas.microsoft.com/office/drawing/2014/main" id="{21995EA2-23ED-C759-1330-94A8CEAF742D}"/>
+              </a:ext>
+            </a:extLst>
+          </p:cNvPr>
+          <p:cNvSpPr/>
+          <p:nvPr/>
+        </p:nvSpPr>
+        <p:spPr>
+          <a:xfrm>
+            <a:off x="6414915" y="5893196"/>
+            <a:ext cx="306674" cy="204923"/>
+          </a:xfrm>
+          <a:prstGeom prst="roundRect">
+            <a:avLst/>
+          </a:prstGeom>
+          <a:noFill/>
+          <a:ln w="38100" cap="flat" cmpd="sng" algn="ctr">
+            <a:solidFill>
+              <a:schemeClr val="tx2"/>
+            </a:solidFill>
+            <a:prstDash val="solid"/>
+            <a:round/>
+            <a:headEnd type="none" w="med" len="med"/>
+            <a:tailEnd type="none" w="med" len="med"/>
+          </a:ln>
+        </p:spPr>
+        <p:style>
+          <a:lnRef idx="0">
+            <a:scrgbClr r="0" g="0" b="0"/>
+          </a:lnRef>
+          <a:fillRef idx="0">
+            <a:scrgbClr r="0" g="0" b="0"/>
+          </a:fillRef>
+          <a:effectRef idx="0">
+            <a:scrgbClr r="0" g="0" b="0"/>
+          </a:effectRef>
+          <a:fontRef idx="minor">
+            <a:schemeClr val="dk1"/>
+          </a:fontRef>
+        </p:style>
+        <p:txBody>
+          <a:bodyPr rtlCol="0" anchor="ctr"/>
+          <a:lstStyle/>
+          <a:p>
+            <a:pPr algn="ctr"/>
+            <a:endParaRPr lang="en-NZ"/>
+          </a:p>
+        </p:txBody>
+      </p:sp>
+      <p:cxnSp>
+        <p:nvCxnSpPr>
+          <p:cNvPr id="114" name="Straight Arrow Connector 113">
+            <a:extLst>
+              <a:ext uri="{FF2B5EF4-FFF2-40B4-BE49-F238E27FC236}">
+                <a16:creationId xmlns:a16="http://schemas.microsoft.com/office/drawing/2014/main" id="{7B9FB656-E5AC-D515-8A29-D60AA2106392}"/>
+              </a:ext>
+            </a:extLst>
+          </p:cNvPr>
+          <p:cNvCxnSpPr>
+            <a:cxnSpLocks/>
+          </p:cNvCxnSpPr>
+          <p:nvPr/>
+        </p:nvCxnSpPr>
+        <p:spPr>
+          <a:xfrm>
+            <a:off x="1001318" y="5809653"/>
+            <a:ext cx="905590" cy="0"/>
+          </a:xfrm>
+          <a:prstGeom prst="straightConnector1">
+            <a:avLst/>
+          </a:prstGeom>
+          <a:ln w="38100">
+            <a:solidFill>
+              <a:schemeClr val="tx2"/>
+            </a:solidFill>
+            <a:tailEnd type="triangle"/>
+          </a:ln>
+        </p:spPr>
+        <p:style>
+          <a:lnRef idx="1">
+            <a:schemeClr val="accent1"/>
+          </a:lnRef>
+          <a:fillRef idx="0">
+            <a:schemeClr val="accent1"/>
+          </a:fillRef>
+          <a:effectRef idx="0">
+            <a:schemeClr val="accent1"/>
+          </a:effectRef>
+          <a:fontRef idx="minor">
+            <a:schemeClr val="tx1"/>
+          </a:fontRef>
+        </p:style>
+      </p:cxnSp>
+      <p:cxnSp>
+        <p:nvCxnSpPr>
+          <p:cNvPr id="116" name="Straight Arrow Connector 115">
+            <a:extLst>
+              <a:ext uri="{FF2B5EF4-FFF2-40B4-BE49-F238E27FC236}">
+                <a16:creationId xmlns:a16="http://schemas.microsoft.com/office/drawing/2014/main" id="{82AE6B0E-2C71-B822-803B-CF549799F006}"/>
+              </a:ext>
+            </a:extLst>
+          </p:cNvPr>
+          <p:cNvCxnSpPr>
+            <a:cxnSpLocks/>
+          </p:cNvCxnSpPr>
+          <p:nvPr/>
+        </p:nvCxnSpPr>
+        <p:spPr>
+          <a:xfrm flipV="1">
+            <a:off x="3127972" y="4784259"/>
+            <a:ext cx="159149" cy="1025394"/>
+          </a:xfrm>
+          <a:prstGeom prst="straightConnector1">
+            <a:avLst/>
+          </a:prstGeom>
+          <a:ln w="38100">
+            <a:solidFill>
+              <a:schemeClr val="tx2"/>
+            </a:solidFill>
+            <a:tailEnd type="triangle"/>
+          </a:ln>
+        </p:spPr>
+        <p:style>
+          <a:lnRef idx="1">
+            <a:schemeClr val="accent1"/>
+          </a:lnRef>
+          <a:fillRef idx="0">
+            <a:schemeClr val="accent1"/>
+          </a:fillRef>
+          <a:effectRef idx="0">
+            <a:schemeClr val="accent1"/>
+          </a:effectRef>
+          <a:fontRef idx="minor">
+            <a:schemeClr val="tx1"/>
+          </a:fontRef>
+        </p:style>
+      </p:cxnSp>
+      <p:cxnSp>
+        <p:nvCxnSpPr>
+          <p:cNvPr id="118" name="Straight Arrow Connector 117">
+            <a:extLst>
+              <a:ext uri="{FF2B5EF4-FFF2-40B4-BE49-F238E27FC236}">
+                <a16:creationId xmlns:a16="http://schemas.microsoft.com/office/drawing/2014/main" id="{B262B9DD-3BA4-E6DB-C999-06F3E0B094C7}"/>
+              </a:ext>
+            </a:extLst>
+          </p:cNvPr>
+          <p:cNvCxnSpPr>
+            <a:cxnSpLocks/>
+            <a:endCxn id="113" idx="0"/>
+          </p:cNvCxnSpPr>
+          <p:nvPr/>
+        </p:nvCxnSpPr>
+        <p:spPr>
+          <a:xfrm>
+            <a:off x="5558211" y="4391203"/>
+            <a:ext cx="1010041" cy="1501993"/>
+          </a:xfrm>
+          <a:prstGeom prst="straightConnector1">
+            <a:avLst/>
+          </a:prstGeom>
+          <a:ln w="38100">
+            <a:solidFill>
+              <a:schemeClr val="tx2"/>
+            </a:solidFill>
+            <a:tailEnd type="triangle"/>
+          </a:ln>
+        </p:spPr>
+        <p:style>
+          <a:lnRef idx="1">
+            <a:schemeClr val="accent1"/>
+          </a:lnRef>
+          <a:fillRef idx="0">
+            <a:schemeClr val="accent1"/>
+          </a:fillRef>
+          <a:effectRef idx="0">
+            <a:schemeClr val="accent1"/>
+          </a:effectRef>
+          <a:fontRef idx="minor">
+            <a:schemeClr val="tx1"/>
+          </a:fontRef>
+        </p:style>
+      </p:cxnSp>
+      <p:sp>
+        <p:nvSpPr>
+          <p:cNvPr id="121" name="Rectangle: Rounded Corners 120">
+            <a:extLst>
+              <a:ext uri="{FF2B5EF4-FFF2-40B4-BE49-F238E27FC236}">
+                <a16:creationId xmlns:a16="http://schemas.microsoft.com/office/drawing/2014/main" id="{52B08703-5679-D183-9EB4-A0E7C042D597}"/>
+              </a:ext>
+            </a:extLst>
+          </p:cNvPr>
+          <p:cNvSpPr/>
+          <p:nvPr/>
+        </p:nvSpPr>
+        <p:spPr>
+          <a:xfrm>
+            <a:off x="214856" y="6126463"/>
+            <a:ext cx="333142" cy="186758"/>
+          </a:xfrm>
+          <a:prstGeom prst="roundRect">
+            <a:avLst/>
+          </a:prstGeom>
+          <a:noFill/>
+          <a:ln w="38100" cap="flat" cmpd="sng" algn="ctr">
+            <a:solidFill>
+              <a:schemeClr val="tx1"/>
+            </a:solidFill>
+            <a:prstDash val="solid"/>
+            <a:round/>
+            <a:headEnd type="none" w="med" len="med"/>
+            <a:tailEnd type="none" w="med" len="med"/>
+          </a:ln>
+        </p:spPr>
+        <p:style>
+          <a:lnRef idx="0">
+            <a:scrgbClr r="0" g="0" b="0"/>
+          </a:lnRef>
+          <a:fillRef idx="0">
+            <a:scrgbClr r="0" g="0" b="0"/>
+          </a:fillRef>
+          <a:effectRef idx="0">
+            <a:scrgbClr r="0" g="0" b="0"/>
+          </a:effectRef>
+          <a:fontRef idx="minor">
+            <a:schemeClr val="dk1"/>
+          </a:fontRef>
+        </p:style>
+        <p:txBody>
+          <a:bodyPr rtlCol="0" anchor="ctr"/>
+          <a:lstStyle/>
+          <a:p>
+            <a:pPr algn="ctr"/>
+            <a:endParaRPr lang="en-NZ"/>
+          </a:p>
+        </p:txBody>
+      </p:sp>
+      <p:sp>
+        <p:nvSpPr>
+          <p:cNvPr id="122" name="Rectangle: Rounded Corners 121">
+            <a:extLst>
+              <a:ext uri="{FF2B5EF4-FFF2-40B4-BE49-F238E27FC236}">
+                <a16:creationId xmlns:a16="http://schemas.microsoft.com/office/drawing/2014/main" id="{946CC39C-CE14-0F21-ED3A-AD0DBEF038B9}"/>
+              </a:ext>
+            </a:extLst>
+          </p:cNvPr>
+          <p:cNvSpPr/>
+          <p:nvPr/>
+        </p:nvSpPr>
+        <p:spPr>
+          <a:xfrm>
+            <a:off x="1978320" y="6128703"/>
+            <a:ext cx="1108180" cy="545275"/>
+          </a:xfrm>
+          <a:prstGeom prst="roundRect">
+            <a:avLst/>
+          </a:prstGeom>
+          <a:noFill/>
+          <a:ln w="38100" cap="flat" cmpd="sng" algn="ctr">
+            <a:solidFill>
+              <a:schemeClr val="tx1"/>
+            </a:solidFill>
+            <a:prstDash val="solid"/>
+            <a:round/>
+            <a:headEnd type="none" w="med" len="med"/>
+            <a:tailEnd type="none" w="med" len="med"/>
+          </a:ln>
+        </p:spPr>
+        <p:style>
+          <a:lnRef idx="0">
+            <a:scrgbClr r="0" g="0" b="0"/>
+          </a:lnRef>
+          <a:fillRef idx="0">
+            <a:scrgbClr r="0" g="0" b="0"/>
+          </a:fillRef>
+          <a:effectRef idx="0">
+            <a:scrgbClr r="0" g="0" b="0"/>
+          </a:effectRef>
+          <a:fontRef idx="minor">
+            <a:schemeClr val="dk1"/>
+          </a:fontRef>
+        </p:style>
+        <p:txBody>
+          <a:bodyPr rtlCol="0" anchor="ctr"/>
+          <a:lstStyle/>
+          <a:p>
+            <a:pPr algn="ctr"/>
+            <a:endParaRPr lang="en-NZ"/>
+          </a:p>
+        </p:txBody>
+      </p:sp>
+      <p:sp>
+        <p:nvSpPr>
+          <p:cNvPr id="123" name="Rectangle: Rounded Corners 122">
+            <a:extLst>
+              <a:ext uri="{FF2B5EF4-FFF2-40B4-BE49-F238E27FC236}">
+                <a16:creationId xmlns:a16="http://schemas.microsoft.com/office/drawing/2014/main" id="{7B5947DE-D63B-1B08-B90A-77CAECADB77E}"/>
+              </a:ext>
+            </a:extLst>
+          </p:cNvPr>
+          <p:cNvSpPr/>
+          <p:nvPr/>
+        </p:nvSpPr>
+        <p:spPr>
+          <a:xfrm>
+            <a:off x="3300676" y="5732523"/>
+            <a:ext cx="2261792" cy="934177"/>
+          </a:xfrm>
+          <a:prstGeom prst="roundRect">
+            <a:avLst/>
+          </a:prstGeom>
+          <a:noFill/>
+          <a:ln w="38100" cap="flat" cmpd="sng" algn="ctr">
+            <a:solidFill>
+              <a:schemeClr val="tx1"/>
+            </a:solidFill>
+            <a:prstDash val="solid"/>
+            <a:round/>
+            <a:headEnd type="none" w="med" len="med"/>
+            <a:tailEnd type="none" w="med" len="med"/>
+          </a:ln>
+        </p:spPr>
+        <p:style>
+          <a:lnRef idx="0">
+            <a:scrgbClr r="0" g="0" b="0"/>
+          </a:lnRef>
+          <a:fillRef idx="0">
+            <a:scrgbClr r="0" g="0" b="0"/>
+          </a:fillRef>
+          <a:effectRef idx="0">
+            <a:scrgbClr r="0" g="0" b="0"/>
+          </a:effectRef>
+          <a:fontRef idx="minor">
+            <a:schemeClr val="dk1"/>
+          </a:fontRef>
+        </p:style>
+        <p:txBody>
+          <a:bodyPr rtlCol="0" anchor="ctr"/>
+          <a:lstStyle/>
+          <a:p>
+            <a:pPr algn="ctr"/>
+            <a:endParaRPr lang="en-NZ"/>
+          </a:p>
+        </p:txBody>
+      </p:sp>
+      <p:sp>
+        <p:nvSpPr>
+          <p:cNvPr id="124" name="Rectangle: Rounded Corners 123">
+            <a:extLst>
+              <a:ext uri="{FF2B5EF4-FFF2-40B4-BE49-F238E27FC236}">
+                <a16:creationId xmlns:a16="http://schemas.microsoft.com/office/drawing/2014/main" id="{407364DB-8A77-C8DB-022A-4D47D5FC8ACA}"/>
+              </a:ext>
+            </a:extLst>
+          </p:cNvPr>
+          <p:cNvSpPr/>
+          <p:nvPr/>
+        </p:nvSpPr>
+        <p:spPr>
+          <a:xfrm>
+            <a:off x="5576506" y="154002"/>
+            <a:ext cx="5022125" cy="934177"/>
+          </a:xfrm>
+          <a:prstGeom prst="roundRect">
+            <a:avLst/>
+          </a:prstGeom>
+          <a:noFill/>
+          <a:ln w="38100" cap="flat" cmpd="sng" algn="ctr">
+            <a:solidFill>
+              <a:schemeClr val="tx1"/>
+            </a:solidFill>
+            <a:prstDash val="solid"/>
+            <a:round/>
+            <a:headEnd type="none" w="med" len="med"/>
+            <a:tailEnd type="none" w="med" len="med"/>
+          </a:ln>
+        </p:spPr>
+        <p:style>
+          <a:lnRef idx="0">
+            <a:scrgbClr r="0" g="0" b="0"/>
+          </a:lnRef>
+          <a:fillRef idx="0">
+            <a:scrgbClr r="0" g="0" b="0"/>
+          </a:fillRef>
+          <a:effectRef idx="0">
+            <a:scrgbClr r="0" g="0" b="0"/>
+          </a:effectRef>
+          <a:fontRef idx="minor">
+            <a:schemeClr val="dk1"/>
+          </a:fontRef>
+        </p:style>
+        <p:txBody>
+          <a:bodyPr rtlCol="0" anchor="ctr"/>
+          <a:lstStyle/>
+          <a:p>
+            <a:pPr algn="ctr"/>
+            <a:endParaRPr lang="en-NZ"/>
+          </a:p>
+        </p:txBody>
+      </p:sp>
+      <p:cxnSp>
+        <p:nvCxnSpPr>
+          <p:cNvPr id="125" name="Straight Arrow Connector 124">
+            <a:extLst>
+              <a:ext uri="{FF2B5EF4-FFF2-40B4-BE49-F238E27FC236}">
+                <a16:creationId xmlns:a16="http://schemas.microsoft.com/office/drawing/2014/main" id="{9E4B5B7F-D5DA-DFFA-293E-2D5113A467F7}"/>
+              </a:ext>
+            </a:extLst>
+          </p:cNvPr>
+          <p:cNvCxnSpPr>
+            <a:cxnSpLocks/>
+          </p:cNvCxnSpPr>
+          <p:nvPr/>
+        </p:nvCxnSpPr>
+        <p:spPr>
+          <a:xfrm>
+            <a:off x="614841" y="6216410"/>
+            <a:ext cx="1292067" cy="184390"/>
+          </a:xfrm>
+          <a:prstGeom prst="straightConnector1">
+            <a:avLst/>
+          </a:prstGeom>
+          <a:ln w="38100">
+            <a:solidFill>
+              <a:schemeClr val="tx1"/>
+            </a:solidFill>
+            <a:tailEnd type="triangle"/>
+          </a:ln>
+        </p:spPr>
+        <p:style>
+          <a:lnRef idx="1">
+            <a:schemeClr val="accent1"/>
+          </a:lnRef>
+          <a:fillRef idx="0">
+            <a:schemeClr val="accent1"/>
+          </a:fillRef>
+          <a:effectRef idx="0">
+            <a:schemeClr val="accent1"/>
+          </a:effectRef>
+          <a:fontRef idx="minor">
+            <a:schemeClr val="tx1"/>
+          </a:fontRef>
+        </p:style>
+      </p:cxnSp>
+      <p:cxnSp>
+        <p:nvCxnSpPr>
+          <p:cNvPr id="127" name="Straight Arrow Connector 126">
+            <a:extLst>
+              <a:ext uri="{FF2B5EF4-FFF2-40B4-BE49-F238E27FC236}">
+                <a16:creationId xmlns:a16="http://schemas.microsoft.com/office/drawing/2014/main" id="{CB10A1EA-018D-329D-65EE-FA0C66D81554}"/>
+              </a:ext>
+            </a:extLst>
+          </p:cNvPr>
+          <p:cNvCxnSpPr>
+            <a:cxnSpLocks/>
+          </p:cNvCxnSpPr>
+          <p:nvPr/>
+        </p:nvCxnSpPr>
+        <p:spPr>
+          <a:xfrm flipV="1">
+            <a:off x="3148770" y="6075474"/>
+            <a:ext cx="89658" cy="233131"/>
+          </a:xfrm>
+          <a:prstGeom prst="straightConnector1">
+            <a:avLst/>
+          </a:prstGeom>
+          <a:ln w="38100">
+            <a:solidFill>
+              <a:schemeClr val="tx1"/>
+            </a:solidFill>
+            <a:tailEnd type="triangle"/>
+          </a:ln>
+        </p:spPr>
+        <p:style>
+          <a:lnRef idx="1">
+            <a:schemeClr val="accent1"/>
+          </a:lnRef>
+          <a:fillRef idx="0">
+            <a:schemeClr val="accent1"/>
+          </a:fillRef>
+          <a:effectRef idx="0">
+            <a:schemeClr val="accent1"/>
+          </a:effectRef>
+          <a:fontRef idx="minor">
+            <a:schemeClr val="tx1"/>
+          </a:fontRef>
+        </p:style>
+      </p:cxnSp>
+      <p:cxnSp>
+        <p:nvCxnSpPr>
+          <p:cNvPr id="129" name="Straight Arrow Connector 128">
+            <a:extLst>
+              <a:ext uri="{FF2B5EF4-FFF2-40B4-BE49-F238E27FC236}">
+                <a16:creationId xmlns:a16="http://schemas.microsoft.com/office/drawing/2014/main" id="{AF109FB3-06EF-A519-3657-79982FA13E4A}"/>
+              </a:ext>
+            </a:extLst>
+          </p:cNvPr>
+          <p:cNvCxnSpPr>
+            <a:cxnSpLocks/>
+          </p:cNvCxnSpPr>
+          <p:nvPr/>
+        </p:nvCxnSpPr>
+        <p:spPr>
+          <a:xfrm flipV="1">
+            <a:off x="5620095" y="1152654"/>
+            <a:ext cx="277807" cy="5012911"/>
+          </a:xfrm>
+          <a:prstGeom prst="straightConnector1">
+            <a:avLst/>
+          </a:prstGeom>
+          <a:ln w="38100">
+            <a:solidFill>
+              <a:schemeClr val="tx1"/>
+            </a:solidFill>
+            <a:tailEnd type="triangle"/>
+          </a:ln>
+        </p:spPr>
+        <p:style>
+          <a:lnRef idx="1">
+            <a:schemeClr val="accent1"/>
+          </a:lnRef>
+          <a:fillRef idx="0">
+            <a:schemeClr val="accent1"/>
+          </a:fillRef>
+          <a:effectRef idx="0">
+            <a:schemeClr val="accent1"/>
+          </a:effectRef>
+          <a:fontRef idx="minor">
+            <a:schemeClr val="tx1"/>
+          </a:fontRef>
+        </p:style>
+      </p:cxnSp>
+      <p:cxnSp>
+        <p:nvCxnSpPr>
+          <p:cNvPr id="132" name="Straight Arrow Connector 131">
+            <a:extLst>
+              <a:ext uri="{FF2B5EF4-FFF2-40B4-BE49-F238E27FC236}">
+                <a16:creationId xmlns:a16="http://schemas.microsoft.com/office/drawing/2014/main" id="{E0E81C2B-E09C-5421-5D08-8C1B6C9C420D}"/>
+              </a:ext>
+            </a:extLst>
+          </p:cNvPr>
+          <p:cNvCxnSpPr>
+            <a:cxnSpLocks/>
+          </p:cNvCxnSpPr>
+          <p:nvPr/>
+        </p:nvCxnSpPr>
+        <p:spPr>
+          <a:xfrm flipH="1">
+            <a:off x="6859303" y="1146429"/>
+            <a:ext cx="1452643" cy="4929045"/>
+          </a:xfrm>
+          <a:prstGeom prst="straightConnector1">
+            <a:avLst/>
+          </a:prstGeom>
+          <a:ln w="38100">
+            <a:solidFill>
+              <a:schemeClr val="bg1"/>
+            </a:solidFill>
+            <a:tailEnd type="triangle"/>
+          </a:ln>
+        </p:spPr>
+        <p:style>
+          <a:lnRef idx="1">
+            <a:schemeClr val="accent1"/>
+          </a:lnRef>
+          <a:fillRef idx="0">
+            <a:schemeClr val="accent1"/>
+          </a:fillRef>
+          <a:effectRef idx="0">
+            <a:schemeClr val="accent1"/>
+          </a:effectRef>
+          <a:fontRef idx="minor">
+            <a:schemeClr val="tx1"/>
+          </a:fontRef>
+        </p:style>
+      </p:cxnSp>
+      <p:sp>
+        <p:nvSpPr>
+          <p:cNvPr id="135" name="Rectangle: Rounded Corners 134">
+            <a:extLst>
+              <a:ext uri="{FF2B5EF4-FFF2-40B4-BE49-F238E27FC236}">
+                <a16:creationId xmlns:a16="http://schemas.microsoft.com/office/drawing/2014/main" id="{170407D6-8EB4-E125-0AF4-9F0966C983EA}"/>
+              </a:ext>
+            </a:extLst>
+          </p:cNvPr>
+          <p:cNvSpPr/>
+          <p:nvPr/>
+        </p:nvSpPr>
+        <p:spPr>
+          <a:xfrm>
+            <a:off x="6556497" y="6109109"/>
+            <a:ext cx="333142" cy="186758"/>
+          </a:xfrm>
+          <a:prstGeom prst="roundRect">
+            <a:avLst/>
+          </a:prstGeom>
+          <a:noFill/>
+          <a:ln w="38100" cap="flat" cmpd="sng" algn="ctr">
+            <a:solidFill>
+              <a:schemeClr val="bg1"/>
+            </a:solidFill>
+            <a:prstDash val="solid"/>
+            <a:round/>
+            <a:headEnd type="none" w="med" len="med"/>
+            <a:tailEnd type="none" w="med" len="med"/>
+          </a:ln>
+        </p:spPr>
+        <p:style>
+          <a:lnRef idx="0">
+            <a:scrgbClr r="0" g="0" b="0"/>
+          </a:lnRef>
+          <a:fillRef idx="0">
+            <a:scrgbClr r="0" g="0" b="0"/>
+          </a:fillRef>
+          <a:effectRef idx="0">
+            <a:scrgbClr r="0" g="0" b="0"/>
+          </a:effectRef>
+          <a:fontRef idx="minor">
+            <a:schemeClr val="dk1"/>
+          </a:fontRef>
+        </p:style>
+        <p:txBody>
+          <a:bodyPr rtlCol="0" anchor="ctr"/>
+          <a:lstStyle/>
+          <a:p>
+            <a:pPr algn="ctr"/>
+            <a:endParaRPr lang="en-NZ"/>
+          </a:p>
+        </p:txBody>
+      </p:sp>
     </p:spTree>
     <p:extLst>
       <p:ext uri="{BB962C8B-B14F-4D97-AF65-F5344CB8AC3E}">
@@ -31399,6 +35067,15 @@
 </file>
 
 <file path=customXml/item2.xml><?xml version="1.0" encoding="utf-8"?>
+<?mso-contentType ?>
+<FormTemplates xmlns="http://schemas.microsoft.com/sharepoint/v3/contenttype/forms">
+  <Display>DocumentLibraryForm</Display>
+  <Edit>DocumentLibraryForm</Edit>
+  <New>DocumentLibraryForm</New>
+</FormTemplates>
+</file>
+
+<file path=customXml/item3.xml><?xml version="1.0" encoding="utf-8"?>
 <ct:contentTypeSchema xmlns:ct="http://schemas.microsoft.com/office/2006/metadata/contentType" xmlns:ma="http://schemas.microsoft.com/office/2006/metadata/properties/metaAttributes" ct:_="" ma:_="" ma:contentTypeName="Document" ma:contentTypeID="0x010100CF1FA5F42E32064EBC712696EE2EC419" ma:contentTypeVersion="1" ma:contentTypeDescription="Create a new document." ma:contentTypeScope="" ma:versionID="8da24ec2fec523de482f60ce898ffe29">
   <xsd:schema xmlns:xsd="http://www.w3.org/2001/XMLSchema" xmlns:xs="http://www.w3.org/2001/XMLSchema" xmlns:p="http://schemas.microsoft.com/office/2006/metadata/properties" xmlns:ns2="e38b8155-5114-47b0-a9fa-eb229fbfe015" targetNamespace="http://schemas.microsoft.com/office/2006/metadata/properties" ma:root="true" ma:fieldsID="1e3f358edf1a5d679493ec63a22a5273" ns2:_="">
     <xsd:import namespace="e38b8155-5114-47b0-a9fa-eb229fbfe015"/>
@@ -31524,15 +35201,6 @@
 </ct:contentTypeSchema>
 </file>
 
-<file path=customXml/item3.xml><?xml version="1.0" encoding="utf-8"?>
-<?mso-contentType ?>
-<FormTemplates xmlns="http://schemas.microsoft.com/sharepoint/v3/contenttype/forms">
-  <Display>DocumentLibraryForm</Display>
-  <Edit>DocumentLibraryForm</Edit>
-  <New>DocumentLibraryForm</New>
-</FormTemplates>
-</file>
-
 <file path=customXml/itemProps1.xml><?xml version="1.0" encoding="utf-8"?>
 <ds:datastoreItem xmlns:ds="http://schemas.openxmlformats.org/officeDocument/2006/customXml" ds:itemID="{4FFAE7E7-FE1A-4850-8CF7-E7567E9AC997}">
   <ds:schemaRefs>
@@ -31550,6 +35218,14 @@
 </file>
 
 <file path=customXml/itemProps2.xml><?xml version="1.0" encoding="utf-8"?>
+<ds:datastoreItem xmlns:ds="http://schemas.openxmlformats.org/officeDocument/2006/customXml" ds:itemID="{850509B3-B737-4CBB-82EF-E3EDD3E90B92}">
+  <ds:schemaRefs>
+    <ds:schemaRef ds:uri="http://schemas.microsoft.com/sharepoint/v3/contenttype/forms"/>
+  </ds:schemaRefs>
+</ds:datastoreItem>
+</file>
+
+<file path=customXml/itemProps3.xml><?xml version="1.0" encoding="utf-8"?>
 <ds:datastoreItem xmlns:ds="http://schemas.openxmlformats.org/officeDocument/2006/customXml" ds:itemID="{3E4F6013-939F-44FC-9DE4-A98A0DBD5543}">
   <ds:schemaRefs>
     <ds:schemaRef ds:uri="http://schemas.microsoft.com/office/2006/metadata/contentType"/>
@@ -31565,12 +35241,4 @@
     <ds:schemaRef ds:uri="http://schemas.microsoft.com/internal/obd"/>
   </ds:schemaRefs>
 </ds:datastoreItem>
-</file>
-
-<file path=customXml/itemProps3.xml><?xml version="1.0" encoding="utf-8"?>
-<ds:datastoreItem xmlns:ds="http://schemas.openxmlformats.org/officeDocument/2006/customXml" ds:itemID="{850509B3-B737-4CBB-82EF-E3EDD3E90B92}">
-  <ds:schemaRefs>
-    <ds:schemaRef ds:uri="http://schemas.microsoft.com/sharepoint/v3/contenttype/forms"/>
-  </ds:schemaRefs>
-</ds:datastoreItem>
 </file>
--- a/2.7 and 2.8 Documentation Template 1.pptx
+++ b/2.7 and 2.8 Documentation Template 1.pptx
@@ -148,7 +148,7 @@
 <file path=ppt/revisionInfo.xml><?xml version="1.0" encoding="utf-8"?>
 <p1510:revInfo xmlns:a="http://schemas.openxmlformats.org/drawingml/2006/main" xmlns:r="http://schemas.openxmlformats.org/officeDocument/2006/relationships" xmlns:p1510="http://schemas.microsoft.com/office/powerpoint/2015/10/main">
   <p1510:revLst>
-    <p1510:client id="{44400E0D-F01E-4C52-8DFE-33262DF1F20E}" v="127" dt="2024-04-11T03:11:19.680"/>
+    <p1510:client id="{44400E0D-F01E-4C52-8DFE-33262DF1F20E}" v="148" dt="2024-04-11T05:54:33.598"/>
   </p1510:revLst>
 </p1510:revInfo>
 </file>
@@ -158,7 +158,7 @@
   <pc:docChgLst>
     <pc:chgData name="Elme Pieterse" userId="cf235864-f06d-4d9c-a838-9d693a8e3248" providerId="ADAL" clId="{44400E0D-F01E-4C52-8DFE-33262DF1F20E}"/>
     <pc:docChg chg="undo redo custSel addSld delSld modSld sldOrd">
-      <pc:chgData name="Elme Pieterse" userId="cf235864-f06d-4d9c-a838-9d693a8e3248" providerId="ADAL" clId="{44400E0D-F01E-4C52-8DFE-33262DF1F20E}" dt="2024-04-11T03:11:37.755" v="4911" actId="14100"/>
+      <pc:chgData name="Elme Pieterse" userId="cf235864-f06d-4d9c-a838-9d693a8e3248" providerId="ADAL" clId="{44400E0D-F01E-4C52-8DFE-33262DF1F20E}" dt="2024-04-11T06:15:41.798" v="6373" actId="14100"/>
       <pc:docMkLst>
         <pc:docMk/>
       </pc:docMkLst>
@@ -1256,7 +1256,7 @@
         </pc:spChg>
       </pc:sldChg>
       <pc:sldChg chg="addSp delSp modSp add mod">
-        <pc:chgData name="Elme Pieterse" userId="cf235864-f06d-4d9c-a838-9d693a8e3248" providerId="ADAL" clId="{44400E0D-F01E-4C52-8DFE-33262DF1F20E}" dt="2024-04-10T04:16:15.076" v="846" actId="1037"/>
+        <pc:chgData name="Elme Pieterse" userId="cf235864-f06d-4d9c-a838-9d693a8e3248" providerId="ADAL" clId="{44400E0D-F01E-4C52-8DFE-33262DF1F20E}" dt="2024-04-11T04:47:43.121" v="5307" actId="20577"/>
         <pc:sldMkLst>
           <pc:docMk/>
           <pc:sldMk cId="2533894394" sldId="277"/>
@@ -1278,7 +1278,7 @@
           </ac:spMkLst>
         </pc:spChg>
         <pc:spChg chg="mod">
-          <ac:chgData name="Elme Pieterse" userId="cf235864-f06d-4d9c-a838-9d693a8e3248" providerId="ADAL" clId="{44400E0D-F01E-4C52-8DFE-33262DF1F20E}" dt="2024-04-10T04:12:13.331" v="703" actId="20577"/>
+          <ac:chgData name="Elme Pieterse" userId="cf235864-f06d-4d9c-a838-9d693a8e3248" providerId="ADAL" clId="{44400E0D-F01E-4C52-8DFE-33262DF1F20E}" dt="2024-04-11T04:47:43.121" v="5307" actId="20577"/>
           <ac:spMkLst>
             <pc:docMk/>
             <pc:sldMk cId="2533894394" sldId="277"/>
@@ -1601,12 +1601,148 @@
           </ac:graphicFrameMkLst>
         </pc:graphicFrameChg>
       </pc:sldChg>
-      <pc:sldChg chg="add ord">
-        <pc:chgData name="Elme Pieterse" userId="cf235864-f06d-4d9c-a838-9d693a8e3248" providerId="ADAL" clId="{44400E0D-F01E-4C52-8DFE-33262DF1F20E}" dt="2024-04-10T04:21:24.041" v="916"/>
+      <pc:sldChg chg="addSp delSp modSp add mod ord">
+        <pc:chgData name="Elme Pieterse" userId="cf235864-f06d-4d9c-a838-9d693a8e3248" providerId="ADAL" clId="{44400E0D-F01E-4C52-8DFE-33262DF1F20E}" dt="2024-04-11T05:08:35.463" v="5309"/>
         <pc:sldMkLst>
           <pc:docMk/>
           <pc:sldMk cId="2182793016" sldId="283"/>
         </pc:sldMkLst>
+        <pc:spChg chg="mod">
+          <ac:chgData name="Elme Pieterse" userId="cf235864-f06d-4d9c-a838-9d693a8e3248" providerId="ADAL" clId="{44400E0D-F01E-4C52-8DFE-33262DF1F20E}" dt="2024-04-11T04:47:35.916" v="5298" actId="20577"/>
+          <ac:spMkLst>
+            <pc:docMk/>
+            <pc:sldMk cId="2182793016" sldId="283"/>
+            <ac:spMk id="91" creationId="{00000000-0000-0000-0000-000000000000}"/>
+          </ac:spMkLst>
+        </pc:spChg>
+        <pc:spChg chg="del">
+          <ac:chgData name="Elme Pieterse" userId="cf235864-f06d-4d9c-a838-9d693a8e3248" providerId="ADAL" clId="{44400E0D-F01E-4C52-8DFE-33262DF1F20E}" dt="2024-04-11T04:42:39.364" v="5061" actId="26606"/>
+          <ac:spMkLst>
+            <pc:docMk/>
+            <pc:sldMk cId="2182793016" sldId="283"/>
+            <ac:spMk id="113" creationId="{A8384FB5-9ADC-4DDC-881B-597D56F5B15D}"/>
+          </ac:spMkLst>
+        </pc:spChg>
+        <pc:spChg chg="del">
+          <ac:chgData name="Elme Pieterse" userId="cf235864-f06d-4d9c-a838-9d693a8e3248" providerId="ADAL" clId="{44400E0D-F01E-4C52-8DFE-33262DF1F20E}" dt="2024-04-11T04:42:39.364" v="5061" actId="26606"/>
+          <ac:spMkLst>
+            <pc:docMk/>
+            <pc:sldMk cId="2182793016" sldId="283"/>
+            <ac:spMk id="114" creationId="{1199E1B1-A8C0-4FE8-A5A8-1CB41D69F857}"/>
+          </ac:spMkLst>
+        </pc:spChg>
+        <pc:spChg chg="del">
+          <ac:chgData name="Elme Pieterse" userId="cf235864-f06d-4d9c-a838-9d693a8e3248" providerId="ADAL" clId="{44400E0D-F01E-4C52-8DFE-33262DF1F20E}" dt="2024-04-11T04:42:39.364" v="5061" actId="26606"/>
+          <ac:spMkLst>
+            <pc:docMk/>
+            <pc:sldMk cId="2182793016" sldId="283"/>
+            <ac:spMk id="115" creationId="{84A8DE83-DE75-4B41-9DB4-A7EC0B0DEC0B}"/>
+          </ac:spMkLst>
+        </pc:spChg>
+        <pc:spChg chg="del">
+          <ac:chgData name="Elme Pieterse" userId="cf235864-f06d-4d9c-a838-9d693a8e3248" providerId="ADAL" clId="{44400E0D-F01E-4C52-8DFE-33262DF1F20E}" dt="2024-04-11T04:42:39.364" v="5061" actId="26606"/>
+          <ac:spMkLst>
+            <pc:docMk/>
+            <pc:sldMk cId="2182793016" sldId="283"/>
+            <ac:spMk id="116" creationId="{A7009A0A-BEF5-4EAC-AF15-E4F9F002E239}"/>
+          </ac:spMkLst>
+        </pc:spChg>
+        <pc:spChg chg="add del">
+          <ac:chgData name="Elme Pieterse" userId="cf235864-f06d-4d9c-a838-9d693a8e3248" providerId="ADAL" clId="{44400E0D-F01E-4C52-8DFE-33262DF1F20E}" dt="2024-04-11T04:46:26.077" v="5244" actId="26606"/>
+          <ac:spMkLst>
+            <pc:docMk/>
+            <pc:sldMk cId="2182793016" sldId="283"/>
+            <ac:spMk id="121" creationId="{A8384FB5-9ADC-4DDC-881B-597D56F5B15D}"/>
+          </ac:spMkLst>
+        </pc:spChg>
+        <pc:spChg chg="add del">
+          <ac:chgData name="Elme Pieterse" userId="cf235864-f06d-4d9c-a838-9d693a8e3248" providerId="ADAL" clId="{44400E0D-F01E-4C52-8DFE-33262DF1F20E}" dt="2024-04-11T04:46:26.077" v="5244" actId="26606"/>
+          <ac:spMkLst>
+            <pc:docMk/>
+            <pc:sldMk cId="2182793016" sldId="283"/>
+            <ac:spMk id="123" creationId="{91E5A9A7-95C6-4F4F-B00E-C82E07FE62EF}"/>
+          </ac:spMkLst>
+        </pc:spChg>
+        <pc:spChg chg="add del">
+          <ac:chgData name="Elme Pieterse" userId="cf235864-f06d-4d9c-a838-9d693a8e3248" providerId="ADAL" clId="{44400E0D-F01E-4C52-8DFE-33262DF1F20E}" dt="2024-04-11T04:46:26.077" v="5244" actId="26606"/>
+          <ac:spMkLst>
+            <pc:docMk/>
+            <pc:sldMk cId="2182793016" sldId="283"/>
+            <ac:spMk id="125" creationId="{D07DD2DE-F619-49DD-B5E7-03A290FF4ED1}"/>
+          </ac:spMkLst>
+        </pc:spChg>
+        <pc:spChg chg="add del">
+          <ac:chgData name="Elme Pieterse" userId="cf235864-f06d-4d9c-a838-9d693a8e3248" providerId="ADAL" clId="{44400E0D-F01E-4C52-8DFE-33262DF1F20E}" dt="2024-04-11T04:46:26.077" v="5244" actId="26606"/>
+          <ac:spMkLst>
+            <pc:docMk/>
+            <pc:sldMk cId="2182793016" sldId="283"/>
+            <ac:spMk id="127" creationId="{85149191-5F60-4A28-AAFF-039F96B0F3EC}"/>
+          </ac:spMkLst>
+        </pc:spChg>
+        <pc:spChg chg="add del">
+          <ac:chgData name="Elme Pieterse" userId="cf235864-f06d-4d9c-a838-9d693a8e3248" providerId="ADAL" clId="{44400E0D-F01E-4C52-8DFE-33262DF1F20E}" dt="2024-04-11T04:46:26.077" v="5244" actId="26606"/>
+          <ac:spMkLst>
+            <pc:docMk/>
+            <pc:sldMk cId="2182793016" sldId="283"/>
+            <ac:spMk id="129" creationId="{F8260ED5-17F7-4158-B241-D51DD4CF1B7E}"/>
+          </ac:spMkLst>
+        </pc:spChg>
+        <pc:spChg chg="add">
+          <ac:chgData name="Elme Pieterse" userId="cf235864-f06d-4d9c-a838-9d693a8e3248" providerId="ADAL" clId="{44400E0D-F01E-4C52-8DFE-33262DF1F20E}" dt="2024-04-11T04:46:26.077" v="5244" actId="26606"/>
+          <ac:spMkLst>
+            <pc:docMk/>
+            <pc:sldMk cId="2182793016" sldId="283"/>
+            <ac:spMk id="134" creationId="{A8384FB5-9ADC-4DDC-881B-597D56F5B15D}"/>
+          </ac:spMkLst>
+        </pc:spChg>
+        <pc:spChg chg="add">
+          <ac:chgData name="Elme Pieterse" userId="cf235864-f06d-4d9c-a838-9d693a8e3248" providerId="ADAL" clId="{44400E0D-F01E-4C52-8DFE-33262DF1F20E}" dt="2024-04-11T04:46:26.077" v="5244" actId="26606"/>
+          <ac:spMkLst>
+            <pc:docMk/>
+            <pc:sldMk cId="2182793016" sldId="283"/>
+            <ac:spMk id="136" creationId="{91E5A9A7-95C6-4F4F-B00E-C82E07FE62EF}"/>
+          </ac:spMkLst>
+        </pc:spChg>
+        <pc:spChg chg="add">
+          <ac:chgData name="Elme Pieterse" userId="cf235864-f06d-4d9c-a838-9d693a8e3248" providerId="ADAL" clId="{44400E0D-F01E-4C52-8DFE-33262DF1F20E}" dt="2024-04-11T04:46:26.077" v="5244" actId="26606"/>
+          <ac:spMkLst>
+            <pc:docMk/>
+            <pc:sldMk cId="2182793016" sldId="283"/>
+            <ac:spMk id="138" creationId="{D07DD2DE-F619-49DD-B5E7-03A290FF4ED1}"/>
+          </ac:spMkLst>
+        </pc:spChg>
+        <pc:spChg chg="add">
+          <ac:chgData name="Elme Pieterse" userId="cf235864-f06d-4d9c-a838-9d693a8e3248" providerId="ADAL" clId="{44400E0D-F01E-4C52-8DFE-33262DF1F20E}" dt="2024-04-11T04:46:26.077" v="5244" actId="26606"/>
+          <ac:spMkLst>
+            <pc:docMk/>
+            <pc:sldMk cId="2182793016" sldId="283"/>
+            <ac:spMk id="140" creationId="{85149191-5F60-4A28-AAFF-039F96B0F3EC}"/>
+          </ac:spMkLst>
+        </pc:spChg>
+        <pc:spChg chg="add">
+          <ac:chgData name="Elme Pieterse" userId="cf235864-f06d-4d9c-a838-9d693a8e3248" providerId="ADAL" clId="{44400E0D-F01E-4C52-8DFE-33262DF1F20E}" dt="2024-04-11T04:46:26.077" v="5244" actId="26606"/>
+          <ac:spMkLst>
+            <pc:docMk/>
+            <pc:sldMk cId="2182793016" sldId="283"/>
+            <ac:spMk id="142" creationId="{F8260ED5-17F7-4158-B241-D51DD4CF1B7E}"/>
+          </ac:spMkLst>
+        </pc:spChg>
+        <pc:graphicFrameChg chg="add mod">
+          <ac:chgData name="Elme Pieterse" userId="cf235864-f06d-4d9c-a838-9d693a8e3248" providerId="ADAL" clId="{44400E0D-F01E-4C52-8DFE-33262DF1F20E}" dt="2024-04-11T05:08:35.463" v="5309"/>
+          <ac:graphicFrameMkLst>
+            <pc:docMk/>
+            <pc:sldMk cId="2182793016" sldId="283"/>
+            <ac:graphicFrameMk id="2" creationId="{02C3A25A-ACE7-8CF0-8EE2-039A2149FCD8}"/>
+          </ac:graphicFrameMkLst>
+        </pc:graphicFrameChg>
+        <pc:graphicFrameChg chg="mod modGraphic">
+          <ac:chgData name="Elme Pieterse" userId="cf235864-f06d-4d9c-a838-9d693a8e3248" providerId="ADAL" clId="{44400E0D-F01E-4C52-8DFE-33262DF1F20E}" dt="2024-04-11T04:46:54.188" v="5247" actId="12385"/>
+          <ac:graphicFrameMkLst>
+            <pc:docMk/>
+            <pc:sldMk cId="2182793016" sldId="283"/>
+            <ac:graphicFrameMk id="92" creationId="{00000000-0000-0000-0000-000000000000}"/>
+          </ac:graphicFrameMkLst>
+        </pc:graphicFrameChg>
       </pc:sldChg>
       <pc:sldChg chg="add ord">
         <pc:chgData name="Elme Pieterse" userId="cf235864-f06d-4d9c-a838-9d693a8e3248" providerId="ADAL" clId="{44400E0D-F01E-4C52-8DFE-33262DF1F20E}" dt="2024-04-10T04:21:28.344" v="919"/>
@@ -2004,12 +2140,68 @@
           </ac:cxnSpMkLst>
         </pc:cxnChg>
       </pc:sldChg>
-      <pc:sldChg chg="add ord">
-        <pc:chgData name="Elme Pieterse" userId="cf235864-f06d-4d9c-a838-9d693a8e3248" providerId="ADAL" clId="{44400E0D-F01E-4C52-8DFE-33262DF1F20E}" dt="2024-04-10T06:46:19.948" v="2536"/>
+      <pc:sldChg chg="addSp delSp modSp add mod ord setBg">
+        <pc:chgData name="Elme Pieterse" userId="cf235864-f06d-4d9c-a838-9d693a8e3248" providerId="ADAL" clId="{44400E0D-F01E-4C52-8DFE-33262DF1F20E}" dt="2024-04-11T05:55:06.089" v="6341" actId="14100"/>
         <pc:sldMkLst>
           <pc:docMk/>
           <pc:sldMk cId="1206420292" sldId="288"/>
         </pc:sldMkLst>
+        <pc:spChg chg="mod">
+          <ac:chgData name="Elme Pieterse" userId="cf235864-f06d-4d9c-a838-9d693a8e3248" providerId="ADAL" clId="{44400E0D-F01E-4C52-8DFE-33262DF1F20E}" dt="2024-04-11T05:55:06.089" v="6341" actId="14100"/>
+          <ac:spMkLst>
+            <pc:docMk/>
+            <pc:sldMk cId="1206420292" sldId="288"/>
+            <ac:spMk id="2" creationId="{1CC5D32F-7C18-4D00-8D54-2FB046F0A206}"/>
+          </ac:spMkLst>
+        </pc:spChg>
+        <pc:spChg chg="del">
+          <ac:chgData name="Elme Pieterse" userId="cf235864-f06d-4d9c-a838-9d693a8e3248" providerId="ADAL" clId="{44400E0D-F01E-4C52-8DFE-33262DF1F20E}" dt="2024-04-11T05:46:34.429" v="5327" actId="478"/>
+          <ac:spMkLst>
+            <pc:docMk/>
+            <pc:sldMk cId="1206420292" sldId="288"/>
+            <ac:spMk id="4" creationId="{8CD07A82-A944-4A9B-9A52-515DAC30878A}"/>
+          </ac:spMkLst>
+        </pc:spChg>
+        <pc:spChg chg="add">
+          <ac:chgData name="Elme Pieterse" userId="cf235864-f06d-4d9c-a838-9d693a8e3248" providerId="ADAL" clId="{44400E0D-F01E-4C52-8DFE-33262DF1F20E}" dt="2024-04-11T05:52:44.908" v="6230" actId="26606"/>
+          <ac:spMkLst>
+            <pc:docMk/>
+            <pc:sldMk cId="1206420292" sldId="288"/>
+            <ac:spMk id="8" creationId="{A8384FB5-9ADC-4DDC-881B-597D56F5B15D}"/>
+          </ac:spMkLst>
+        </pc:spChg>
+        <pc:spChg chg="add">
+          <ac:chgData name="Elme Pieterse" userId="cf235864-f06d-4d9c-a838-9d693a8e3248" providerId="ADAL" clId="{44400E0D-F01E-4C52-8DFE-33262DF1F20E}" dt="2024-04-11T05:52:44.908" v="6230" actId="26606"/>
+          <ac:spMkLst>
+            <pc:docMk/>
+            <pc:sldMk cId="1206420292" sldId="288"/>
+            <ac:spMk id="10" creationId="{1199E1B1-A8C0-4FE8-A5A8-1CB41D69F857}"/>
+          </ac:spMkLst>
+        </pc:spChg>
+        <pc:spChg chg="add">
+          <ac:chgData name="Elme Pieterse" userId="cf235864-f06d-4d9c-a838-9d693a8e3248" providerId="ADAL" clId="{44400E0D-F01E-4C52-8DFE-33262DF1F20E}" dt="2024-04-11T05:52:44.908" v="6230" actId="26606"/>
+          <ac:spMkLst>
+            <pc:docMk/>
+            <pc:sldMk cId="1206420292" sldId="288"/>
+            <ac:spMk id="12" creationId="{84A8DE83-DE75-4B41-9DB4-A7EC0B0DEC0B}"/>
+          </ac:spMkLst>
+        </pc:spChg>
+        <pc:spChg chg="add">
+          <ac:chgData name="Elme Pieterse" userId="cf235864-f06d-4d9c-a838-9d693a8e3248" providerId="ADAL" clId="{44400E0D-F01E-4C52-8DFE-33262DF1F20E}" dt="2024-04-11T05:52:44.908" v="6230" actId="26606"/>
+          <ac:spMkLst>
+            <pc:docMk/>
+            <pc:sldMk cId="1206420292" sldId="288"/>
+            <ac:spMk id="14" creationId="{A7009A0A-BEF5-4EAC-AF15-E4F9F002E239}"/>
+          </ac:spMkLst>
+        </pc:spChg>
+        <pc:graphicFrameChg chg="mod modGraphic">
+          <ac:chgData name="Elme Pieterse" userId="cf235864-f06d-4d9c-a838-9d693a8e3248" providerId="ADAL" clId="{44400E0D-F01E-4C52-8DFE-33262DF1F20E}" dt="2024-04-11T05:55:01.147" v="6340" actId="1037"/>
+          <ac:graphicFrameMkLst>
+            <pc:docMk/>
+            <pc:sldMk cId="1206420292" sldId="288"/>
+            <ac:graphicFrameMk id="3" creationId="{4C66729F-7B60-C596-4502-2DD6689B2EF4}"/>
+          </ac:graphicFrameMkLst>
+        </pc:graphicFrameChg>
       </pc:sldChg>
       <pc:sldChg chg="addSp delSp modSp add mod ord">
         <pc:chgData name="Elme Pieterse" userId="cf235864-f06d-4d9c-a838-9d693a8e3248" providerId="ADAL" clId="{44400E0D-F01E-4C52-8DFE-33262DF1F20E}" dt="2024-04-11T03:11:37.755" v="4911" actId="14100"/>
@@ -2770,12 +2962,20 @@
           </ac:cxnSpMkLst>
         </pc:cxnChg>
       </pc:sldChg>
-      <pc:sldChg chg="delSp add mod ord">
-        <pc:chgData name="Elme Pieterse" userId="cf235864-f06d-4d9c-a838-9d693a8e3248" providerId="ADAL" clId="{44400E0D-F01E-4C52-8DFE-33262DF1F20E}" dt="2024-04-10T07:14:04.848" v="3747" actId="478"/>
+      <pc:sldChg chg="addSp delSp modSp add mod ord">
+        <pc:chgData name="Elme Pieterse" userId="cf235864-f06d-4d9c-a838-9d693a8e3248" providerId="ADAL" clId="{44400E0D-F01E-4C52-8DFE-33262DF1F20E}" dt="2024-04-11T06:15:41.798" v="6373" actId="14100"/>
         <pc:sldMkLst>
           <pc:docMk/>
           <pc:sldMk cId="3954801614" sldId="290"/>
         </pc:sldMkLst>
+        <pc:spChg chg="mod">
+          <ac:chgData name="Elme Pieterse" userId="cf235864-f06d-4d9c-a838-9d693a8e3248" providerId="ADAL" clId="{44400E0D-F01E-4C52-8DFE-33262DF1F20E}" dt="2024-04-11T04:47:28.976" v="5289" actId="20577"/>
+          <ac:spMkLst>
+            <pc:docMk/>
+            <pc:sldMk cId="3954801614" sldId="290"/>
+            <ac:spMk id="2" creationId="{1CC5D32F-7C18-4D00-8D54-2FB046F0A206}"/>
+          </ac:spMkLst>
+        </pc:spChg>
         <pc:spChg chg="del">
           <ac:chgData name="Elme Pieterse" userId="cf235864-f06d-4d9c-a838-9d693a8e3248" providerId="ADAL" clId="{44400E0D-F01E-4C52-8DFE-33262DF1F20E}" dt="2024-04-10T07:14:04.848" v="3747" actId="478"/>
           <ac:spMkLst>
@@ -2824,6 +3024,14 @@
             <ac:spMk id="20" creationId="{7DD1BD55-5969-48D4-8ADB-11A127F3A100}"/>
           </ac:spMkLst>
         </pc:spChg>
+        <pc:graphicFrameChg chg="add mod modGraphic">
+          <ac:chgData name="Elme Pieterse" userId="cf235864-f06d-4d9c-a838-9d693a8e3248" providerId="ADAL" clId="{44400E0D-F01E-4C52-8DFE-33262DF1F20E}" dt="2024-04-11T05:53:31.921" v="6239" actId="1076"/>
+          <ac:graphicFrameMkLst>
+            <pc:docMk/>
+            <pc:sldMk cId="3954801614" sldId="290"/>
+            <ac:graphicFrameMk id="3" creationId="{430974AB-8DF7-A264-5586-3688012665CC}"/>
+          </ac:graphicFrameMkLst>
+        </pc:graphicFrameChg>
         <pc:graphicFrameChg chg="del">
           <ac:chgData name="Elme Pieterse" userId="cf235864-f06d-4d9c-a838-9d693a8e3248" providerId="ADAL" clId="{44400E0D-F01E-4C52-8DFE-33262DF1F20E}" dt="2024-04-10T07:14:04.848" v="3747" actId="478"/>
           <ac:graphicFrameMkLst>
@@ -2832,12 +3040,84 @@
             <ac:graphicFrameMk id="3" creationId="{82B66AC4-8373-E7E6-02F1-1CA77C78173D}"/>
           </ac:graphicFrameMkLst>
         </pc:graphicFrameChg>
+        <pc:picChg chg="add mod">
+          <ac:chgData name="Elme Pieterse" userId="cf235864-f06d-4d9c-a838-9d693a8e3248" providerId="ADAL" clId="{44400E0D-F01E-4C52-8DFE-33262DF1F20E}" dt="2024-04-11T06:11:37.822" v="6346" actId="14100"/>
+          <ac:picMkLst>
+            <pc:docMk/>
+            <pc:sldMk cId="3954801614" sldId="290"/>
+            <ac:picMk id="5" creationId="{C42075A2-5C17-ED6F-D983-66D757F325C8}"/>
+          </ac:picMkLst>
+        </pc:picChg>
         <pc:picChg chg="del">
           <ac:chgData name="Elme Pieterse" userId="cf235864-f06d-4d9c-a838-9d693a8e3248" providerId="ADAL" clId="{44400E0D-F01E-4C52-8DFE-33262DF1F20E}" dt="2024-04-10T07:14:04.848" v="3747" actId="478"/>
           <ac:picMkLst>
             <pc:docMk/>
             <pc:sldMk cId="3954801614" sldId="290"/>
             <ac:picMk id="6" creationId="{9DAE2B4B-0530-C3FC-88AC-C1D33E6078B9}"/>
+          </ac:picMkLst>
+        </pc:picChg>
+        <pc:picChg chg="add mod">
+          <ac:chgData name="Elme Pieterse" userId="cf235864-f06d-4d9c-a838-9d693a8e3248" providerId="ADAL" clId="{44400E0D-F01E-4C52-8DFE-33262DF1F20E}" dt="2024-04-11T06:11:57.659" v="6349" actId="14100"/>
+          <ac:picMkLst>
+            <pc:docMk/>
+            <pc:sldMk cId="3954801614" sldId="290"/>
+            <ac:picMk id="7" creationId="{E065954C-B253-5991-D735-1D35CB6BDC3A}"/>
+          </ac:picMkLst>
+        </pc:picChg>
+        <pc:picChg chg="add mod">
+          <ac:chgData name="Elme Pieterse" userId="cf235864-f06d-4d9c-a838-9d693a8e3248" providerId="ADAL" clId="{44400E0D-F01E-4C52-8DFE-33262DF1F20E}" dt="2024-04-11T06:12:27.005" v="6352" actId="14100"/>
+          <ac:picMkLst>
+            <pc:docMk/>
+            <pc:sldMk cId="3954801614" sldId="290"/>
+            <ac:picMk id="9" creationId="{F3AA3835-3A96-9520-6EC1-3755A974D36C}"/>
+          </ac:picMkLst>
+        </pc:picChg>
+        <pc:picChg chg="add mod">
+          <ac:chgData name="Elme Pieterse" userId="cf235864-f06d-4d9c-a838-9d693a8e3248" providerId="ADAL" clId="{44400E0D-F01E-4C52-8DFE-33262DF1F20E}" dt="2024-04-11T06:12:55.254" v="6355" actId="14100"/>
+          <ac:picMkLst>
+            <pc:docMk/>
+            <pc:sldMk cId="3954801614" sldId="290"/>
+            <ac:picMk id="11" creationId="{37B70C72-CB15-F302-336F-F0C522449246}"/>
+          </ac:picMkLst>
+        </pc:picChg>
+        <pc:picChg chg="add mod">
+          <ac:chgData name="Elme Pieterse" userId="cf235864-f06d-4d9c-a838-9d693a8e3248" providerId="ADAL" clId="{44400E0D-F01E-4C52-8DFE-33262DF1F20E}" dt="2024-04-11T06:13:32.052" v="6359" actId="14100"/>
+          <ac:picMkLst>
+            <pc:docMk/>
+            <pc:sldMk cId="3954801614" sldId="290"/>
+            <ac:picMk id="13" creationId="{73340FCF-27B2-BDEC-67E4-59508BB11D07}"/>
+          </ac:picMkLst>
+        </pc:picChg>
+        <pc:picChg chg="add mod">
+          <ac:chgData name="Elme Pieterse" userId="cf235864-f06d-4d9c-a838-9d693a8e3248" providerId="ADAL" clId="{44400E0D-F01E-4C52-8DFE-33262DF1F20E}" dt="2024-04-11T06:13:57.329" v="6362" actId="14100"/>
+          <ac:picMkLst>
+            <pc:docMk/>
+            <pc:sldMk cId="3954801614" sldId="290"/>
+            <ac:picMk id="15" creationId="{7C886E84-2592-F311-C800-1E359BC2C410}"/>
+          </ac:picMkLst>
+        </pc:picChg>
+        <pc:picChg chg="add mod">
+          <ac:chgData name="Elme Pieterse" userId="cf235864-f06d-4d9c-a838-9d693a8e3248" providerId="ADAL" clId="{44400E0D-F01E-4C52-8DFE-33262DF1F20E}" dt="2024-04-11T06:14:33.773" v="6367" actId="14100"/>
+          <ac:picMkLst>
+            <pc:docMk/>
+            <pc:sldMk cId="3954801614" sldId="290"/>
+            <ac:picMk id="17" creationId="{5571FFE2-0BBF-1AAC-46A7-6375545D9714}"/>
+          </ac:picMkLst>
+        </pc:picChg>
+        <pc:picChg chg="add mod">
+          <ac:chgData name="Elme Pieterse" userId="cf235864-f06d-4d9c-a838-9d693a8e3248" providerId="ADAL" clId="{44400E0D-F01E-4C52-8DFE-33262DF1F20E}" dt="2024-04-11T06:15:05.571" v="6370" actId="14100"/>
+          <ac:picMkLst>
+            <pc:docMk/>
+            <pc:sldMk cId="3954801614" sldId="290"/>
+            <ac:picMk id="19" creationId="{1D7FAE4F-F229-94CD-CE98-0A0F20553551}"/>
+          </ac:picMkLst>
+        </pc:picChg>
+        <pc:picChg chg="add mod">
+          <ac:chgData name="Elme Pieterse" userId="cf235864-f06d-4d9c-a838-9d693a8e3248" providerId="ADAL" clId="{44400E0D-F01E-4C52-8DFE-33262DF1F20E}" dt="2024-04-11T06:15:41.798" v="6373" actId="14100"/>
+          <ac:picMkLst>
+            <pc:docMk/>
+            <pc:sldMk cId="3954801614" sldId="290"/>
+            <ac:picMk id="21" creationId="{E5B9434A-D1BA-2F17-9F81-BF32DF13DE2E}"/>
           </ac:picMkLst>
         </pc:picChg>
         <pc:cxnChg chg="del">
@@ -12630,7 +12910,7 @@
                     <a:p>
                       <a:pPr algn="l"/>
                       <a:r>
-                        <a:rPr lang="en-NZ" sz="1600" cap="none" spc="0">
+                        <a:rPr lang="en-NZ" sz="1600" cap="none" spc="0" dirty="0">
                           <a:solidFill>
                             <a:schemeClr val="tx1"/>
                           </a:solidFill>
@@ -12724,7 +13004,7 @@
                     <a:p>
                       <a:pPr algn="l"/>
                       <a:r>
-                        <a:rPr lang="en-NZ" sz="1600" cap="none" spc="0">
+                        <a:rPr lang="en-NZ" sz="1600" cap="none" spc="0" dirty="0">
                           <a:solidFill>
                             <a:schemeClr val="tx1"/>
                           </a:solidFill>
@@ -12818,7 +13098,7 @@
                     <a:p>
                       <a:pPr algn="l"/>
                       <a:r>
-                        <a:rPr lang="en-NZ" sz="1600" cap="none" spc="0">
+                        <a:rPr lang="en-NZ" sz="1600" cap="none" spc="0" dirty="0">
                           <a:solidFill>
                             <a:schemeClr val="tx1"/>
                           </a:solidFill>
@@ -12912,7 +13192,7 @@
                     <a:p>
                       <a:pPr algn="l"/>
                       <a:r>
-                        <a:rPr lang="en-NZ" sz="1600" cap="none" spc="0">
+                        <a:rPr lang="en-NZ" sz="1600" cap="none" spc="0" dirty="0">
                           <a:solidFill>
                             <a:schemeClr val="tx1"/>
                           </a:solidFill>
@@ -19763,7 +20043,7 @@
                 <a:ea typeface="+mj-ea"/>
                 <a:cs typeface="+mj-cs"/>
               </a:rPr>
-              <a:t>(Search for Combo Meal)</a:t>
+              <a:t>(Search for Combo Meal or Items)</a:t>
             </a:r>
           </a:p>
         </p:txBody>
@@ -19950,7 +20230,7 @@
       </p:grpSpPr>
       <p:sp useBgFill="1">
         <p:nvSpPr>
-          <p:cNvPr id="113" name="Rectangle 112">
+          <p:cNvPr id="134" name="Rectangle 133">
             <a:extLst>
               <a:ext uri="{FF2B5EF4-FFF2-40B4-BE49-F238E27FC236}">
                 <a16:creationId xmlns:a16="http://schemas.microsoft.com/office/drawing/2014/main" id="{A8384FB5-9ADC-4DDC-881B-597D56F5B15D}"/>
@@ -20026,7 +20306,3080 @@
       </p:sp>
       <p:sp>
         <p:nvSpPr>
-          <p:cNvPr id="114" name="Rectangle 113">
+          <p:cNvPr id="136" name="Rectangle 135">
+            <a:extLst>
+              <a:ext uri="{FF2B5EF4-FFF2-40B4-BE49-F238E27FC236}">
+                <a16:creationId xmlns:a16="http://schemas.microsoft.com/office/drawing/2014/main" id="{91E5A9A7-95C6-4F4F-B00E-C82E07FE62EF}"/>
+              </a:ext>
+              <a:ext uri="{C183D7F6-B498-43B3-948B-1728B52AA6E4}">
+                <adec:decorative xmlns:adec="http://schemas.microsoft.com/office/drawing/2017/decorative" val="1"/>
+              </a:ext>
+            </a:extLst>
+          </p:cNvPr>
+          <p:cNvSpPr>
+            <a:spLocks noGrp="1" noRot="1" noChangeAspect="1" noMove="1" noResize="1" noEditPoints="1" noAdjustHandles="1" noChangeArrowheads="1" noChangeShapeType="1" noTextEdit="1"/>
+          </p:cNvSpPr>
+          <p:nvPr>
+            <p:extLst>
+              <p:ext uri="{386F3935-93C4-4BCD-93E2-E3B085C9AB24}">
+                <p16:designElem xmlns:p16="http://schemas.microsoft.com/office/powerpoint/2015/main" val="1"/>
+              </p:ext>
+            </p:extLst>
+          </p:nvPr>
+        </p:nvSpPr>
+        <p:spPr>
+          <a:xfrm rot="5400000" flipH="1">
+            <a:off x="-1417539" y="1417538"/>
+            <a:ext cx="6875818" cy="4040744"/>
+          </a:xfrm>
+          <a:prstGeom prst="rect">
+            <a:avLst/>
+          </a:prstGeom>
+          <a:gradFill>
+            <a:gsLst>
+              <a:gs pos="0">
+                <a:srgbClr val="000000"/>
+              </a:gs>
+              <a:gs pos="100000">
+                <a:schemeClr val="accent1">
+                  <a:lumMod val="75000"/>
+                </a:schemeClr>
+              </a:gs>
+            </a:gsLst>
+            <a:lin ang="18600000" scaled="0"/>
+          </a:gradFill>
+          <a:ln>
+            <a:noFill/>
+          </a:ln>
+        </p:spPr>
+        <p:style>
+          <a:lnRef idx="2">
+            <a:schemeClr val="accent1">
+              <a:shade val="50000"/>
+            </a:schemeClr>
+          </a:lnRef>
+          <a:fillRef idx="1">
+            <a:schemeClr val="accent1"/>
+          </a:fillRef>
+          <a:effectRef idx="0">
+            <a:schemeClr val="accent1"/>
+          </a:effectRef>
+          <a:fontRef idx="minor">
+            <a:schemeClr val="lt1"/>
+          </a:fontRef>
+        </p:style>
+        <p:txBody>
+          <a:bodyPr rtlCol="0" anchor="ctr"/>
+          <a:lstStyle/>
+          <a:p>
+            <a:pPr algn="ctr"/>
+            <a:endParaRPr lang="en-US" dirty="0"/>
+          </a:p>
+        </p:txBody>
+      </p:sp>
+      <p:sp>
+        <p:nvSpPr>
+          <p:cNvPr id="138" name="Rectangle 137">
+            <a:extLst>
+              <a:ext uri="{FF2B5EF4-FFF2-40B4-BE49-F238E27FC236}">
+                <a16:creationId xmlns:a16="http://schemas.microsoft.com/office/drawing/2014/main" id="{D07DD2DE-F619-49DD-B5E7-03A290FF4ED1}"/>
+              </a:ext>
+              <a:ext uri="{C183D7F6-B498-43B3-948B-1728B52AA6E4}">
+                <adec:decorative xmlns:adec="http://schemas.microsoft.com/office/drawing/2017/decorative" val="1"/>
+              </a:ext>
+            </a:extLst>
+          </p:cNvPr>
+          <p:cNvSpPr>
+            <a:spLocks noGrp="1" noRot="1" noChangeAspect="1" noMove="1" noResize="1" noEditPoints="1" noAdjustHandles="1" noChangeArrowheads="1" noChangeShapeType="1" noTextEdit="1"/>
+          </p:cNvSpPr>
+          <p:nvPr>
+            <p:extLst>
+              <p:ext uri="{386F3935-93C4-4BCD-93E2-E3B085C9AB24}">
+                <p16:designElem xmlns:p16="http://schemas.microsoft.com/office/powerpoint/2015/main" val="1"/>
+              </p:ext>
+            </p:extLst>
+          </p:nvPr>
+        </p:nvSpPr>
+        <p:spPr>
+          <a:xfrm rot="16200000">
+            <a:off x="-158495" y="2660473"/>
+            <a:ext cx="4355594" cy="4038603"/>
+          </a:xfrm>
+          <a:prstGeom prst="rect">
+            <a:avLst/>
+          </a:prstGeom>
+          <a:gradFill>
+            <a:gsLst>
+              <a:gs pos="0">
+                <a:schemeClr val="accent1">
+                  <a:alpha val="50000"/>
+                </a:schemeClr>
+              </a:gs>
+              <a:gs pos="100000">
+                <a:schemeClr val="accent1">
+                  <a:lumMod val="50000"/>
+                  <a:alpha val="0"/>
+                </a:schemeClr>
+              </a:gs>
+            </a:gsLst>
+            <a:lin ang="11400000" scaled="0"/>
+          </a:gradFill>
+          <a:ln>
+            <a:noFill/>
+          </a:ln>
+        </p:spPr>
+        <p:style>
+          <a:lnRef idx="2">
+            <a:schemeClr val="accent1">
+              <a:shade val="50000"/>
+            </a:schemeClr>
+          </a:lnRef>
+          <a:fillRef idx="1">
+            <a:schemeClr val="accent1"/>
+          </a:fillRef>
+          <a:effectRef idx="0">
+            <a:schemeClr val="accent1"/>
+          </a:effectRef>
+          <a:fontRef idx="minor">
+            <a:schemeClr val="lt1"/>
+          </a:fontRef>
+        </p:style>
+        <p:txBody>
+          <a:bodyPr rtlCol="0" anchor="ctr"/>
+          <a:lstStyle/>
+          <a:p>
+            <a:pPr algn="ctr"/>
+            <a:endParaRPr lang="en-US"/>
+          </a:p>
+        </p:txBody>
+      </p:sp>
+      <p:sp>
+        <p:nvSpPr>
+          <p:cNvPr id="140" name="Rectangle 139">
+            <a:extLst>
+              <a:ext uri="{FF2B5EF4-FFF2-40B4-BE49-F238E27FC236}">
+                <a16:creationId xmlns:a16="http://schemas.microsoft.com/office/drawing/2014/main" id="{85149191-5F60-4A28-AAFF-039F96B0F3EC}"/>
+              </a:ext>
+              <a:ext uri="{C183D7F6-B498-43B3-948B-1728B52AA6E4}">
+                <adec:decorative xmlns:adec="http://schemas.microsoft.com/office/drawing/2017/decorative" val="1"/>
+              </a:ext>
+            </a:extLst>
+          </p:cNvPr>
+          <p:cNvSpPr>
+            <a:spLocks noGrp="1" noRot="1" noChangeAspect="1" noMove="1" noResize="1" noEditPoints="1" noAdjustHandles="1" noChangeArrowheads="1" noChangeShapeType="1" noTextEdit="1"/>
+          </p:cNvSpPr>
+          <p:nvPr>
+            <p:extLst>
+              <p:ext uri="{386F3935-93C4-4BCD-93E2-E3B085C9AB24}">
+                <p16:designElem xmlns:p16="http://schemas.microsoft.com/office/powerpoint/2015/main" val="1"/>
+              </p:ext>
+            </p:extLst>
+          </p:nvPr>
+        </p:nvSpPr>
+        <p:spPr>
+          <a:xfrm rot="16200000" flipH="1">
+            <a:off x="-1180882" y="1638085"/>
+            <a:ext cx="6857572" cy="3581401"/>
+          </a:xfrm>
+          <a:prstGeom prst="rect">
+            <a:avLst/>
+          </a:prstGeom>
+          <a:gradFill>
+            <a:gsLst>
+              <a:gs pos="0">
+                <a:srgbClr val="000000">
+                  <a:alpha val="59000"/>
+                </a:srgbClr>
+              </a:gs>
+              <a:gs pos="69000">
+                <a:schemeClr val="accent1">
+                  <a:alpha val="0"/>
+                </a:schemeClr>
+              </a:gs>
+            </a:gsLst>
+            <a:lin ang="13200000" scaled="0"/>
+          </a:gradFill>
+          <a:ln>
+            <a:noFill/>
+          </a:ln>
+        </p:spPr>
+        <p:style>
+          <a:lnRef idx="2">
+            <a:schemeClr val="accent1">
+              <a:shade val="50000"/>
+            </a:schemeClr>
+          </a:lnRef>
+          <a:fillRef idx="1">
+            <a:schemeClr val="accent1"/>
+          </a:fillRef>
+          <a:effectRef idx="0">
+            <a:schemeClr val="accent1"/>
+          </a:effectRef>
+          <a:fontRef idx="minor">
+            <a:schemeClr val="lt1"/>
+          </a:fontRef>
+        </p:style>
+        <p:txBody>
+          <a:bodyPr rtlCol="0" anchor="ctr"/>
+          <a:lstStyle/>
+          <a:p>
+            <a:pPr algn="ctr"/>
+            <a:endParaRPr lang="en-US" dirty="0"/>
+          </a:p>
+        </p:txBody>
+      </p:sp>
+      <p:sp>
+        <p:nvSpPr>
+          <p:cNvPr id="142" name="Freeform: Shape 141">
+            <a:extLst>
+              <a:ext uri="{FF2B5EF4-FFF2-40B4-BE49-F238E27FC236}">
+                <a16:creationId xmlns:a16="http://schemas.microsoft.com/office/drawing/2014/main" id="{F8260ED5-17F7-4158-B241-D51DD4CF1B7E}"/>
+              </a:ext>
+              <a:ext uri="{C183D7F6-B498-43B3-948B-1728B52AA6E4}">
+                <adec:decorative xmlns:adec="http://schemas.microsoft.com/office/drawing/2017/decorative" val="1"/>
+              </a:ext>
+            </a:extLst>
+          </p:cNvPr>
+          <p:cNvSpPr>
+            <a:spLocks noGrp="1" noRot="1" noChangeAspect="1" noMove="1" noResize="1" noEditPoints="1" noAdjustHandles="1" noChangeArrowheads="1" noChangeShapeType="1" noTextEdit="1"/>
+          </p:cNvSpPr>
+          <p:nvPr>
+            <p:extLst>
+              <p:ext uri="{386F3935-93C4-4BCD-93E2-E3B085C9AB24}">
+                <p16:designElem xmlns:p16="http://schemas.microsoft.com/office/powerpoint/2015/main" val="1"/>
+              </p:ext>
+            </p:extLst>
+          </p:nvPr>
+        </p:nvSpPr>
+        <p:spPr>
+          <a:xfrm rot="6097846">
+            <a:off x="-747355" y="1201312"/>
+            <a:ext cx="4808302" cy="4088666"/>
+          </a:xfrm>
+          <a:custGeom>
+            <a:avLst/>
+            <a:gdLst>
+              <a:gd name="connsiteX0" fmla="*/ 48844 w 4808302"/>
+              <a:gd name="connsiteY0" fmla="*/ 2888671 h 4088666"/>
+              <a:gd name="connsiteX1" fmla="*/ 0 w 4808302"/>
+              <a:gd name="connsiteY1" fmla="*/ 2404151 h 4088666"/>
+              <a:gd name="connsiteX2" fmla="*/ 2404151 w 4808302"/>
+              <a:gd name="connsiteY2" fmla="*/ 0 h 4088666"/>
+              <a:gd name="connsiteX3" fmla="*/ 4808302 w 4808302"/>
+              <a:gd name="connsiteY3" fmla="*/ 2404151 h 4088666"/>
+              <a:gd name="connsiteX4" fmla="*/ 4700216 w 4808302"/>
+              <a:gd name="connsiteY4" fmla="*/ 3119072 h 4088666"/>
+              <a:gd name="connsiteX5" fmla="*/ 4643143 w 4808302"/>
+              <a:gd name="connsiteY5" fmla="*/ 3275009 h 4088666"/>
+              <a:gd name="connsiteX6" fmla="*/ 690093 w 4808302"/>
+              <a:gd name="connsiteY6" fmla="*/ 4088666 h 4088666"/>
+              <a:gd name="connsiteX7" fmla="*/ 548991 w 4808302"/>
+              <a:gd name="connsiteY7" fmla="*/ 3933414 h 4088666"/>
+              <a:gd name="connsiteX8" fmla="*/ 48844 w 4808302"/>
+              <a:gd name="connsiteY8" fmla="*/ 2888671 h 4088666"/>
+            </a:gdLst>
+            <a:ahLst/>
+            <a:cxnLst>
+              <a:cxn ang="0">
+                <a:pos x="connsiteX0" y="connsiteY0"/>
+              </a:cxn>
+              <a:cxn ang="0">
+                <a:pos x="connsiteX1" y="connsiteY1"/>
+              </a:cxn>
+              <a:cxn ang="0">
+                <a:pos x="connsiteX2" y="connsiteY2"/>
+              </a:cxn>
+              <a:cxn ang="0">
+                <a:pos x="connsiteX3" y="connsiteY3"/>
+              </a:cxn>
+              <a:cxn ang="0">
+                <a:pos x="connsiteX4" y="connsiteY4"/>
+              </a:cxn>
+              <a:cxn ang="0">
+                <a:pos x="connsiteX5" y="connsiteY5"/>
+              </a:cxn>
+              <a:cxn ang="0">
+                <a:pos x="connsiteX6" y="connsiteY6"/>
+              </a:cxn>
+              <a:cxn ang="0">
+                <a:pos x="connsiteX7" y="connsiteY7"/>
+              </a:cxn>
+              <a:cxn ang="0">
+                <a:pos x="connsiteX8" y="connsiteY8"/>
+              </a:cxn>
+            </a:cxnLst>
+            <a:rect l="l" t="t" r="r" b="b"/>
+            <a:pathLst>
+              <a:path w="4808302" h="4088666">
+                <a:moveTo>
+                  <a:pt x="48844" y="2888671"/>
+                </a:moveTo>
+                <a:cubicBezTo>
+                  <a:pt x="16818" y="2732167"/>
+                  <a:pt x="0" y="2570123"/>
+                  <a:pt x="0" y="2404151"/>
+                </a:cubicBezTo>
+                <a:cubicBezTo>
+                  <a:pt x="0" y="1076375"/>
+                  <a:pt x="1076375" y="0"/>
+                  <a:pt x="2404151" y="0"/>
+                </a:cubicBezTo>
+                <a:cubicBezTo>
+                  <a:pt x="3731927" y="0"/>
+                  <a:pt x="4808302" y="1076375"/>
+                  <a:pt x="4808302" y="2404151"/>
+                </a:cubicBezTo>
+                <a:cubicBezTo>
+                  <a:pt x="4808302" y="2653109"/>
+                  <a:pt x="4770461" y="2893229"/>
+                  <a:pt x="4700216" y="3119072"/>
+                </a:cubicBezTo>
+                <a:lnTo>
+                  <a:pt x="4643143" y="3275009"/>
+                </a:lnTo>
+                <a:lnTo>
+                  <a:pt x="690093" y="4088666"/>
+                </a:lnTo>
+                <a:lnTo>
+                  <a:pt x="548991" y="3933414"/>
+                </a:lnTo>
+                <a:cubicBezTo>
+                  <a:pt x="304015" y="3636572"/>
+                  <a:pt x="128908" y="3279932"/>
+                  <a:pt x="48844" y="2888671"/>
+                </a:cubicBezTo>
+                <a:close/>
+              </a:path>
+            </a:pathLst>
+          </a:custGeom>
+          <a:gradFill>
+            <a:gsLst>
+              <a:gs pos="39000">
+                <a:schemeClr val="accent1">
+                  <a:lumMod val="60000"/>
+                  <a:lumOff val="40000"/>
+                  <a:alpha val="0"/>
+                </a:schemeClr>
+              </a:gs>
+              <a:gs pos="100000">
+                <a:schemeClr val="accent1">
+                  <a:lumMod val="75000"/>
+                  <a:alpha val="26000"/>
+                </a:schemeClr>
+              </a:gs>
+            </a:gsLst>
+            <a:lin ang="18600000" scaled="0"/>
+          </a:gradFill>
+          <a:ln>
+            <a:noFill/>
+          </a:ln>
+        </p:spPr>
+        <p:style>
+          <a:lnRef idx="2">
+            <a:schemeClr val="accent1">
+              <a:shade val="50000"/>
+            </a:schemeClr>
+          </a:lnRef>
+          <a:fillRef idx="1">
+            <a:schemeClr val="accent1"/>
+          </a:fillRef>
+          <a:effectRef idx="0">
+            <a:schemeClr val="accent1"/>
+          </a:effectRef>
+          <a:fontRef idx="minor">
+            <a:schemeClr val="lt1"/>
+          </a:fontRef>
+        </p:style>
+        <p:txBody>
+          <a:bodyPr wrap="square" rtlCol="0" anchor="ctr">
+            <a:noAutofit/>
+          </a:bodyPr>
+          <a:lstStyle/>
+          <a:p>
+            <a:pPr algn="ctr"/>
+            <a:endParaRPr lang="en-US" dirty="0"/>
+          </a:p>
+        </p:txBody>
+      </p:sp>
+      <p:sp>
+        <p:nvSpPr>
+          <p:cNvPr id="91" name="Google Shape;91;p19"/>
+          <p:cNvSpPr txBox="1">
+            <a:spLocks noGrp="1"/>
+          </p:cNvSpPr>
+          <p:nvPr>
+            <p:ph type="title"/>
+          </p:nvPr>
+        </p:nvSpPr>
+        <p:spPr>
+          <a:xfrm>
+            <a:off x="660041" y="2767106"/>
+            <a:ext cx="2880828" cy="3071906"/>
+          </a:xfrm>
+          <a:prstGeom prst="rect">
+            <a:avLst/>
+          </a:prstGeom>
+        </p:spPr>
+        <p:txBody>
+          <a:bodyPr spcFirstLastPara="1" vert="horz" lIns="91440" tIns="45720" rIns="91440" bIns="45720" rtlCol="0" anchor="t" anchorCtr="0">
+            <a:normAutofit/>
+          </a:bodyPr>
+          <a:lstStyle/>
+          <a:p>
+            <a:pPr>
+              <a:spcBef>
+                <a:spcPct val="0"/>
+              </a:spcBef>
+            </a:pPr>
+            <a:r>
+              <a:rPr lang="en-US" sz="4000" kern="1200" dirty="0">
+                <a:solidFill>
+                  <a:srgbClr val="FFFFFF"/>
+                </a:solidFill>
+                <a:latin typeface="+mj-lt"/>
+                <a:ea typeface="+mj-ea"/>
+                <a:cs typeface="+mj-cs"/>
+              </a:rPr>
+              <a:t>Search for Combo Meal or Items - Test Plan</a:t>
+            </a:r>
+          </a:p>
+        </p:txBody>
+      </p:sp>
+      <p:graphicFrame>
+        <p:nvGraphicFramePr>
+          <p:cNvPr id="92" name="Google Shape;92;p19"/>
+          <p:cNvGraphicFramePr/>
+          <p:nvPr>
+            <p:extLst>
+              <p:ext uri="{D42A27DB-BD31-4B8C-83A1-F6EECF244321}">
+                <p14:modId xmlns:p14="http://schemas.microsoft.com/office/powerpoint/2010/main" val="2923494087"/>
+              </p:ext>
+            </p:extLst>
+          </p:nvPr>
+        </p:nvGraphicFramePr>
+        <p:xfrm>
+          <a:off x="4817494" y="563728"/>
+          <a:ext cx="6595617" cy="5923586"/>
+        </p:xfrm>
+        <a:graphic>
+          <a:graphicData uri="http://schemas.openxmlformats.org/drawingml/2006/table">
+            <a:tbl>
+              <a:tblPr firstRow="1" bandRow="1">
+                <a:tableStyleId>{C083E6E3-FA7D-4D7B-A595-EF9225AFEA82}</a:tableStyleId>
+              </a:tblPr>
+              <a:tblGrid>
+                <a:gridCol w="2508973">
+                  <a:extLst>
+                    <a:ext uri="{9D8B030D-6E8A-4147-A177-3AD203B41FA5}">
+                      <a16:colId xmlns:a16="http://schemas.microsoft.com/office/drawing/2014/main" val="20000"/>
+                    </a:ext>
+                  </a:extLst>
+                </a:gridCol>
+                <a:gridCol w="4086644">
+                  <a:extLst>
+                    <a:ext uri="{9D8B030D-6E8A-4147-A177-3AD203B41FA5}">
+                      <a16:colId xmlns:a16="http://schemas.microsoft.com/office/drawing/2014/main" val="20001"/>
+                    </a:ext>
+                  </a:extLst>
+                </a:gridCol>
+              </a:tblGrid>
+              <a:tr h="251773">
+                <a:tc>
+                  <a:txBody>
+                    <a:bodyPr/>
+                    <a:lstStyle/>
+                    <a:p>
+                      <a:pPr marL="0" lvl="0" indent="0" algn="l" rtl="0">
+                        <a:spcBef>
+                          <a:spcPts val="0"/>
+                        </a:spcBef>
+                        <a:spcAft>
+                          <a:spcPts val="0"/>
+                        </a:spcAft>
+                        <a:buNone/>
+                      </a:pPr>
+                      <a:r>
+                        <a:rPr lang="en-NZ" sz="800" b="1" cap="all" spc="60">
+                          <a:solidFill>
+                            <a:schemeClr val="tx1"/>
+                          </a:solidFill>
+                        </a:rPr>
+                        <a:t>Test Cases – input</a:t>
+                      </a:r>
+                    </a:p>
+                  </a:txBody>
+                  <a:tcPr marL="77681" marR="77681" marT="57221" marB="57221" anchor="b"/>
+                </a:tc>
+                <a:tc>
+                  <a:txBody>
+                    <a:bodyPr/>
+                    <a:lstStyle/>
+                    <a:p>
+                      <a:pPr marL="0" lvl="0" indent="0" algn="l" rtl="0">
+                        <a:spcBef>
+                          <a:spcPts val="0"/>
+                        </a:spcBef>
+                        <a:spcAft>
+                          <a:spcPts val="0"/>
+                        </a:spcAft>
+                        <a:buNone/>
+                      </a:pPr>
+                      <a:r>
+                        <a:rPr lang="en-NZ" sz="800" b="1" cap="all" spc="60" dirty="0">
+                          <a:solidFill>
+                            <a:schemeClr val="tx1"/>
+                          </a:solidFill>
+                        </a:rPr>
+                        <a:t>Expected output</a:t>
+                      </a:r>
+                    </a:p>
+                  </a:txBody>
+                  <a:tcPr marL="77681" marR="77681" marT="57221" marB="57221" anchor="b"/>
+                </a:tc>
+                <a:extLst>
+                  <a:ext uri="{0D108BD9-81ED-4DB2-BD59-A6C34878D82A}">
+                    <a16:rowId xmlns:a16="http://schemas.microsoft.com/office/drawing/2014/main" val="10000"/>
+                  </a:ext>
+                </a:extLst>
+              </a:tr>
+              <a:tr h="1073327">
+                <a:tc>
+                  <a:txBody>
+                    <a:bodyPr/>
+                    <a:lstStyle/>
+                    <a:p>
+                      <a:pPr marL="0" lvl="0" indent="0" algn="l" rtl="0">
+                        <a:spcBef>
+                          <a:spcPts val="0"/>
+                        </a:spcBef>
+                        <a:spcAft>
+                          <a:spcPts val="0"/>
+                        </a:spcAft>
+                        <a:buNone/>
+                      </a:pPr>
+                      <a:r>
+                        <a:rPr lang="en-NZ" sz="1000" cap="none" spc="0">
+                          <a:solidFill>
+                            <a:schemeClr val="tx1"/>
+                          </a:solidFill>
+                        </a:rPr>
+                        <a:t>Value</a:t>
+                      </a:r>
+                    </a:p>
+                  </a:txBody>
+                  <a:tcPr marL="77681" marR="77681" marT="77681" marB="57221"/>
+                </a:tc>
+                <a:tc>
+                  <a:txBody>
+                    <a:bodyPr/>
+                    <a:lstStyle/>
+                    <a:p>
+                      <a:pPr marL="0" lvl="0" indent="0" algn="l" rtl="0">
+                        <a:spcBef>
+                          <a:spcPts val="0"/>
+                        </a:spcBef>
+                        <a:spcAft>
+                          <a:spcPts val="0"/>
+                        </a:spcAft>
+                        <a:buNone/>
+                      </a:pPr>
+                      <a:r>
+                        <a:rPr lang="en-NZ" sz="1000" cap="none" spc="0">
+                          <a:solidFill>
+                            <a:schemeClr val="tx1"/>
+                          </a:solidFill>
+                        </a:rPr>
+                        <a:t>Results:</a:t>
+                      </a:r>
+                    </a:p>
+                    <a:p>
+                      <a:pPr marL="0" lvl="0" indent="0" algn="l" rtl="0">
+                        <a:spcBef>
+                          <a:spcPts val="0"/>
+                        </a:spcBef>
+                        <a:spcAft>
+                          <a:spcPts val="0"/>
+                        </a:spcAft>
+                        <a:buNone/>
+                      </a:pPr>
+                      <a:r>
+                        <a:rPr lang="en-NZ" sz="1000" cap="none" spc="0">
+                          <a:solidFill>
+                            <a:schemeClr val="tx1"/>
+                          </a:solidFill>
+                        </a:rPr>
+                        <a:t>Combo Name: Value</a:t>
+                      </a:r>
+                    </a:p>
+                    <a:p>
+                      <a:pPr marL="0" lvl="0" indent="0" algn="l" rtl="0">
+                        <a:spcBef>
+                          <a:spcPts val="0"/>
+                        </a:spcBef>
+                        <a:spcAft>
+                          <a:spcPts val="0"/>
+                        </a:spcAft>
+                        <a:buNone/>
+                      </a:pPr>
+                      <a:r>
+                        <a:rPr lang="en-NZ" sz="1000" cap="none" spc="0">
+                          <a:solidFill>
+                            <a:schemeClr val="tx1"/>
+                          </a:solidFill>
+                        </a:rPr>
+                        <a:t>Items &amp; Price:</a:t>
+                      </a:r>
+                    </a:p>
+                    <a:p>
+                      <a:pPr marL="0" lvl="0" indent="0" algn="l" rtl="0">
+                        <a:spcBef>
+                          <a:spcPts val="0"/>
+                        </a:spcBef>
+                        <a:spcAft>
+                          <a:spcPts val="0"/>
+                        </a:spcAft>
+                        <a:buNone/>
+                      </a:pPr>
+                      <a:r>
+                        <a:rPr lang="en-NZ" sz="1000" cap="none" spc="0">
+                          <a:solidFill>
+                            <a:schemeClr val="tx1"/>
+                          </a:solidFill>
+                        </a:rPr>
+                        <a:t>Beef Burger: 5.69</a:t>
+                      </a:r>
+                    </a:p>
+                    <a:p>
+                      <a:pPr marL="0" lvl="0" indent="0" algn="l" rtl="0">
+                        <a:spcBef>
+                          <a:spcPts val="0"/>
+                        </a:spcBef>
+                        <a:spcAft>
+                          <a:spcPts val="0"/>
+                        </a:spcAft>
+                        <a:buNone/>
+                      </a:pPr>
+                      <a:r>
+                        <a:rPr lang="en-NZ" sz="1000" cap="none" spc="0">
+                          <a:solidFill>
+                            <a:schemeClr val="tx1"/>
+                          </a:solidFill>
+                        </a:rPr>
+                        <a:t>Fries: 1.00</a:t>
+                      </a:r>
+                    </a:p>
+                    <a:p>
+                      <a:pPr marL="0" lvl="0" indent="0" algn="l" rtl="0">
+                        <a:spcBef>
+                          <a:spcPts val="0"/>
+                        </a:spcBef>
+                        <a:spcAft>
+                          <a:spcPts val="0"/>
+                        </a:spcAft>
+                        <a:buNone/>
+                      </a:pPr>
+                      <a:r>
+                        <a:rPr lang="en-NZ" sz="1000" cap="none" spc="0">
+                          <a:solidFill>
+                            <a:schemeClr val="tx1"/>
+                          </a:solidFill>
+                        </a:rPr>
+                        <a:t>Fizzy Drink: 1.00</a:t>
+                      </a:r>
+                    </a:p>
+                  </a:txBody>
+                  <a:tcPr marL="77681" marR="77681" marT="77681" marB="57221"/>
+                </a:tc>
+                <a:extLst>
+                  <a:ext uri="{0D108BD9-81ED-4DB2-BD59-A6C34878D82A}">
+                    <a16:rowId xmlns:a16="http://schemas.microsoft.com/office/drawing/2014/main" val="10001"/>
+                  </a:ext>
+                </a:extLst>
+              </a:tr>
+              <a:tr h="1073327">
+                <a:tc>
+                  <a:txBody>
+                    <a:bodyPr/>
+                    <a:lstStyle/>
+                    <a:p>
+                      <a:pPr marL="0" lvl="0" indent="0" algn="l" rtl="0">
+                        <a:spcBef>
+                          <a:spcPts val="0"/>
+                        </a:spcBef>
+                        <a:spcAft>
+                          <a:spcPts val="0"/>
+                        </a:spcAft>
+                        <a:buNone/>
+                      </a:pPr>
+                      <a:r>
+                        <a:rPr lang="en-NZ" sz="1000" cap="none" spc="0">
+                          <a:solidFill>
+                            <a:schemeClr val="tx1"/>
+                          </a:solidFill>
+                        </a:rPr>
+                        <a:t>Cheezy</a:t>
+                      </a:r>
+                    </a:p>
+                  </a:txBody>
+                  <a:tcPr marL="77681" marR="77681" marT="77681" marB="57221"/>
+                </a:tc>
+                <a:tc>
+                  <a:txBody>
+                    <a:bodyPr/>
+                    <a:lstStyle/>
+                    <a:p>
+                      <a:pPr marL="0" marR="0" lvl="0" indent="0" algn="l" defTabSz="914400" rtl="0" eaLnBrk="1" fontAlgn="auto" latinLnBrk="0" hangingPunct="1">
+                        <a:lnSpc>
+                          <a:spcPct val="100000"/>
+                        </a:lnSpc>
+                        <a:spcBef>
+                          <a:spcPts val="0"/>
+                        </a:spcBef>
+                        <a:spcAft>
+                          <a:spcPts val="0"/>
+                        </a:spcAft>
+                        <a:buClrTx/>
+                        <a:buSzTx/>
+                        <a:buFontTx/>
+                        <a:buNone/>
+                        <a:tabLst/>
+                        <a:defRPr/>
+                      </a:pPr>
+                      <a:r>
+                        <a:rPr lang="en-NZ" sz="1000" cap="none" spc="0">
+                          <a:solidFill>
+                            <a:schemeClr val="tx1"/>
+                          </a:solidFill>
+                        </a:rPr>
+                        <a:t>Results:</a:t>
+                      </a:r>
+                    </a:p>
+                    <a:p>
+                      <a:pPr marL="0" lvl="0" indent="0" algn="l" rtl="0">
+                        <a:spcBef>
+                          <a:spcPts val="0"/>
+                        </a:spcBef>
+                        <a:spcAft>
+                          <a:spcPts val="0"/>
+                        </a:spcAft>
+                        <a:buNone/>
+                      </a:pPr>
+                      <a:r>
+                        <a:rPr lang="en-NZ" sz="1000" cap="none" spc="0">
+                          <a:solidFill>
+                            <a:schemeClr val="tx1"/>
+                          </a:solidFill>
+                        </a:rPr>
+                        <a:t>Combo Name: Cheezy</a:t>
+                      </a:r>
+                    </a:p>
+                    <a:p>
+                      <a:pPr marL="0" lvl="0" indent="0" algn="l" rtl="0">
+                        <a:spcBef>
+                          <a:spcPts val="0"/>
+                        </a:spcBef>
+                        <a:spcAft>
+                          <a:spcPts val="0"/>
+                        </a:spcAft>
+                        <a:buNone/>
+                      </a:pPr>
+                      <a:r>
+                        <a:rPr lang="en-NZ" sz="1000" cap="none" spc="0">
+                          <a:solidFill>
+                            <a:schemeClr val="tx1"/>
+                          </a:solidFill>
+                        </a:rPr>
+                        <a:t>Items &amp; Price:</a:t>
+                      </a:r>
+                    </a:p>
+                    <a:p>
+                      <a:pPr marL="0" lvl="0" indent="0" algn="l" rtl="0">
+                        <a:spcBef>
+                          <a:spcPts val="0"/>
+                        </a:spcBef>
+                        <a:spcAft>
+                          <a:spcPts val="0"/>
+                        </a:spcAft>
+                        <a:buNone/>
+                      </a:pPr>
+                      <a:r>
+                        <a:rPr lang="en-NZ" sz="1000" cap="none" spc="0">
+                          <a:solidFill>
+                            <a:schemeClr val="tx1"/>
+                          </a:solidFill>
+                        </a:rPr>
+                        <a:t>Cheeseburger: 6.69</a:t>
+                      </a:r>
+                    </a:p>
+                    <a:p>
+                      <a:pPr marL="0" lvl="0" indent="0" algn="l" rtl="0">
+                        <a:spcBef>
+                          <a:spcPts val="0"/>
+                        </a:spcBef>
+                        <a:spcAft>
+                          <a:spcPts val="0"/>
+                        </a:spcAft>
+                        <a:buNone/>
+                      </a:pPr>
+                      <a:r>
+                        <a:rPr lang="en-NZ" sz="1000" cap="none" spc="0">
+                          <a:solidFill>
+                            <a:schemeClr val="tx1"/>
+                          </a:solidFill>
+                        </a:rPr>
+                        <a:t>Fries: 1.00</a:t>
+                      </a:r>
+                    </a:p>
+                    <a:p>
+                      <a:pPr marL="0" lvl="0" indent="0" algn="l" rtl="0">
+                        <a:spcBef>
+                          <a:spcPts val="0"/>
+                        </a:spcBef>
+                        <a:spcAft>
+                          <a:spcPts val="0"/>
+                        </a:spcAft>
+                        <a:buNone/>
+                      </a:pPr>
+                      <a:r>
+                        <a:rPr lang="en-NZ" sz="1000" cap="none" spc="0">
+                          <a:solidFill>
+                            <a:schemeClr val="tx1"/>
+                          </a:solidFill>
+                        </a:rPr>
+                        <a:t>Fizzy Drink: 1.00</a:t>
+                      </a:r>
+                    </a:p>
+                  </a:txBody>
+                  <a:tcPr marL="77681" marR="77681" marT="77681" marB="57221"/>
+                </a:tc>
+                <a:extLst>
+                  <a:ext uri="{0D108BD9-81ED-4DB2-BD59-A6C34878D82A}">
+                    <a16:rowId xmlns:a16="http://schemas.microsoft.com/office/drawing/2014/main" val="4257040270"/>
+                  </a:ext>
+                </a:extLst>
+              </a:tr>
+              <a:tr h="1073327">
+                <a:tc>
+                  <a:txBody>
+                    <a:bodyPr/>
+                    <a:lstStyle/>
+                    <a:p>
+                      <a:pPr marL="0" lvl="0" indent="0" algn="l" rtl="0">
+                        <a:spcBef>
+                          <a:spcPts val="0"/>
+                        </a:spcBef>
+                        <a:spcAft>
+                          <a:spcPts val="0"/>
+                        </a:spcAft>
+                        <a:buNone/>
+                      </a:pPr>
+                      <a:r>
+                        <a:rPr lang="en-NZ" sz="1000" cap="none" spc="0">
+                          <a:solidFill>
+                            <a:schemeClr val="tx1"/>
+                          </a:solidFill>
+                        </a:rPr>
+                        <a:t>Super</a:t>
+                      </a:r>
+                    </a:p>
+                  </a:txBody>
+                  <a:tcPr marL="77681" marR="77681" marT="77681" marB="57221"/>
+                </a:tc>
+                <a:tc>
+                  <a:txBody>
+                    <a:bodyPr/>
+                    <a:lstStyle/>
+                    <a:p>
+                      <a:pPr marL="0" marR="0" lvl="0" indent="0" algn="l" defTabSz="914400" rtl="0" eaLnBrk="1" fontAlgn="auto" latinLnBrk="0" hangingPunct="1">
+                        <a:lnSpc>
+                          <a:spcPct val="100000"/>
+                        </a:lnSpc>
+                        <a:spcBef>
+                          <a:spcPts val="0"/>
+                        </a:spcBef>
+                        <a:spcAft>
+                          <a:spcPts val="0"/>
+                        </a:spcAft>
+                        <a:buClrTx/>
+                        <a:buSzTx/>
+                        <a:buFontTx/>
+                        <a:buNone/>
+                        <a:tabLst/>
+                        <a:defRPr/>
+                      </a:pPr>
+                      <a:r>
+                        <a:rPr lang="en-NZ" sz="1000" cap="none" spc="0" dirty="0">
+                          <a:solidFill>
+                            <a:schemeClr val="tx1"/>
+                          </a:solidFill>
+                        </a:rPr>
+                        <a:t>Results:</a:t>
+                      </a:r>
+                    </a:p>
+                    <a:p>
+                      <a:pPr marL="0" lvl="0" indent="0" algn="l" rtl="0">
+                        <a:spcBef>
+                          <a:spcPts val="0"/>
+                        </a:spcBef>
+                        <a:spcAft>
+                          <a:spcPts val="0"/>
+                        </a:spcAft>
+                        <a:buNone/>
+                      </a:pPr>
+                      <a:r>
+                        <a:rPr lang="en-NZ" sz="1000" cap="none" spc="0" dirty="0">
+                          <a:solidFill>
+                            <a:schemeClr val="tx1"/>
+                          </a:solidFill>
+                        </a:rPr>
+                        <a:t>Combo Name: Super</a:t>
+                      </a:r>
+                    </a:p>
+                    <a:p>
+                      <a:pPr marL="0" lvl="0" indent="0" algn="l" rtl="0">
+                        <a:spcBef>
+                          <a:spcPts val="0"/>
+                        </a:spcBef>
+                        <a:spcAft>
+                          <a:spcPts val="0"/>
+                        </a:spcAft>
+                        <a:buNone/>
+                      </a:pPr>
+                      <a:r>
+                        <a:rPr lang="en-NZ" sz="1000" cap="none" spc="0" dirty="0">
+                          <a:solidFill>
+                            <a:schemeClr val="tx1"/>
+                          </a:solidFill>
+                        </a:rPr>
+                        <a:t>Items &amp; Price:</a:t>
+                      </a:r>
+                    </a:p>
+                    <a:p>
+                      <a:pPr marL="0" lvl="0" indent="0" algn="l" rtl="0">
+                        <a:spcBef>
+                          <a:spcPts val="0"/>
+                        </a:spcBef>
+                        <a:spcAft>
+                          <a:spcPts val="0"/>
+                        </a:spcAft>
+                        <a:buNone/>
+                      </a:pPr>
+                      <a:r>
+                        <a:rPr lang="en-NZ" sz="1000" cap="none" spc="0" dirty="0">
+                          <a:solidFill>
+                            <a:schemeClr val="tx1"/>
+                          </a:solidFill>
+                        </a:rPr>
+                        <a:t>Cheeseburger: 6.69</a:t>
+                      </a:r>
+                    </a:p>
+                    <a:p>
+                      <a:pPr marL="0" lvl="0" indent="0" algn="l" rtl="0">
+                        <a:spcBef>
+                          <a:spcPts val="0"/>
+                        </a:spcBef>
+                        <a:spcAft>
+                          <a:spcPts val="0"/>
+                        </a:spcAft>
+                        <a:buNone/>
+                      </a:pPr>
+                      <a:r>
+                        <a:rPr lang="en-NZ" sz="1000" cap="none" spc="0" dirty="0">
+                          <a:solidFill>
+                            <a:schemeClr val="tx1"/>
+                          </a:solidFill>
+                        </a:rPr>
+                        <a:t>Large Fries: 2.00</a:t>
+                      </a:r>
+                    </a:p>
+                    <a:p>
+                      <a:pPr marL="0" lvl="0" indent="0" algn="l" rtl="0">
+                        <a:spcBef>
+                          <a:spcPts val="0"/>
+                        </a:spcBef>
+                        <a:spcAft>
+                          <a:spcPts val="0"/>
+                        </a:spcAft>
+                        <a:buNone/>
+                      </a:pPr>
+                      <a:r>
+                        <a:rPr lang="en-NZ" sz="1000" cap="none" spc="0" dirty="0">
+                          <a:solidFill>
+                            <a:schemeClr val="tx1"/>
+                          </a:solidFill>
+                        </a:rPr>
+                        <a:t>Smoothie: 2.00</a:t>
+                      </a:r>
+                    </a:p>
+                  </a:txBody>
+                  <a:tcPr marL="77681" marR="77681" marT="77681" marB="57221"/>
+                </a:tc>
+                <a:extLst>
+                  <a:ext uri="{0D108BD9-81ED-4DB2-BD59-A6C34878D82A}">
+                    <a16:rowId xmlns:a16="http://schemas.microsoft.com/office/drawing/2014/main" val="584342243"/>
+                  </a:ext>
+                </a:extLst>
+              </a:tr>
+              <a:tr h="462969">
+                <a:tc>
+                  <a:txBody>
+                    <a:bodyPr/>
+                    <a:lstStyle/>
+                    <a:p>
+                      <a:pPr marL="0" lvl="0" indent="0" algn="l" rtl="0">
+                        <a:spcBef>
+                          <a:spcPts val="0"/>
+                        </a:spcBef>
+                        <a:spcAft>
+                          <a:spcPts val="0"/>
+                        </a:spcAft>
+                        <a:buNone/>
+                      </a:pPr>
+                      <a:r>
+                        <a:rPr lang="en-NZ" sz="1000" cap="none" spc="0">
+                          <a:solidFill>
+                            <a:schemeClr val="tx1"/>
+                          </a:solidFill>
+                        </a:rPr>
+                        <a:t>Supreme</a:t>
+                      </a:r>
+                    </a:p>
+                  </a:txBody>
+                  <a:tcPr marL="77681" marR="77681" marT="77681" marB="57221"/>
+                </a:tc>
+                <a:tc>
+                  <a:txBody>
+                    <a:bodyPr/>
+                    <a:lstStyle/>
+                    <a:p>
+                      <a:pPr marL="0" lvl="0" indent="0" algn="l" rtl="0">
+                        <a:spcBef>
+                          <a:spcPts val="0"/>
+                        </a:spcBef>
+                        <a:spcAft>
+                          <a:spcPts val="0"/>
+                        </a:spcAft>
+                        <a:buNone/>
+                      </a:pPr>
+                      <a:r>
+                        <a:rPr lang="en-NZ" sz="1000" cap="none" spc="0" dirty="0">
+                          <a:solidFill>
+                            <a:schemeClr val="tx1"/>
+                          </a:solidFill>
+                        </a:rPr>
+                        <a:t>There are no Combos named Supreme </a:t>
+                      </a:r>
+                    </a:p>
+                    <a:p>
+                      <a:pPr marL="0" lvl="0" indent="0" algn="l" rtl="0">
+                        <a:spcBef>
+                          <a:spcPts val="0"/>
+                        </a:spcBef>
+                        <a:spcAft>
+                          <a:spcPts val="0"/>
+                        </a:spcAft>
+                        <a:buNone/>
+                      </a:pPr>
+                      <a:r>
+                        <a:rPr lang="en-NZ" sz="1000" cap="none" spc="0" dirty="0">
+                          <a:solidFill>
+                            <a:schemeClr val="tx1"/>
+                          </a:solidFill>
+                        </a:rPr>
+                        <a:t>Nor are there any items within Combos named Supreme</a:t>
+                      </a:r>
+                    </a:p>
+                  </a:txBody>
+                  <a:tcPr marL="77681" marR="77681" marT="77681" marB="57221"/>
+                </a:tc>
+                <a:extLst>
+                  <a:ext uri="{0D108BD9-81ED-4DB2-BD59-A6C34878D82A}">
+                    <a16:rowId xmlns:a16="http://schemas.microsoft.com/office/drawing/2014/main" val="273472111"/>
+                  </a:ext>
+                </a:extLst>
+              </a:tr>
+              <a:tr h="1988863">
+                <a:tc>
+                  <a:txBody>
+                    <a:bodyPr/>
+                    <a:lstStyle/>
+                    <a:p>
+                      <a:pPr marL="0" lvl="0" indent="0" algn="l" rtl="0">
+                        <a:spcBef>
+                          <a:spcPts val="0"/>
+                        </a:spcBef>
+                        <a:spcAft>
+                          <a:spcPts val="0"/>
+                        </a:spcAft>
+                        <a:buNone/>
+                      </a:pPr>
+                      <a:r>
+                        <a:rPr lang="en-NZ" sz="1000" cap="none" spc="0">
+                          <a:solidFill>
+                            <a:schemeClr val="tx1"/>
+                          </a:solidFill>
+                        </a:rPr>
+                        <a:t>Cheeseburger</a:t>
+                      </a:r>
+                    </a:p>
+                  </a:txBody>
+                  <a:tcPr marL="77681" marR="77681" marT="77681" marB="57221"/>
+                </a:tc>
+                <a:tc>
+                  <a:txBody>
+                    <a:bodyPr/>
+                    <a:lstStyle/>
+                    <a:p>
+                      <a:pPr marL="0" marR="0" lvl="0" indent="0" algn="l" defTabSz="914400" rtl="0" eaLnBrk="1" fontAlgn="auto" latinLnBrk="0" hangingPunct="1">
+                        <a:lnSpc>
+                          <a:spcPct val="100000"/>
+                        </a:lnSpc>
+                        <a:spcBef>
+                          <a:spcPts val="0"/>
+                        </a:spcBef>
+                        <a:spcAft>
+                          <a:spcPts val="0"/>
+                        </a:spcAft>
+                        <a:buClrTx/>
+                        <a:buSzTx/>
+                        <a:buFontTx/>
+                        <a:buNone/>
+                        <a:tabLst/>
+                        <a:defRPr/>
+                      </a:pPr>
+                      <a:r>
+                        <a:rPr lang="en-NZ" sz="1000" cap="none" spc="0" dirty="0">
+                          <a:solidFill>
+                            <a:schemeClr val="tx1"/>
+                          </a:solidFill>
+                        </a:rPr>
+                        <a:t>Results:</a:t>
+                      </a:r>
+                    </a:p>
+                    <a:p>
+                      <a:pPr marL="0" lvl="0" indent="0" algn="l" rtl="0">
+                        <a:spcBef>
+                          <a:spcPts val="0"/>
+                        </a:spcBef>
+                        <a:spcAft>
+                          <a:spcPts val="0"/>
+                        </a:spcAft>
+                        <a:buNone/>
+                      </a:pPr>
+                      <a:r>
+                        <a:rPr lang="en-NZ" sz="1000" cap="none" spc="0" dirty="0">
+                          <a:solidFill>
+                            <a:schemeClr val="tx1"/>
+                          </a:solidFill>
+                        </a:rPr>
+                        <a:t>Combo Name: Cheezy</a:t>
+                      </a:r>
+                    </a:p>
+                    <a:p>
+                      <a:pPr marL="0" lvl="0" indent="0" algn="l" rtl="0">
+                        <a:spcBef>
+                          <a:spcPts val="0"/>
+                        </a:spcBef>
+                        <a:spcAft>
+                          <a:spcPts val="0"/>
+                        </a:spcAft>
+                        <a:buNone/>
+                      </a:pPr>
+                      <a:r>
+                        <a:rPr lang="en-NZ" sz="1000" cap="none" spc="0" dirty="0">
+                          <a:solidFill>
+                            <a:schemeClr val="tx1"/>
+                          </a:solidFill>
+                        </a:rPr>
+                        <a:t>Items &amp; Price:</a:t>
+                      </a:r>
+                    </a:p>
+                    <a:p>
+                      <a:pPr marL="0" lvl="0" indent="0" algn="l" rtl="0">
+                        <a:spcBef>
+                          <a:spcPts val="0"/>
+                        </a:spcBef>
+                        <a:spcAft>
+                          <a:spcPts val="0"/>
+                        </a:spcAft>
+                        <a:buNone/>
+                      </a:pPr>
+                      <a:r>
+                        <a:rPr lang="en-NZ" sz="1000" cap="none" spc="0" dirty="0">
+                          <a:solidFill>
+                            <a:schemeClr val="tx1"/>
+                          </a:solidFill>
+                        </a:rPr>
+                        <a:t>Cheeseburger: 6.69</a:t>
+                      </a:r>
+                    </a:p>
+                    <a:p>
+                      <a:pPr marL="0" lvl="0" indent="0" algn="l" rtl="0">
+                        <a:spcBef>
+                          <a:spcPts val="0"/>
+                        </a:spcBef>
+                        <a:spcAft>
+                          <a:spcPts val="0"/>
+                        </a:spcAft>
+                        <a:buNone/>
+                      </a:pPr>
+                      <a:r>
+                        <a:rPr lang="en-NZ" sz="1000" cap="none" spc="0" dirty="0">
+                          <a:solidFill>
+                            <a:schemeClr val="tx1"/>
+                          </a:solidFill>
+                        </a:rPr>
+                        <a:t>Fries: 1.00</a:t>
+                      </a:r>
+                    </a:p>
+                    <a:p>
+                      <a:pPr marL="0" lvl="0" indent="0" algn="l" rtl="0">
+                        <a:spcBef>
+                          <a:spcPts val="0"/>
+                        </a:spcBef>
+                        <a:spcAft>
+                          <a:spcPts val="0"/>
+                        </a:spcAft>
+                        <a:buNone/>
+                      </a:pPr>
+                      <a:r>
+                        <a:rPr lang="en-NZ" sz="1000" cap="none" spc="0" dirty="0">
+                          <a:solidFill>
+                            <a:schemeClr val="tx1"/>
+                          </a:solidFill>
+                        </a:rPr>
+                        <a:t>Fizzy Drink: 1.00</a:t>
+                      </a:r>
+                    </a:p>
+                    <a:p>
+                      <a:pPr marL="0" lvl="0" indent="0" algn="l" rtl="0">
+                        <a:spcBef>
+                          <a:spcPts val="0"/>
+                        </a:spcBef>
+                        <a:spcAft>
+                          <a:spcPts val="0"/>
+                        </a:spcAft>
+                        <a:buNone/>
+                      </a:pPr>
+                      <a:endParaRPr lang="en-NZ" sz="1000" cap="none" spc="0" dirty="0">
+                        <a:solidFill>
+                          <a:schemeClr val="tx1"/>
+                        </a:solidFill>
+                      </a:endParaRPr>
+                    </a:p>
+                    <a:p>
+                      <a:pPr marL="0" lvl="0" indent="0" algn="l" rtl="0">
+                        <a:spcBef>
+                          <a:spcPts val="0"/>
+                        </a:spcBef>
+                        <a:spcAft>
+                          <a:spcPts val="0"/>
+                        </a:spcAft>
+                        <a:buNone/>
+                      </a:pPr>
+                      <a:r>
+                        <a:rPr lang="en-NZ" sz="1000" cap="none" spc="0" dirty="0">
+                          <a:solidFill>
+                            <a:schemeClr val="tx1"/>
+                          </a:solidFill>
+                        </a:rPr>
+                        <a:t>Combo Name: Super</a:t>
+                      </a:r>
+                    </a:p>
+                    <a:p>
+                      <a:pPr marL="0" lvl="0" indent="0" algn="l" rtl="0">
+                        <a:spcBef>
+                          <a:spcPts val="0"/>
+                        </a:spcBef>
+                        <a:spcAft>
+                          <a:spcPts val="0"/>
+                        </a:spcAft>
+                        <a:buNone/>
+                      </a:pPr>
+                      <a:r>
+                        <a:rPr lang="en-NZ" sz="1000" cap="none" spc="0" dirty="0">
+                          <a:solidFill>
+                            <a:schemeClr val="tx1"/>
+                          </a:solidFill>
+                        </a:rPr>
+                        <a:t>Items &amp; Price:</a:t>
+                      </a:r>
+                    </a:p>
+                    <a:p>
+                      <a:pPr marL="0" lvl="0" indent="0" algn="l" rtl="0">
+                        <a:spcBef>
+                          <a:spcPts val="0"/>
+                        </a:spcBef>
+                        <a:spcAft>
+                          <a:spcPts val="0"/>
+                        </a:spcAft>
+                        <a:buNone/>
+                      </a:pPr>
+                      <a:r>
+                        <a:rPr lang="en-NZ" sz="1000" cap="none" spc="0" dirty="0">
+                          <a:solidFill>
+                            <a:schemeClr val="tx1"/>
+                          </a:solidFill>
+                        </a:rPr>
+                        <a:t>Cheeseburger: 6.69</a:t>
+                      </a:r>
+                    </a:p>
+                    <a:p>
+                      <a:pPr marL="0" lvl="0" indent="0" algn="l" rtl="0">
+                        <a:spcBef>
+                          <a:spcPts val="0"/>
+                        </a:spcBef>
+                        <a:spcAft>
+                          <a:spcPts val="0"/>
+                        </a:spcAft>
+                        <a:buNone/>
+                      </a:pPr>
+                      <a:r>
+                        <a:rPr lang="en-NZ" sz="1000" cap="none" spc="0" dirty="0">
+                          <a:solidFill>
+                            <a:schemeClr val="tx1"/>
+                          </a:solidFill>
+                        </a:rPr>
+                        <a:t>Large Fries: 2.00</a:t>
+                      </a:r>
+                    </a:p>
+                    <a:p>
+                      <a:pPr marL="0" lvl="0" indent="0" algn="l" rtl="0">
+                        <a:spcBef>
+                          <a:spcPts val="0"/>
+                        </a:spcBef>
+                        <a:spcAft>
+                          <a:spcPts val="0"/>
+                        </a:spcAft>
+                        <a:buNone/>
+                      </a:pPr>
+                      <a:r>
+                        <a:rPr lang="en-NZ" sz="1000" cap="none" spc="0" dirty="0">
+                          <a:solidFill>
+                            <a:schemeClr val="tx1"/>
+                          </a:solidFill>
+                        </a:rPr>
+                        <a:t>Smoothie: 2.00</a:t>
+                      </a:r>
+                    </a:p>
+                  </a:txBody>
+                  <a:tcPr marL="77681" marR="77681" marT="77681" marB="57221"/>
+                </a:tc>
+                <a:extLst>
+                  <a:ext uri="{0D108BD9-81ED-4DB2-BD59-A6C34878D82A}">
+                    <a16:rowId xmlns:a16="http://schemas.microsoft.com/office/drawing/2014/main" val="142855508"/>
+                  </a:ext>
+                </a:extLst>
+              </a:tr>
+            </a:tbl>
+          </a:graphicData>
+        </a:graphic>
+      </p:graphicFrame>
+    </p:spTree>
+    <p:extLst>
+      <p:ext uri="{BB962C8B-B14F-4D97-AF65-F5344CB8AC3E}">
+        <p14:creationId xmlns:p14="http://schemas.microsoft.com/office/powerpoint/2010/main" val="2182793016"/>
+      </p:ext>
+    </p:extLst>
+  </p:cSld>
+  <p:clrMapOvr>
+    <a:masterClrMapping/>
+  </p:clrMapOvr>
+</p:sld>
+</file>
+
+<file path=ppt/slides/slide17.xml><?xml version="1.0" encoding="utf-8"?>
+<p:sld xmlns:a="http://schemas.openxmlformats.org/drawingml/2006/main" xmlns:r="http://schemas.openxmlformats.org/officeDocument/2006/relationships" xmlns:p="http://schemas.openxmlformats.org/presentationml/2006/main">
+  <p:cSld>
+    <p:bg>
+      <p:bgPr>
+        <a:solidFill>
+          <a:schemeClr val="bg1"/>
+        </a:solidFill>
+        <a:effectLst/>
+      </p:bgPr>
+    </p:bg>
+    <p:spTree>
+      <p:nvGrpSpPr>
+        <p:cNvPr id="1" name=""/>
+        <p:cNvGrpSpPr/>
+        <p:nvPr/>
+      </p:nvGrpSpPr>
+      <p:grpSpPr>
+        <a:xfrm>
+          <a:off x="0" y="0"/>
+          <a:ext cx="0" cy="0"/>
+          <a:chOff x="0" y="0"/>
+          <a:chExt cx="0" cy="0"/>
+        </a:xfrm>
+      </p:grpSpPr>
+      <p:sp useBgFill="1">
+        <p:nvSpPr>
+          <p:cNvPr id="27" name="Rectangle 26">
+            <a:extLst>
+              <a:ext uri="{FF2B5EF4-FFF2-40B4-BE49-F238E27FC236}">
+                <a16:creationId xmlns:a16="http://schemas.microsoft.com/office/drawing/2014/main" id="{BACC6370-2D7E-4714-9D71-7542949D7D5D}"/>
+              </a:ext>
+              <a:ext uri="{C183D7F6-B498-43B3-948B-1728B52AA6E4}">
+                <adec:decorative xmlns:adec="http://schemas.microsoft.com/office/drawing/2017/decorative" val="1"/>
+              </a:ext>
+            </a:extLst>
+          </p:cNvPr>
+          <p:cNvSpPr>
+            <a:spLocks noGrp="1" noRot="1" noChangeAspect="1" noMove="1" noResize="1" noEditPoints="1" noAdjustHandles="1" noChangeArrowheads="1" noChangeShapeType="1" noTextEdit="1"/>
+          </p:cNvSpPr>
+          <p:nvPr>
+            <p:extLst>
+              <p:ext uri="{386F3935-93C4-4BCD-93E2-E3B085C9AB24}">
+                <p16:designElem xmlns:p16="http://schemas.microsoft.com/office/powerpoint/2015/main" val="1"/>
+              </p:ext>
+            </p:extLst>
+          </p:nvPr>
+        </p:nvSpPr>
+        <p:spPr>
+          <a:xfrm>
+            <a:off x="0" y="0"/>
+            <a:ext cx="12192000" cy="6858000"/>
+          </a:xfrm>
+          <a:prstGeom prst="rect">
+            <a:avLst/>
+          </a:prstGeom>
+          <a:ln w="12700" cap="flat" cmpd="sng" algn="ctr">
+            <a:noFill/>
+            <a:prstDash val="solid"/>
+            <a:miter lim="800000"/>
+          </a:ln>
+          <a:effectLst/>
+          <a:extLst>
+            <a:ext uri="{91240B29-F687-4F45-9708-019B960494DF}">
+              <a14:hiddenLine xmlns:a14="http://schemas.microsoft.com/office/drawing/2010/main" w="12700" cap="flat" cmpd="sng" algn="ctr">
+                <a:solidFill>
+                  <a:schemeClr val="accent1">
+                    <a:shade val="50000"/>
+                  </a:schemeClr>
+                </a:solidFill>
+                <a:prstDash val="solid"/>
+                <a:miter lim="800000"/>
+              </a14:hiddenLine>
+            </a:ext>
+          </a:extLst>
+        </p:spPr>
+        <p:style>
+          <a:lnRef idx="2">
+            <a:schemeClr val="accent1">
+              <a:shade val="50000"/>
+            </a:schemeClr>
+          </a:lnRef>
+          <a:fillRef idx="1">
+            <a:schemeClr val="accent1"/>
+          </a:fillRef>
+          <a:effectRef idx="0">
+            <a:schemeClr val="accent1"/>
+          </a:effectRef>
+          <a:fontRef idx="minor">
+            <a:schemeClr val="lt1"/>
+          </a:fontRef>
+        </p:style>
+        <p:txBody>
+          <a:bodyPr rtlCol="0" anchor="ctr"/>
+          <a:lstStyle/>
+          <a:p>
+            <a:pPr algn="ctr"/>
+            <a:endParaRPr lang="en-US"/>
+          </a:p>
+        </p:txBody>
+      </p:sp>
+      <p:sp>
+        <p:nvSpPr>
+          <p:cNvPr id="28" name="Rectangle 27">
+            <a:extLst>
+              <a:ext uri="{FF2B5EF4-FFF2-40B4-BE49-F238E27FC236}">
+                <a16:creationId xmlns:a16="http://schemas.microsoft.com/office/drawing/2014/main" id="{F68B3F68-107C-434F-AA38-110D5EA91B85}"/>
+              </a:ext>
+              <a:ext uri="{C183D7F6-B498-43B3-948B-1728B52AA6E4}">
+                <adec:decorative xmlns:adec="http://schemas.microsoft.com/office/drawing/2017/decorative" val="1"/>
+              </a:ext>
+            </a:extLst>
+          </p:cNvPr>
+          <p:cNvSpPr>
+            <a:spLocks noGrp="1" noRot="1" noChangeAspect="1" noMove="1" noResize="1" noEditPoints="1" noAdjustHandles="1" noChangeArrowheads="1" noChangeShapeType="1" noTextEdit="1"/>
+          </p:cNvSpPr>
+          <p:nvPr>
+            <p:extLst>
+              <p:ext uri="{386F3935-93C4-4BCD-93E2-E3B085C9AB24}">
+                <p16:designElem xmlns:p16="http://schemas.microsoft.com/office/powerpoint/2015/main" val="1"/>
+              </p:ext>
+            </p:extLst>
+          </p:nvPr>
+        </p:nvSpPr>
+        <p:spPr>
+          <a:xfrm flipH="1">
+            <a:off x="2" y="0"/>
+            <a:ext cx="12191998" cy="1575955"/>
+          </a:xfrm>
+          <a:prstGeom prst="rect">
+            <a:avLst/>
+          </a:prstGeom>
+          <a:gradFill>
+            <a:gsLst>
+              <a:gs pos="0">
+                <a:srgbClr val="000000">
+                  <a:alpha val="96000"/>
+                </a:srgbClr>
+              </a:gs>
+              <a:gs pos="100000">
+                <a:schemeClr val="accent1">
+                  <a:lumMod val="75000"/>
+                </a:schemeClr>
+              </a:gs>
+            </a:gsLst>
+            <a:lin ang="8400000" scaled="0"/>
+          </a:gradFill>
+          <a:ln>
+            <a:noFill/>
+          </a:ln>
+        </p:spPr>
+        <p:style>
+          <a:lnRef idx="2">
+            <a:schemeClr val="accent1">
+              <a:shade val="50000"/>
+            </a:schemeClr>
+          </a:lnRef>
+          <a:fillRef idx="1">
+            <a:schemeClr val="accent1"/>
+          </a:fillRef>
+          <a:effectRef idx="0">
+            <a:schemeClr val="accent1"/>
+          </a:effectRef>
+          <a:fontRef idx="minor">
+            <a:schemeClr val="lt1"/>
+          </a:fontRef>
+        </p:style>
+        <p:txBody>
+          <a:bodyPr rtlCol="0" anchor="ctr"/>
+          <a:lstStyle/>
+          <a:p>
+            <a:pPr algn="ctr"/>
+            <a:endParaRPr lang="en-US"/>
+          </a:p>
+        </p:txBody>
+      </p:sp>
+      <p:sp>
+        <p:nvSpPr>
+          <p:cNvPr id="29" name="Rectangle 28">
+            <a:extLst>
+              <a:ext uri="{FF2B5EF4-FFF2-40B4-BE49-F238E27FC236}">
+                <a16:creationId xmlns:a16="http://schemas.microsoft.com/office/drawing/2014/main" id="{AAD0DBB9-1A4B-4391-81D4-CB19F9AB918A}"/>
+              </a:ext>
+              <a:ext uri="{C183D7F6-B498-43B3-948B-1728B52AA6E4}">
+                <adec:decorative xmlns:adec="http://schemas.microsoft.com/office/drawing/2017/decorative" val="1"/>
+              </a:ext>
+            </a:extLst>
+          </p:cNvPr>
+          <p:cNvSpPr>
+            <a:spLocks noGrp="1" noRot="1" noChangeAspect="1" noMove="1" noResize="1" noEditPoints="1" noAdjustHandles="1" noChangeArrowheads="1" noChangeShapeType="1" noTextEdit="1"/>
+          </p:cNvSpPr>
+          <p:nvPr>
+            <p:extLst>
+              <p:ext uri="{386F3935-93C4-4BCD-93E2-E3B085C9AB24}">
+                <p16:designElem xmlns:p16="http://schemas.microsoft.com/office/powerpoint/2015/main" val="1"/>
+              </p:ext>
+            </p:extLst>
+          </p:nvPr>
+        </p:nvSpPr>
+        <p:spPr>
+          <a:xfrm rot="10800000" flipH="1">
+            <a:off x="8128857" y="0"/>
+            <a:ext cx="4063143" cy="1576412"/>
+          </a:xfrm>
+          <a:prstGeom prst="rect">
+            <a:avLst/>
+          </a:prstGeom>
+          <a:gradFill>
+            <a:gsLst>
+              <a:gs pos="19000">
+                <a:schemeClr val="accent1">
+                  <a:lumMod val="50000"/>
+                  <a:alpha val="68000"/>
+                </a:schemeClr>
+              </a:gs>
+              <a:gs pos="100000">
+                <a:schemeClr val="accent1">
+                  <a:alpha val="79000"/>
+                </a:schemeClr>
+              </a:gs>
+            </a:gsLst>
+            <a:lin ang="19200000" scaled="0"/>
+          </a:gradFill>
+          <a:ln>
+            <a:noFill/>
+          </a:ln>
+        </p:spPr>
+        <p:style>
+          <a:lnRef idx="2">
+            <a:schemeClr val="accent1">
+              <a:shade val="50000"/>
+            </a:schemeClr>
+          </a:lnRef>
+          <a:fillRef idx="1">
+            <a:schemeClr val="accent1"/>
+          </a:fillRef>
+          <a:effectRef idx="0">
+            <a:schemeClr val="accent1"/>
+          </a:effectRef>
+          <a:fontRef idx="minor">
+            <a:schemeClr val="lt1"/>
+          </a:fontRef>
+        </p:style>
+        <p:txBody>
+          <a:bodyPr rtlCol="0" anchor="ctr"/>
+          <a:lstStyle/>
+          <a:p>
+            <a:pPr algn="ctr"/>
+            <a:endParaRPr lang="en-US"/>
+          </a:p>
+        </p:txBody>
+      </p:sp>
+      <p:sp>
+        <p:nvSpPr>
+          <p:cNvPr id="30" name="Rectangle 29">
+            <a:extLst>
+              <a:ext uri="{FF2B5EF4-FFF2-40B4-BE49-F238E27FC236}">
+                <a16:creationId xmlns:a16="http://schemas.microsoft.com/office/drawing/2014/main" id="{063BBA22-50EA-4C4D-BE05-F1CE4E63AA56}"/>
+              </a:ext>
+              <a:ext uri="{C183D7F6-B498-43B3-948B-1728B52AA6E4}">
+                <adec:decorative xmlns:adec="http://schemas.microsoft.com/office/drawing/2017/decorative" val="1"/>
+              </a:ext>
+            </a:extLst>
+          </p:cNvPr>
+          <p:cNvSpPr>
+            <a:spLocks noGrp="1" noRot="1" noChangeAspect="1" noMove="1" noResize="1" noEditPoints="1" noAdjustHandles="1" noChangeArrowheads="1" noChangeShapeType="1" noTextEdit="1"/>
+          </p:cNvSpPr>
+          <p:nvPr>
+            <p:extLst>
+              <p:ext uri="{386F3935-93C4-4BCD-93E2-E3B085C9AB24}">
+                <p16:designElem xmlns:p16="http://schemas.microsoft.com/office/powerpoint/2015/main" val="1"/>
+              </p:ext>
+            </p:extLst>
+          </p:nvPr>
+        </p:nvSpPr>
+        <p:spPr>
+          <a:xfrm rot="5400000">
+            <a:off x="5307777" y="-5307778"/>
+            <a:ext cx="1576446" cy="12192002"/>
+          </a:xfrm>
+          <a:prstGeom prst="rect">
+            <a:avLst/>
+          </a:prstGeom>
+          <a:gradFill>
+            <a:gsLst>
+              <a:gs pos="23000">
+                <a:schemeClr val="accent1">
+                  <a:alpha val="0"/>
+                </a:schemeClr>
+              </a:gs>
+              <a:gs pos="99000">
+                <a:srgbClr val="000000">
+                  <a:alpha val="74000"/>
+                </a:srgbClr>
+              </a:gs>
+            </a:gsLst>
+            <a:lin ang="20400000" scaled="0"/>
+          </a:gradFill>
+          <a:ln>
+            <a:noFill/>
+          </a:ln>
+        </p:spPr>
+        <p:style>
+          <a:lnRef idx="2">
+            <a:schemeClr val="accent1">
+              <a:shade val="50000"/>
+            </a:schemeClr>
+          </a:lnRef>
+          <a:fillRef idx="1">
+            <a:schemeClr val="accent1"/>
+          </a:fillRef>
+          <a:effectRef idx="0">
+            <a:schemeClr val="accent1"/>
+          </a:effectRef>
+          <a:fontRef idx="minor">
+            <a:schemeClr val="lt1"/>
+          </a:fontRef>
+        </p:style>
+        <p:txBody>
+          <a:bodyPr rtlCol="0" anchor="ctr"/>
+          <a:lstStyle/>
+          <a:p>
+            <a:pPr algn="ctr"/>
+            <a:endParaRPr lang="en-US" dirty="0"/>
+          </a:p>
+        </p:txBody>
+      </p:sp>
+      <p:sp>
+        <p:nvSpPr>
+          <p:cNvPr id="2" name="Title 1">
+            <a:extLst>
+              <a:ext uri="{FF2B5EF4-FFF2-40B4-BE49-F238E27FC236}">
+                <a16:creationId xmlns:a16="http://schemas.microsoft.com/office/drawing/2014/main" id="{1CC5D32F-7C18-4D00-8D54-2FB046F0A206}"/>
+              </a:ext>
+            </a:extLst>
+          </p:cNvPr>
+          <p:cNvSpPr>
+            <a:spLocks noGrp="1"/>
+          </p:cNvSpPr>
+          <p:nvPr>
+            <p:ph type="title"/>
+          </p:nvPr>
+        </p:nvSpPr>
+        <p:spPr>
+          <a:xfrm>
+            <a:off x="1371597" y="348865"/>
+            <a:ext cx="10044023" cy="877729"/>
+          </a:xfrm>
+        </p:spPr>
+        <p:txBody>
+          <a:bodyPr vert="horz" lIns="91440" tIns="45720" rIns="91440" bIns="45720" rtlCol="0" anchor="ctr">
+            <a:normAutofit/>
+          </a:bodyPr>
+          <a:lstStyle/>
+          <a:p>
+            <a:r>
+              <a:rPr lang="en-US" sz="4000" kern="1200" dirty="0">
+                <a:solidFill>
+                  <a:srgbClr val="FFFFFF"/>
+                </a:solidFill>
+                <a:latin typeface="+mj-lt"/>
+                <a:ea typeface="+mj-ea"/>
+                <a:cs typeface="+mj-cs"/>
+              </a:rPr>
+              <a:t>Search for Combo Meals Or Items: Testing </a:t>
+            </a:r>
+          </a:p>
+        </p:txBody>
+      </p:sp>
+      <p:graphicFrame>
+        <p:nvGraphicFramePr>
+          <p:cNvPr id="3" name="Google Shape;92;p19">
+            <a:extLst>
+              <a:ext uri="{FF2B5EF4-FFF2-40B4-BE49-F238E27FC236}">
+                <a16:creationId xmlns:a16="http://schemas.microsoft.com/office/drawing/2014/main" id="{430974AB-8DF7-A264-5586-3688012665CC}"/>
+              </a:ext>
+            </a:extLst>
+          </p:cNvPr>
+          <p:cNvGraphicFramePr/>
+          <p:nvPr>
+            <p:extLst>
+              <p:ext uri="{D42A27DB-BD31-4B8C-83A1-F6EECF244321}">
+                <p14:modId xmlns:p14="http://schemas.microsoft.com/office/powerpoint/2010/main" val="15774075"/>
+              </p:ext>
+            </p:extLst>
+          </p:nvPr>
+        </p:nvGraphicFramePr>
+        <p:xfrm>
+          <a:off x="346538" y="1764856"/>
+          <a:ext cx="3049805" cy="4903752"/>
+        </p:xfrm>
+        <a:graphic>
+          <a:graphicData uri="http://schemas.openxmlformats.org/drawingml/2006/table">
+            <a:tbl>
+              <a:tblPr firstRow="1" bandRow="1">
+                <a:tableStyleId>{C083E6E3-FA7D-4D7B-A595-EF9225AFEA82}</a:tableStyleId>
+              </a:tblPr>
+              <a:tblGrid>
+                <a:gridCol w="1160146">
+                  <a:extLst>
+                    <a:ext uri="{9D8B030D-6E8A-4147-A177-3AD203B41FA5}">
+                      <a16:colId xmlns:a16="http://schemas.microsoft.com/office/drawing/2014/main" val="20000"/>
+                    </a:ext>
+                  </a:extLst>
+                </a:gridCol>
+                <a:gridCol w="1889659">
+                  <a:extLst>
+                    <a:ext uri="{9D8B030D-6E8A-4147-A177-3AD203B41FA5}">
+                      <a16:colId xmlns:a16="http://schemas.microsoft.com/office/drawing/2014/main" val="20001"/>
+                    </a:ext>
+                  </a:extLst>
+                </a:gridCol>
+              </a:tblGrid>
+              <a:tr h="146565">
+                <a:tc>
+                  <a:txBody>
+                    <a:bodyPr/>
+                    <a:lstStyle/>
+                    <a:p>
+                      <a:pPr marL="0" lvl="0" indent="0" algn="l" rtl="0">
+                        <a:spcBef>
+                          <a:spcPts val="0"/>
+                        </a:spcBef>
+                        <a:spcAft>
+                          <a:spcPts val="0"/>
+                        </a:spcAft>
+                        <a:buNone/>
+                      </a:pPr>
+                      <a:r>
+                        <a:rPr lang="en-NZ" sz="600" b="1" cap="all" spc="60">
+                          <a:solidFill>
+                            <a:schemeClr val="tx1"/>
+                          </a:solidFill>
+                        </a:rPr>
+                        <a:t>Test Cases – input</a:t>
+                      </a:r>
+                    </a:p>
+                  </a:txBody>
+                  <a:tcPr marL="77681" marR="77681" marT="57221" marB="57221" anchor="b"/>
+                </a:tc>
+                <a:tc>
+                  <a:txBody>
+                    <a:bodyPr/>
+                    <a:lstStyle/>
+                    <a:p>
+                      <a:pPr marL="0" lvl="0" indent="0" algn="l" rtl="0">
+                        <a:spcBef>
+                          <a:spcPts val="0"/>
+                        </a:spcBef>
+                        <a:spcAft>
+                          <a:spcPts val="0"/>
+                        </a:spcAft>
+                        <a:buNone/>
+                      </a:pPr>
+                      <a:r>
+                        <a:rPr lang="en-NZ" sz="600" b="1" cap="all" spc="60" dirty="0">
+                          <a:solidFill>
+                            <a:schemeClr val="tx1"/>
+                          </a:solidFill>
+                        </a:rPr>
+                        <a:t>Expected output</a:t>
+                      </a:r>
+                    </a:p>
+                  </a:txBody>
+                  <a:tcPr marL="77681" marR="77681" marT="57221" marB="57221" anchor="b"/>
+                </a:tc>
+                <a:extLst>
+                  <a:ext uri="{0D108BD9-81ED-4DB2-BD59-A6C34878D82A}">
+                    <a16:rowId xmlns:a16="http://schemas.microsoft.com/office/drawing/2014/main" val="10000"/>
+                  </a:ext>
+                </a:extLst>
+              </a:tr>
+              <a:tr h="624817">
+                <a:tc>
+                  <a:txBody>
+                    <a:bodyPr/>
+                    <a:lstStyle/>
+                    <a:p>
+                      <a:pPr marL="0" lvl="0" indent="0" algn="l" rtl="0">
+                        <a:spcBef>
+                          <a:spcPts val="0"/>
+                        </a:spcBef>
+                        <a:spcAft>
+                          <a:spcPts val="0"/>
+                        </a:spcAft>
+                        <a:buNone/>
+                      </a:pPr>
+                      <a:r>
+                        <a:rPr lang="en-NZ" sz="800" cap="none" spc="0">
+                          <a:solidFill>
+                            <a:schemeClr val="tx1"/>
+                          </a:solidFill>
+                        </a:rPr>
+                        <a:t>Value</a:t>
+                      </a:r>
+                    </a:p>
+                  </a:txBody>
+                  <a:tcPr marL="77681" marR="77681" marT="77681" marB="57221"/>
+                </a:tc>
+                <a:tc>
+                  <a:txBody>
+                    <a:bodyPr/>
+                    <a:lstStyle/>
+                    <a:p>
+                      <a:pPr marL="0" lvl="0" indent="0" algn="l" rtl="0">
+                        <a:spcBef>
+                          <a:spcPts val="0"/>
+                        </a:spcBef>
+                        <a:spcAft>
+                          <a:spcPts val="0"/>
+                        </a:spcAft>
+                        <a:buNone/>
+                      </a:pPr>
+                      <a:r>
+                        <a:rPr lang="en-NZ" sz="800" cap="none" spc="0" dirty="0">
+                          <a:solidFill>
+                            <a:schemeClr val="tx1"/>
+                          </a:solidFill>
+                        </a:rPr>
+                        <a:t>Results:</a:t>
+                      </a:r>
+                    </a:p>
+                    <a:p>
+                      <a:pPr marL="0" lvl="0" indent="0" algn="l" rtl="0">
+                        <a:spcBef>
+                          <a:spcPts val="0"/>
+                        </a:spcBef>
+                        <a:spcAft>
+                          <a:spcPts val="0"/>
+                        </a:spcAft>
+                        <a:buNone/>
+                      </a:pPr>
+                      <a:r>
+                        <a:rPr lang="en-NZ" sz="800" cap="none" spc="0" dirty="0">
+                          <a:solidFill>
+                            <a:schemeClr val="tx1"/>
+                          </a:solidFill>
+                        </a:rPr>
+                        <a:t>Combo Name: Value</a:t>
+                      </a:r>
+                    </a:p>
+                    <a:p>
+                      <a:pPr marL="0" lvl="0" indent="0" algn="l" rtl="0">
+                        <a:spcBef>
+                          <a:spcPts val="0"/>
+                        </a:spcBef>
+                        <a:spcAft>
+                          <a:spcPts val="0"/>
+                        </a:spcAft>
+                        <a:buNone/>
+                      </a:pPr>
+                      <a:r>
+                        <a:rPr lang="en-NZ" sz="800" cap="none" spc="0" dirty="0">
+                          <a:solidFill>
+                            <a:schemeClr val="tx1"/>
+                          </a:solidFill>
+                        </a:rPr>
+                        <a:t>Items &amp; Price:</a:t>
+                      </a:r>
+                    </a:p>
+                    <a:p>
+                      <a:pPr marL="0" lvl="0" indent="0" algn="l" rtl="0">
+                        <a:spcBef>
+                          <a:spcPts val="0"/>
+                        </a:spcBef>
+                        <a:spcAft>
+                          <a:spcPts val="0"/>
+                        </a:spcAft>
+                        <a:buNone/>
+                      </a:pPr>
+                      <a:r>
+                        <a:rPr lang="en-NZ" sz="800" cap="none" spc="0" dirty="0">
+                          <a:solidFill>
+                            <a:schemeClr val="tx1"/>
+                          </a:solidFill>
+                        </a:rPr>
+                        <a:t>Beef Burger: 5.69</a:t>
+                      </a:r>
+                    </a:p>
+                    <a:p>
+                      <a:pPr marL="0" lvl="0" indent="0" algn="l" rtl="0">
+                        <a:spcBef>
+                          <a:spcPts val="0"/>
+                        </a:spcBef>
+                        <a:spcAft>
+                          <a:spcPts val="0"/>
+                        </a:spcAft>
+                        <a:buNone/>
+                      </a:pPr>
+                      <a:r>
+                        <a:rPr lang="en-NZ" sz="800" cap="none" spc="0" dirty="0">
+                          <a:solidFill>
+                            <a:schemeClr val="tx1"/>
+                          </a:solidFill>
+                        </a:rPr>
+                        <a:t>Fries: 1.00</a:t>
+                      </a:r>
+                    </a:p>
+                    <a:p>
+                      <a:pPr marL="0" lvl="0" indent="0" algn="l" rtl="0">
+                        <a:spcBef>
+                          <a:spcPts val="0"/>
+                        </a:spcBef>
+                        <a:spcAft>
+                          <a:spcPts val="0"/>
+                        </a:spcAft>
+                        <a:buNone/>
+                      </a:pPr>
+                      <a:r>
+                        <a:rPr lang="en-NZ" sz="800" cap="none" spc="0" dirty="0">
+                          <a:solidFill>
+                            <a:schemeClr val="tx1"/>
+                          </a:solidFill>
+                        </a:rPr>
+                        <a:t>Fizzy Drink: 1.00</a:t>
+                      </a:r>
+                    </a:p>
+                  </a:txBody>
+                  <a:tcPr marL="77681" marR="77681" marT="77681" marB="57221"/>
+                </a:tc>
+                <a:extLst>
+                  <a:ext uri="{0D108BD9-81ED-4DB2-BD59-A6C34878D82A}">
+                    <a16:rowId xmlns:a16="http://schemas.microsoft.com/office/drawing/2014/main" val="10001"/>
+                  </a:ext>
+                </a:extLst>
+              </a:tr>
+              <a:tr h="624817">
+                <a:tc>
+                  <a:txBody>
+                    <a:bodyPr/>
+                    <a:lstStyle/>
+                    <a:p>
+                      <a:pPr marL="0" lvl="0" indent="0" algn="l" rtl="0">
+                        <a:spcBef>
+                          <a:spcPts val="0"/>
+                        </a:spcBef>
+                        <a:spcAft>
+                          <a:spcPts val="0"/>
+                        </a:spcAft>
+                        <a:buNone/>
+                      </a:pPr>
+                      <a:r>
+                        <a:rPr lang="en-NZ" sz="800" cap="none" spc="0">
+                          <a:solidFill>
+                            <a:schemeClr val="tx1"/>
+                          </a:solidFill>
+                        </a:rPr>
+                        <a:t>Cheezy</a:t>
+                      </a:r>
+                    </a:p>
+                  </a:txBody>
+                  <a:tcPr marL="77681" marR="77681" marT="77681" marB="57221"/>
+                </a:tc>
+                <a:tc>
+                  <a:txBody>
+                    <a:bodyPr/>
+                    <a:lstStyle/>
+                    <a:p>
+                      <a:pPr marL="0" marR="0" lvl="0" indent="0" algn="l" defTabSz="914400" rtl="0" eaLnBrk="1" fontAlgn="auto" latinLnBrk="0" hangingPunct="1">
+                        <a:lnSpc>
+                          <a:spcPct val="100000"/>
+                        </a:lnSpc>
+                        <a:spcBef>
+                          <a:spcPts val="0"/>
+                        </a:spcBef>
+                        <a:spcAft>
+                          <a:spcPts val="0"/>
+                        </a:spcAft>
+                        <a:buClrTx/>
+                        <a:buSzTx/>
+                        <a:buFontTx/>
+                        <a:buNone/>
+                        <a:tabLst/>
+                        <a:defRPr/>
+                      </a:pPr>
+                      <a:r>
+                        <a:rPr lang="en-NZ" sz="800" cap="none" spc="0" dirty="0">
+                          <a:solidFill>
+                            <a:schemeClr val="tx1"/>
+                          </a:solidFill>
+                        </a:rPr>
+                        <a:t>Results:</a:t>
+                      </a:r>
+                    </a:p>
+                    <a:p>
+                      <a:pPr marL="0" lvl="0" indent="0" algn="l" rtl="0">
+                        <a:spcBef>
+                          <a:spcPts val="0"/>
+                        </a:spcBef>
+                        <a:spcAft>
+                          <a:spcPts val="0"/>
+                        </a:spcAft>
+                        <a:buNone/>
+                      </a:pPr>
+                      <a:r>
+                        <a:rPr lang="en-NZ" sz="800" cap="none" spc="0" dirty="0">
+                          <a:solidFill>
+                            <a:schemeClr val="tx1"/>
+                          </a:solidFill>
+                        </a:rPr>
+                        <a:t>Combo Name: Cheezy</a:t>
+                      </a:r>
+                    </a:p>
+                    <a:p>
+                      <a:pPr marL="0" lvl="0" indent="0" algn="l" rtl="0">
+                        <a:spcBef>
+                          <a:spcPts val="0"/>
+                        </a:spcBef>
+                        <a:spcAft>
+                          <a:spcPts val="0"/>
+                        </a:spcAft>
+                        <a:buNone/>
+                      </a:pPr>
+                      <a:r>
+                        <a:rPr lang="en-NZ" sz="800" cap="none" spc="0" dirty="0">
+                          <a:solidFill>
+                            <a:schemeClr val="tx1"/>
+                          </a:solidFill>
+                        </a:rPr>
+                        <a:t>Items &amp; Price:</a:t>
+                      </a:r>
+                    </a:p>
+                    <a:p>
+                      <a:pPr marL="0" lvl="0" indent="0" algn="l" rtl="0">
+                        <a:spcBef>
+                          <a:spcPts val="0"/>
+                        </a:spcBef>
+                        <a:spcAft>
+                          <a:spcPts val="0"/>
+                        </a:spcAft>
+                        <a:buNone/>
+                      </a:pPr>
+                      <a:r>
+                        <a:rPr lang="en-NZ" sz="800" cap="none" spc="0" dirty="0">
+                          <a:solidFill>
+                            <a:schemeClr val="tx1"/>
+                          </a:solidFill>
+                        </a:rPr>
+                        <a:t>Cheeseburger: 6.69</a:t>
+                      </a:r>
+                    </a:p>
+                    <a:p>
+                      <a:pPr marL="0" lvl="0" indent="0" algn="l" rtl="0">
+                        <a:spcBef>
+                          <a:spcPts val="0"/>
+                        </a:spcBef>
+                        <a:spcAft>
+                          <a:spcPts val="0"/>
+                        </a:spcAft>
+                        <a:buNone/>
+                      </a:pPr>
+                      <a:r>
+                        <a:rPr lang="en-NZ" sz="800" cap="none" spc="0" dirty="0">
+                          <a:solidFill>
+                            <a:schemeClr val="tx1"/>
+                          </a:solidFill>
+                        </a:rPr>
+                        <a:t>Fries: 1.00</a:t>
+                      </a:r>
+                    </a:p>
+                    <a:p>
+                      <a:pPr marL="0" lvl="0" indent="0" algn="l" rtl="0">
+                        <a:spcBef>
+                          <a:spcPts val="0"/>
+                        </a:spcBef>
+                        <a:spcAft>
+                          <a:spcPts val="0"/>
+                        </a:spcAft>
+                        <a:buNone/>
+                      </a:pPr>
+                      <a:r>
+                        <a:rPr lang="en-NZ" sz="800" cap="none" spc="0" dirty="0">
+                          <a:solidFill>
+                            <a:schemeClr val="tx1"/>
+                          </a:solidFill>
+                        </a:rPr>
+                        <a:t>Fizzy Drink: 1.00</a:t>
+                      </a:r>
+                    </a:p>
+                  </a:txBody>
+                  <a:tcPr marL="77681" marR="77681" marT="77681" marB="57221"/>
+                </a:tc>
+                <a:extLst>
+                  <a:ext uri="{0D108BD9-81ED-4DB2-BD59-A6C34878D82A}">
+                    <a16:rowId xmlns:a16="http://schemas.microsoft.com/office/drawing/2014/main" val="4257040270"/>
+                  </a:ext>
+                </a:extLst>
+              </a:tr>
+              <a:tr h="624817">
+                <a:tc>
+                  <a:txBody>
+                    <a:bodyPr/>
+                    <a:lstStyle/>
+                    <a:p>
+                      <a:pPr marL="0" lvl="0" indent="0" algn="l" rtl="0">
+                        <a:spcBef>
+                          <a:spcPts val="0"/>
+                        </a:spcBef>
+                        <a:spcAft>
+                          <a:spcPts val="0"/>
+                        </a:spcAft>
+                        <a:buNone/>
+                      </a:pPr>
+                      <a:r>
+                        <a:rPr lang="en-NZ" sz="800" cap="none" spc="0">
+                          <a:solidFill>
+                            <a:schemeClr val="tx1"/>
+                          </a:solidFill>
+                        </a:rPr>
+                        <a:t>Super</a:t>
+                      </a:r>
+                    </a:p>
+                  </a:txBody>
+                  <a:tcPr marL="77681" marR="77681" marT="77681" marB="57221"/>
+                </a:tc>
+                <a:tc>
+                  <a:txBody>
+                    <a:bodyPr/>
+                    <a:lstStyle/>
+                    <a:p>
+                      <a:pPr marL="0" marR="0" lvl="0" indent="0" algn="l" defTabSz="914400" rtl="0" eaLnBrk="1" fontAlgn="auto" latinLnBrk="0" hangingPunct="1">
+                        <a:lnSpc>
+                          <a:spcPct val="100000"/>
+                        </a:lnSpc>
+                        <a:spcBef>
+                          <a:spcPts val="0"/>
+                        </a:spcBef>
+                        <a:spcAft>
+                          <a:spcPts val="0"/>
+                        </a:spcAft>
+                        <a:buClrTx/>
+                        <a:buSzTx/>
+                        <a:buFontTx/>
+                        <a:buNone/>
+                        <a:tabLst/>
+                        <a:defRPr/>
+                      </a:pPr>
+                      <a:r>
+                        <a:rPr lang="en-NZ" sz="800" cap="none" spc="0" dirty="0">
+                          <a:solidFill>
+                            <a:schemeClr val="tx1"/>
+                          </a:solidFill>
+                        </a:rPr>
+                        <a:t>Results:</a:t>
+                      </a:r>
+                    </a:p>
+                    <a:p>
+                      <a:pPr marL="0" lvl="0" indent="0" algn="l" rtl="0">
+                        <a:spcBef>
+                          <a:spcPts val="0"/>
+                        </a:spcBef>
+                        <a:spcAft>
+                          <a:spcPts val="0"/>
+                        </a:spcAft>
+                        <a:buNone/>
+                      </a:pPr>
+                      <a:r>
+                        <a:rPr lang="en-NZ" sz="800" cap="none" spc="0" dirty="0">
+                          <a:solidFill>
+                            <a:schemeClr val="tx1"/>
+                          </a:solidFill>
+                        </a:rPr>
+                        <a:t>Combo Name: Super</a:t>
+                      </a:r>
+                    </a:p>
+                    <a:p>
+                      <a:pPr marL="0" lvl="0" indent="0" algn="l" rtl="0">
+                        <a:spcBef>
+                          <a:spcPts val="0"/>
+                        </a:spcBef>
+                        <a:spcAft>
+                          <a:spcPts val="0"/>
+                        </a:spcAft>
+                        <a:buNone/>
+                      </a:pPr>
+                      <a:r>
+                        <a:rPr lang="en-NZ" sz="800" cap="none" spc="0" dirty="0">
+                          <a:solidFill>
+                            <a:schemeClr val="tx1"/>
+                          </a:solidFill>
+                        </a:rPr>
+                        <a:t>Items &amp; Price:</a:t>
+                      </a:r>
+                    </a:p>
+                    <a:p>
+                      <a:pPr marL="0" lvl="0" indent="0" algn="l" rtl="0">
+                        <a:spcBef>
+                          <a:spcPts val="0"/>
+                        </a:spcBef>
+                        <a:spcAft>
+                          <a:spcPts val="0"/>
+                        </a:spcAft>
+                        <a:buNone/>
+                      </a:pPr>
+                      <a:r>
+                        <a:rPr lang="en-NZ" sz="800" cap="none" spc="0" dirty="0">
+                          <a:solidFill>
+                            <a:schemeClr val="tx1"/>
+                          </a:solidFill>
+                        </a:rPr>
+                        <a:t>Cheeseburger: 6.69</a:t>
+                      </a:r>
+                    </a:p>
+                    <a:p>
+                      <a:pPr marL="0" lvl="0" indent="0" algn="l" rtl="0">
+                        <a:spcBef>
+                          <a:spcPts val="0"/>
+                        </a:spcBef>
+                        <a:spcAft>
+                          <a:spcPts val="0"/>
+                        </a:spcAft>
+                        <a:buNone/>
+                      </a:pPr>
+                      <a:r>
+                        <a:rPr lang="en-NZ" sz="800" cap="none" spc="0" dirty="0">
+                          <a:solidFill>
+                            <a:schemeClr val="tx1"/>
+                          </a:solidFill>
+                        </a:rPr>
+                        <a:t>Large Fries: 2.00</a:t>
+                      </a:r>
+                    </a:p>
+                    <a:p>
+                      <a:pPr marL="0" lvl="0" indent="0" algn="l" rtl="0">
+                        <a:spcBef>
+                          <a:spcPts val="0"/>
+                        </a:spcBef>
+                        <a:spcAft>
+                          <a:spcPts val="0"/>
+                        </a:spcAft>
+                        <a:buNone/>
+                      </a:pPr>
+                      <a:r>
+                        <a:rPr lang="en-NZ" sz="800" cap="none" spc="0" dirty="0">
+                          <a:solidFill>
+                            <a:schemeClr val="tx1"/>
+                          </a:solidFill>
+                        </a:rPr>
+                        <a:t>Smoothie: 2.00</a:t>
+                      </a:r>
+                    </a:p>
+                  </a:txBody>
+                  <a:tcPr marL="77681" marR="77681" marT="77681" marB="57221"/>
+                </a:tc>
+                <a:extLst>
+                  <a:ext uri="{0D108BD9-81ED-4DB2-BD59-A6C34878D82A}">
+                    <a16:rowId xmlns:a16="http://schemas.microsoft.com/office/drawing/2014/main" val="584342243"/>
+                  </a:ext>
+                </a:extLst>
+              </a:tr>
+              <a:tr h="269508">
+                <a:tc>
+                  <a:txBody>
+                    <a:bodyPr/>
+                    <a:lstStyle/>
+                    <a:p>
+                      <a:pPr marL="0" lvl="0" indent="0" algn="l" rtl="0">
+                        <a:spcBef>
+                          <a:spcPts val="0"/>
+                        </a:spcBef>
+                        <a:spcAft>
+                          <a:spcPts val="0"/>
+                        </a:spcAft>
+                        <a:buNone/>
+                      </a:pPr>
+                      <a:r>
+                        <a:rPr lang="en-NZ" sz="800" cap="none" spc="0">
+                          <a:solidFill>
+                            <a:schemeClr val="tx1"/>
+                          </a:solidFill>
+                        </a:rPr>
+                        <a:t>Supreme</a:t>
+                      </a:r>
+                    </a:p>
+                  </a:txBody>
+                  <a:tcPr marL="77681" marR="77681" marT="77681" marB="57221"/>
+                </a:tc>
+                <a:tc>
+                  <a:txBody>
+                    <a:bodyPr/>
+                    <a:lstStyle/>
+                    <a:p>
+                      <a:pPr marL="0" lvl="0" indent="0" algn="l" rtl="0">
+                        <a:spcBef>
+                          <a:spcPts val="0"/>
+                        </a:spcBef>
+                        <a:spcAft>
+                          <a:spcPts val="0"/>
+                        </a:spcAft>
+                        <a:buNone/>
+                      </a:pPr>
+                      <a:r>
+                        <a:rPr lang="en-NZ" sz="800" cap="none" spc="0" dirty="0">
+                          <a:solidFill>
+                            <a:schemeClr val="tx1"/>
+                          </a:solidFill>
+                        </a:rPr>
+                        <a:t>There are no Combos named Supreme </a:t>
+                      </a:r>
+                    </a:p>
+                    <a:p>
+                      <a:pPr marL="0" lvl="0" indent="0" algn="l" rtl="0">
+                        <a:spcBef>
+                          <a:spcPts val="0"/>
+                        </a:spcBef>
+                        <a:spcAft>
+                          <a:spcPts val="0"/>
+                        </a:spcAft>
+                        <a:buNone/>
+                      </a:pPr>
+                      <a:r>
+                        <a:rPr lang="en-NZ" sz="800" cap="none" spc="0" dirty="0">
+                          <a:solidFill>
+                            <a:schemeClr val="tx1"/>
+                          </a:solidFill>
+                        </a:rPr>
+                        <a:t>Nor are there any items within Combos named Supreme</a:t>
+                      </a:r>
+                    </a:p>
+                  </a:txBody>
+                  <a:tcPr marL="77681" marR="77681" marT="77681" marB="57221"/>
+                </a:tc>
+                <a:extLst>
+                  <a:ext uri="{0D108BD9-81ED-4DB2-BD59-A6C34878D82A}">
+                    <a16:rowId xmlns:a16="http://schemas.microsoft.com/office/drawing/2014/main" val="273472111"/>
+                  </a:ext>
+                </a:extLst>
+              </a:tr>
+              <a:tr h="1157778">
+                <a:tc>
+                  <a:txBody>
+                    <a:bodyPr/>
+                    <a:lstStyle/>
+                    <a:p>
+                      <a:pPr marL="0" lvl="0" indent="0" algn="l" rtl="0">
+                        <a:spcBef>
+                          <a:spcPts val="0"/>
+                        </a:spcBef>
+                        <a:spcAft>
+                          <a:spcPts val="0"/>
+                        </a:spcAft>
+                        <a:buNone/>
+                      </a:pPr>
+                      <a:r>
+                        <a:rPr lang="en-NZ" sz="800" cap="none" spc="0">
+                          <a:solidFill>
+                            <a:schemeClr val="tx1"/>
+                          </a:solidFill>
+                        </a:rPr>
+                        <a:t>Cheeseburger</a:t>
+                      </a:r>
+                    </a:p>
+                  </a:txBody>
+                  <a:tcPr marL="77681" marR="77681" marT="77681" marB="57221"/>
+                </a:tc>
+                <a:tc>
+                  <a:txBody>
+                    <a:bodyPr/>
+                    <a:lstStyle/>
+                    <a:p>
+                      <a:pPr marL="0" marR="0" lvl="0" indent="0" algn="l" defTabSz="914400" rtl="0" eaLnBrk="1" fontAlgn="auto" latinLnBrk="0" hangingPunct="1">
+                        <a:lnSpc>
+                          <a:spcPct val="100000"/>
+                        </a:lnSpc>
+                        <a:spcBef>
+                          <a:spcPts val="0"/>
+                        </a:spcBef>
+                        <a:spcAft>
+                          <a:spcPts val="0"/>
+                        </a:spcAft>
+                        <a:buClrTx/>
+                        <a:buSzTx/>
+                        <a:buFontTx/>
+                        <a:buNone/>
+                        <a:tabLst/>
+                        <a:defRPr/>
+                      </a:pPr>
+                      <a:r>
+                        <a:rPr lang="en-NZ" sz="800" cap="none" spc="0" dirty="0">
+                          <a:solidFill>
+                            <a:schemeClr val="tx1"/>
+                          </a:solidFill>
+                        </a:rPr>
+                        <a:t>Results:</a:t>
+                      </a:r>
+                    </a:p>
+                    <a:p>
+                      <a:pPr marL="0" lvl="0" indent="0" algn="l" rtl="0">
+                        <a:spcBef>
+                          <a:spcPts val="0"/>
+                        </a:spcBef>
+                        <a:spcAft>
+                          <a:spcPts val="0"/>
+                        </a:spcAft>
+                        <a:buNone/>
+                      </a:pPr>
+                      <a:r>
+                        <a:rPr lang="en-NZ" sz="800" cap="none" spc="0" dirty="0">
+                          <a:solidFill>
+                            <a:schemeClr val="tx1"/>
+                          </a:solidFill>
+                        </a:rPr>
+                        <a:t>Combo Name: Cheezy</a:t>
+                      </a:r>
+                    </a:p>
+                    <a:p>
+                      <a:pPr marL="0" lvl="0" indent="0" algn="l" rtl="0">
+                        <a:spcBef>
+                          <a:spcPts val="0"/>
+                        </a:spcBef>
+                        <a:spcAft>
+                          <a:spcPts val="0"/>
+                        </a:spcAft>
+                        <a:buNone/>
+                      </a:pPr>
+                      <a:r>
+                        <a:rPr lang="en-NZ" sz="800" cap="none" spc="0" dirty="0">
+                          <a:solidFill>
+                            <a:schemeClr val="tx1"/>
+                          </a:solidFill>
+                        </a:rPr>
+                        <a:t>Items &amp; Price:</a:t>
+                      </a:r>
+                    </a:p>
+                    <a:p>
+                      <a:pPr marL="0" lvl="0" indent="0" algn="l" rtl="0">
+                        <a:spcBef>
+                          <a:spcPts val="0"/>
+                        </a:spcBef>
+                        <a:spcAft>
+                          <a:spcPts val="0"/>
+                        </a:spcAft>
+                        <a:buNone/>
+                      </a:pPr>
+                      <a:r>
+                        <a:rPr lang="en-NZ" sz="800" cap="none" spc="0" dirty="0">
+                          <a:solidFill>
+                            <a:schemeClr val="tx1"/>
+                          </a:solidFill>
+                        </a:rPr>
+                        <a:t>Cheeseburger: 6.69</a:t>
+                      </a:r>
+                    </a:p>
+                    <a:p>
+                      <a:pPr marL="0" lvl="0" indent="0" algn="l" rtl="0">
+                        <a:spcBef>
+                          <a:spcPts val="0"/>
+                        </a:spcBef>
+                        <a:spcAft>
+                          <a:spcPts val="0"/>
+                        </a:spcAft>
+                        <a:buNone/>
+                      </a:pPr>
+                      <a:r>
+                        <a:rPr lang="en-NZ" sz="800" cap="none" spc="0" dirty="0">
+                          <a:solidFill>
+                            <a:schemeClr val="tx1"/>
+                          </a:solidFill>
+                        </a:rPr>
+                        <a:t>Fries: 1.00</a:t>
+                      </a:r>
+                    </a:p>
+                    <a:p>
+                      <a:pPr marL="0" lvl="0" indent="0" algn="l" rtl="0">
+                        <a:spcBef>
+                          <a:spcPts val="0"/>
+                        </a:spcBef>
+                        <a:spcAft>
+                          <a:spcPts val="0"/>
+                        </a:spcAft>
+                        <a:buNone/>
+                      </a:pPr>
+                      <a:r>
+                        <a:rPr lang="en-NZ" sz="800" cap="none" spc="0" dirty="0">
+                          <a:solidFill>
+                            <a:schemeClr val="tx1"/>
+                          </a:solidFill>
+                        </a:rPr>
+                        <a:t>Fizzy Drink: 1.00</a:t>
+                      </a:r>
+                    </a:p>
+                    <a:p>
+                      <a:pPr marL="0" lvl="0" indent="0" algn="l" rtl="0">
+                        <a:spcBef>
+                          <a:spcPts val="0"/>
+                        </a:spcBef>
+                        <a:spcAft>
+                          <a:spcPts val="0"/>
+                        </a:spcAft>
+                        <a:buNone/>
+                      </a:pPr>
+                      <a:endParaRPr lang="en-NZ" sz="800" cap="none" spc="0" dirty="0">
+                        <a:solidFill>
+                          <a:schemeClr val="tx1"/>
+                        </a:solidFill>
+                      </a:endParaRPr>
+                    </a:p>
+                    <a:p>
+                      <a:pPr marL="0" lvl="0" indent="0" algn="l" rtl="0">
+                        <a:spcBef>
+                          <a:spcPts val="0"/>
+                        </a:spcBef>
+                        <a:spcAft>
+                          <a:spcPts val="0"/>
+                        </a:spcAft>
+                        <a:buNone/>
+                      </a:pPr>
+                      <a:r>
+                        <a:rPr lang="en-NZ" sz="800" cap="none" spc="0" dirty="0">
+                          <a:solidFill>
+                            <a:schemeClr val="tx1"/>
+                          </a:solidFill>
+                        </a:rPr>
+                        <a:t>Combo Name: Super</a:t>
+                      </a:r>
+                    </a:p>
+                    <a:p>
+                      <a:pPr marL="0" lvl="0" indent="0" algn="l" rtl="0">
+                        <a:spcBef>
+                          <a:spcPts val="0"/>
+                        </a:spcBef>
+                        <a:spcAft>
+                          <a:spcPts val="0"/>
+                        </a:spcAft>
+                        <a:buNone/>
+                      </a:pPr>
+                      <a:r>
+                        <a:rPr lang="en-NZ" sz="800" cap="none" spc="0" dirty="0">
+                          <a:solidFill>
+                            <a:schemeClr val="tx1"/>
+                          </a:solidFill>
+                        </a:rPr>
+                        <a:t>Items &amp; Price:</a:t>
+                      </a:r>
+                    </a:p>
+                    <a:p>
+                      <a:pPr marL="0" lvl="0" indent="0" algn="l" rtl="0">
+                        <a:spcBef>
+                          <a:spcPts val="0"/>
+                        </a:spcBef>
+                        <a:spcAft>
+                          <a:spcPts val="0"/>
+                        </a:spcAft>
+                        <a:buNone/>
+                      </a:pPr>
+                      <a:r>
+                        <a:rPr lang="en-NZ" sz="800" cap="none" spc="0" dirty="0">
+                          <a:solidFill>
+                            <a:schemeClr val="tx1"/>
+                          </a:solidFill>
+                        </a:rPr>
+                        <a:t>Cheeseburger: 6.69</a:t>
+                      </a:r>
+                    </a:p>
+                    <a:p>
+                      <a:pPr marL="0" lvl="0" indent="0" algn="l" rtl="0">
+                        <a:spcBef>
+                          <a:spcPts val="0"/>
+                        </a:spcBef>
+                        <a:spcAft>
+                          <a:spcPts val="0"/>
+                        </a:spcAft>
+                        <a:buNone/>
+                      </a:pPr>
+                      <a:r>
+                        <a:rPr lang="en-NZ" sz="800" cap="none" spc="0" dirty="0">
+                          <a:solidFill>
+                            <a:schemeClr val="tx1"/>
+                          </a:solidFill>
+                        </a:rPr>
+                        <a:t>Large Fries: 2.00</a:t>
+                      </a:r>
+                    </a:p>
+                    <a:p>
+                      <a:pPr marL="0" lvl="0" indent="0" algn="l" rtl="0">
+                        <a:spcBef>
+                          <a:spcPts val="0"/>
+                        </a:spcBef>
+                        <a:spcAft>
+                          <a:spcPts val="0"/>
+                        </a:spcAft>
+                        <a:buNone/>
+                      </a:pPr>
+                      <a:r>
+                        <a:rPr lang="en-NZ" sz="800" cap="none" spc="0" dirty="0">
+                          <a:solidFill>
+                            <a:schemeClr val="tx1"/>
+                          </a:solidFill>
+                        </a:rPr>
+                        <a:t>Smoothie: 2.00</a:t>
+                      </a:r>
+                    </a:p>
+                  </a:txBody>
+                  <a:tcPr marL="77681" marR="77681" marT="77681" marB="57221"/>
+                </a:tc>
+                <a:extLst>
+                  <a:ext uri="{0D108BD9-81ED-4DB2-BD59-A6C34878D82A}">
+                    <a16:rowId xmlns:a16="http://schemas.microsoft.com/office/drawing/2014/main" val="142855508"/>
+                  </a:ext>
+                </a:extLst>
+              </a:tr>
+            </a:tbl>
+          </a:graphicData>
+        </a:graphic>
+      </p:graphicFrame>
+      <p:pic>
+        <p:nvPicPr>
+          <p:cNvPr id="5" name="Picture 4">
+            <a:extLst>
+              <a:ext uri="{FF2B5EF4-FFF2-40B4-BE49-F238E27FC236}">
+                <a16:creationId xmlns:a16="http://schemas.microsoft.com/office/drawing/2014/main" id="{C42075A2-5C17-ED6F-D983-66D757F325C8}"/>
+              </a:ext>
+            </a:extLst>
+          </p:cNvPr>
+          <p:cNvPicPr>
+            <a:picLocks noChangeAspect="1"/>
+          </p:cNvPicPr>
+          <p:nvPr/>
+        </p:nvPicPr>
+        <p:blipFill>
+          <a:blip r:embed="rId3"/>
+          <a:stretch>
+            <a:fillRect/>
+          </a:stretch>
+        </p:blipFill>
+        <p:spPr>
+          <a:xfrm>
+            <a:off x="3899790" y="1924820"/>
+            <a:ext cx="2196210" cy="915555"/>
+          </a:xfrm>
+          <a:prstGeom prst="rect">
+            <a:avLst/>
+          </a:prstGeom>
+        </p:spPr>
+      </p:pic>
+      <p:pic>
+        <p:nvPicPr>
+          <p:cNvPr id="7" name="Picture 6">
+            <a:extLst>
+              <a:ext uri="{FF2B5EF4-FFF2-40B4-BE49-F238E27FC236}">
+                <a16:creationId xmlns:a16="http://schemas.microsoft.com/office/drawing/2014/main" id="{E065954C-B253-5991-D735-1D35CB6BDC3A}"/>
+              </a:ext>
+            </a:extLst>
+          </p:cNvPr>
+          <p:cNvPicPr>
+            <a:picLocks noChangeAspect="1"/>
+          </p:cNvPicPr>
+          <p:nvPr/>
+        </p:nvPicPr>
+        <p:blipFill>
+          <a:blip r:embed="rId4"/>
+          <a:stretch>
+            <a:fillRect/>
+          </a:stretch>
+        </p:blipFill>
+        <p:spPr>
+          <a:xfrm>
+            <a:off x="6223591" y="1924820"/>
+            <a:ext cx="1709126" cy="914383"/>
+          </a:xfrm>
+          <a:prstGeom prst="rect">
+            <a:avLst/>
+          </a:prstGeom>
+        </p:spPr>
+      </p:pic>
+      <p:pic>
+        <p:nvPicPr>
+          <p:cNvPr id="9" name="Picture 8">
+            <a:extLst>
+              <a:ext uri="{FF2B5EF4-FFF2-40B4-BE49-F238E27FC236}">
+                <a16:creationId xmlns:a16="http://schemas.microsoft.com/office/drawing/2014/main" id="{F3AA3835-3A96-9520-6EC1-3755A974D36C}"/>
+              </a:ext>
+            </a:extLst>
+          </p:cNvPr>
+          <p:cNvPicPr>
+            <a:picLocks noChangeAspect="1"/>
+          </p:cNvPicPr>
+          <p:nvPr/>
+        </p:nvPicPr>
+        <p:blipFill>
+          <a:blip r:embed="rId5"/>
+          <a:stretch>
+            <a:fillRect/>
+          </a:stretch>
+        </p:blipFill>
+        <p:spPr>
+          <a:xfrm>
+            <a:off x="3899790" y="2822662"/>
+            <a:ext cx="2196210" cy="901010"/>
+          </a:xfrm>
+          <a:prstGeom prst="rect">
+            <a:avLst/>
+          </a:prstGeom>
+        </p:spPr>
+      </p:pic>
+      <p:pic>
+        <p:nvPicPr>
+          <p:cNvPr id="11" name="Picture 10">
+            <a:extLst>
+              <a:ext uri="{FF2B5EF4-FFF2-40B4-BE49-F238E27FC236}">
+                <a16:creationId xmlns:a16="http://schemas.microsoft.com/office/drawing/2014/main" id="{37B70C72-CB15-F302-336F-F0C522449246}"/>
+              </a:ext>
+            </a:extLst>
+          </p:cNvPr>
+          <p:cNvPicPr>
+            <a:picLocks noChangeAspect="1"/>
+          </p:cNvPicPr>
+          <p:nvPr/>
+        </p:nvPicPr>
+        <p:blipFill>
+          <a:blip r:embed="rId6"/>
+          <a:stretch>
+            <a:fillRect/>
+          </a:stretch>
+        </p:blipFill>
+        <p:spPr>
+          <a:xfrm>
+            <a:off x="6223592" y="2839204"/>
+            <a:ext cx="1709126" cy="932634"/>
+          </a:xfrm>
+          <a:prstGeom prst="rect">
+            <a:avLst/>
+          </a:prstGeom>
+        </p:spPr>
+      </p:pic>
+      <p:pic>
+        <p:nvPicPr>
+          <p:cNvPr id="13" name="Picture 12">
+            <a:extLst>
+              <a:ext uri="{FF2B5EF4-FFF2-40B4-BE49-F238E27FC236}">
+                <a16:creationId xmlns:a16="http://schemas.microsoft.com/office/drawing/2014/main" id="{73340FCF-27B2-BDEC-67E4-59508BB11D07}"/>
+              </a:ext>
+            </a:extLst>
+          </p:cNvPr>
+          <p:cNvPicPr>
+            <a:picLocks noChangeAspect="1"/>
+          </p:cNvPicPr>
+          <p:nvPr/>
+        </p:nvPicPr>
+        <p:blipFill>
+          <a:blip r:embed="rId7"/>
+          <a:stretch>
+            <a:fillRect/>
+          </a:stretch>
+        </p:blipFill>
+        <p:spPr>
+          <a:xfrm>
+            <a:off x="3899791" y="3723487"/>
+            <a:ext cx="2196210" cy="914617"/>
+          </a:xfrm>
+          <a:prstGeom prst="rect">
+            <a:avLst/>
+          </a:prstGeom>
+        </p:spPr>
+      </p:pic>
+      <p:pic>
+        <p:nvPicPr>
+          <p:cNvPr id="15" name="Picture 14">
+            <a:extLst>
+              <a:ext uri="{FF2B5EF4-FFF2-40B4-BE49-F238E27FC236}">
+                <a16:creationId xmlns:a16="http://schemas.microsoft.com/office/drawing/2014/main" id="{7C886E84-2592-F311-C800-1E359BC2C410}"/>
+              </a:ext>
+            </a:extLst>
+          </p:cNvPr>
+          <p:cNvPicPr>
+            <a:picLocks noChangeAspect="1"/>
+          </p:cNvPicPr>
+          <p:nvPr/>
+        </p:nvPicPr>
+        <p:blipFill>
+          <a:blip r:embed="rId8"/>
+          <a:stretch>
+            <a:fillRect/>
+          </a:stretch>
+        </p:blipFill>
+        <p:spPr>
+          <a:xfrm>
+            <a:off x="6223591" y="3771838"/>
+            <a:ext cx="1707757" cy="932634"/>
+          </a:xfrm>
+          <a:prstGeom prst="rect">
+            <a:avLst/>
+          </a:prstGeom>
+        </p:spPr>
+      </p:pic>
+      <p:pic>
+        <p:nvPicPr>
+          <p:cNvPr id="17" name="Picture 16">
+            <a:extLst>
+              <a:ext uri="{FF2B5EF4-FFF2-40B4-BE49-F238E27FC236}">
+                <a16:creationId xmlns:a16="http://schemas.microsoft.com/office/drawing/2014/main" id="{5571FFE2-0BBF-1AAC-46A7-6375545D9714}"/>
+              </a:ext>
+            </a:extLst>
+          </p:cNvPr>
+          <p:cNvPicPr>
+            <a:picLocks noChangeAspect="1"/>
+          </p:cNvPicPr>
+          <p:nvPr/>
+        </p:nvPicPr>
+        <p:blipFill>
+          <a:blip r:embed="rId9"/>
+          <a:stretch>
+            <a:fillRect/>
+          </a:stretch>
+        </p:blipFill>
+        <p:spPr>
+          <a:xfrm>
+            <a:off x="3899791" y="4638104"/>
+            <a:ext cx="2196210" cy="913220"/>
+          </a:xfrm>
+          <a:prstGeom prst="rect">
+            <a:avLst/>
+          </a:prstGeom>
+        </p:spPr>
+      </p:pic>
+      <p:pic>
+        <p:nvPicPr>
+          <p:cNvPr id="19" name="Picture 18">
+            <a:extLst>
+              <a:ext uri="{FF2B5EF4-FFF2-40B4-BE49-F238E27FC236}">
+                <a16:creationId xmlns:a16="http://schemas.microsoft.com/office/drawing/2014/main" id="{1D7FAE4F-F229-94CD-CE98-0A0F20553551}"/>
+              </a:ext>
+            </a:extLst>
+          </p:cNvPr>
+          <p:cNvPicPr>
+            <a:picLocks noChangeAspect="1"/>
+          </p:cNvPicPr>
+          <p:nvPr/>
+        </p:nvPicPr>
+        <p:blipFill>
+          <a:blip r:embed="rId10"/>
+          <a:stretch>
+            <a:fillRect/>
+          </a:stretch>
+        </p:blipFill>
+        <p:spPr>
+          <a:xfrm>
+            <a:off x="6223591" y="4704472"/>
+            <a:ext cx="1707757" cy="594552"/>
+          </a:xfrm>
+          <a:prstGeom prst="rect">
+            <a:avLst/>
+          </a:prstGeom>
+        </p:spPr>
+      </p:pic>
+      <p:pic>
+        <p:nvPicPr>
+          <p:cNvPr id="21" name="Picture 20">
+            <a:extLst>
+              <a:ext uri="{FF2B5EF4-FFF2-40B4-BE49-F238E27FC236}">
+                <a16:creationId xmlns:a16="http://schemas.microsoft.com/office/drawing/2014/main" id="{E5B9434A-D1BA-2F17-9F81-BF32DF13DE2E}"/>
+              </a:ext>
+            </a:extLst>
+          </p:cNvPr>
+          <p:cNvPicPr>
+            <a:picLocks noChangeAspect="1"/>
+          </p:cNvPicPr>
+          <p:nvPr/>
+        </p:nvPicPr>
+        <p:blipFill>
+          <a:blip r:embed="rId11"/>
+          <a:stretch>
+            <a:fillRect/>
+          </a:stretch>
+        </p:blipFill>
+        <p:spPr>
+          <a:xfrm>
+            <a:off x="3899791" y="5551324"/>
+            <a:ext cx="2196210" cy="915556"/>
+          </a:xfrm>
+          <a:prstGeom prst="rect">
+            <a:avLst/>
+          </a:prstGeom>
+        </p:spPr>
+      </p:pic>
+    </p:spTree>
+    <p:extLst>
+      <p:ext uri="{BB962C8B-B14F-4D97-AF65-F5344CB8AC3E}">
+        <p14:creationId xmlns:p14="http://schemas.microsoft.com/office/powerpoint/2010/main" val="3954801614"/>
+      </p:ext>
+    </p:extLst>
+  </p:cSld>
+  <p:clrMapOvr>
+    <a:masterClrMapping/>
+  </p:clrMapOvr>
+</p:sld>
+</file>
+
+<file path=ppt/slides/slide18.xml><?xml version="1.0" encoding="utf-8"?>
+<p:sld xmlns:a="http://schemas.openxmlformats.org/drawingml/2006/main" xmlns:r="http://schemas.openxmlformats.org/officeDocument/2006/relationships" xmlns:p="http://schemas.openxmlformats.org/presentationml/2006/main">
+  <p:cSld>
+    <p:bg>
+      <p:bgPr>
+        <a:solidFill>
+          <a:schemeClr val="bg1"/>
+        </a:solidFill>
+        <a:effectLst/>
+      </p:bgPr>
+    </p:bg>
+    <p:spTree>
+      <p:nvGrpSpPr>
+        <p:cNvPr id="1" name=""/>
+        <p:cNvGrpSpPr/>
+        <p:nvPr/>
+      </p:nvGrpSpPr>
+      <p:grpSpPr>
+        <a:xfrm>
+          <a:off x="0" y="0"/>
+          <a:ext cx="0" cy="0"/>
+          <a:chOff x="0" y="0"/>
+          <a:chExt cx="0" cy="0"/>
+        </a:xfrm>
+      </p:grpSpPr>
+      <p:sp useBgFill="1">
+        <p:nvSpPr>
+          <p:cNvPr id="8" name="Rectangle 7">
+            <a:extLst>
+              <a:ext uri="{FF2B5EF4-FFF2-40B4-BE49-F238E27FC236}">
+                <a16:creationId xmlns:a16="http://schemas.microsoft.com/office/drawing/2014/main" id="{A8384FB5-9ADC-4DDC-881B-597D56F5B15D}"/>
+              </a:ext>
+              <a:ext uri="{C183D7F6-B498-43B3-948B-1728B52AA6E4}">
+                <adec:decorative xmlns:adec="http://schemas.microsoft.com/office/drawing/2017/decorative" val="1"/>
+              </a:ext>
+            </a:extLst>
+          </p:cNvPr>
+          <p:cNvSpPr>
+            <a:spLocks noGrp="1" noRot="1" noChangeAspect="1" noMove="1" noResize="1" noEditPoints="1" noAdjustHandles="1" noChangeArrowheads="1" noChangeShapeType="1" noTextEdit="1"/>
+          </p:cNvSpPr>
+          <p:nvPr>
+            <p:extLst>
+              <p:ext uri="{386F3935-93C4-4BCD-93E2-E3B085C9AB24}">
+                <p16:designElem xmlns:p16="http://schemas.microsoft.com/office/powerpoint/2015/main" val="1"/>
+              </p:ext>
+            </p:extLst>
+          </p:nvPr>
+        </p:nvSpPr>
+        <p:spPr>
+          <a:xfrm>
+            <a:off x="0" y="0"/>
+            <a:ext cx="12192000" cy="6858000"/>
+          </a:xfrm>
+          <a:prstGeom prst="rect">
+            <a:avLst/>
+          </a:prstGeom>
+          <a:ln w="12700" cap="flat" cmpd="sng" algn="ctr">
+            <a:noFill/>
+            <a:prstDash val="solid"/>
+            <a:miter lim="800000"/>
+          </a:ln>
+          <a:effectLst/>
+          <a:extLst>
+            <a:ext uri="{91240B29-F687-4F45-9708-019B960494DF}">
+              <a14:hiddenLine xmlns:a14="http://schemas.microsoft.com/office/drawing/2010/main" w="12700" cap="flat" cmpd="sng" algn="ctr">
+                <a:solidFill>
+                  <a:schemeClr val="accent1">
+                    <a:shade val="50000"/>
+                  </a:schemeClr>
+                </a:solidFill>
+                <a:prstDash val="solid"/>
+                <a:miter lim="800000"/>
+              </a14:hiddenLine>
+            </a:ext>
+          </a:extLst>
+        </p:spPr>
+        <p:style>
+          <a:lnRef idx="2">
+            <a:schemeClr val="accent1">
+              <a:shade val="50000"/>
+            </a:schemeClr>
+          </a:lnRef>
+          <a:fillRef idx="1">
+            <a:schemeClr val="accent1"/>
+          </a:fillRef>
+          <a:effectRef idx="0">
+            <a:schemeClr val="accent1"/>
+          </a:effectRef>
+          <a:fontRef idx="minor">
+            <a:schemeClr val="lt1"/>
+          </a:fontRef>
+        </p:style>
+        <p:txBody>
+          <a:bodyPr rtlCol="0" anchor="ctr"/>
+          <a:lstStyle/>
+          <a:p>
+            <a:pPr algn="ctr"/>
+            <a:endParaRPr lang="en-US"/>
+          </a:p>
+        </p:txBody>
+      </p:sp>
+      <p:sp>
+        <p:nvSpPr>
+          <p:cNvPr id="10" name="Rectangle 9">
             <a:extLst>
               <a:ext uri="{FF2B5EF4-FFF2-40B4-BE49-F238E27FC236}">
                 <a16:creationId xmlns:a16="http://schemas.microsoft.com/office/drawing/2014/main" id="{1199E1B1-A8C0-4FE8-A5A8-1CB41D69F857}"/>
@@ -20101,7 +23454,7 @@
       </p:sp>
       <p:sp>
         <p:nvSpPr>
-          <p:cNvPr id="115" name="Rectangle 114">
+          <p:cNvPr id="12" name="Rectangle 11">
             <a:extLst>
               <a:ext uri="{FF2B5EF4-FFF2-40B4-BE49-F238E27FC236}">
                 <a16:creationId xmlns:a16="http://schemas.microsoft.com/office/drawing/2014/main" id="{84A8DE83-DE75-4B41-9DB4-A7EC0B0DEC0B}"/>
@@ -20178,7 +23531,7 @@
       </p:sp>
       <p:sp>
         <p:nvSpPr>
-          <p:cNvPr id="116" name="Rectangle 115">
+          <p:cNvPr id="14" name="Rectangle 13">
             <a:extLst>
               <a:ext uri="{FF2B5EF4-FFF2-40B4-BE49-F238E27FC236}">
                 <a16:creationId xmlns:a16="http://schemas.microsoft.com/office/drawing/2014/main" id="{A7009A0A-BEF5-4EAC-AF15-E4F9F002E239}"/>
@@ -20253,742 +23606,6 @@
       </p:sp>
       <p:sp>
         <p:nvSpPr>
-          <p:cNvPr id="91" name="Google Shape;91;p19"/>
-          <p:cNvSpPr txBox="1">
-            <a:spLocks noGrp="1"/>
-          </p:cNvSpPr>
-          <p:nvPr>
-            <p:ph type="title"/>
-          </p:nvPr>
-        </p:nvSpPr>
-        <p:spPr>
-          <a:xfrm>
-            <a:off x="699713" y="248038"/>
-            <a:ext cx="7063721" cy="1159200"/>
-          </a:xfrm>
-          <a:prstGeom prst="rect">
-            <a:avLst/>
-          </a:prstGeom>
-        </p:spPr>
-        <p:txBody>
-          <a:bodyPr spcFirstLastPara="1" vert="horz" lIns="91440" tIns="45720" rIns="91440" bIns="45720" rtlCol="0" anchor="ctr" anchorCtr="0">
-            <a:normAutofit/>
-          </a:bodyPr>
-          <a:lstStyle/>
-          <a:p>
-            <a:pPr>
-              <a:spcBef>
-                <a:spcPct val="0"/>
-              </a:spcBef>
-            </a:pPr>
-            <a:r>
-              <a:rPr lang="en-US" sz="4000" kern="1200" dirty="0">
-                <a:solidFill>
-                  <a:srgbClr val="FFFFFF"/>
-                </a:solidFill>
-                <a:latin typeface="+mj-lt"/>
-                <a:ea typeface="+mj-ea"/>
-                <a:cs typeface="+mj-cs"/>
-              </a:rPr>
-              <a:t>Instruction/Welcome - Test Plan</a:t>
-            </a:r>
-          </a:p>
-        </p:txBody>
-      </p:sp>
-      <p:graphicFrame>
-        <p:nvGraphicFramePr>
-          <p:cNvPr id="92" name="Google Shape;92;p19"/>
-          <p:cNvGraphicFramePr/>
-          <p:nvPr/>
-        </p:nvGraphicFramePr>
-        <p:xfrm>
-          <a:off x="540185" y="1966293"/>
-          <a:ext cx="11111629" cy="4452162"/>
-        </p:xfrm>
-        <a:graphic>
-          <a:graphicData uri="http://schemas.openxmlformats.org/drawingml/2006/table">
-            <a:tbl>
-              <a:tblPr firstRow="1" bandRow="1">
-                <a:noFill/>
-              </a:tblPr>
-              <a:tblGrid>
-                <a:gridCol w="6014504">
-                  <a:extLst>
-                    <a:ext uri="{9D8B030D-6E8A-4147-A177-3AD203B41FA5}">
-                      <a16:colId xmlns:a16="http://schemas.microsoft.com/office/drawing/2014/main" val="20000"/>
-                    </a:ext>
-                  </a:extLst>
-                </a:gridCol>
-                <a:gridCol w="5097125">
-                  <a:extLst>
-                    <a:ext uri="{9D8B030D-6E8A-4147-A177-3AD203B41FA5}">
-                      <a16:colId xmlns:a16="http://schemas.microsoft.com/office/drawing/2014/main" val="20001"/>
-                    </a:ext>
-                  </a:extLst>
-                </a:gridCol>
-              </a:tblGrid>
-              <a:tr h="742027">
-                <a:tc>
-                  <a:txBody>
-                    <a:bodyPr/>
-                    <a:lstStyle/>
-                    <a:p>
-                      <a:pPr marL="0" lvl="0" indent="0" algn="l" rtl="0">
-                        <a:spcBef>
-                          <a:spcPts val="0"/>
-                        </a:spcBef>
-                        <a:spcAft>
-                          <a:spcPts val="0"/>
-                        </a:spcAft>
-                        <a:buNone/>
-                      </a:pPr>
-                      <a:r>
-                        <a:rPr lang="en" sz="2800" b="1"/>
-                        <a:t>Test Cases - input</a:t>
-                      </a:r>
-                      <a:endParaRPr sz="2800" b="1"/>
-                    </a:p>
-                  </a:txBody>
-                  <a:tcPr marL="139991" marR="139991" marT="139991" marB="139991">
-                    <a:solidFill>
-                      <a:srgbClr val="CCCCCC"/>
-                    </a:solidFill>
-                  </a:tcPr>
-                </a:tc>
-                <a:tc>
-                  <a:txBody>
-                    <a:bodyPr/>
-                    <a:lstStyle/>
-                    <a:p>
-                      <a:pPr marL="0" lvl="0" indent="0" algn="l" rtl="0">
-                        <a:spcBef>
-                          <a:spcPts val="0"/>
-                        </a:spcBef>
-                        <a:spcAft>
-                          <a:spcPts val="0"/>
-                        </a:spcAft>
-                        <a:buNone/>
-                      </a:pPr>
-                      <a:r>
-                        <a:rPr lang="en" sz="2800" b="1"/>
-                        <a:t>Expected output</a:t>
-                      </a:r>
-                      <a:endParaRPr sz="2800" b="1"/>
-                    </a:p>
-                  </a:txBody>
-                  <a:tcPr marL="139991" marR="139991" marT="139991" marB="139991">
-                    <a:solidFill>
-                      <a:srgbClr val="CCCCCC"/>
-                    </a:solidFill>
-                  </a:tcPr>
-                </a:tc>
-                <a:extLst>
-                  <a:ext uri="{0D108BD9-81ED-4DB2-BD59-A6C34878D82A}">
-                    <a16:rowId xmlns:a16="http://schemas.microsoft.com/office/drawing/2014/main" val="10000"/>
-                  </a:ext>
-                </a:extLst>
-              </a:tr>
-              <a:tr h="742027">
-                <a:tc>
-                  <a:txBody>
-                    <a:bodyPr/>
-                    <a:lstStyle/>
-                    <a:p>
-                      <a:pPr marL="0" lvl="0" indent="0" algn="l" rtl="0">
-                        <a:spcBef>
-                          <a:spcPts val="0"/>
-                        </a:spcBef>
-                        <a:spcAft>
-                          <a:spcPts val="0"/>
-                        </a:spcAft>
-                        <a:buNone/>
-                      </a:pPr>
-                      <a:r>
-                        <a:rPr lang="en-NZ" sz="2800"/>
-                        <a:t>Ok</a:t>
-                      </a:r>
-                    </a:p>
-                  </a:txBody>
-                  <a:tcPr marL="139991" marR="139991" marT="139991" marB="139991"/>
-                </a:tc>
-                <a:tc>
-                  <a:txBody>
-                    <a:bodyPr/>
-                    <a:lstStyle/>
-                    <a:p>
-                      <a:pPr marL="0" lvl="0" indent="0" algn="l" rtl="0">
-                        <a:spcBef>
-                          <a:spcPts val="0"/>
-                        </a:spcBef>
-                        <a:spcAft>
-                          <a:spcPts val="0"/>
-                        </a:spcAft>
-                        <a:buNone/>
-                      </a:pPr>
-                      <a:r>
-                        <a:rPr lang="en-NZ" sz="2800"/>
-                        <a:t>Program Continues</a:t>
-                      </a:r>
-                    </a:p>
-                  </a:txBody>
-                  <a:tcPr marL="139991" marR="139991" marT="139991" marB="139991"/>
-                </a:tc>
-                <a:extLst>
-                  <a:ext uri="{0D108BD9-81ED-4DB2-BD59-A6C34878D82A}">
-                    <a16:rowId xmlns:a16="http://schemas.microsoft.com/office/drawing/2014/main" val="10001"/>
-                  </a:ext>
-                </a:extLst>
-              </a:tr>
-              <a:tr h="742027">
-                <a:tc>
-                  <a:txBody>
-                    <a:bodyPr/>
-                    <a:lstStyle/>
-                    <a:p>
-                      <a:pPr marL="0" lvl="0" indent="0" algn="l" rtl="0">
-                        <a:spcBef>
-                          <a:spcPts val="0"/>
-                        </a:spcBef>
-                        <a:spcAft>
-                          <a:spcPts val="0"/>
-                        </a:spcAft>
-                        <a:buNone/>
-                      </a:pPr>
-                      <a:r>
-                        <a:rPr lang="en-NZ" sz="2800"/>
-                        <a:t>Add Combo</a:t>
-                      </a:r>
-                    </a:p>
-                  </a:txBody>
-                  <a:tcPr marL="139991" marR="139991" marT="139991" marB="139991"/>
-                </a:tc>
-                <a:tc>
-                  <a:txBody>
-                    <a:bodyPr/>
-                    <a:lstStyle/>
-                    <a:p>
-                      <a:pPr marL="0" lvl="0" indent="0" algn="l" rtl="0">
-                        <a:spcBef>
-                          <a:spcPts val="0"/>
-                        </a:spcBef>
-                        <a:spcAft>
-                          <a:spcPts val="0"/>
-                        </a:spcAft>
-                        <a:buNone/>
-                      </a:pPr>
-                      <a:r>
-                        <a:rPr lang="en-NZ" sz="2800"/>
-                        <a:t>Program Continues</a:t>
-                      </a:r>
-                    </a:p>
-                  </a:txBody>
-                  <a:tcPr marL="139991" marR="139991" marT="139991" marB="139991"/>
-                </a:tc>
-                <a:extLst>
-                  <a:ext uri="{0D108BD9-81ED-4DB2-BD59-A6C34878D82A}">
-                    <a16:rowId xmlns:a16="http://schemas.microsoft.com/office/drawing/2014/main" val="4257040270"/>
-                  </a:ext>
-                </a:extLst>
-              </a:tr>
-              <a:tr h="742027">
-                <a:tc>
-                  <a:txBody>
-                    <a:bodyPr/>
-                    <a:lstStyle/>
-                    <a:p>
-                      <a:pPr marL="0" lvl="0" indent="0" algn="l" rtl="0">
-                        <a:spcBef>
-                          <a:spcPts val="0"/>
-                        </a:spcBef>
-                        <a:spcAft>
-                          <a:spcPts val="0"/>
-                        </a:spcAft>
-                        <a:buNone/>
-                      </a:pPr>
-                      <a:r>
-                        <a:rPr lang="en-NZ" sz="2800"/>
-                        <a:t>Search for Combo</a:t>
-                      </a:r>
-                    </a:p>
-                  </a:txBody>
-                  <a:tcPr marL="139991" marR="139991" marT="139991" marB="139991"/>
-                </a:tc>
-                <a:tc>
-                  <a:txBody>
-                    <a:bodyPr/>
-                    <a:lstStyle/>
-                    <a:p>
-                      <a:pPr marL="0" lvl="0" indent="0" algn="l" rtl="0">
-                        <a:spcBef>
-                          <a:spcPts val="0"/>
-                        </a:spcBef>
-                        <a:spcAft>
-                          <a:spcPts val="0"/>
-                        </a:spcAft>
-                        <a:buNone/>
-                      </a:pPr>
-                      <a:r>
-                        <a:rPr lang="en-NZ" sz="2800"/>
-                        <a:t>Program Continues</a:t>
-                      </a:r>
-                    </a:p>
-                  </a:txBody>
-                  <a:tcPr marL="139991" marR="139991" marT="139991" marB="139991"/>
-                </a:tc>
-                <a:extLst>
-                  <a:ext uri="{0D108BD9-81ED-4DB2-BD59-A6C34878D82A}">
-                    <a16:rowId xmlns:a16="http://schemas.microsoft.com/office/drawing/2014/main" val="584342243"/>
-                  </a:ext>
-                </a:extLst>
-              </a:tr>
-              <a:tr h="742027">
-                <a:tc>
-                  <a:txBody>
-                    <a:bodyPr/>
-                    <a:lstStyle/>
-                    <a:p>
-                      <a:pPr marL="0" lvl="0" indent="0" algn="l" rtl="0">
-                        <a:spcBef>
-                          <a:spcPts val="0"/>
-                        </a:spcBef>
-                        <a:spcAft>
-                          <a:spcPts val="0"/>
-                        </a:spcAft>
-                        <a:buNone/>
-                      </a:pPr>
-                      <a:r>
-                        <a:rPr lang="en-NZ" sz="2800"/>
-                        <a:t>Delete Combo</a:t>
-                      </a:r>
-                    </a:p>
-                  </a:txBody>
-                  <a:tcPr marL="139991" marR="139991" marT="139991" marB="139991"/>
-                </a:tc>
-                <a:tc>
-                  <a:txBody>
-                    <a:bodyPr/>
-                    <a:lstStyle/>
-                    <a:p>
-                      <a:pPr marL="0" lvl="0" indent="0" algn="l" rtl="0">
-                        <a:spcBef>
-                          <a:spcPts val="0"/>
-                        </a:spcBef>
-                        <a:spcAft>
-                          <a:spcPts val="0"/>
-                        </a:spcAft>
-                        <a:buNone/>
-                      </a:pPr>
-                      <a:r>
-                        <a:rPr lang="en-NZ" sz="2800"/>
-                        <a:t>Program Continues</a:t>
-                      </a:r>
-                    </a:p>
-                  </a:txBody>
-                  <a:tcPr marL="139991" marR="139991" marT="139991" marB="139991"/>
-                </a:tc>
-                <a:extLst>
-                  <a:ext uri="{0D108BD9-81ED-4DB2-BD59-A6C34878D82A}">
-                    <a16:rowId xmlns:a16="http://schemas.microsoft.com/office/drawing/2014/main" val="273472111"/>
-                  </a:ext>
-                </a:extLst>
-              </a:tr>
-              <a:tr h="742027">
-                <a:tc>
-                  <a:txBody>
-                    <a:bodyPr/>
-                    <a:lstStyle/>
-                    <a:p>
-                      <a:pPr marL="0" lvl="0" indent="0" algn="l" rtl="0">
-                        <a:spcBef>
-                          <a:spcPts val="0"/>
-                        </a:spcBef>
-                        <a:spcAft>
-                          <a:spcPts val="0"/>
-                        </a:spcAft>
-                        <a:buNone/>
-                      </a:pPr>
-                      <a:r>
-                        <a:rPr lang="en-NZ" sz="2800"/>
-                        <a:t>Print Full Combo Menu</a:t>
-                      </a:r>
-                    </a:p>
-                  </a:txBody>
-                  <a:tcPr marL="139991" marR="139991" marT="139991" marB="139991"/>
-                </a:tc>
-                <a:tc>
-                  <a:txBody>
-                    <a:bodyPr/>
-                    <a:lstStyle/>
-                    <a:p>
-                      <a:pPr marL="0" lvl="0" indent="0" algn="l" rtl="0">
-                        <a:spcBef>
-                          <a:spcPts val="0"/>
-                        </a:spcBef>
-                        <a:spcAft>
-                          <a:spcPts val="0"/>
-                        </a:spcAft>
-                        <a:buNone/>
-                      </a:pPr>
-                      <a:r>
-                        <a:rPr lang="en-NZ" sz="2800"/>
-                        <a:t>Program Continues</a:t>
-                      </a:r>
-                    </a:p>
-                  </a:txBody>
-                  <a:tcPr marL="139991" marR="139991" marT="139991" marB="139991"/>
-                </a:tc>
-                <a:extLst>
-                  <a:ext uri="{0D108BD9-81ED-4DB2-BD59-A6C34878D82A}">
-                    <a16:rowId xmlns:a16="http://schemas.microsoft.com/office/drawing/2014/main" val="1216602426"/>
-                  </a:ext>
-                </a:extLst>
-              </a:tr>
-            </a:tbl>
-          </a:graphicData>
-        </a:graphic>
-      </p:graphicFrame>
-    </p:spTree>
-    <p:extLst>
-      <p:ext uri="{BB962C8B-B14F-4D97-AF65-F5344CB8AC3E}">
-        <p14:creationId xmlns:p14="http://schemas.microsoft.com/office/powerpoint/2010/main" val="2182793016"/>
-      </p:ext>
-    </p:extLst>
-  </p:cSld>
-  <p:clrMapOvr>
-    <a:masterClrMapping/>
-  </p:clrMapOvr>
-</p:sld>
-</file>
-
-<file path=ppt/slides/slide17.xml><?xml version="1.0" encoding="utf-8"?>
-<p:sld xmlns:a="http://schemas.openxmlformats.org/drawingml/2006/main" xmlns:r="http://schemas.openxmlformats.org/officeDocument/2006/relationships" xmlns:p="http://schemas.openxmlformats.org/presentationml/2006/main">
-  <p:cSld>
-    <p:bg>
-      <p:bgPr>
-        <a:solidFill>
-          <a:schemeClr val="bg1"/>
-        </a:solidFill>
-        <a:effectLst/>
-      </p:bgPr>
-    </p:bg>
-    <p:spTree>
-      <p:nvGrpSpPr>
-        <p:cNvPr id="1" name=""/>
-        <p:cNvGrpSpPr/>
-        <p:nvPr/>
-      </p:nvGrpSpPr>
-      <p:grpSpPr>
-        <a:xfrm>
-          <a:off x="0" y="0"/>
-          <a:ext cx="0" cy="0"/>
-          <a:chOff x="0" y="0"/>
-          <a:chExt cx="0" cy="0"/>
-        </a:xfrm>
-      </p:grpSpPr>
-      <p:sp useBgFill="1">
-        <p:nvSpPr>
-          <p:cNvPr id="27" name="Rectangle 26">
-            <a:extLst>
-              <a:ext uri="{FF2B5EF4-FFF2-40B4-BE49-F238E27FC236}">
-                <a16:creationId xmlns:a16="http://schemas.microsoft.com/office/drawing/2014/main" id="{BACC6370-2D7E-4714-9D71-7542949D7D5D}"/>
-              </a:ext>
-              <a:ext uri="{C183D7F6-B498-43B3-948B-1728B52AA6E4}">
-                <adec:decorative xmlns:adec="http://schemas.microsoft.com/office/drawing/2017/decorative" val="1"/>
-              </a:ext>
-            </a:extLst>
-          </p:cNvPr>
-          <p:cNvSpPr>
-            <a:spLocks noGrp="1" noRot="1" noChangeAspect="1" noMove="1" noResize="1" noEditPoints="1" noAdjustHandles="1" noChangeArrowheads="1" noChangeShapeType="1" noTextEdit="1"/>
-          </p:cNvSpPr>
-          <p:nvPr>
-            <p:extLst>
-              <p:ext uri="{386F3935-93C4-4BCD-93E2-E3B085C9AB24}">
-                <p16:designElem xmlns:p16="http://schemas.microsoft.com/office/powerpoint/2015/main" val="1"/>
-              </p:ext>
-            </p:extLst>
-          </p:nvPr>
-        </p:nvSpPr>
-        <p:spPr>
-          <a:xfrm>
-            <a:off x="0" y="0"/>
-            <a:ext cx="12192000" cy="6858000"/>
-          </a:xfrm>
-          <a:prstGeom prst="rect">
-            <a:avLst/>
-          </a:prstGeom>
-          <a:ln w="12700" cap="flat" cmpd="sng" algn="ctr">
-            <a:noFill/>
-            <a:prstDash val="solid"/>
-            <a:miter lim="800000"/>
-          </a:ln>
-          <a:effectLst/>
-          <a:extLst>
-            <a:ext uri="{91240B29-F687-4F45-9708-019B960494DF}">
-              <a14:hiddenLine xmlns:a14="http://schemas.microsoft.com/office/drawing/2010/main" w="12700" cap="flat" cmpd="sng" algn="ctr">
-                <a:solidFill>
-                  <a:schemeClr val="accent1">
-                    <a:shade val="50000"/>
-                  </a:schemeClr>
-                </a:solidFill>
-                <a:prstDash val="solid"/>
-                <a:miter lim="800000"/>
-              </a14:hiddenLine>
-            </a:ext>
-          </a:extLst>
-        </p:spPr>
-        <p:style>
-          <a:lnRef idx="2">
-            <a:schemeClr val="accent1">
-              <a:shade val="50000"/>
-            </a:schemeClr>
-          </a:lnRef>
-          <a:fillRef idx="1">
-            <a:schemeClr val="accent1"/>
-          </a:fillRef>
-          <a:effectRef idx="0">
-            <a:schemeClr val="accent1"/>
-          </a:effectRef>
-          <a:fontRef idx="minor">
-            <a:schemeClr val="lt1"/>
-          </a:fontRef>
-        </p:style>
-        <p:txBody>
-          <a:bodyPr rtlCol="0" anchor="ctr"/>
-          <a:lstStyle/>
-          <a:p>
-            <a:pPr algn="ctr"/>
-            <a:endParaRPr lang="en-US"/>
-          </a:p>
-        </p:txBody>
-      </p:sp>
-      <p:sp>
-        <p:nvSpPr>
-          <p:cNvPr id="28" name="Rectangle 27">
-            <a:extLst>
-              <a:ext uri="{FF2B5EF4-FFF2-40B4-BE49-F238E27FC236}">
-                <a16:creationId xmlns:a16="http://schemas.microsoft.com/office/drawing/2014/main" id="{F68B3F68-107C-434F-AA38-110D5EA91B85}"/>
-              </a:ext>
-              <a:ext uri="{C183D7F6-B498-43B3-948B-1728B52AA6E4}">
-                <adec:decorative xmlns:adec="http://schemas.microsoft.com/office/drawing/2017/decorative" val="1"/>
-              </a:ext>
-            </a:extLst>
-          </p:cNvPr>
-          <p:cNvSpPr>
-            <a:spLocks noGrp="1" noRot="1" noChangeAspect="1" noMove="1" noResize="1" noEditPoints="1" noAdjustHandles="1" noChangeArrowheads="1" noChangeShapeType="1" noTextEdit="1"/>
-          </p:cNvSpPr>
-          <p:nvPr>
-            <p:extLst>
-              <p:ext uri="{386F3935-93C4-4BCD-93E2-E3B085C9AB24}">
-                <p16:designElem xmlns:p16="http://schemas.microsoft.com/office/powerpoint/2015/main" val="1"/>
-              </p:ext>
-            </p:extLst>
-          </p:nvPr>
-        </p:nvSpPr>
-        <p:spPr>
-          <a:xfrm flipH="1">
-            <a:off x="2" y="0"/>
-            <a:ext cx="12191998" cy="1575955"/>
-          </a:xfrm>
-          <a:prstGeom prst="rect">
-            <a:avLst/>
-          </a:prstGeom>
-          <a:gradFill>
-            <a:gsLst>
-              <a:gs pos="0">
-                <a:srgbClr val="000000">
-                  <a:alpha val="96000"/>
-                </a:srgbClr>
-              </a:gs>
-              <a:gs pos="100000">
-                <a:schemeClr val="accent1">
-                  <a:lumMod val="75000"/>
-                </a:schemeClr>
-              </a:gs>
-            </a:gsLst>
-            <a:lin ang="8400000" scaled="0"/>
-          </a:gradFill>
-          <a:ln>
-            <a:noFill/>
-          </a:ln>
-        </p:spPr>
-        <p:style>
-          <a:lnRef idx="2">
-            <a:schemeClr val="accent1">
-              <a:shade val="50000"/>
-            </a:schemeClr>
-          </a:lnRef>
-          <a:fillRef idx="1">
-            <a:schemeClr val="accent1"/>
-          </a:fillRef>
-          <a:effectRef idx="0">
-            <a:schemeClr val="accent1"/>
-          </a:effectRef>
-          <a:fontRef idx="minor">
-            <a:schemeClr val="lt1"/>
-          </a:fontRef>
-        </p:style>
-        <p:txBody>
-          <a:bodyPr rtlCol="0" anchor="ctr"/>
-          <a:lstStyle/>
-          <a:p>
-            <a:pPr algn="ctr"/>
-            <a:endParaRPr lang="en-US"/>
-          </a:p>
-        </p:txBody>
-      </p:sp>
-      <p:sp>
-        <p:nvSpPr>
-          <p:cNvPr id="29" name="Rectangle 28">
-            <a:extLst>
-              <a:ext uri="{FF2B5EF4-FFF2-40B4-BE49-F238E27FC236}">
-                <a16:creationId xmlns:a16="http://schemas.microsoft.com/office/drawing/2014/main" id="{AAD0DBB9-1A4B-4391-81D4-CB19F9AB918A}"/>
-              </a:ext>
-              <a:ext uri="{C183D7F6-B498-43B3-948B-1728B52AA6E4}">
-                <adec:decorative xmlns:adec="http://schemas.microsoft.com/office/drawing/2017/decorative" val="1"/>
-              </a:ext>
-            </a:extLst>
-          </p:cNvPr>
-          <p:cNvSpPr>
-            <a:spLocks noGrp="1" noRot="1" noChangeAspect="1" noMove="1" noResize="1" noEditPoints="1" noAdjustHandles="1" noChangeArrowheads="1" noChangeShapeType="1" noTextEdit="1"/>
-          </p:cNvSpPr>
-          <p:nvPr>
-            <p:extLst>
-              <p:ext uri="{386F3935-93C4-4BCD-93E2-E3B085C9AB24}">
-                <p16:designElem xmlns:p16="http://schemas.microsoft.com/office/powerpoint/2015/main" val="1"/>
-              </p:ext>
-            </p:extLst>
-          </p:nvPr>
-        </p:nvSpPr>
-        <p:spPr>
-          <a:xfrm rot="10800000" flipH="1">
-            <a:off x="8128857" y="0"/>
-            <a:ext cx="4063143" cy="1576412"/>
-          </a:xfrm>
-          <a:prstGeom prst="rect">
-            <a:avLst/>
-          </a:prstGeom>
-          <a:gradFill>
-            <a:gsLst>
-              <a:gs pos="19000">
-                <a:schemeClr val="accent1">
-                  <a:lumMod val="50000"/>
-                  <a:alpha val="68000"/>
-                </a:schemeClr>
-              </a:gs>
-              <a:gs pos="100000">
-                <a:schemeClr val="accent1">
-                  <a:alpha val="79000"/>
-                </a:schemeClr>
-              </a:gs>
-            </a:gsLst>
-            <a:lin ang="19200000" scaled="0"/>
-          </a:gradFill>
-          <a:ln>
-            <a:noFill/>
-          </a:ln>
-        </p:spPr>
-        <p:style>
-          <a:lnRef idx="2">
-            <a:schemeClr val="accent1">
-              <a:shade val="50000"/>
-            </a:schemeClr>
-          </a:lnRef>
-          <a:fillRef idx="1">
-            <a:schemeClr val="accent1"/>
-          </a:fillRef>
-          <a:effectRef idx="0">
-            <a:schemeClr val="accent1"/>
-          </a:effectRef>
-          <a:fontRef idx="minor">
-            <a:schemeClr val="lt1"/>
-          </a:fontRef>
-        </p:style>
-        <p:txBody>
-          <a:bodyPr rtlCol="0" anchor="ctr"/>
-          <a:lstStyle/>
-          <a:p>
-            <a:pPr algn="ctr"/>
-            <a:endParaRPr lang="en-US"/>
-          </a:p>
-        </p:txBody>
-      </p:sp>
-      <p:sp>
-        <p:nvSpPr>
-          <p:cNvPr id="30" name="Rectangle 29">
-            <a:extLst>
-              <a:ext uri="{FF2B5EF4-FFF2-40B4-BE49-F238E27FC236}">
-                <a16:creationId xmlns:a16="http://schemas.microsoft.com/office/drawing/2014/main" id="{063BBA22-50EA-4C4D-BE05-F1CE4E63AA56}"/>
-              </a:ext>
-              <a:ext uri="{C183D7F6-B498-43B3-948B-1728B52AA6E4}">
-                <adec:decorative xmlns:adec="http://schemas.microsoft.com/office/drawing/2017/decorative" val="1"/>
-              </a:ext>
-            </a:extLst>
-          </p:cNvPr>
-          <p:cNvSpPr>
-            <a:spLocks noGrp="1" noRot="1" noChangeAspect="1" noMove="1" noResize="1" noEditPoints="1" noAdjustHandles="1" noChangeArrowheads="1" noChangeShapeType="1" noTextEdit="1"/>
-          </p:cNvSpPr>
-          <p:nvPr>
-            <p:extLst>
-              <p:ext uri="{386F3935-93C4-4BCD-93E2-E3B085C9AB24}">
-                <p16:designElem xmlns:p16="http://schemas.microsoft.com/office/powerpoint/2015/main" val="1"/>
-              </p:ext>
-            </p:extLst>
-          </p:nvPr>
-        </p:nvSpPr>
-        <p:spPr>
-          <a:xfrm rot="5400000">
-            <a:off x="5307777" y="-5307778"/>
-            <a:ext cx="1576446" cy="12192002"/>
-          </a:xfrm>
-          <a:prstGeom prst="rect">
-            <a:avLst/>
-          </a:prstGeom>
-          <a:gradFill>
-            <a:gsLst>
-              <a:gs pos="23000">
-                <a:schemeClr val="accent1">
-                  <a:alpha val="0"/>
-                </a:schemeClr>
-              </a:gs>
-              <a:gs pos="99000">
-                <a:srgbClr val="000000">
-                  <a:alpha val="74000"/>
-                </a:srgbClr>
-              </a:gs>
-            </a:gsLst>
-            <a:lin ang="20400000" scaled="0"/>
-          </a:gradFill>
-          <a:ln>
-            <a:noFill/>
-          </a:ln>
-        </p:spPr>
-        <p:style>
-          <a:lnRef idx="2">
-            <a:schemeClr val="accent1">
-              <a:shade val="50000"/>
-            </a:schemeClr>
-          </a:lnRef>
-          <a:fillRef idx="1">
-            <a:schemeClr val="accent1"/>
-          </a:fillRef>
-          <a:effectRef idx="0">
-            <a:schemeClr val="accent1"/>
-          </a:effectRef>
-          <a:fontRef idx="minor">
-            <a:schemeClr val="lt1"/>
-          </a:fontRef>
-        </p:style>
-        <p:txBody>
-          <a:bodyPr rtlCol="0" anchor="ctr"/>
-          <a:lstStyle/>
-          <a:p>
-            <a:pPr algn="ctr"/>
-            <a:endParaRPr lang="en-US" dirty="0"/>
-          </a:p>
-        </p:txBody>
-      </p:sp>
-      <p:sp>
-        <p:nvSpPr>
           <p:cNvPr id="2" name="Title 1">
             <a:extLst>
               <a:ext uri="{FF2B5EF4-FFF2-40B4-BE49-F238E27FC236}">
@@ -21005,8 +23622,8 @@
         </p:nvSpPr>
         <p:spPr>
           <a:xfrm>
-            <a:off x="1371597" y="348865"/>
-            <a:ext cx="10044023" cy="877729"/>
+            <a:off x="699713" y="248038"/>
+            <a:ext cx="9578143" cy="1159200"/>
           </a:xfrm>
         </p:spPr>
         <p:txBody>
@@ -21016,15 +23633,7 @@
           <a:lstStyle/>
           <a:p>
             <a:r>
-              <a:rPr lang="en-US" sz="4000" dirty="0">
-                <a:solidFill>
-                  <a:srgbClr val="FFFFFF"/>
-                </a:solidFill>
-              </a:rPr>
-              <a:t>Store/State the Original Combo Meals</a:t>
-            </a:r>
-            <a:r>
-              <a:rPr lang="en-US" sz="4000" kern="1200" dirty="0">
+              <a:rPr lang="en-US" sz="3700" kern="1200" dirty="0">
                 <a:solidFill>
                   <a:srgbClr val="FFFFFF"/>
                 </a:solidFill>
@@ -21032,123 +23641,30 @@
                 <a:ea typeface="+mj-ea"/>
                 <a:cs typeface="+mj-cs"/>
               </a:rPr>
-              <a:t>: Testing </a:t>
-            </a:r>
-          </a:p>
-        </p:txBody>
-      </p:sp>
-    </p:spTree>
-    <p:extLst>
-      <p:ext uri="{BB962C8B-B14F-4D97-AF65-F5344CB8AC3E}">
-        <p14:creationId xmlns:p14="http://schemas.microsoft.com/office/powerpoint/2010/main" val="3954801614"/>
-      </p:ext>
-    </p:extLst>
-  </p:cSld>
-  <p:clrMapOvr>
-    <a:masterClrMapping/>
-  </p:clrMapOvr>
-</p:sld>
-</file>
-
-<file path=ppt/slides/slide18.xml><?xml version="1.0" encoding="utf-8"?>
-<p:sld xmlns:a="http://schemas.openxmlformats.org/drawingml/2006/main" xmlns:r="http://schemas.openxmlformats.org/officeDocument/2006/relationships" xmlns:p="http://schemas.openxmlformats.org/presentationml/2006/main">
-  <p:cSld>
-    <p:spTree>
-      <p:nvGrpSpPr>
-        <p:cNvPr id="1" name=""/>
-        <p:cNvGrpSpPr/>
-        <p:nvPr/>
-      </p:nvGrpSpPr>
-      <p:grpSpPr>
-        <a:xfrm>
-          <a:off x="0" y="0"/>
-          <a:ext cx="0" cy="0"/>
-          <a:chOff x="0" y="0"/>
-          <a:chExt cx="0" cy="0"/>
-        </a:xfrm>
-      </p:grpSpPr>
-      <p:sp>
-        <p:nvSpPr>
-          <p:cNvPr id="2" name="Title 1">
-            <a:extLst>
-              <a:ext uri="{FF2B5EF4-FFF2-40B4-BE49-F238E27FC236}">
-                <a16:creationId xmlns:a16="http://schemas.microsoft.com/office/drawing/2014/main" id="{1CC5D32F-7C18-4D00-8D54-2FB046F0A206}"/>
-              </a:ext>
-            </a:extLst>
-          </p:cNvPr>
-          <p:cNvSpPr>
-            <a:spLocks noGrp="1"/>
-          </p:cNvSpPr>
-          <p:nvPr>
-            <p:ph type="title"/>
-          </p:nvPr>
-        </p:nvSpPr>
-        <p:spPr>
-          <a:xfrm>
-            <a:off x="749300" y="223520"/>
-            <a:ext cx="10515600" cy="806768"/>
-          </a:xfrm>
-        </p:spPr>
-        <p:txBody>
-          <a:bodyPr>
-            <a:normAutofit/>
-          </a:bodyPr>
-          <a:lstStyle/>
-          <a:p>
-            <a:r>
-              <a:rPr lang="en-NZ" sz="4000" dirty="0"/>
-              <a:t>[Component name]: Trialling </a:t>
-            </a:r>
-          </a:p>
-        </p:txBody>
-      </p:sp>
-      <p:sp>
-        <p:nvSpPr>
-          <p:cNvPr id="4" name="TextBox 3">
-            <a:extLst>
-              <a:ext uri="{FF2B5EF4-FFF2-40B4-BE49-F238E27FC236}">
-                <a16:creationId xmlns:a16="http://schemas.microsoft.com/office/drawing/2014/main" id="{8CD07A82-A944-4A9B-9A52-515DAC30878A}"/>
-              </a:ext>
-            </a:extLst>
-          </p:cNvPr>
-          <p:cNvSpPr txBox="1"/>
-          <p:nvPr/>
-        </p:nvSpPr>
-        <p:spPr>
-          <a:xfrm>
-            <a:off x="660400" y="1030288"/>
-            <a:ext cx="10693400" cy="923330"/>
-          </a:xfrm>
-          <a:prstGeom prst="rect">
-            <a:avLst/>
-          </a:prstGeom>
-          <a:noFill/>
-        </p:spPr>
-        <p:txBody>
-          <a:bodyPr wrap="square">
-            <a:spAutoFit/>
-          </a:bodyPr>
-          <a:lstStyle/>
-          <a:p>
-            <a:r>
-              <a:rPr lang="en-NZ" i="1" dirty="0"/>
-              <a:t>NOTE: Trialling needs to happen for </a:t>
+              <a:t>Search for Combo Meal or Item: </a:t>
             </a:r>
             <a:r>
-              <a:rPr lang="en-NZ" b="1" i="1" dirty="0"/>
-              <a:t>at least 2 </a:t>
+              <a:rPr lang="en-US" sz="3700" kern="1200" dirty="0" err="1">
+                <a:solidFill>
+                  <a:srgbClr val="FFFFFF"/>
+                </a:solidFill>
+                <a:latin typeface="+mj-lt"/>
+                <a:ea typeface="+mj-ea"/>
+                <a:cs typeface="+mj-cs"/>
+              </a:rPr>
+              <a:t>Trialling</a:t>
             </a:r>
             <a:r>
-              <a:rPr lang="en-NZ" i="1" dirty="0"/>
-              <a:t>of your components but is not necessary for ALL components.</a:t>
+              <a:rPr lang="en-US" sz="3700" kern="1200" dirty="0">
+                <a:solidFill>
+                  <a:srgbClr val="FFFFFF"/>
+                </a:solidFill>
+                <a:latin typeface="+mj-lt"/>
+                <a:ea typeface="+mj-ea"/>
+                <a:cs typeface="+mj-cs"/>
+              </a:rPr>
+              <a:t> </a:t>
             </a:r>
-          </a:p>
-          <a:p>
-            <a:r>
-              <a:rPr lang="en" i="1" dirty="0"/>
-              <a:t>Trialling is not the same as testing. Trialling is about finding different ways of building the same component. Show evidence of  your trialling  here. Select one of your trials for further development and give reasons for your choice. </a:t>
-            </a:r>
-            <a:endParaRPr lang="en-NZ" dirty="0"/>
           </a:p>
         </p:txBody>
       </p:sp>
@@ -21164,27 +23680,33 @@
           <p:cNvGraphicFramePr>
             <a:graphicFrameLocks noGrp="1"/>
           </p:cNvGraphicFramePr>
-          <p:nvPr/>
+          <p:nvPr>
+            <p:extLst>
+              <p:ext uri="{D42A27DB-BD31-4B8C-83A1-F6EECF244321}">
+                <p14:modId xmlns:p14="http://schemas.microsoft.com/office/powerpoint/2010/main" val="1112117245"/>
+              </p:ext>
+            </p:extLst>
+          </p:nvPr>
         </p:nvGraphicFramePr>
         <p:xfrm>
-          <a:off x="619765" y="2130425"/>
-          <a:ext cx="10645135" cy="4394201"/>
+          <a:off x="407839" y="1801875"/>
+          <a:ext cx="11327550" cy="4827408"/>
         </p:xfrm>
         <a:graphic>
           <a:graphicData uri="http://schemas.openxmlformats.org/drawingml/2006/table">
             <a:tbl>
               <a:tblPr bandRow="1">
-                <a:tableStyleId>{5940675A-B579-460E-94D1-54222C63F5DA}</a:tableStyleId>
+                <a:tableStyleId>{C083E6E3-FA7D-4D7B-A595-EF9225AFEA82}</a:tableStyleId>
               </a:tblPr>
               <a:tblGrid>
-                <a:gridCol w="3151289">
+                <a:gridCol w="3880171">
                   <a:extLst>
                     <a:ext uri="{9D8B030D-6E8A-4147-A177-3AD203B41FA5}">
                       <a16:colId xmlns:a16="http://schemas.microsoft.com/office/drawing/2014/main" val="3069276547"/>
                     </a:ext>
                   </a:extLst>
                 </a:gridCol>
-                <a:gridCol w="7493846">
+                <a:gridCol w="7447379">
                   <a:extLst>
                     <a:ext uri="{9D8B030D-6E8A-4147-A177-3AD203B41FA5}">
                       <a16:colId xmlns:a16="http://schemas.microsoft.com/office/drawing/2014/main" val="1673028620"/>
@@ -21192,7 +23714,7 @@
                   </a:extLst>
                 </a:gridCol>
               </a:tblGrid>
-              <a:tr h="1098550">
+              <a:tr h="1169275">
                 <a:tc>
                   <a:txBody>
                     <a:bodyPr/>
@@ -21205,14 +23727,44 @@
                       </a:r>
                     </a:p>
                     <a:p>
-                      <a:pPr algn="l"/>
+                      <a:pPr marL="0" marR="0" lvl="0" indent="0" algn="l" defTabSz="914400" rtl="0" eaLnBrk="1" fontAlgn="auto" latinLnBrk="0" hangingPunct="1">
+                        <a:lnSpc>
+                          <a:spcPct val="100000"/>
+                        </a:lnSpc>
+                        <a:spcBef>
+                          <a:spcPts val="0"/>
+                        </a:spcBef>
+                        <a:spcAft>
+                          <a:spcPts val="0"/>
+                        </a:spcAft>
+                        <a:buClrTx/>
+                        <a:buSzTx/>
+                        <a:buFontTx/>
+                        <a:buNone/>
+                        <a:tabLst/>
+                        <a:defRPr/>
+                      </a:pPr>
                       <a:r>
-                        <a:rPr lang="en-NZ" sz="2100" dirty="0"/>
-                        <a:t>01_yes_no_v1</a:t>
+                        <a:rPr lang="en-US" sz="2400" kern="1200" dirty="0">
+                          <a:solidFill>
+                            <a:schemeClr val="tx1"/>
+                          </a:solidFill>
+                          <a:effectLst/>
+                        </a:rPr>
+                        <a:t>04_Search_Combo_Items_v1</a:t>
                       </a:r>
+                      <a:endParaRPr lang="en-US" sz="2400" kern="1200" dirty="0">
+                        <a:solidFill>
+                          <a:schemeClr val="tx1"/>
+                        </a:solidFill>
+                        <a:effectLst/>
+                        <a:latin typeface="+mn-lt"/>
+                        <a:ea typeface="+mn-ea"/>
+                        <a:cs typeface="+mn-cs"/>
+                      </a:endParaRPr>
                     </a:p>
                   </a:txBody>
-                  <a:tcPr marL="105630" marR="105630" marT="52815" marB="52815"/>
+                  <a:tcPr marL="103463" marR="103463" marT="51731" marB="51731"/>
                 </a:tc>
                 <a:tc>
                   <a:txBody>
@@ -21221,12 +23773,16 @@
                     <a:p>
                       <a:pPr algn="l"/>
                       <a:r>
-                        <a:rPr lang="en-NZ" sz="2100" dirty="0"/>
-                        <a:t>Program works but requires user to enter response using lower case. User also required to type “yes” or “no” and it won’t accept “y” or “n”</a:t>
+                        <a:rPr lang="en-NZ" sz="1600" cap="none" spc="0" dirty="0">
+                          <a:solidFill>
+                            <a:schemeClr val="tx1"/>
+                          </a:solidFill>
+                        </a:rPr>
+                        <a:t>Program works; however, the user is limited to only searching for a combo name/meal. It prints all the results. Resulting in it not being very efficient.</a:t>
                       </a:r>
                     </a:p>
                   </a:txBody>
-                  <a:tcPr marL="105630" marR="105630" marT="52815" marB="52815"/>
+                  <a:tcPr marL="164204" marR="164204" marT="164204" marB="164204"/>
                 </a:tc>
                 <a:extLst>
                   <a:ext uri="{0D108BD9-81ED-4DB2-BD59-A6C34878D82A}">
@@ -21234,7 +23790,7 @@
                   </a:ext>
                 </a:extLst>
               </a:tr>
-              <a:tr h="1098550">
+              <a:tr h="1319583">
                 <a:tc>
                   <a:txBody>
                     <a:bodyPr/>
@@ -21247,14 +23803,44 @@
                       </a:r>
                     </a:p>
                     <a:p>
-                      <a:pPr algn="l"/>
+                      <a:pPr marL="0" marR="0" lvl="0" indent="0" algn="l" defTabSz="914400" rtl="0" eaLnBrk="1" fontAlgn="auto" latinLnBrk="0" hangingPunct="1">
+                        <a:lnSpc>
+                          <a:spcPct val="100000"/>
+                        </a:lnSpc>
+                        <a:spcBef>
+                          <a:spcPts val="0"/>
+                        </a:spcBef>
+                        <a:spcAft>
+                          <a:spcPts val="0"/>
+                        </a:spcAft>
+                        <a:buClrTx/>
+                        <a:buSzTx/>
+                        <a:buFontTx/>
+                        <a:buNone/>
+                        <a:tabLst/>
+                        <a:defRPr/>
+                      </a:pPr>
                       <a:r>
-                        <a:rPr lang="en-NZ" sz="2100" dirty="0"/>
-                        <a:t>01_yes_no_v2</a:t>
+                        <a:rPr lang="en-US" sz="2400" kern="1200" dirty="0">
+                          <a:solidFill>
+                            <a:schemeClr val="tx1"/>
+                          </a:solidFill>
+                          <a:effectLst/>
+                        </a:rPr>
+                        <a:t>04_Search_Combo_Items_v2</a:t>
                       </a:r>
+                      <a:endParaRPr lang="en-US" sz="2400" kern="1200" dirty="0">
+                        <a:solidFill>
+                          <a:schemeClr val="tx1"/>
+                        </a:solidFill>
+                        <a:effectLst/>
+                        <a:latin typeface="+mn-lt"/>
+                        <a:ea typeface="+mn-ea"/>
+                        <a:cs typeface="+mn-cs"/>
+                      </a:endParaRPr>
                     </a:p>
                   </a:txBody>
-                  <a:tcPr marL="105630" marR="105630" marT="52815" marB="52815"/>
+                  <a:tcPr marL="103463" marR="103463" marT="51731" marB="51731"/>
                 </a:tc>
                 <a:tc>
                   <a:txBody>
@@ -21263,12 +23849,16 @@
                     <a:p>
                       <a:pPr algn="l"/>
                       <a:r>
-                        <a:rPr lang="en-NZ" sz="2100" dirty="0"/>
-                        <a:t>Fixes the case problem and adds options for “y” and “n”. Prints result of valid input, prevents invalid input but quite cumbersome for testing</a:t>
+                        <a:rPr lang="en-NZ" sz="1600" cap="none" spc="0" dirty="0">
+                          <a:solidFill>
+                            <a:schemeClr val="tx1"/>
+                          </a:solidFill>
+                        </a:rPr>
+                        <a:t>Program works. This version allows the user more leverage in what they can search for. It isn’t limited to only searching for a combo name/meal, it allows the user to search for a specific item within all the combos and prints all the combos that contains the item.</a:t>
                       </a:r>
                     </a:p>
                   </a:txBody>
-                  <a:tcPr marL="105630" marR="105630" marT="52815" marB="52815"/>
+                  <a:tcPr marL="164204" marR="164204" marT="164204" marB="164204"/>
                 </a:tc>
                 <a:extLst>
                   <a:ext uri="{0D108BD9-81ED-4DB2-BD59-A6C34878D82A}">
@@ -21276,7 +23866,7 @@
                   </a:ext>
                 </a:extLst>
               </a:tr>
-              <a:tr h="781661">
+              <a:tr h="1169275">
                 <a:tc>
                   <a:txBody>
                     <a:bodyPr/>
@@ -21289,14 +23879,44 @@
                       </a:r>
                     </a:p>
                     <a:p>
-                      <a:pPr algn="l"/>
+                      <a:pPr marL="0" marR="0" lvl="0" indent="0" algn="l" defTabSz="914400" rtl="0" eaLnBrk="1" fontAlgn="auto" latinLnBrk="0" hangingPunct="1">
+                        <a:lnSpc>
+                          <a:spcPct val="100000"/>
+                        </a:lnSpc>
+                        <a:spcBef>
+                          <a:spcPts val="0"/>
+                        </a:spcBef>
+                        <a:spcAft>
+                          <a:spcPts val="0"/>
+                        </a:spcAft>
+                        <a:buClrTx/>
+                        <a:buSzTx/>
+                        <a:buFontTx/>
+                        <a:buNone/>
+                        <a:tabLst/>
+                        <a:defRPr/>
+                      </a:pPr>
                       <a:r>
-                        <a:rPr lang="en-NZ" sz="2100" dirty="0"/>
-                        <a:t>01_yes_no_v3</a:t>
+                        <a:rPr lang="en-US" sz="2400" kern="1200" dirty="0">
+                          <a:solidFill>
+                            <a:schemeClr val="tx1"/>
+                          </a:solidFill>
+                          <a:effectLst/>
+                        </a:rPr>
+                        <a:t>04_Search_Combo_Items_v3</a:t>
                       </a:r>
+                      <a:endParaRPr lang="en-US" sz="2400" kern="1200" dirty="0">
+                        <a:solidFill>
+                          <a:schemeClr val="tx1"/>
+                        </a:solidFill>
+                        <a:effectLst/>
+                        <a:latin typeface="+mn-lt"/>
+                        <a:ea typeface="+mn-ea"/>
+                        <a:cs typeface="+mn-cs"/>
+                      </a:endParaRPr>
                     </a:p>
                   </a:txBody>
-                  <a:tcPr marL="105630" marR="105630" marT="52815" marB="52815"/>
+                  <a:tcPr marL="103463" marR="103463" marT="51731" marB="51731"/>
                 </a:tc>
                 <a:tc>
                   <a:txBody>
@@ -21305,12 +23925,16 @@
                     <a:p>
                       <a:pPr algn="l"/>
                       <a:r>
-                        <a:rPr lang="en-NZ" sz="2100" dirty="0"/>
-                        <a:t>Puts code into a loop – to make testing easier</a:t>
+                        <a:rPr lang="en-NZ" sz="1600" cap="none" spc="0" dirty="0">
+                          <a:solidFill>
+                            <a:schemeClr val="tx1"/>
+                          </a:solidFill>
+                        </a:rPr>
+                        <a:t>Program works and allows the user to search for both combo names/meals and items within the combos. This version is more efficient and reusable than 04_Search_Combo_Items_v2 do to having been placed in functions.</a:t>
                       </a:r>
                     </a:p>
                   </a:txBody>
-                  <a:tcPr marL="105630" marR="105630" marT="52815" marB="52815"/>
+                  <a:tcPr marL="164204" marR="164204" marT="164204" marB="164204"/>
                 </a:tc>
                 <a:extLst>
                   <a:ext uri="{0D108BD9-81ED-4DB2-BD59-A6C34878D82A}">
@@ -21318,7 +23942,7 @@
                   </a:ext>
                 </a:extLst>
               </a:tr>
-              <a:tr h="1415440">
+              <a:tr h="1169275">
                 <a:tc>
                   <a:txBody>
                     <a:bodyPr/>
@@ -21331,14 +23955,44 @@
                       </a:r>
                     </a:p>
                     <a:p>
-                      <a:pPr algn="l"/>
+                      <a:pPr marL="0" marR="0" lvl="0" indent="0" algn="l" defTabSz="914400" rtl="0" eaLnBrk="1" fontAlgn="auto" latinLnBrk="0" hangingPunct="1">
+                        <a:lnSpc>
+                          <a:spcPct val="100000"/>
+                        </a:lnSpc>
+                        <a:spcBef>
+                          <a:spcPts val="0"/>
+                        </a:spcBef>
+                        <a:spcAft>
+                          <a:spcPts val="0"/>
+                        </a:spcAft>
+                        <a:buClrTx/>
+                        <a:buSzTx/>
+                        <a:buFontTx/>
+                        <a:buNone/>
+                        <a:tabLst/>
+                        <a:defRPr/>
+                      </a:pPr>
                       <a:r>
-                        <a:rPr lang="en-NZ" sz="2100" dirty="0"/>
-                        <a:t>02_yes_no_function_v1</a:t>
+                        <a:rPr lang="en-US" sz="2400" kern="1200" dirty="0">
+                          <a:solidFill>
+                            <a:schemeClr val="tx1"/>
+                          </a:solidFill>
+                          <a:effectLst/>
+                        </a:rPr>
+                        <a:t>04_Search_Combo_Items_v4</a:t>
                       </a:r>
+                      <a:endParaRPr lang="en-US" sz="2400" kern="1200" dirty="0">
+                        <a:solidFill>
+                          <a:schemeClr val="tx1"/>
+                        </a:solidFill>
+                        <a:effectLst/>
+                        <a:latin typeface="+mn-lt"/>
+                        <a:ea typeface="+mn-ea"/>
+                        <a:cs typeface="+mn-cs"/>
+                      </a:endParaRPr>
                     </a:p>
                   </a:txBody>
-                  <a:tcPr marL="105630" marR="105630" marT="52815" marB="52815"/>
+                  <a:tcPr marL="103463" marR="103463" marT="51731" marB="51731"/>
                 </a:tc>
                 <a:tc>
                   <a:txBody>
@@ -21347,16 +24001,20 @@
                     <a:p>
                       <a:pPr algn="l"/>
                       <a:r>
-                        <a:rPr lang="en-NZ" sz="2100" dirty="0"/>
-                        <a:t>I made the code, from Trial 3, into a function which makes it easy to recycle for other yes/no questions I might incorporate into my program . I will therefore use this function in my final program</a:t>
+                        <a:rPr lang="en-NZ" sz="1600" cap="none" spc="0" dirty="0">
+                          <a:solidFill>
+                            <a:schemeClr val="tx1"/>
+                          </a:solidFill>
+                        </a:rPr>
+                        <a:t>Program works and allows the user to search for both combo names/meals and items within the combos. However, it uses easygui instead of the python console.</a:t>
                       </a:r>
                     </a:p>
                   </a:txBody>
-                  <a:tcPr marL="105630" marR="105630" marT="52815" marB="52815"/>
+                  <a:tcPr marL="164204" marR="164204" marT="164204" marB="164204"/>
                 </a:tc>
                 <a:extLst>
                   <a:ext uri="{0D108BD9-81ED-4DB2-BD59-A6C34878D82A}">
-                    <a16:rowId xmlns:a16="http://schemas.microsoft.com/office/drawing/2014/main" val="1803031894"/>
+                    <a16:rowId xmlns:a16="http://schemas.microsoft.com/office/drawing/2014/main" val="1628813008"/>
                   </a:ext>
                 </a:extLst>
               </a:tr>
@@ -35059,20 +37717,20 @@
 </file>
 
 <file path=customXml/item1.xml><?xml version="1.0" encoding="utf-8"?>
-<p:properties xmlns:p="http://schemas.microsoft.com/office/2006/metadata/properties" xmlns:xsi="http://www.w3.org/2001/XMLSchema-instance" xmlns:pc="http://schemas.microsoft.com/office/infopath/2007/PartnerControls">
-  <documentManagement>
-    <ReferenceId xmlns="e38b8155-5114-47b0-a9fa-eb229fbfe015" xsi:nil="true"/>
-  </documentManagement>
-</p:properties>
-</file>
-
-<file path=customXml/item2.xml><?xml version="1.0" encoding="utf-8"?>
 <?mso-contentType ?>
 <FormTemplates xmlns="http://schemas.microsoft.com/sharepoint/v3/contenttype/forms">
   <Display>DocumentLibraryForm</Display>
   <Edit>DocumentLibraryForm</Edit>
   <New>DocumentLibraryForm</New>
 </FormTemplates>
+</file>
+
+<file path=customXml/item2.xml><?xml version="1.0" encoding="utf-8"?>
+<p:properties xmlns:p="http://schemas.microsoft.com/office/2006/metadata/properties" xmlns:xsi="http://www.w3.org/2001/XMLSchema-instance" xmlns:pc="http://schemas.microsoft.com/office/infopath/2007/PartnerControls">
+  <documentManagement>
+    <ReferenceId xmlns="e38b8155-5114-47b0-a9fa-eb229fbfe015" xsi:nil="true"/>
+  </documentManagement>
+</p:properties>
 </file>
 
 <file path=customXml/item3.xml><?xml version="1.0" encoding="utf-8"?>
@@ -35202,6 +37860,14 @@
 </file>
 
 <file path=customXml/itemProps1.xml><?xml version="1.0" encoding="utf-8"?>
+<ds:datastoreItem xmlns:ds="http://schemas.openxmlformats.org/officeDocument/2006/customXml" ds:itemID="{850509B3-B737-4CBB-82EF-E3EDD3E90B92}">
+  <ds:schemaRefs>
+    <ds:schemaRef ds:uri="http://schemas.microsoft.com/sharepoint/v3/contenttype/forms"/>
+  </ds:schemaRefs>
+</ds:datastoreItem>
+</file>
+
+<file path=customXml/itemProps2.xml><?xml version="1.0" encoding="utf-8"?>
 <ds:datastoreItem xmlns:ds="http://schemas.openxmlformats.org/officeDocument/2006/customXml" ds:itemID="{4FFAE7E7-FE1A-4850-8CF7-E7567E9AC997}">
   <ds:schemaRefs>
     <ds:schemaRef ds:uri="http://purl.org/dc/terms/"/>
@@ -35213,14 +37879,6 @@
     <ds:schemaRef ds:uri="http://purl.org/dc/elements/1.1/"/>
     <ds:schemaRef ds:uri="http://purl.org/dc/dcmitype/"/>
     <ds:schemaRef ds:uri="http://schemas.openxmlformats.org/package/2006/metadata/core-properties"/>
-  </ds:schemaRefs>
-</ds:datastoreItem>
-</file>
-
-<file path=customXml/itemProps2.xml><?xml version="1.0" encoding="utf-8"?>
-<ds:datastoreItem xmlns:ds="http://schemas.openxmlformats.org/officeDocument/2006/customXml" ds:itemID="{850509B3-B737-4CBB-82EF-E3EDD3E90B92}">
-  <ds:schemaRefs>
-    <ds:schemaRef ds:uri="http://schemas.microsoft.com/sharepoint/v3/contenttype/forms"/>
   </ds:schemaRefs>
 </ds:datastoreItem>
 </file>

--- a/2.7 and 2.8 Documentation Template 1.pptx
+++ b/2.7 and 2.8 Documentation Template 1.pptx
@@ -158,7 +158,7 @@
   <pc:docChgLst>
     <pc:chgData name="Elme Pieterse" userId="cf235864-f06d-4d9c-a838-9d693a8e3248" providerId="ADAL" clId="{44400E0D-F01E-4C52-8DFE-33262DF1F20E}"/>
     <pc:docChg chg="undo redo custSel addSld delSld modSld sldOrd">
-      <pc:chgData name="Elme Pieterse" userId="cf235864-f06d-4d9c-a838-9d693a8e3248" providerId="ADAL" clId="{44400E0D-F01E-4C52-8DFE-33262DF1F20E}" dt="2024-04-11T06:15:41.798" v="6373" actId="14100"/>
+      <pc:chgData name="Elme Pieterse" userId="cf235864-f06d-4d9c-a838-9d693a8e3248" providerId="ADAL" clId="{44400E0D-F01E-4C52-8DFE-33262DF1F20E}" dt="2024-04-11T23:31:58.065" v="6377" actId="478"/>
       <pc:docMkLst>
         <pc:docMk/>
       </pc:docMkLst>
@@ -2963,7 +2963,7 @@
         </pc:cxnChg>
       </pc:sldChg>
       <pc:sldChg chg="addSp delSp modSp add mod ord">
-        <pc:chgData name="Elme Pieterse" userId="cf235864-f06d-4d9c-a838-9d693a8e3248" providerId="ADAL" clId="{44400E0D-F01E-4C52-8DFE-33262DF1F20E}" dt="2024-04-11T06:15:41.798" v="6373" actId="14100"/>
+        <pc:chgData name="Elme Pieterse" userId="cf235864-f06d-4d9c-a838-9d693a8e3248" providerId="ADAL" clId="{44400E0D-F01E-4C52-8DFE-33262DF1F20E}" dt="2024-04-11T23:31:58.065" v="6377" actId="478"/>
         <pc:sldMkLst>
           <pc:docMk/>
           <pc:sldMk cId="3954801614" sldId="290"/>
@@ -3046,6 +3046,14 @@
             <pc:docMk/>
             <pc:sldMk cId="3954801614" sldId="290"/>
             <ac:picMk id="5" creationId="{C42075A2-5C17-ED6F-D983-66D757F325C8}"/>
+          </ac:picMkLst>
+        </pc:picChg>
+        <pc:picChg chg="add del mod">
+          <ac:chgData name="Elme Pieterse" userId="cf235864-f06d-4d9c-a838-9d693a8e3248" providerId="ADAL" clId="{44400E0D-F01E-4C52-8DFE-33262DF1F20E}" dt="2024-04-11T23:31:58.065" v="6377" actId="478"/>
+          <ac:picMkLst>
+            <pc:docMk/>
+            <pc:sldMk cId="3954801614" sldId="290"/>
+            <ac:picMk id="6" creationId="{5E7E5C8B-887A-2CC5-F886-26EF6622C053}"/>
           </ac:picMkLst>
         </pc:picChg>
         <pc:picChg chg="del">
@@ -3517,7 +3525,7 @@
           <a:p>
             <a:fld id="{F37D28C0-BEB6-42B0-A203-EEE1023219C4}" type="datetimeFigureOut">
               <a:rPr lang="en-NZ" smtClean="0"/>
-              <a:t>11/04/2024</a:t>
+              <a:t>12/04/2024</a:t>
             </a:fld>
             <a:endParaRPr lang="en-NZ"/>
           </a:p>
@@ -7060,7 +7068,7 @@
           <a:p>
             <a:fld id="{9C4A4F43-1C06-40E6-8F87-8B286982E50E}" type="datetimeFigureOut">
               <a:rPr lang="en-NZ" smtClean="0"/>
-              <a:t>11/04/2024</a:t>
+              <a:t>12/04/2024</a:t>
             </a:fld>
             <a:endParaRPr lang="en-NZ" dirty="0"/>
           </a:p>
@@ -7260,7 +7268,7 @@
           <a:p>
             <a:fld id="{9C4A4F43-1C06-40E6-8F87-8B286982E50E}" type="datetimeFigureOut">
               <a:rPr lang="en-NZ" smtClean="0"/>
-              <a:t>11/04/2024</a:t>
+              <a:t>12/04/2024</a:t>
             </a:fld>
             <a:endParaRPr lang="en-NZ" dirty="0"/>
           </a:p>
@@ -7470,7 +7478,7 @@
           <a:p>
             <a:fld id="{9C4A4F43-1C06-40E6-8F87-8B286982E50E}" type="datetimeFigureOut">
               <a:rPr lang="en-NZ" smtClean="0"/>
-              <a:t>11/04/2024</a:t>
+              <a:t>12/04/2024</a:t>
             </a:fld>
             <a:endParaRPr lang="en-NZ" dirty="0"/>
           </a:p>
@@ -8029,7 +8037,7 @@
           <a:p>
             <a:fld id="{9C4A4F43-1C06-40E6-8F87-8B286982E50E}" type="datetimeFigureOut">
               <a:rPr lang="en-NZ" smtClean="0"/>
-              <a:t>11/04/2024</a:t>
+              <a:t>12/04/2024</a:t>
             </a:fld>
             <a:endParaRPr lang="en-NZ" dirty="0"/>
           </a:p>
@@ -8305,7 +8313,7 @@
           <a:p>
             <a:fld id="{9C4A4F43-1C06-40E6-8F87-8B286982E50E}" type="datetimeFigureOut">
               <a:rPr lang="en-NZ" smtClean="0"/>
-              <a:t>11/04/2024</a:t>
+              <a:t>12/04/2024</a:t>
             </a:fld>
             <a:endParaRPr lang="en-NZ" dirty="0"/>
           </a:p>
@@ -8573,7 +8581,7 @@
           <a:p>
             <a:fld id="{9C4A4F43-1C06-40E6-8F87-8B286982E50E}" type="datetimeFigureOut">
               <a:rPr lang="en-NZ" smtClean="0"/>
-              <a:t>11/04/2024</a:t>
+              <a:t>12/04/2024</a:t>
             </a:fld>
             <a:endParaRPr lang="en-NZ" dirty="0"/>
           </a:p>
@@ -8988,7 +8996,7 @@
           <a:p>
             <a:fld id="{9C4A4F43-1C06-40E6-8F87-8B286982E50E}" type="datetimeFigureOut">
               <a:rPr lang="en-NZ" smtClean="0"/>
-              <a:t>11/04/2024</a:t>
+              <a:t>12/04/2024</a:t>
             </a:fld>
             <a:endParaRPr lang="en-NZ" dirty="0"/>
           </a:p>
@@ -9130,7 +9138,7 @@
           <a:p>
             <a:fld id="{9C4A4F43-1C06-40E6-8F87-8B286982E50E}" type="datetimeFigureOut">
               <a:rPr lang="en-NZ" smtClean="0"/>
-              <a:t>11/04/2024</a:t>
+              <a:t>12/04/2024</a:t>
             </a:fld>
             <a:endParaRPr lang="en-NZ" dirty="0"/>
           </a:p>
@@ -9243,7 +9251,7 @@
           <a:p>
             <a:fld id="{9C4A4F43-1C06-40E6-8F87-8B286982E50E}" type="datetimeFigureOut">
               <a:rPr lang="en-NZ" smtClean="0"/>
-              <a:t>11/04/2024</a:t>
+              <a:t>12/04/2024</a:t>
             </a:fld>
             <a:endParaRPr lang="en-NZ" dirty="0"/>
           </a:p>
@@ -9556,7 +9564,7 @@
           <a:p>
             <a:fld id="{9C4A4F43-1C06-40E6-8F87-8B286982E50E}" type="datetimeFigureOut">
               <a:rPr lang="en-NZ" smtClean="0"/>
-              <a:t>11/04/2024</a:t>
+              <a:t>12/04/2024</a:t>
             </a:fld>
             <a:endParaRPr lang="en-NZ" dirty="0"/>
           </a:p>
@@ -9845,7 +9853,7 @@
           <a:p>
             <a:fld id="{9C4A4F43-1C06-40E6-8F87-8B286982E50E}" type="datetimeFigureOut">
               <a:rPr lang="en-NZ" smtClean="0"/>
-              <a:t>11/04/2024</a:t>
+              <a:t>12/04/2024</a:t>
             </a:fld>
             <a:endParaRPr lang="en-NZ" dirty="0"/>
           </a:p>
@@ -10088,7 +10096,7 @@
           <a:p>
             <a:fld id="{9C4A4F43-1C06-40E6-8F87-8B286982E50E}" type="datetimeFigureOut">
               <a:rPr lang="en-NZ" smtClean="0"/>
-              <a:t>11/04/2024</a:t>
+              <a:t>12/04/2024</a:t>
             </a:fld>
             <a:endParaRPr lang="en-NZ" dirty="0"/>
           </a:p>
@@ -37717,20 +37725,20 @@
 </file>
 
 <file path=customXml/item1.xml><?xml version="1.0" encoding="utf-8"?>
+<p:properties xmlns:p="http://schemas.microsoft.com/office/2006/metadata/properties" xmlns:xsi="http://www.w3.org/2001/XMLSchema-instance" xmlns:pc="http://schemas.microsoft.com/office/infopath/2007/PartnerControls">
+  <documentManagement>
+    <ReferenceId xmlns="e38b8155-5114-47b0-a9fa-eb229fbfe015" xsi:nil="true"/>
+  </documentManagement>
+</p:properties>
+</file>
+
+<file path=customXml/item2.xml><?xml version="1.0" encoding="utf-8"?>
 <?mso-contentType ?>
 <FormTemplates xmlns="http://schemas.microsoft.com/sharepoint/v3/contenttype/forms">
   <Display>DocumentLibraryForm</Display>
   <Edit>DocumentLibraryForm</Edit>
   <New>DocumentLibraryForm</New>
 </FormTemplates>
-</file>
-
-<file path=customXml/item2.xml><?xml version="1.0" encoding="utf-8"?>
-<p:properties xmlns:p="http://schemas.microsoft.com/office/2006/metadata/properties" xmlns:xsi="http://www.w3.org/2001/XMLSchema-instance" xmlns:pc="http://schemas.microsoft.com/office/infopath/2007/PartnerControls">
-  <documentManagement>
-    <ReferenceId xmlns="e38b8155-5114-47b0-a9fa-eb229fbfe015" xsi:nil="true"/>
-  </documentManagement>
-</p:properties>
 </file>
 
 <file path=customXml/item3.xml><?xml version="1.0" encoding="utf-8"?>
@@ -37860,25 +37868,25 @@
 </file>
 
 <file path=customXml/itemProps1.xml><?xml version="1.0" encoding="utf-8"?>
-<ds:datastoreItem xmlns:ds="http://schemas.openxmlformats.org/officeDocument/2006/customXml" ds:itemID="{850509B3-B737-4CBB-82EF-E3EDD3E90B92}">
+<ds:datastoreItem xmlns:ds="http://schemas.openxmlformats.org/officeDocument/2006/customXml" ds:itemID="{4FFAE7E7-FE1A-4850-8CF7-E7567E9AC997}">
   <ds:schemaRefs>
-    <ds:schemaRef ds:uri="http://schemas.microsoft.com/sharepoint/v3/contenttype/forms"/>
+    <ds:schemaRef ds:uri="http://schemas.microsoft.com/office/2006/metadata/properties"/>
+    <ds:schemaRef ds:uri="http://schemas.openxmlformats.org/package/2006/metadata/core-properties"/>
+    <ds:schemaRef ds:uri="http://purl.org/dc/dcmitype/"/>
+    <ds:schemaRef ds:uri="http://purl.org/dc/elements/1.1/"/>
+    <ds:schemaRef ds:uri="http://schemas.microsoft.com/office/2006/documentManagement/types"/>
+    <ds:schemaRef ds:uri="http://schemas.microsoft.com/office/infopath/2007/PartnerControls"/>
+    <ds:schemaRef ds:uri="http://www.w3.org/XML/1998/namespace"/>
+    <ds:schemaRef ds:uri="e38b8155-5114-47b0-a9fa-eb229fbfe015"/>
+    <ds:schemaRef ds:uri="http://purl.org/dc/terms/"/>
   </ds:schemaRefs>
 </ds:datastoreItem>
 </file>
 
 <file path=customXml/itemProps2.xml><?xml version="1.0" encoding="utf-8"?>
-<ds:datastoreItem xmlns:ds="http://schemas.openxmlformats.org/officeDocument/2006/customXml" ds:itemID="{4FFAE7E7-FE1A-4850-8CF7-E7567E9AC997}">
+<ds:datastoreItem xmlns:ds="http://schemas.openxmlformats.org/officeDocument/2006/customXml" ds:itemID="{850509B3-B737-4CBB-82EF-E3EDD3E90B92}">
   <ds:schemaRefs>
-    <ds:schemaRef ds:uri="http://purl.org/dc/terms/"/>
-    <ds:schemaRef ds:uri="e38b8155-5114-47b0-a9fa-eb229fbfe015"/>
-    <ds:schemaRef ds:uri="http://schemas.microsoft.com/office/infopath/2007/PartnerControls"/>
-    <ds:schemaRef ds:uri="http://schemas.microsoft.com/office/2006/metadata/properties"/>
-    <ds:schemaRef ds:uri="http://schemas.microsoft.com/office/2006/documentManagement/types"/>
-    <ds:schemaRef ds:uri="http://www.w3.org/XML/1998/namespace"/>
-    <ds:schemaRef ds:uri="http://purl.org/dc/elements/1.1/"/>
-    <ds:schemaRef ds:uri="http://purl.org/dc/dcmitype/"/>
-    <ds:schemaRef ds:uri="http://schemas.openxmlformats.org/package/2006/metadata/core-properties"/>
+    <ds:schemaRef ds:uri="http://schemas.microsoft.com/sharepoint/v3/contenttype/forms"/>
   </ds:schemaRefs>
 </ds:datastoreItem>
 </file>

--- a/2.7 and 2.8 Documentation Template 1.pptx
+++ b/2.7 and 2.8 Documentation Template 1.pptx
@@ -148,7 +148,7 @@
 <file path=ppt/revisionInfo.xml><?xml version="1.0" encoding="utf-8"?>
 <p1510:revInfo xmlns:a="http://schemas.openxmlformats.org/drawingml/2006/main" xmlns:r="http://schemas.openxmlformats.org/officeDocument/2006/relationships" xmlns:p1510="http://schemas.microsoft.com/office/powerpoint/2015/10/main">
   <p1510:revLst>
-    <p1510:client id="{44400E0D-F01E-4C52-8DFE-33262DF1F20E}" v="148" dt="2024-04-11T05:54:33.598"/>
+    <p1510:client id="{44400E0D-F01E-4C52-8DFE-33262DF1F20E}" v="170" dt="2024-04-11T23:45:06.099"/>
   </p1510:revLst>
 </p1510:revInfo>
 </file>
@@ -158,7 +158,7 @@
   <pc:docChgLst>
     <pc:chgData name="Elme Pieterse" userId="cf235864-f06d-4d9c-a838-9d693a8e3248" providerId="ADAL" clId="{44400E0D-F01E-4C52-8DFE-33262DF1F20E}"/>
     <pc:docChg chg="undo redo custSel addSld delSld modSld sldOrd">
-      <pc:chgData name="Elme Pieterse" userId="cf235864-f06d-4d9c-a838-9d693a8e3248" providerId="ADAL" clId="{44400E0D-F01E-4C52-8DFE-33262DF1F20E}" dt="2024-04-11T23:31:58.065" v="6377" actId="478"/>
+      <pc:chgData name="Elme Pieterse" userId="cf235864-f06d-4d9c-a838-9d693a8e3248" providerId="ADAL" clId="{44400E0D-F01E-4C52-8DFE-33262DF1F20E}" dt="2024-04-11T23:45:14.659" v="6662" actId="208"/>
       <pc:docMkLst>
         <pc:docMk/>
       </pc:docMkLst>
@@ -2963,13 +2963,13 @@
         </pc:cxnChg>
       </pc:sldChg>
       <pc:sldChg chg="addSp delSp modSp add mod ord">
-        <pc:chgData name="Elme Pieterse" userId="cf235864-f06d-4d9c-a838-9d693a8e3248" providerId="ADAL" clId="{44400E0D-F01E-4C52-8DFE-33262DF1F20E}" dt="2024-04-11T23:31:58.065" v="6377" actId="478"/>
+        <pc:chgData name="Elme Pieterse" userId="cf235864-f06d-4d9c-a838-9d693a8e3248" providerId="ADAL" clId="{44400E0D-F01E-4C52-8DFE-33262DF1F20E}" dt="2024-04-11T23:45:14.659" v="6662" actId="208"/>
         <pc:sldMkLst>
           <pc:docMk/>
           <pc:sldMk cId="3954801614" sldId="290"/>
         </pc:sldMkLst>
         <pc:spChg chg="mod">
-          <ac:chgData name="Elme Pieterse" userId="cf235864-f06d-4d9c-a838-9d693a8e3248" providerId="ADAL" clId="{44400E0D-F01E-4C52-8DFE-33262DF1F20E}" dt="2024-04-11T04:47:28.976" v="5289" actId="20577"/>
+          <ac:chgData name="Elme Pieterse" userId="cf235864-f06d-4d9c-a838-9d693a8e3248" providerId="ADAL" clId="{44400E0D-F01E-4C52-8DFE-33262DF1F20E}" dt="2024-04-11T23:35:10.036" v="6382" actId="1076"/>
           <ac:spMkLst>
             <pc:docMk/>
             <pc:sldMk cId="3954801614" sldId="290"/>
@@ -3000,12 +3000,28 @@
             <ac:spMk id="15" creationId="{5D8ECB5E-6111-1581-2DCA-95B0E3558D64}"/>
           </ac:spMkLst>
         </pc:spChg>
+        <pc:spChg chg="add mod">
+          <ac:chgData name="Elme Pieterse" userId="cf235864-f06d-4d9c-a838-9d693a8e3248" providerId="ADAL" clId="{44400E0D-F01E-4C52-8DFE-33262DF1F20E}" dt="2024-04-11T23:38:32.235" v="6492" actId="14100"/>
+          <ac:spMkLst>
+            <pc:docMk/>
+            <pc:sldMk cId="3954801614" sldId="290"/>
+            <ac:spMk id="16" creationId="{4324AFE1-0516-A3D2-005F-85BA46B7B3C9}"/>
+          </ac:spMkLst>
+        </pc:spChg>
         <pc:spChg chg="del">
           <ac:chgData name="Elme Pieterse" userId="cf235864-f06d-4d9c-a838-9d693a8e3248" providerId="ADAL" clId="{44400E0D-F01E-4C52-8DFE-33262DF1F20E}" dt="2024-04-10T07:14:04.848" v="3747" actId="478"/>
           <ac:spMkLst>
             <pc:docMk/>
             <pc:sldMk cId="3954801614" sldId="290"/>
             <ac:spMk id="17" creationId="{BB744BA0-C652-47F0-426E-4AC77F1F1BCC}"/>
+          </ac:spMkLst>
+        </pc:spChg>
+        <pc:spChg chg="add mod">
+          <ac:chgData name="Elme Pieterse" userId="cf235864-f06d-4d9c-a838-9d693a8e3248" providerId="ADAL" clId="{44400E0D-F01E-4C52-8DFE-33262DF1F20E}" dt="2024-04-11T23:38:42.132" v="6498" actId="1037"/>
+          <ac:spMkLst>
+            <pc:docMk/>
+            <pc:sldMk cId="3954801614" sldId="290"/>
+            <ac:spMk id="18" creationId="{1812CD98-7229-0B56-5B6C-D401993406CA}"/>
           </ac:spMkLst>
         </pc:spChg>
         <pc:spChg chg="del">
@@ -3024,6 +3040,94 @@
             <ac:spMk id="20" creationId="{7DD1BD55-5969-48D4-8ADB-11A127F3A100}"/>
           </ac:spMkLst>
         </pc:spChg>
+        <pc:spChg chg="add mod">
+          <ac:chgData name="Elme Pieterse" userId="cf235864-f06d-4d9c-a838-9d693a8e3248" providerId="ADAL" clId="{44400E0D-F01E-4C52-8DFE-33262DF1F20E}" dt="2024-04-11T23:40:23.778" v="6543" actId="14100"/>
+          <ac:spMkLst>
+            <pc:docMk/>
+            <pc:sldMk cId="3954801614" sldId="290"/>
+            <ac:spMk id="20" creationId="{83AE06EF-4533-E830-07F9-1A3572CCEBD8}"/>
+          </ac:spMkLst>
+        </pc:spChg>
+        <pc:spChg chg="add mod">
+          <ac:chgData name="Elme Pieterse" userId="cf235864-f06d-4d9c-a838-9d693a8e3248" providerId="ADAL" clId="{44400E0D-F01E-4C52-8DFE-33262DF1F20E}" dt="2024-04-11T23:40:44.858" v="6546" actId="1035"/>
+          <ac:spMkLst>
+            <pc:docMk/>
+            <pc:sldMk cId="3954801614" sldId="290"/>
+            <ac:spMk id="22" creationId="{F9AEB744-1FAC-5A40-DFC9-74E58BB7560A}"/>
+          </ac:spMkLst>
+        </pc:spChg>
+        <pc:spChg chg="add del mod">
+          <ac:chgData name="Elme Pieterse" userId="cf235864-f06d-4d9c-a838-9d693a8e3248" providerId="ADAL" clId="{44400E0D-F01E-4C52-8DFE-33262DF1F20E}" dt="2024-04-11T23:39:13.622" v="6508" actId="478"/>
+          <ac:spMkLst>
+            <pc:docMk/>
+            <pc:sldMk cId="3954801614" sldId="290"/>
+            <ac:spMk id="23" creationId="{0E5A3B3A-47CB-DE3F-0C0B-9206E78561CC}"/>
+          </ac:spMkLst>
+        </pc:spChg>
+        <pc:spChg chg="add mod">
+          <ac:chgData name="Elme Pieterse" userId="cf235864-f06d-4d9c-a838-9d693a8e3248" providerId="ADAL" clId="{44400E0D-F01E-4C52-8DFE-33262DF1F20E}" dt="2024-04-11T23:39:41.901" v="6531" actId="1038"/>
+          <ac:spMkLst>
+            <pc:docMk/>
+            <pc:sldMk cId="3954801614" sldId="290"/>
+            <ac:spMk id="24" creationId="{6B77A815-D06C-9660-AAB3-7820BFD13DD5}"/>
+          </ac:spMkLst>
+        </pc:spChg>
+        <pc:spChg chg="add mod">
+          <ac:chgData name="Elme Pieterse" userId="cf235864-f06d-4d9c-a838-9d693a8e3248" providerId="ADAL" clId="{44400E0D-F01E-4C52-8DFE-33262DF1F20E}" dt="2024-04-11T23:39:54.853" v="6537" actId="1037"/>
+          <ac:spMkLst>
+            <pc:docMk/>
+            <pc:sldMk cId="3954801614" sldId="290"/>
+            <ac:spMk id="25" creationId="{73C2D9A5-C03F-376A-31E6-B59519EB17B1}"/>
+          </ac:spMkLst>
+        </pc:spChg>
+        <pc:spChg chg="add mod">
+          <ac:chgData name="Elme Pieterse" userId="cf235864-f06d-4d9c-a838-9d693a8e3248" providerId="ADAL" clId="{44400E0D-F01E-4C52-8DFE-33262DF1F20E}" dt="2024-04-11T23:40:34.183" v="6544" actId="14100"/>
+          <ac:spMkLst>
+            <pc:docMk/>
+            <pc:sldMk cId="3954801614" sldId="290"/>
+            <ac:spMk id="26" creationId="{D4DEBB55-F039-A8A1-3CB8-D525B267ACFA}"/>
+          </ac:spMkLst>
+        </pc:spChg>
+        <pc:spChg chg="add mod">
+          <ac:chgData name="Elme Pieterse" userId="cf235864-f06d-4d9c-a838-9d693a8e3248" providerId="ADAL" clId="{44400E0D-F01E-4C52-8DFE-33262DF1F20E}" dt="2024-04-11T23:41:11.230" v="6555" actId="14100"/>
+          <ac:spMkLst>
+            <pc:docMk/>
+            <pc:sldMk cId="3954801614" sldId="290"/>
+            <ac:spMk id="31" creationId="{B58D0583-D85F-7F4D-4072-3690696E65C2}"/>
+          </ac:spMkLst>
+        </pc:spChg>
+        <pc:spChg chg="add mod">
+          <ac:chgData name="Elme Pieterse" userId="cf235864-f06d-4d9c-a838-9d693a8e3248" providerId="ADAL" clId="{44400E0D-F01E-4C52-8DFE-33262DF1F20E}" dt="2024-04-11T23:43:56.556" v="6631" actId="208"/>
+          <ac:spMkLst>
+            <pc:docMk/>
+            <pc:sldMk cId="3954801614" sldId="290"/>
+            <ac:spMk id="44" creationId="{A23E1585-D8F9-2D50-AED6-FB04760DFFEB}"/>
+          </ac:spMkLst>
+        </pc:spChg>
+        <pc:spChg chg="add mod">
+          <ac:chgData name="Elme Pieterse" userId="cf235864-f06d-4d9c-a838-9d693a8e3248" providerId="ADAL" clId="{44400E0D-F01E-4C52-8DFE-33262DF1F20E}" dt="2024-04-11T23:44:06.860" v="6636" actId="1037"/>
+          <ac:spMkLst>
+            <pc:docMk/>
+            <pc:sldMk cId="3954801614" sldId="290"/>
+            <ac:spMk id="45" creationId="{72F58840-2DEB-89C5-9F75-1E84BE864A79}"/>
+          </ac:spMkLst>
+        </pc:spChg>
+        <pc:spChg chg="add mod">
+          <ac:chgData name="Elme Pieterse" userId="cf235864-f06d-4d9c-a838-9d693a8e3248" providerId="ADAL" clId="{44400E0D-F01E-4C52-8DFE-33262DF1F20E}" dt="2024-04-11T23:44:19.472" v="6641" actId="14100"/>
+          <ac:spMkLst>
+            <pc:docMk/>
+            <pc:sldMk cId="3954801614" sldId="290"/>
+            <ac:spMk id="46" creationId="{381DA978-889F-E79E-38FF-B84DA03997ED}"/>
+          </ac:spMkLst>
+        </pc:spChg>
+        <pc:spChg chg="add mod">
+          <ac:chgData name="Elme Pieterse" userId="cf235864-f06d-4d9c-a838-9d693a8e3248" providerId="ADAL" clId="{44400E0D-F01E-4C52-8DFE-33262DF1F20E}" dt="2024-04-11T23:44:32.282" v="6647" actId="14100"/>
+          <ac:spMkLst>
+            <pc:docMk/>
+            <pc:sldMk cId="3954801614" sldId="290"/>
+            <ac:spMk id="47" creationId="{2A781D0F-E053-1A5B-E307-6E9BB409042D}"/>
+          </ac:spMkLst>
+        </pc:spChg>
         <pc:graphicFrameChg chg="add mod modGraphic">
           <ac:chgData name="Elme Pieterse" userId="cf235864-f06d-4d9c-a838-9d693a8e3248" providerId="ADAL" clId="{44400E0D-F01E-4C52-8DFE-33262DF1F20E}" dt="2024-04-11T05:53:31.921" v="6239" actId="1076"/>
           <ac:graphicFrameMkLst>
@@ -3041,7 +3145,7 @@
           </ac:graphicFrameMkLst>
         </pc:graphicFrameChg>
         <pc:picChg chg="add mod">
-          <ac:chgData name="Elme Pieterse" userId="cf235864-f06d-4d9c-a838-9d693a8e3248" providerId="ADAL" clId="{44400E0D-F01E-4C52-8DFE-33262DF1F20E}" dt="2024-04-11T06:11:37.822" v="6346" actId="14100"/>
+          <ac:chgData name="Elme Pieterse" userId="cf235864-f06d-4d9c-a838-9d693a8e3248" providerId="ADAL" clId="{44400E0D-F01E-4C52-8DFE-33262DF1F20E}" dt="2024-04-11T23:40:14.040" v="6542" actId="14100"/>
           <ac:picMkLst>
             <pc:docMk/>
             <pc:sldMk cId="3954801614" sldId="290"/>
@@ -3065,7 +3169,7 @@
           </ac:picMkLst>
         </pc:picChg>
         <pc:picChg chg="add mod">
-          <ac:chgData name="Elme Pieterse" userId="cf235864-f06d-4d9c-a838-9d693a8e3248" providerId="ADAL" clId="{44400E0D-F01E-4C52-8DFE-33262DF1F20E}" dt="2024-04-11T06:11:57.659" v="6349" actId="14100"/>
+          <ac:chgData name="Elme Pieterse" userId="cf235864-f06d-4d9c-a838-9d693a8e3248" providerId="ADAL" clId="{44400E0D-F01E-4C52-8DFE-33262DF1F20E}" dt="2024-04-11T23:37:43.042" v="6489" actId="1076"/>
           <ac:picMkLst>
             <pc:docMk/>
             <pc:sldMk cId="3954801614" sldId="290"/>
@@ -3073,7 +3177,7 @@
           </ac:picMkLst>
         </pc:picChg>
         <pc:picChg chg="add mod">
-          <ac:chgData name="Elme Pieterse" userId="cf235864-f06d-4d9c-a838-9d693a8e3248" providerId="ADAL" clId="{44400E0D-F01E-4C52-8DFE-33262DF1F20E}" dt="2024-04-11T06:12:27.005" v="6352" actId="14100"/>
+          <ac:chgData name="Elme Pieterse" userId="cf235864-f06d-4d9c-a838-9d693a8e3248" providerId="ADAL" clId="{44400E0D-F01E-4C52-8DFE-33262DF1F20E}" dt="2024-04-11T23:36:08.747" v="6435" actId="1035"/>
           <ac:picMkLst>
             <pc:docMk/>
             <pc:sldMk cId="3954801614" sldId="290"/>
@@ -3081,7 +3185,15 @@
           </ac:picMkLst>
         </pc:picChg>
         <pc:picChg chg="add mod">
-          <ac:chgData name="Elme Pieterse" userId="cf235864-f06d-4d9c-a838-9d693a8e3248" providerId="ADAL" clId="{44400E0D-F01E-4C52-8DFE-33262DF1F20E}" dt="2024-04-11T06:12:55.254" v="6355" actId="14100"/>
+          <ac:chgData name="Elme Pieterse" userId="cf235864-f06d-4d9c-a838-9d693a8e3248" providerId="ADAL" clId="{44400E0D-F01E-4C52-8DFE-33262DF1F20E}" dt="2024-04-11T23:37:19.925" v="6472" actId="1076"/>
+          <ac:picMkLst>
+            <pc:docMk/>
+            <pc:sldMk cId="3954801614" sldId="290"/>
+            <ac:picMk id="10" creationId="{299EFBB1-45DC-7879-1F9B-5E1475B70A55}"/>
+          </ac:picMkLst>
+        </pc:picChg>
+        <pc:picChg chg="add mod">
+          <ac:chgData name="Elme Pieterse" userId="cf235864-f06d-4d9c-a838-9d693a8e3248" providerId="ADAL" clId="{44400E0D-F01E-4C52-8DFE-33262DF1F20E}" dt="2024-04-11T23:36:40.414" v="6463" actId="1076"/>
           <ac:picMkLst>
             <pc:docMk/>
             <pc:sldMk cId="3954801614" sldId="290"/>
@@ -3089,7 +3201,7 @@
           </ac:picMkLst>
         </pc:picChg>
         <pc:picChg chg="add mod">
-          <ac:chgData name="Elme Pieterse" userId="cf235864-f06d-4d9c-a838-9d693a8e3248" providerId="ADAL" clId="{44400E0D-F01E-4C52-8DFE-33262DF1F20E}" dt="2024-04-11T06:13:32.052" v="6359" actId="14100"/>
+          <ac:chgData name="Elme Pieterse" userId="cf235864-f06d-4d9c-a838-9d693a8e3248" providerId="ADAL" clId="{44400E0D-F01E-4C52-8DFE-33262DF1F20E}" dt="2024-04-11T23:36:11.825" v="6441" actId="1035"/>
           <ac:picMkLst>
             <pc:docMk/>
             <pc:sldMk cId="3954801614" sldId="290"/>
@@ -3097,7 +3209,15 @@
           </ac:picMkLst>
         </pc:picChg>
         <pc:picChg chg="add mod">
-          <ac:chgData name="Elme Pieterse" userId="cf235864-f06d-4d9c-a838-9d693a8e3248" providerId="ADAL" clId="{44400E0D-F01E-4C52-8DFE-33262DF1F20E}" dt="2024-04-11T06:13:57.329" v="6362" actId="14100"/>
+          <ac:chgData name="Elme Pieterse" userId="cf235864-f06d-4d9c-a838-9d693a8e3248" providerId="ADAL" clId="{44400E0D-F01E-4C52-8DFE-33262DF1F20E}" dt="2024-04-11T23:37:31.919" v="6486" actId="1035"/>
+          <ac:picMkLst>
+            <pc:docMk/>
+            <pc:sldMk cId="3954801614" sldId="290"/>
+            <ac:picMk id="14" creationId="{659972C2-1DA4-5B74-34AA-0602CA3FE83C}"/>
+          </ac:picMkLst>
+        </pc:picChg>
+        <pc:picChg chg="add mod">
+          <ac:chgData name="Elme Pieterse" userId="cf235864-f06d-4d9c-a838-9d693a8e3248" providerId="ADAL" clId="{44400E0D-F01E-4C52-8DFE-33262DF1F20E}" dt="2024-04-11T23:37:40.742" v="6488" actId="1076"/>
           <ac:picMkLst>
             <pc:docMk/>
             <pc:sldMk cId="3954801614" sldId="290"/>
@@ -3105,7 +3225,7 @@
           </ac:picMkLst>
         </pc:picChg>
         <pc:picChg chg="add mod">
-          <ac:chgData name="Elme Pieterse" userId="cf235864-f06d-4d9c-a838-9d693a8e3248" providerId="ADAL" clId="{44400E0D-F01E-4C52-8DFE-33262DF1F20E}" dt="2024-04-11T06:14:33.773" v="6367" actId="14100"/>
+          <ac:chgData name="Elme Pieterse" userId="cf235864-f06d-4d9c-a838-9d693a8e3248" providerId="ADAL" clId="{44400E0D-F01E-4C52-8DFE-33262DF1F20E}" dt="2024-04-11T23:36:15.681" v="6445" actId="1036"/>
           <ac:picMkLst>
             <pc:docMk/>
             <pc:sldMk cId="3954801614" sldId="290"/>
@@ -3113,7 +3233,7 @@
           </ac:picMkLst>
         </pc:picChg>
         <pc:picChg chg="add mod">
-          <ac:chgData name="Elme Pieterse" userId="cf235864-f06d-4d9c-a838-9d693a8e3248" providerId="ADAL" clId="{44400E0D-F01E-4C52-8DFE-33262DF1F20E}" dt="2024-04-11T06:15:05.571" v="6370" actId="14100"/>
+          <ac:chgData name="Elme Pieterse" userId="cf235864-f06d-4d9c-a838-9d693a8e3248" providerId="ADAL" clId="{44400E0D-F01E-4C52-8DFE-33262DF1F20E}" dt="2024-04-11T23:37:38.859" v="6487" actId="1076"/>
           <ac:picMkLst>
             <pc:docMk/>
             <pc:sldMk cId="3954801614" sldId="290"/>
@@ -3121,7 +3241,7 @@
           </ac:picMkLst>
         </pc:picChg>
         <pc:picChg chg="add mod">
-          <ac:chgData name="Elme Pieterse" userId="cf235864-f06d-4d9c-a838-9d693a8e3248" providerId="ADAL" clId="{44400E0D-F01E-4C52-8DFE-33262DF1F20E}" dt="2024-04-11T06:15:41.798" v="6373" actId="14100"/>
+          <ac:chgData name="Elme Pieterse" userId="cf235864-f06d-4d9c-a838-9d693a8e3248" providerId="ADAL" clId="{44400E0D-F01E-4C52-8DFE-33262DF1F20E}" dt="2024-04-11T23:36:20.335" v="6458" actId="1035"/>
           <ac:picMkLst>
             <pc:docMk/>
             <pc:sldMk cId="3954801614" sldId="290"/>
@@ -3144,12 +3264,84 @@
             <ac:cxnSpMk id="25" creationId="{DBE9BF88-9DBD-12FE-3A3D-D4D8F74237C3}"/>
           </ac:cxnSpMkLst>
         </pc:cxnChg>
+        <pc:cxnChg chg="add mod">
+          <ac:chgData name="Elme Pieterse" userId="cf235864-f06d-4d9c-a838-9d693a8e3248" providerId="ADAL" clId="{44400E0D-F01E-4C52-8DFE-33262DF1F20E}" dt="2024-04-11T23:41:58.864" v="6580" actId="1037"/>
+          <ac:cxnSpMkLst>
+            <pc:docMk/>
+            <pc:sldMk cId="3954801614" sldId="290"/>
+            <ac:cxnSpMk id="32" creationId="{A2F74F3B-EE37-97C0-7971-71FD9940927F}"/>
+          </ac:cxnSpMkLst>
+        </pc:cxnChg>
+        <pc:cxnChg chg="add mod">
+          <ac:chgData name="Elme Pieterse" userId="cf235864-f06d-4d9c-a838-9d693a8e3248" providerId="ADAL" clId="{44400E0D-F01E-4C52-8DFE-33262DF1F20E}" dt="2024-04-11T23:42:07.453" v="6581" actId="14100"/>
+          <ac:cxnSpMkLst>
+            <pc:docMk/>
+            <pc:sldMk cId="3954801614" sldId="290"/>
+            <ac:cxnSpMk id="34" creationId="{E08672CC-C3B3-A67E-098A-C1E94B1D9759}"/>
+          </ac:cxnSpMkLst>
+        </pc:cxnChg>
+        <pc:cxnChg chg="add mod">
+          <ac:chgData name="Elme Pieterse" userId="cf235864-f06d-4d9c-a838-9d693a8e3248" providerId="ADAL" clId="{44400E0D-F01E-4C52-8DFE-33262DF1F20E}" dt="2024-04-11T23:42:21.576" v="6586" actId="1038"/>
+          <ac:cxnSpMkLst>
+            <pc:docMk/>
+            <pc:sldMk cId="3954801614" sldId="290"/>
+            <ac:cxnSpMk id="36" creationId="{A3786E8F-CB65-B9AC-6231-4B977D4555A5}"/>
+          </ac:cxnSpMkLst>
+        </pc:cxnChg>
+        <pc:cxnChg chg="add mod">
+          <ac:chgData name="Elme Pieterse" userId="cf235864-f06d-4d9c-a838-9d693a8e3248" providerId="ADAL" clId="{44400E0D-F01E-4C52-8DFE-33262DF1F20E}" dt="2024-04-11T23:44:36.964" v="6648" actId="1038"/>
+          <ac:cxnSpMkLst>
+            <pc:docMk/>
+            <pc:sldMk cId="3954801614" sldId="290"/>
+            <ac:cxnSpMk id="38" creationId="{5FA52F5F-3837-0BBC-06FE-E5A563131011}"/>
+          </ac:cxnSpMkLst>
+        </pc:cxnChg>
         <pc:cxnChg chg="del">
           <ac:chgData name="Elme Pieterse" userId="cf235864-f06d-4d9c-a838-9d693a8e3248" providerId="ADAL" clId="{44400E0D-F01E-4C52-8DFE-33262DF1F20E}" dt="2024-04-10T07:14:04.848" v="3747" actId="478"/>
           <ac:cxnSpMkLst>
             <pc:docMk/>
             <pc:sldMk cId="3954801614" sldId="290"/>
             <ac:cxnSpMk id="39" creationId="{4AE6FE5F-36B6-6168-30DD-E6822701701B}"/>
+          </ac:cxnSpMkLst>
+        </pc:cxnChg>
+        <pc:cxnChg chg="add mod">
+          <ac:chgData name="Elme Pieterse" userId="cf235864-f06d-4d9c-a838-9d693a8e3248" providerId="ADAL" clId="{44400E0D-F01E-4C52-8DFE-33262DF1F20E}" dt="2024-04-11T23:43:11.605" v="6612" actId="14100"/>
+          <ac:cxnSpMkLst>
+            <pc:docMk/>
+            <pc:sldMk cId="3954801614" sldId="290"/>
+            <ac:cxnSpMk id="40" creationId="{4F86DE06-DF63-6315-272B-9E68A237805A}"/>
+          </ac:cxnSpMkLst>
+        </pc:cxnChg>
+        <pc:cxnChg chg="add mod">
+          <ac:chgData name="Elme Pieterse" userId="cf235864-f06d-4d9c-a838-9d693a8e3248" providerId="ADAL" clId="{44400E0D-F01E-4C52-8DFE-33262DF1F20E}" dt="2024-04-11T23:43:32.130" v="6627" actId="14100"/>
+          <ac:cxnSpMkLst>
+            <pc:docMk/>
+            <pc:sldMk cId="3954801614" sldId="290"/>
+            <ac:cxnSpMk id="42" creationId="{371AF04C-A5B9-0E8E-B90B-E4B54A515257}"/>
+          </ac:cxnSpMkLst>
+        </pc:cxnChg>
+        <pc:cxnChg chg="add mod">
+          <ac:chgData name="Elme Pieterse" userId="cf235864-f06d-4d9c-a838-9d693a8e3248" providerId="ADAL" clId="{44400E0D-F01E-4C52-8DFE-33262DF1F20E}" dt="2024-04-11T23:44:49.021" v="6656" actId="208"/>
+          <ac:cxnSpMkLst>
+            <pc:docMk/>
+            <pc:sldMk cId="3954801614" sldId="290"/>
+            <ac:cxnSpMk id="48" creationId="{75733C96-33CB-96C8-B485-9206F5073875}"/>
+          </ac:cxnSpMkLst>
+        </pc:cxnChg>
+        <pc:cxnChg chg="add mod">
+          <ac:chgData name="Elme Pieterse" userId="cf235864-f06d-4d9c-a838-9d693a8e3248" providerId="ADAL" clId="{44400E0D-F01E-4C52-8DFE-33262DF1F20E}" dt="2024-04-11T23:45:00.153" v="6659" actId="14100"/>
+          <ac:cxnSpMkLst>
+            <pc:docMk/>
+            <pc:sldMk cId="3954801614" sldId="290"/>
+            <ac:cxnSpMk id="50" creationId="{0067A91C-28FE-20B1-FD9B-D19BA3DB0229}"/>
+          </ac:cxnSpMkLst>
+        </pc:cxnChg>
+        <pc:cxnChg chg="add mod">
+          <ac:chgData name="Elme Pieterse" userId="cf235864-f06d-4d9c-a838-9d693a8e3248" providerId="ADAL" clId="{44400E0D-F01E-4C52-8DFE-33262DF1F20E}" dt="2024-04-11T23:45:14.659" v="6662" actId="208"/>
+          <ac:cxnSpMkLst>
+            <pc:docMk/>
+            <pc:sldMk cId="3954801614" sldId="290"/>
+            <ac:cxnSpMk id="52" creationId="{606EC1FB-1C6B-1E56-E9CE-6D3F82C3C75A}"/>
           </ac:cxnSpMkLst>
         </pc:cxnChg>
       </pc:sldChg>
@@ -22338,7 +22530,7 @@
                         <a:buNone/>
                       </a:pPr>
                       <a:r>
-                        <a:rPr lang="en-NZ" sz="800" cap="none" spc="0">
+                        <a:rPr lang="en-NZ" sz="800" cap="none" spc="0" dirty="0">
                           <a:solidFill>
                             <a:schemeClr val="tx1"/>
                           </a:solidFill>
@@ -23023,7 +23215,7 @@
         </p:blipFill>
         <p:spPr>
           <a:xfrm>
-            <a:off x="3899790" y="1924820"/>
+            <a:off x="3899790" y="1655877"/>
             <a:ext cx="2196210" cy="915555"/>
           </a:xfrm>
           <a:prstGeom prst="rect">
@@ -23053,8 +23245,8 @@
         </p:blipFill>
         <p:spPr>
           <a:xfrm>
-            <a:off x="6223591" y="1924820"/>
-            <a:ext cx="1709126" cy="914383"/>
+            <a:off x="6229189" y="1671847"/>
+            <a:ext cx="2705256" cy="1447313"/>
           </a:xfrm>
           <a:prstGeom prst="rect">
             <a:avLst/>
@@ -23083,7 +23275,7 @@
         </p:blipFill>
         <p:spPr>
           <a:xfrm>
-            <a:off x="3899790" y="2822662"/>
+            <a:off x="3899790" y="2661293"/>
             <a:ext cx="2196210" cy="901010"/>
           </a:xfrm>
           <a:prstGeom prst="rect">
@@ -23113,8 +23305,8 @@
         </p:blipFill>
         <p:spPr>
           <a:xfrm>
-            <a:off x="6223592" y="2839204"/>
-            <a:ext cx="1709126" cy="932634"/>
+            <a:off x="9056437" y="2207963"/>
+            <a:ext cx="2938338" cy="1603389"/>
           </a:xfrm>
           <a:prstGeom prst="rect">
             <a:avLst/>
@@ -23143,7 +23335,7 @@
         </p:blipFill>
         <p:spPr>
           <a:xfrm>
-            <a:off x="3899791" y="3723487"/>
+            <a:off x="3899791" y="3658939"/>
             <a:ext cx="2196210" cy="914617"/>
           </a:xfrm>
           <a:prstGeom prst="rect">
@@ -23173,8 +23365,8 @@
         </p:blipFill>
         <p:spPr>
           <a:xfrm>
-            <a:off x="6223591" y="3771838"/>
-            <a:ext cx="1707757" cy="932634"/>
+            <a:off x="6217992" y="3399872"/>
+            <a:ext cx="2705256" cy="1477385"/>
           </a:xfrm>
           <a:prstGeom prst="rect">
             <a:avLst/>
@@ -23203,7 +23395,7 @@
         </p:blipFill>
         <p:spPr>
           <a:xfrm>
-            <a:off x="3899791" y="4638104"/>
+            <a:off x="3899791" y="4681136"/>
             <a:ext cx="2196210" cy="913220"/>
           </a:xfrm>
           <a:prstGeom prst="rect">
@@ -23233,8 +23425,8 @@
         </p:blipFill>
         <p:spPr>
           <a:xfrm>
-            <a:off x="6223591" y="4704472"/>
-            <a:ext cx="1707757" cy="594552"/>
+            <a:off x="6223591" y="5137746"/>
+            <a:ext cx="2705256" cy="941829"/>
           </a:xfrm>
           <a:prstGeom prst="rect">
             <a:avLst/>
@@ -23263,7 +23455,7 @@
         </p:blipFill>
         <p:spPr>
           <a:xfrm>
-            <a:off x="3899791" y="5551324"/>
+            <a:off x="3899791" y="5701933"/>
             <a:ext cx="2196210" cy="915556"/>
           </a:xfrm>
           <a:prstGeom prst="rect">
@@ -23271,6 +23463,1122 @@
           </a:prstGeom>
         </p:spPr>
       </p:pic>
+      <p:pic>
+        <p:nvPicPr>
+          <p:cNvPr id="10" name="Picture 9">
+            <a:extLst>
+              <a:ext uri="{FF2B5EF4-FFF2-40B4-BE49-F238E27FC236}">
+                <a16:creationId xmlns:a16="http://schemas.microsoft.com/office/drawing/2014/main" id="{299EFBB1-45DC-7879-1F9B-5E1475B70A55}"/>
+              </a:ext>
+            </a:extLst>
+          </p:cNvPr>
+          <p:cNvPicPr>
+            <a:picLocks noChangeAspect="1"/>
+          </p:cNvPicPr>
+          <p:nvPr/>
+        </p:nvPicPr>
+        <p:blipFill>
+          <a:blip r:embed="rId12"/>
+          <a:stretch>
+            <a:fillRect/>
+          </a:stretch>
+        </p:blipFill>
+        <p:spPr>
+          <a:xfrm>
+            <a:off x="9050839" y="3951271"/>
+            <a:ext cx="2705256" cy="1465347"/>
+          </a:xfrm>
+          <a:prstGeom prst="rect">
+            <a:avLst/>
+          </a:prstGeom>
+        </p:spPr>
+      </p:pic>
+      <p:pic>
+        <p:nvPicPr>
+          <p:cNvPr id="14" name="Picture 13">
+            <a:extLst>
+              <a:ext uri="{FF2B5EF4-FFF2-40B4-BE49-F238E27FC236}">
+                <a16:creationId xmlns:a16="http://schemas.microsoft.com/office/drawing/2014/main" id="{659972C2-1DA4-5B74-34AA-0602CA3FE83C}"/>
+              </a:ext>
+            </a:extLst>
+          </p:cNvPr>
+          <p:cNvPicPr>
+            <a:picLocks noChangeAspect="1"/>
+          </p:cNvPicPr>
+          <p:nvPr/>
+        </p:nvPicPr>
+        <p:blipFill>
+          <a:blip r:embed="rId13"/>
+          <a:stretch>
+            <a:fillRect/>
+          </a:stretch>
+        </p:blipFill>
+        <p:spPr>
+          <a:xfrm>
+            <a:off x="9050839" y="5336340"/>
+            <a:ext cx="2705256" cy="1482241"/>
+          </a:xfrm>
+          <a:prstGeom prst="rect">
+            <a:avLst/>
+          </a:prstGeom>
+        </p:spPr>
+      </p:pic>
+      <p:sp>
+        <p:nvSpPr>
+          <p:cNvPr id="16" name="Rectangle: Rounded Corners 15">
+            <a:extLst>
+              <a:ext uri="{FF2B5EF4-FFF2-40B4-BE49-F238E27FC236}">
+                <a16:creationId xmlns:a16="http://schemas.microsoft.com/office/drawing/2014/main" id="{4324AFE1-0516-A3D2-005F-85BA46B7B3C9}"/>
+              </a:ext>
+            </a:extLst>
+          </p:cNvPr>
+          <p:cNvSpPr/>
+          <p:nvPr/>
+        </p:nvSpPr>
+        <p:spPr>
+          <a:xfrm>
+            <a:off x="346537" y="1993280"/>
+            <a:ext cx="395741" cy="214683"/>
+          </a:xfrm>
+          <a:prstGeom prst="roundRect">
+            <a:avLst/>
+          </a:prstGeom>
+          <a:noFill/>
+          <a:ln w="38100" cap="flat" cmpd="sng" algn="ctr">
+            <a:solidFill>
+              <a:schemeClr val="accent2"/>
+            </a:solidFill>
+            <a:prstDash val="solid"/>
+            <a:round/>
+            <a:headEnd type="none" w="med" len="med"/>
+            <a:tailEnd type="none" w="med" len="med"/>
+          </a:ln>
+        </p:spPr>
+        <p:style>
+          <a:lnRef idx="0">
+            <a:scrgbClr r="0" g="0" b="0"/>
+          </a:lnRef>
+          <a:fillRef idx="0">
+            <a:scrgbClr r="0" g="0" b="0"/>
+          </a:fillRef>
+          <a:effectRef idx="0">
+            <a:scrgbClr r="0" g="0" b="0"/>
+          </a:effectRef>
+          <a:fontRef idx="minor">
+            <a:schemeClr val="dk1"/>
+          </a:fontRef>
+        </p:style>
+        <p:txBody>
+          <a:bodyPr rtlCol="0" anchor="ctr"/>
+          <a:lstStyle/>
+          <a:p>
+            <a:pPr algn="ctr"/>
+            <a:endParaRPr lang="en-NZ"/>
+          </a:p>
+        </p:txBody>
+      </p:sp>
+      <p:sp>
+        <p:nvSpPr>
+          <p:cNvPr id="18" name="Rectangle: Rounded Corners 17">
+            <a:extLst>
+              <a:ext uri="{FF2B5EF4-FFF2-40B4-BE49-F238E27FC236}">
+                <a16:creationId xmlns:a16="http://schemas.microsoft.com/office/drawing/2014/main" id="{1812CD98-7229-0B56-5B6C-D401993406CA}"/>
+              </a:ext>
+            </a:extLst>
+          </p:cNvPr>
+          <p:cNvSpPr/>
+          <p:nvPr/>
+        </p:nvSpPr>
+        <p:spPr>
+          <a:xfrm>
+            <a:off x="1537975" y="2000279"/>
+            <a:ext cx="957798" cy="828982"/>
+          </a:xfrm>
+          <a:prstGeom prst="roundRect">
+            <a:avLst/>
+          </a:prstGeom>
+          <a:noFill/>
+          <a:ln w="38100" cap="flat" cmpd="sng" algn="ctr">
+            <a:solidFill>
+              <a:schemeClr val="accent2"/>
+            </a:solidFill>
+            <a:prstDash val="solid"/>
+            <a:round/>
+            <a:headEnd type="none" w="med" len="med"/>
+            <a:tailEnd type="none" w="med" len="med"/>
+          </a:ln>
+        </p:spPr>
+        <p:style>
+          <a:lnRef idx="0">
+            <a:scrgbClr r="0" g="0" b="0"/>
+          </a:lnRef>
+          <a:fillRef idx="0">
+            <a:scrgbClr r="0" g="0" b="0"/>
+          </a:fillRef>
+          <a:effectRef idx="0">
+            <a:scrgbClr r="0" g="0" b="0"/>
+          </a:effectRef>
+          <a:fontRef idx="minor">
+            <a:schemeClr val="dk1"/>
+          </a:fontRef>
+        </p:style>
+        <p:txBody>
+          <a:bodyPr rtlCol="0" anchor="ctr"/>
+          <a:lstStyle/>
+          <a:p>
+            <a:pPr algn="ctr"/>
+            <a:endParaRPr lang="en-NZ"/>
+          </a:p>
+        </p:txBody>
+      </p:sp>
+      <p:sp>
+        <p:nvSpPr>
+          <p:cNvPr id="20" name="Rectangle: Rounded Corners 19">
+            <a:extLst>
+              <a:ext uri="{FF2B5EF4-FFF2-40B4-BE49-F238E27FC236}">
+                <a16:creationId xmlns:a16="http://schemas.microsoft.com/office/drawing/2014/main" id="{83AE06EF-4533-E830-07F9-1A3572CCEBD8}"/>
+              </a:ext>
+            </a:extLst>
+          </p:cNvPr>
+          <p:cNvSpPr/>
+          <p:nvPr/>
+        </p:nvSpPr>
+        <p:spPr>
+          <a:xfrm>
+            <a:off x="3910547" y="1661833"/>
+            <a:ext cx="2174695" cy="909599"/>
+          </a:xfrm>
+          <a:prstGeom prst="roundRect">
+            <a:avLst>
+              <a:gd name="adj" fmla="val 109"/>
+            </a:avLst>
+          </a:prstGeom>
+          <a:noFill/>
+          <a:ln w="38100" cap="flat" cmpd="sng" algn="ctr">
+            <a:solidFill>
+              <a:schemeClr val="accent2"/>
+            </a:solidFill>
+            <a:prstDash val="solid"/>
+            <a:round/>
+            <a:headEnd type="none" w="med" len="med"/>
+            <a:tailEnd type="none" w="med" len="med"/>
+          </a:ln>
+        </p:spPr>
+        <p:style>
+          <a:lnRef idx="0">
+            <a:scrgbClr r="0" g="0" b="0"/>
+          </a:lnRef>
+          <a:fillRef idx="0">
+            <a:scrgbClr r="0" g="0" b="0"/>
+          </a:fillRef>
+          <a:effectRef idx="0">
+            <a:scrgbClr r="0" g="0" b="0"/>
+          </a:effectRef>
+          <a:fontRef idx="minor">
+            <a:schemeClr val="dk1"/>
+          </a:fontRef>
+        </p:style>
+        <p:txBody>
+          <a:bodyPr rtlCol="0" anchor="ctr"/>
+          <a:lstStyle/>
+          <a:p>
+            <a:pPr algn="ctr"/>
+            <a:endParaRPr lang="en-NZ"/>
+          </a:p>
+        </p:txBody>
+      </p:sp>
+      <p:sp>
+        <p:nvSpPr>
+          <p:cNvPr id="22" name="Rectangle: Rounded Corners 21">
+            <a:extLst>
+              <a:ext uri="{FF2B5EF4-FFF2-40B4-BE49-F238E27FC236}">
+                <a16:creationId xmlns:a16="http://schemas.microsoft.com/office/drawing/2014/main" id="{F9AEB744-1FAC-5A40-DFC9-74E58BB7560A}"/>
+              </a:ext>
+            </a:extLst>
+          </p:cNvPr>
+          <p:cNvSpPr/>
+          <p:nvPr/>
+        </p:nvSpPr>
+        <p:spPr>
+          <a:xfrm>
+            <a:off x="6246472" y="1677392"/>
+            <a:ext cx="2671616" cy="1431010"/>
+          </a:xfrm>
+          <a:prstGeom prst="roundRect">
+            <a:avLst>
+              <a:gd name="adj" fmla="val 0"/>
+            </a:avLst>
+          </a:prstGeom>
+          <a:noFill/>
+          <a:ln w="38100" cap="flat" cmpd="sng" algn="ctr">
+            <a:solidFill>
+              <a:schemeClr val="accent2"/>
+            </a:solidFill>
+            <a:prstDash val="solid"/>
+            <a:round/>
+            <a:headEnd type="none" w="med" len="med"/>
+            <a:tailEnd type="none" w="med" len="med"/>
+          </a:ln>
+        </p:spPr>
+        <p:style>
+          <a:lnRef idx="0">
+            <a:scrgbClr r="0" g="0" b="0"/>
+          </a:lnRef>
+          <a:fillRef idx="0">
+            <a:scrgbClr r="0" g="0" b="0"/>
+          </a:fillRef>
+          <a:effectRef idx="0">
+            <a:scrgbClr r="0" g="0" b="0"/>
+          </a:effectRef>
+          <a:fontRef idx="minor">
+            <a:schemeClr val="dk1"/>
+          </a:fontRef>
+        </p:style>
+        <p:txBody>
+          <a:bodyPr rtlCol="0" anchor="ctr"/>
+          <a:lstStyle/>
+          <a:p>
+            <a:pPr algn="ctr"/>
+            <a:endParaRPr lang="en-NZ"/>
+          </a:p>
+        </p:txBody>
+      </p:sp>
+      <p:sp>
+        <p:nvSpPr>
+          <p:cNvPr id="24" name="Rectangle: Rounded Corners 23">
+            <a:extLst>
+              <a:ext uri="{FF2B5EF4-FFF2-40B4-BE49-F238E27FC236}">
+                <a16:creationId xmlns:a16="http://schemas.microsoft.com/office/drawing/2014/main" id="{6B77A815-D06C-9660-AAB3-7820BFD13DD5}"/>
+              </a:ext>
+            </a:extLst>
+          </p:cNvPr>
+          <p:cNvSpPr/>
+          <p:nvPr/>
+        </p:nvSpPr>
+        <p:spPr>
+          <a:xfrm>
+            <a:off x="375152" y="2871828"/>
+            <a:ext cx="395741" cy="214683"/>
+          </a:xfrm>
+          <a:prstGeom prst="roundRect">
+            <a:avLst/>
+          </a:prstGeom>
+          <a:noFill/>
+          <a:ln w="38100" cap="flat" cmpd="sng" algn="ctr">
+            <a:solidFill>
+              <a:schemeClr val="accent6"/>
+            </a:solidFill>
+            <a:prstDash val="solid"/>
+            <a:round/>
+            <a:headEnd type="none" w="med" len="med"/>
+            <a:tailEnd type="none" w="med" len="med"/>
+          </a:ln>
+        </p:spPr>
+        <p:style>
+          <a:lnRef idx="0">
+            <a:scrgbClr r="0" g="0" b="0"/>
+          </a:lnRef>
+          <a:fillRef idx="0">
+            <a:scrgbClr r="0" g="0" b="0"/>
+          </a:fillRef>
+          <a:effectRef idx="0">
+            <a:scrgbClr r="0" g="0" b="0"/>
+          </a:effectRef>
+          <a:fontRef idx="minor">
+            <a:schemeClr val="dk1"/>
+          </a:fontRef>
+        </p:style>
+        <p:txBody>
+          <a:bodyPr rtlCol="0" anchor="ctr"/>
+          <a:lstStyle/>
+          <a:p>
+            <a:pPr algn="ctr"/>
+            <a:endParaRPr lang="en-NZ"/>
+          </a:p>
+        </p:txBody>
+      </p:sp>
+      <p:sp>
+        <p:nvSpPr>
+          <p:cNvPr id="25" name="Rectangle: Rounded Corners 24">
+            <a:extLst>
+              <a:ext uri="{FF2B5EF4-FFF2-40B4-BE49-F238E27FC236}">
+                <a16:creationId xmlns:a16="http://schemas.microsoft.com/office/drawing/2014/main" id="{73C2D9A5-C03F-376A-31E6-B59519EB17B1}"/>
+              </a:ext>
+            </a:extLst>
+          </p:cNvPr>
+          <p:cNvSpPr/>
+          <p:nvPr/>
+        </p:nvSpPr>
+        <p:spPr>
+          <a:xfrm>
+            <a:off x="1516459" y="2893719"/>
+            <a:ext cx="1043860" cy="828982"/>
+          </a:xfrm>
+          <a:prstGeom prst="roundRect">
+            <a:avLst/>
+          </a:prstGeom>
+          <a:noFill/>
+          <a:ln w="38100" cap="flat" cmpd="sng" algn="ctr">
+            <a:solidFill>
+              <a:schemeClr val="accent6"/>
+            </a:solidFill>
+            <a:prstDash val="solid"/>
+            <a:round/>
+            <a:headEnd type="none" w="med" len="med"/>
+            <a:tailEnd type="none" w="med" len="med"/>
+          </a:ln>
+        </p:spPr>
+        <p:style>
+          <a:lnRef idx="0">
+            <a:scrgbClr r="0" g="0" b="0"/>
+          </a:lnRef>
+          <a:fillRef idx="0">
+            <a:scrgbClr r="0" g="0" b="0"/>
+          </a:fillRef>
+          <a:effectRef idx="0">
+            <a:scrgbClr r="0" g="0" b="0"/>
+          </a:effectRef>
+          <a:fontRef idx="minor">
+            <a:schemeClr val="dk1"/>
+          </a:fontRef>
+        </p:style>
+        <p:txBody>
+          <a:bodyPr rtlCol="0" anchor="ctr"/>
+          <a:lstStyle/>
+          <a:p>
+            <a:pPr algn="ctr"/>
+            <a:endParaRPr lang="en-NZ"/>
+          </a:p>
+        </p:txBody>
+      </p:sp>
+      <p:sp>
+        <p:nvSpPr>
+          <p:cNvPr id="26" name="Rectangle: Rounded Corners 25">
+            <a:extLst>
+              <a:ext uri="{FF2B5EF4-FFF2-40B4-BE49-F238E27FC236}">
+                <a16:creationId xmlns:a16="http://schemas.microsoft.com/office/drawing/2014/main" id="{D4DEBB55-F039-A8A1-3CB8-D525B267ACFA}"/>
+              </a:ext>
+            </a:extLst>
+          </p:cNvPr>
+          <p:cNvSpPr/>
+          <p:nvPr/>
+        </p:nvSpPr>
+        <p:spPr>
+          <a:xfrm>
+            <a:off x="3899789" y="2668067"/>
+            <a:ext cx="2207408" cy="883291"/>
+          </a:xfrm>
+          <a:prstGeom prst="roundRect">
+            <a:avLst>
+              <a:gd name="adj" fmla="val 2052"/>
+            </a:avLst>
+          </a:prstGeom>
+          <a:noFill/>
+          <a:ln w="38100" cap="flat" cmpd="sng" algn="ctr">
+            <a:solidFill>
+              <a:schemeClr val="accent6"/>
+            </a:solidFill>
+            <a:prstDash val="solid"/>
+            <a:round/>
+            <a:headEnd type="none" w="med" len="med"/>
+            <a:tailEnd type="none" w="med" len="med"/>
+          </a:ln>
+        </p:spPr>
+        <p:style>
+          <a:lnRef idx="0">
+            <a:scrgbClr r="0" g="0" b="0"/>
+          </a:lnRef>
+          <a:fillRef idx="0">
+            <a:scrgbClr r="0" g="0" b="0"/>
+          </a:fillRef>
+          <a:effectRef idx="0">
+            <a:scrgbClr r="0" g="0" b="0"/>
+          </a:effectRef>
+          <a:fontRef idx="minor">
+            <a:schemeClr val="dk1"/>
+          </a:fontRef>
+        </p:style>
+        <p:txBody>
+          <a:bodyPr rtlCol="0" anchor="ctr"/>
+          <a:lstStyle/>
+          <a:p>
+            <a:pPr algn="ctr"/>
+            <a:endParaRPr lang="en-NZ"/>
+          </a:p>
+        </p:txBody>
+      </p:sp>
+      <p:sp>
+        <p:nvSpPr>
+          <p:cNvPr id="31" name="Rectangle: Rounded Corners 30">
+            <a:extLst>
+              <a:ext uri="{FF2B5EF4-FFF2-40B4-BE49-F238E27FC236}">
+                <a16:creationId xmlns:a16="http://schemas.microsoft.com/office/drawing/2014/main" id="{B58D0583-D85F-7F4D-4072-3690696E65C2}"/>
+              </a:ext>
+            </a:extLst>
+          </p:cNvPr>
+          <p:cNvSpPr/>
+          <p:nvPr/>
+        </p:nvSpPr>
+        <p:spPr>
+          <a:xfrm>
+            <a:off x="9068073" y="2192749"/>
+            <a:ext cx="2938338" cy="1603389"/>
+          </a:xfrm>
+          <a:prstGeom prst="roundRect">
+            <a:avLst>
+              <a:gd name="adj" fmla="val 2052"/>
+            </a:avLst>
+          </a:prstGeom>
+          <a:noFill/>
+          <a:ln w="38100" cap="flat" cmpd="sng" algn="ctr">
+            <a:solidFill>
+              <a:schemeClr val="accent6"/>
+            </a:solidFill>
+            <a:prstDash val="solid"/>
+            <a:round/>
+            <a:headEnd type="none" w="med" len="med"/>
+            <a:tailEnd type="none" w="med" len="med"/>
+          </a:ln>
+        </p:spPr>
+        <p:style>
+          <a:lnRef idx="0">
+            <a:scrgbClr r="0" g="0" b="0"/>
+          </a:lnRef>
+          <a:fillRef idx="0">
+            <a:scrgbClr r="0" g="0" b="0"/>
+          </a:fillRef>
+          <a:effectRef idx="0">
+            <a:scrgbClr r="0" g="0" b="0"/>
+          </a:effectRef>
+          <a:fontRef idx="minor">
+            <a:schemeClr val="dk1"/>
+          </a:fontRef>
+        </p:style>
+        <p:txBody>
+          <a:bodyPr rtlCol="0" anchor="ctr"/>
+          <a:lstStyle/>
+          <a:p>
+            <a:pPr algn="ctr"/>
+            <a:endParaRPr lang="en-NZ"/>
+          </a:p>
+        </p:txBody>
+      </p:sp>
+      <p:cxnSp>
+        <p:nvCxnSpPr>
+          <p:cNvPr id="32" name="Straight Arrow Connector 31">
+            <a:extLst>
+              <a:ext uri="{FF2B5EF4-FFF2-40B4-BE49-F238E27FC236}">
+                <a16:creationId xmlns:a16="http://schemas.microsoft.com/office/drawing/2014/main" id="{A2F74F3B-EE37-97C0-7971-71FD9940927F}"/>
+              </a:ext>
+            </a:extLst>
+          </p:cNvPr>
+          <p:cNvCxnSpPr>
+            <a:cxnSpLocks/>
+          </p:cNvCxnSpPr>
+          <p:nvPr/>
+        </p:nvCxnSpPr>
+        <p:spPr>
+          <a:xfrm>
+            <a:off x="794341" y="2097099"/>
+            <a:ext cx="700602" cy="0"/>
+          </a:xfrm>
+          <a:prstGeom prst="straightConnector1">
+            <a:avLst/>
+          </a:prstGeom>
+          <a:ln w="38100">
+            <a:solidFill>
+              <a:schemeClr val="accent2"/>
+            </a:solidFill>
+            <a:tailEnd type="triangle"/>
+          </a:ln>
+        </p:spPr>
+        <p:style>
+          <a:lnRef idx="1">
+            <a:schemeClr val="accent1"/>
+          </a:lnRef>
+          <a:fillRef idx="0">
+            <a:schemeClr val="accent1"/>
+          </a:fillRef>
+          <a:effectRef idx="0">
+            <a:schemeClr val="accent1"/>
+          </a:effectRef>
+          <a:fontRef idx="minor">
+            <a:schemeClr val="tx1"/>
+          </a:fontRef>
+        </p:style>
+      </p:cxnSp>
+      <p:cxnSp>
+        <p:nvCxnSpPr>
+          <p:cNvPr id="34" name="Straight Arrow Connector 33">
+            <a:extLst>
+              <a:ext uri="{FF2B5EF4-FFF2-40B4-BE49-F238E27FC236}">
+                <a16:creationId xmlns:a16="http://schemas.microsoft.com/office/drawing/2014/main" id="{E08672CC-C3B3-A67E-098A-C1E94B1D9759}"/>
+              </a:ext>
+            </a:extLst>
+          </p:cNvPr>
+          <p:cNvCxnSpPr>
+            <a:cxnSpLocks/>
+          </p:cNvCxnSpPr>
+          <p:nvPr/>
+        </p:nvCxnSpPr>
+        <p:spPr>
+          <a:xfrm flipV="1">
+            <a:off x="2560319" y="2097099"/>
+            <a:ext cx="1215615" cy="335280"/>
+          </a:xfrm>
+          <a:prstGeom prst="straightConnector1">
+            <a:avLst/>
+          </a:prstGeom>
+          <a:ln w="38100">
+            <a:solidFill>
+              <a:schemeClr val="accent2"/>
+            </a:solidFill>
+            <a:tailEnd type="triangle"/>
+          </a:ln>
+        </p:spPr>
+        <p:style>
+          <a:lnRef idx="1">
+            <a:schemeClr val="accent1"/>
+          </a:lnRef>
+          <a:fillRef idx="0">
+            <a:schemeClr val="accent1"/>
+          </a:fillRef>
+          <a:effectRef idx="0">
+            <a:schemeClr val="accent1"/>
+          </a:effectRef>
+          <a:fontRef idx="minor">
+            <a:schemeClr val="tx1"/>
+          </a:fontRef>
+        </p:style>
+      </p:cxnSp>
+      <p:cxnSp>
+        <p:nvCxnSpPr>
+          <p:cNvPr id="36" name="Straight Arrow Connector 35">
+            <a:extLst>
+              <a:ext uri="{FF2B5EF4-FFF2-40B4-BE49-F238E27FC236}">
+                <a16:creationId xmlns:a16="http://schemas.microsoft.com/office/drawing/2014/main" id="{A3786E8F-CB65-B9AC-6231-4B977D4555A5}"/>
+              </a:ext>
+            </a:extLst>
+          </p:cNvPr>
+          <p:cNvCxnSpPr>
+            <a:cxnSpLocks/>
+          </p:cNvCxnSpPr>
+          <p:nvPr/>
+        </p:nvCxnSpPr>
+        <p:spPr>
+          <a:xfrm>
+            <a:off x="6128713" y="2117972"/>
+            <a:ext cx="110795" cy="0"/>
+          </a:xfrm>
+          <a:prstGeom prst="straightConnector1">
+            <a:avLst/>
+          </a:prstGeom>
+          <a:ln w="38100">
+            <a:solidFill>
+              <a:schemeClr val="accent2"/>
+            </a:solidFill>
+            <a:tailEnd type="triangle"/>
+          </a:ln>
+        </p:spPr>
+        <p:style>
+          <a:lnRef idx="1">
+            <a:schemeClr val="accent1"/>
+          </a:lnRef>
+          <a:fillRef idx="0">
+            <a:schemeClr val="accent1"/>
+          </a:fillRef>
+          <a:effectRef idx="0">
+            <a:schemeClr val="accent1"/>
+          </a:effectRef>
+          <a:fontRef idx="minor">
+            <a:schemeClr val="tx1"/>
+          </a:fontRef>
+        </p:style>
+      </p:cxnSp>
+      <p:cxnSp>
+        <p:nvCxnSpPr>
+          <p:cNvPr id="38" name="Straight Arrow Connector 37">
+            <a:extLst>
+              <a:ext uri="{FF2B5EF4-FFF2-40B4-BE49-F238E27FC236}">
+                <a16:creationId xmlns:a16="http://schemas.microsoft.com/office/drawing/2014/main" id="{5FA52F5F-3837-0BBC-06FE-E5A563131011}"/>
+              </a:ext>
+            </a:extLst>
+          </p:cNvPr>
+          <p:cNvCxnSpPr>
+            <a:cxnSpLocks/>
+          </p:cNvCxnSpPr>
+          <p:nvPr/>
+        </p:nvCxnSpPr>
+        <p:spPr>
+          <a:xfrm>
+            <a:off x="815857" y="2978290"/>
+            <a:ext cx="689844" cy="0"/>
+          </a:xfrm>
+          <a:prstGeom prst="straightConnector1">
+            <a:avLst/>
+          </a:prstGeom>
+          <a:ln w="38100">
+            <a:solidFill>
+              <a:schemeClr val="accent6"/>
+            </a:solidFill>
+            <a:tailEnd type="triangle"/>
+          </a:ln>
+        </p:spPr>
+        <p:style>
+          <a:lnRef idx="1">
+            <a:schemeClr val="accent1"/>
+          </a:lnRef>
+          <a:fillRef idx="0">
+            <a:schemeClr val="accent1"/>
+          </a:fillRef>
+          <a:effectRef idx="0">
+            <a:schemeClr val="accent1"/>
+          </a:effectRef>
+          <a:fontRef idx="minor">
+            <a:schemeClr val="tx1"/>
+          </a:fontRef>
+        </p:style>
+      </p:cxnSp>
+      <p:cxnSp>
+        <p:nvCxnSpPr>
+          <p:cNvPr id="40" name="Straight Arrow Connector 39">
+            <a:extLst>
+              <a:ext uri="{FF2B5EF4-FFF2-40B4-BE49-F238E27FC236}">
+                <a16:creationId xmlns:a16="http://schemas.microsoft.com/office/drawing/2014/main" id="{4F86DE06-DF63-6315-272B-9E68A237805A}"/>
+              </a:ext>
+            </a:extLst>
+          </p:cNvPr>
+          <p:cNvCxnSpPr>
+            <a:cxnSpLocks/>
+          </p:cNvCxnSpPr>
+          <p:nvPr/>
+        </p:nvCxnSpPr>
+        <p:spPr>
+          <a:xfrm flipV="1">
+            <a:off x="2631194" y="3086511"/>
+            <a:ext cx="1144740" cy="205543"/>
+          </a:xfrm>
+          <a:prstGeom prst="straightConnector1">
+            <a:avLst/>
+          </a:prstGeom>
+          <a:ln w="38100">
+            <a:solidFill>
+              <a:schemeClr val="accent6"/>
+            </a:solidFill>
+            <a:tailEnd type="triangle"/>
+          </a:ln>
+        </p:spPr>
+        <p:style>
+          <a:lnRef idx="1">
+            <a:schemeClr val="accent1"/>
+          </a:lnRef>
+          <a:fillRef idx="0">
+            <a:schemeClr val="accent1"/>
+          </a:fillRef>
+          <a:effectRef idx="0">
+            <a:schemeClr val="accent1"/>
+          </a:effectRef>
+          <a:fontRef idx="minor">
+            <a:schemeClr val="tx1"/>
+          </a:fontRef>
+        </p:style>
+      </p:cxnSp>
+      <p:cxnSp>
+        <p:nvCxnSpPr>
+          <p:cNvPr id="42" name="Straight Arrow Connector 41">
+            <a:extLst>
+              <a:ext uri="{FF2B5EF4-FFF2-40B4-BE49-F238E27FC236}">
+                <a16:creationId xmlns:a16="http://schemas.microsoft.com/office/drawing/2014/main" id="{371AF04C-A5B9-0E8E-B90B-E4B54A515257}"/>
+              </a:ext>
+            </a:extLst>
+          </p:cNvPr>
+          <p:cNvCxnSpPr>
+            <a:cxnSpLocks/>
+          </p:cNvCxnSpPr>
+          <p:nvPr/>
+        </p:nvCxnSpPr>
+        <p:spPr>
+          <a:xfrm>
+            <a:off x="6160987" y="3248470"/>
+            <a:ext cx="2767860" cy="0"/>
+          </a:xfrm>
+          <a:prstGeom prst="straightConnector1">
+            <a:avLst/>
+          </a:prstGeom>
+          <a:ln w="38100">
+            <a:solidFill>
+              <a:schemeClr val="accent6"/>
+            </a:solidFill>
+            <a:tailEnd type="triangle"/>
+          </a:ln>
+        </p:spPr>
+        <p:style>
+          <a:lnRef idx="1">
+            <a:schemeClr val="accent1"/>
+          </a:lnRef>
+          <a:fillRef idx="0">
+            <a:schemeClr val="accent1"/>
+          </a:fillRef>
+          <a:effectRef idx="0">
+            <a:schemeClr val="accent1"/>
+          </a:effectRef>
+          <a:fontRef idx="minor">
+            <a:schemeClr val="tx1"/>
+          </a:fontRef>
+        </p:style>
+      </p:cxnSp>
+      <p:sp>
+        <p:nvSpPr>
+          <p:cNvPr id="44" name="Rectangle: Rounded Corners 43">
+            <a:extLst>
+              <a:ext uri="{FF2B5EF4-FFF2-40B4-BE49-F238E27FC236}">
+                <a16:creationId xmlns:a16="http://schemas.microsoft.com/office/drawing/2014/main" id="{A23E1585-D8F9-2D50-AED6-FB04760DFFEB}"/>
+              </a:ext>
+            </a:extLst>
+          </p:cNvPr>
+          <p:cNvSpPr/>
+          <p:nvPr/>
+        </p:nvSpPr>
+        <p:spPr>
+          <a:xfrm>
+            <a:off x="356418" y="3748684"/>
+            <a:ext cx="395741" cy="214683"/>
+          </a:xfrm>
+          <a:prstGeom prst="roundRect">
+            <a:avLst/>
+          </a:prstGeom>
+          <a:noFill/>
+          <a:ln w="38100" cap="flat" cmpd="sng" algn="ctr">
+            <a:solidFill>
+              <a:schemeClr val="accent5"/>
+            </a:solidFill>
+            <a:prstDash val="solid"/>
+            <a:round/>
+            <a:headEnd type="none" w="med" len="med"/>
+            <a:tailEnd type="none" w="med" len="med"/>
+          </a:ln>
+        </p:spPr>
+        <p:style>
+          <a:lnRef idx="0">
+            <a:scrgbClr r="0" g="0" b="0"/>
+          </a:lnRef>
+          <a:fillRef idx="0">
+            <a:scrgbClr r="0" g="0" b="0"/>
+          </a:fillRef>
+          <a:effectRef idx="0">
+            <a:scrgbClr r="0" g="0" b="0"/>
+          </a:effectRef>
+          <a:fontRef idx="minor">
+            <a:schemeClr val="dk1"/>
+          </a:fontRef>
+        </p:style>
+        <p:txBody>
+          <a:bodyPr rtlCol="0" anchor="ctr"/>
+          <a:lstStyle/>
+          <a:p>
+            <a:pPr algn="ctr"/>
+            <a:endParaRPr lang="en-NZ"/>
+          </a:p>
+        </p:txBody>
+      </p:sp>
+      <p:sp>
+        <p:nvSpPr>
+          <p:cNvPr id="45" name="Rectangle: Rounded Corners 44">
+            <a:extLst>
+              <a:ext uri="{FF2B5EF4-FFF2-40B4-BE49-F238E27FC236}">
+                <a16:creationId xmlns:a16="http://schemas.microsoft.com/office/drawing/2014/main" id="{72F58840-2DEB-89C5-9F75-1E84BE864A79}"/>
+              </a:ext>
+            </a:extLst>
+          </p:cNvPr>
+          <p:cNvSpPr/>
+          <p:nvPr/>
+        </p:nvSpPr>
+        <p:spPr>
+          <a:xfrm>
+            <a:off x="1527217" y="3747346"/>
+            <a:ext cx="957798" cy="828982"/>
+          </a:xfrm>
+          <a:prstGeom prst="roundRect">
+            <a:avLst/>
+          </a:prstGeom>
+          <a:noFill/>
+          <a:ln w="38100" cap="flat" cmpd="sng" algn="ctr">
+            <a:solidFill>
+              <a:schemeClr val="accent5"/>
+            </a:solidFill>
+            <a:prstDash val="solid"/>
+            <a:round/>
+            <a:headEnd type="none" w="med" len="med"/>
+            <a:tailEnd type="none" w="med" len="med"/>
+          </a:ln>
+        </p:spPr>
+        <p:style>
+          <a:lnRef idx="0">
+            <a:scrgbClr r="0" g="0" b="0"/>
+          </a:lnRef>
+          <a:fillRef idx="0">
+            <a:scrgbClr r="0" g="0" b="0"/>
+          </a:fillRef>
+          <a:effectRef idx="0">
+            <a:scrgbClr r="0" g="0" b="0"/>
+          </a:effectRef>
+          <a:fontRef idx="minor">
+            <a:schemeClr val="dk1"/>
+          </a:fontRef>
+        </p:style>
+        <p:txBody>
+          <a:bodyPr rtlCol="0" anchor="ctr"/>
+          <a:lstStyle/>
+          <a:p>
+            <a:pPr algn="ctr"/>
+            <a:endParaRPr lang="en-NZ"/>
+          </a:p>
+        </p:txBody>
+      </p:sp>
+      <p:sp>
+        <p:nvSpPr>
+          <p:cNvPr id="46" name="Rectangle: Rounded Corners 45">
+            <a:extLst>
+              <a:ext uri="{FF2B5EF4-FFF2-40B4-BE49-F238E27FC236}">
+                <a16:creationId xmlns:a16="http://schemas.microsoft.com/office/drawing/2014/main" id="{381DA978-889F-E79E-38FF-B84DA03997ED}"/>
+              </a:ext>
+            </a:extLst>
+          </p:cNvPr>
+          <p:cNvSpPr/>
+          <p:nvPr/>
+        </p:nvSpPr>
+        <p:spPr>
+          <a:xfrm>
+            <a:off x="3909669" y="3659122"/>
+            <a:ext cx="2175134" cy="914434"/>
+          </a:xfrm>
+          <a:prstGeom prst="roundRect">
+            <a:avLst>
+              <a:gd name="adj" fmla="val 2550"/>
+            </a:avLst>
+          </a:prstGeom>
+          <a:noFill/>
+          <a:ln w="38100" cap="flat" cmpd="sng" algn="ctr">
+            <a:solidFill>
+              <a:schemeClr val="accent5"/>
+            </a:solidFill>
+            <a:prstDash val="solid"/>
+            <a:round/>
+            <a:headEnd type="none" w="med" len="med"/>
+            <a:tailEnd type="none" w="med" len="med"/>
+          </a:ln>
+        </p:spPr>
+        <p:style>
+          <a:lnRef idx="0">
+            <a:scrgbClr r="0" g="0" b="0"/>
+          </a:lnRef>
+          <a:fillRef idx="0">
+            <a:scrgbClr r="0" g="0" b="0"/>
+          </a:fillRef>
+          <a:effectRef idx="0">
+            <a:scrgbClr r="0" g="0" b="0"/>
+          </a:effectRef>
+          <a:fontRef idx="minor">
+            <a:schemeClr val="dk1"/>
+          </a:fontRef>
+        </p:style>
+        <p:txBody>
+          <a:bodyPr rtlCol="0" anchor="ctr"/>
+          <a:lstStyle/>
+          <a:p>
+            <a:pPr algn="ctr"/>
+            <a:endParaRPr lang="en-NZ"/>
+          </a:p>
+        </p:txBody>
+      </p:sp>
+      <p:sp>
+        <p:nvSpPr>
+          <p:cNvPr id="47" name="Rectangle: Rounded Corners 46">
+            <a:extLst>
+              <a:ext uri="{FF2B5EF4-FFF2-40B4-BE49-F238E27FC236}">
+                <a16:creationId xmlns:a16="http://schemas.microsoft.com/office/drawing/2014/main" id="{2A781D0F-E053-1A5B-E307-6E9BB409042D}"/>
+              </a:ext>
+            </a:extLst>
+          </p:cNvPr>
+          <p:cNvSpPr/>
+          <p:nvPr/>
+        </p:nvSpPr>
+        <p:spPr>
+          <a:xfrm>
+            <a:off x="6228749" y="3398807"/>
+            <a:ext cx="2688899" cy="1477379"/>
+          </a:xfrm>
+          <a:prstGeom prst="roundRect">
+            <a:avLst>
+              <a:gd name="adj" fmla="val 2550"/>
+            </a:avLst>
+          </a:prstGeom>
+          <a:noFill/>
+          <a:ln w="38100" cap="flat" cmpd="sng" algn="ctr">
+            <a:solidFill>
+              <a:schemeClr val="accent5"/>
+            </a:solidFill>
+            <a:prstDash val="solid"/>
+            <a:round/>
+            <a:headEnd type="none" w="med" len="med"/>
+            <a:tailEnd type="none" w="med" len="med"/>
+          </a:ln>
+        </p:spPr>
+        <p:style>
+          <a:lnRef idx="0">
+            <a:scrgbClr r="0" g="0" b="0"/>
+          </a:lnRef>
+          <a:fillRef idx="0">
+            <a:scrgbClr r="0" g="0" b="0"/>
+          </a:fillRef>
+          <a:effectRef idx="0">
+            <a:scrgbClr r="0" g="0" b="0"/>
+          </a:effectRef>
+          <a:fontRef idx="minor">
+            <a:schemeClr val="dk1"/>
+          </a:fontRef>
+        </p:style>
+        <p:txBody>
+          <a:bodyPr rtlCol="0" anchor="ctr"/>
+          <a:lstStyle/>
+          <a:p>
+            <a:pPr algn="ctr"/>
+            <a:endParaRPr lang="en-NZ"/>
+          </a:p>
+        </p:txBody>
+      </p:sp>
+      <p:cxnSp>
+        <p:nvCxnSpPr>
+          <p:cNvPr id="48" name="Straight Arrow Connector 47">
+            <a:extLst>
+              <a:ext uri="{FF2B5EF4-FFF2-40B4-BE49-F238E27FC236}">
+                <a16:creationId xmlns:a16="http://schemas.microsoft.com/office/drawing/2014/main" id="{75733C96-33CB-96C8-B485-9206F5073875}"/>
+              </a:ext>
+            </a:extLst>
+          </p:cNvPr>
+          <p:cNvCxnSpPr>
+            <a:cxnSpLocks/>
+          </p:cNvCxnSpPr>
+          <p:nvPr/>
+        </p:nvCxnSpPr>
+        <p:spPr>
+          <a:xfrm>
+            <a:off x="815857" y="3854384"/>
+            <a:ext cx="679086" cy="0"/>
+          </a:xfrm>
+          <a:prstGeom prst="straightConnector1">
+            <a:avLst/>
+          </a:prstGeom>
+          <a:ln w="38100">
+            <a:solidFill>
+              <a:schemeClr val="accent5"/>
+            </a:solidFill>
+            <a:tailEnd type="triangle"/>
+          </a:ln>
+        </p:spPr>
+        <p:style>
+          <a:lnRef idx="1">
+            <a:schemeClr val="accent1"/>
+          </a:lnRef>
+          <a:fillRef idx="0">
+            <a:schemeClr val="accent1"/>
+          </a:fillRef>
+          <a:effectRef idx="0">
+            <a:schemeClr val="accent1"/>
+          </a:effectRef>
+          <a:fontRef idx="minor">
+            <a:schemeClr val="tx1"/>
+          </a:fontRef>
+        </p:style>
+      </p:cxnSp>
+      <p:cxnSp>
+        <p:nvCxnSpPr>
+          <p:cNvPr id="50" name="Straight Arrow Connector 49">
+            <a:extLst>
+              <a:ext uri="{FF2B5EF4-FFF2-40B4-BE49-F238E27FC236}">
+                <a16:creationId xmlns:a16="http://schemas.microsoft.com/office/drawing/2014/main" id="{0067A91C-28FE-20B1-FD9B-D19BA3DB0229}"/>
+              </a:ext>
+            </a:extLst>
+          </p:cNvPr>
+          <p:cNvCxnSpPr>
+            <a:cxnSpLocks/>
+          </p:cNvCxnSpPr>
+          <p:nvPr/>
+        </p:nvCxnSpPr>
+        <p:spPr>
+          <a:xfrm flipV="1">
+            <a:off x="2560319" y="4055633"/>
+            <a:ext cx="1215615" cy="91000"/>
+          </a:xfrm>
+          <a:prstGeom prst="straightConnector1">
+            <a:avLst/>
+          </a:prstGeom>
+          <a:ln w="38100">
+            <a:solidFill>
+              <a:schemeClr val="accent5"/>
+            </a:solidFill>
+            <a:tailEnd type="triangle"/>
+          </a:ln>
+        </p:spPr>
+        <p:style>
+          <a:lnRef idx="1">
+            <a:schemeClr val="accent1"/>
+          </a:lnRef>
+          <a:fillRef idx="0">
+            <a:schemeClr val="accent1"/>
+          </a:fillRef>
+          <a:effectRef idx="0">
+            <a:schemeClr val="accent1"/>
+          </a:effectRef>
+          <a:fontRef idx="minor">
+            <a:schemeClr val="tx1"/>
+          </a:fontRef>
+        </p:style>
+      </p:cxnSp>
+      <p:cxnSp>
+        <p:nvCxnSpPr>
+          <p:cNvPr id="52" name="Straight Arrow Connector 51">
+            <a:extLst>
+              <a:ext uri="{FF2B5EF4-FFF2-40B4-BE49-F238E27FC236}">
+                <a16:creationId xmlns:a16="http://schemas.microsoft.com/office/drawing/2014/main" id="{606EC1FB-1C6B-1E56-E9CE-6D3F82C3C75A}"/>
+              </a:ext>
+            </a:extLst>
+          </p:cNvPr>
+          <p:cNvCxnSpPr>
+            <a:cxnSpLocks/>
+          </p:cNvCxnSpPr>
+          <p:nvPr/>
+        </p:nvCxnSpPr>
+        <p:spPr>
+          <a:xfrm>
+            <a:off x="6128713" y="4146633"/>
+            <a:ext cx="110795" cy="0"/>
+          </a:xfrm>
+          <a:prstGeom prst="straightConnector1">
+            <a:avLst/>
+          </a:prstGeom>
+          <a:ln w="38100">
+            <a:solidFill>
+              <a:schemeClr val="accent5"/>
+            </a:solidFill>
+            <a:tailEnd type="triangle"/>
+          </a:ln>
+        </p:spPr>
+        <p:style>
+          <a:lnRef idx="1">
+            <a:schemeClr val="accent1"/>
+          </a:lnRef>
+          <a:fillRef idx="0">
+            <a:schemeClr val="accent1"/>
+          </a:fillRef>
+          <a:effectRef idx="0">
+            <a:schemeClr val="accent1"/>
+          </a:effectRef>
+          <a:fontRef idx="minor">
+            <a:schemeClr val="tx1"/>
+          </a:fontRef>
+        </p:style>
+      </p:cxnSp>
     </p:spTree>
     <p:extLst>
       <p:ext uri="{BB962C8B-B14F-4D97-AF65-F5344CB8AC3E}">
